--- a/ProjectPoster.pptx
+++ b/ProjectPoster.pptx
@@ -142,7 +142,7 @@
   </p:defaultTextStyle>
   <p:extLst>
     <p:ext uri="{EFAFB233-063F-42B5-8137-9DF3F51BA10A}">
-      <p15:sldGuideLst xmlns:p15="http://schemas.microsoft.com/office/powerpoint/2012/main" xmlns="">
+      <p15:sldGuideLst xmlns="" xmlns:p15="http://schemas.microsoft.com/office/powerpoint/2012/main">
         <p15:guide id="1" orient="horz" pos="13482" userDrawn="1">
           <p15:clr>
             <a:srgbClr val="A4A3A4"/>
@@ -4180,7 +4180,7 @@
       </p:grpSpPr>
       <p:pic>
         <p:nvPicPr>
-          <p:cNvPr id="464" name="Picture 14"/>
+          <p:cNvPr id="1035" name="Picture 11" descr="pca.gif"/>
           <p:cNvPicPr>
             <a:picLocks noChangeAspect="1" noChangeArrowheads="1"/>
           </p:cNvPicPr>
@@ -4201,40 +4201,27 @@
         </p:blipFill>
         <p:spPr bwMode="auto">
           <a:xfrm>
-            <a:off x="12772565" y="20868481"/>
-            <a:ext cx="6768135" cy="4720340"/>
+            <a:off x="27332152" y="8623033"/>
+            <a:ext cx="2228522" cy="1568538"/>
           </a:xfrm>
           <a:prstGeom prst="rect">
             <a:avLst/>
           </a:prstGeom>
           <a:noFill/>
-          <a:ln>
-            <a:noFill/>
-          </a:ln>
           <a:extLst>
             <a:ext uri="{909E8E84-426E-40DD-AFC4-6F175D3DCCD1}">
               <a14:hiddenFill xmlns:a14="http://schemas.microsoft.com/office/drawing/2010/main">
                 <a:solidFill>
-                  <a:schemeClr val="accent1"/>
+                  <a:srgbClr val="FFFFFF"/>
                 </a:solidFill>
               </a14:hiddenFill>
-            </a:ext>
-            <a:ext uri="{91240B29-F687-4F45-9708-019B960494DF}">
-              <a14:hiddenLine xmlns:a14="http://schemas.microsoft.com/office/drawing/2010/main" w="9525">
-                <a:solidFill>
-                  <a:schemeClr val="tx1"/>
-                </a:solidFill>
-                <a:miter lim="800000"/>
-                <a:headEnd/>
-                <a:tailEnd/>
-              </a14:hiddenLine>
             </a:ext>
           </a:extLst>
         </p:spPr>
       </p:pic>
       <p:pic>
         <p:nvPicPr>
-          <p:cNvPr id="1029" name="Picture 5"/>
+          <p:cNvPr id="464" name="Picture 14"/>
           <p:cNvPicPr>
             <a:picLocks noChangeAspect="1" noChangeArrowheads="1"/>
           </p:cNvPicPr>
@@ -4255,8 +4242,8 @@
         </p:blipFill>
         <p:spPr bwMode="auto">
           <a:xfrm>
-            <a:off x="2061529" y="27497881"/>
-            <a:ext cx="6200775" cy="2533650"/>
+            <a:off x="14229882" y="17439481"/>
+            <a:ext cx="5381295" cy="3753108"/>
           </a:xfrm>
           <a:prstGeom prst="rect">
             <a:avLst/>
@@ -4305,7 +4292,7 @@
             <p:cNvPr id="162" name="Picture 1" descr="תוצאת תמונה עבור ‪10-20 electrode placement‬‏">
               <a:extLst>
                 <a:ext uri="{FF2B5EF4-FFF2-40B4-BE49-F238E27FC236}">
-                  <a16:creationId xmlns:lc="http://schemas.openxmlformats.org/drawingml/2006/lockedCanvas" xmlns:o="urn:schemas-microsoft-com:office:office" xmlns:v="urn:schemas-microsoft-com:vml" xmlns:w10="urn:schemas-microsoft-com:office:word" xmlns:w="http://schemas.openxmlformats.org/wordprocessingml/2006/main" xmlns:xdr="http://schemas.openxmlformats.org/drawingml/2006/spreadsheetDrawing" xmlns:a16="http://schemas.microsoft.com/office/drawing/2014/main" xmlns="" xmlns:wps="http://schemas.microsoft.com/office/word/2010/wordprocessingShape" xmlns:wne="http://schemas.microsoft.com/office/word/2006/wordml" xmlns:wpi="http://schemas.microsoft.com/office/word/2010/wordprocessingInk" xmlns:wpg="http://schemas.microsoft.com/office/word/2010/wordprocessingGroup" xmlns:w14="http://schemas.microsoft.com/office/word/2010/wordml" xmlns:wp="http://schemas.openxmlformats.org/drawingml/2006/wordprocessingDrawing" xmlns:wp14="http://schemas.microsoft.com/office/word/2010/wordprocessingDrawing" xmlns:m="http://schemas.openxmlformats.org/officeDocument/2006/math" xmlns:mc="http://schemas.openxmlformats.org/markup-compatibility/2006" xmlns:wpc="http://schemas.microsoft.com/office/word/2010/wordprocessingCanvas" id="{7DD7956A-D087-42E6-9CC5-EF57BA256534}"/>
+                  <a16:creationId xmlns:wpc="http://schemas.microsoft.com/office/word/2010/wordprocessingCanvas" xmlns:mc="http://schemas.openxmlformats.org/markup-compatibility/2006" xmlns:m="http://schemas.openxmlformats.org/officeDocument/2006/math" xmlns:wp14="http://schemas.microsoft.com/office/word/2010/wordprocessingDrawing" xmlns:wp="http://schemas.openxmlformats.org/drawingml/2006/wordprocessingDrawing" xmlns:w14="http://schemas.microsoft.com/office/word/2010/wordml" xmlns:wpg="http://schemas.microsoft.com/office/word/2010/wordprocessingGroup" xmlns:wpi="http://schemas.microsoft.com/office/word/2010/wordprocessingInk" xmlns:wne="http://schemas.microsoft.com/office/word/2006/wordml" xmlns:wps="http://schemas.microsoft.com/office/word/2010/wordprocessingShape" xmlns="" xmlns:a16="http://schemas.microsoft.com/office/drawing/2014/main" xmlns:xdr="http://schemas.openxmlformats.org/drawingml/2006/spreadsheetDrawing" xmlns:w="http://schemas.openxmlformats.org/wordprocessingml/2006/main" xmlns:w10="urn:schemas-microsoft-com:office:word" xmlns:v="urn:schemas-microsoft-com:vml" xmlns:o="urn:schemas-microsoft-com:office:office" xmlns:lc="http://schemas.openxmlformats.org/drawingml/2006/lockedCanvas" id="{7DD7956A-D087-42E6-9CC5-EF57BA256534}"/>
                 </a:ext>
               </a:extLst>
             </p:cNvPr>
@@ -4878,7 +4865,7 @@
               <a:buFont typeface="Arial" pitchFamily="34" charset="0"/>
               <a:buChar char="•"/>
             </a:pPr>
-            <a:endParaRPr lang="en-US" sz="400" b="0" dirty="0">
+            <a:endParaRPr lang="en-US" sz="200" b="0" dirty="0">
               <a:solidFill>
                 <a:srgbClr val="000060"/>
               </a:solidFill>
@@ -4905,30 +4892,12 @@
             </a:r>
           </a:p>
           <a:p>
-            <a:pPr algn="l" rtl="0">
+            <a:pPr marL="457200" indent="-457200" algn="just" rtl="0">
               <a:spcBef>
                 <a:spcPts val="1682"/>
               </a:spcBef>
               <a:buSzPct val="125000"/>
-            </a:pPr>
-            <a:r>
-              <a:rPr lang="en-US" sz="2990" b="0" dirty="0">
-                <a:solidFill>
-                  <a:srgbClr val="000060"/>
-                </a:solidFill>
-                <a:latin typeface="Arial" panose="020B0604020202020204" pitchFamily="34" charset="0"/>
-                <a:cs typeface="Arial" panose="020B0604020202020204" pitchFamily="34" charset="0"/>
-              </a:rPr>
-              <a:t>A system that:</a:t>
-            </a:r>
-          </a:p>
-          <a:p>
-            <a:pPr marL="425679" indent="-425679" algn="just" rtl="0">
-              <a:spcBef>
-                <a:spcPts val="1682"/>
-              </a:spcBef>
-              <a:buSzPct val="125000"/>
-              <a:buFont typeface="Arial" pitchFamily="34" charset="0"/>
+              <a:buFont typeface="Arial" panose="020B0604020202020204" pitchFamily="34" charset="0"/>
               <a:buChar char="•"/>
             </a:pPr>
             <a:r>
@@ -4939,18 +4908,18 @@
                 <a:latin typeface="Arial" panose="020B0604020202020204" pitchFamily="34" charset="0"/>
                 <a:cs typeface="Arial" panose="020B0604020202020204" pitchFamily="34" charset="0"/>
               </a:rPr>
-              <a:t>Can be applied at the bedside of critically-ill patients.</a:t>
+              <a:t>A system </a:t>
             </a:r>
-          </a:p>
-          <a:p>
-            <a:pPr marL="425679" indent="-425679" algn="just" rtl="0">
-              <a:spcBef>
-                <a:spcPts val="1682"/>
-              </a:spcBef>
-              <a:buSzPct val="125000"/>
-              <a:buFont typeface="Arial" pitchFamily="34" charset="0"/>
-              <a:buChar char="•"/>
-            </a:pPr>
+            <a:r>
+              <a:rPr lang="en-US" sz="2990" b="0" dirty="0" smtClean="0">
+                <a:solidFill>
+                  <a:srgbClr val="000060"/>
+                </a:solidFill>
+                <a:latin typeface="Arial" panose="020B0604020202020204" pitchFamily="34" charset="0"/>
+                <a:cs typeface="Arial" panose="020B0604020202020204" pitchFamily="34" charset="0"/>
+              </a:rPr>
+              <a:t>that can </a:t>
+            </a:r>
             <a:r>
               <a:rPr lang="en-US" sz="2990" b="0" dirty="0">
                 <a:solidFill>
@@ -4959,18 +4928,18 @@
                 <a:latin typeface="Arial" panose="020B0604020202020204" pitchFamily="34" charset="0"/>
                 <a:cs typeface="Arial" panose="020B0604020202020204" pitchFamily="34" charset="0"/>
               </a:rPr>
-              <a:t>Detect neurological injury.</a:t>
+              <a:t>be applied at the bedside of critically-ill </a:t>
             </a:r>
-          </a:p>
-          <a:p>
-            <a:pPr marL="425679" indent="-425679" algn="just" rtl="0">
-              <a:spcBef>
-                <a:spcPts val="1682"/>
-              </a:spcBef>
-              <a:buSzPct val="125000"/>
-              <a:buFont typeface="Arial" pitchFamily="34" charset="0"/>
-              <a:buChar char="•"/>
-            </a:pPr>
+            <a:r>
+              <a:rPr lang="en-US" sz="2990" b="0" dirty="0" smtClean="0">
+                <a:solidFill>
+                  <a:srgbClr val="000060"/>
+                </a:solidFill>
+                <a:latin typeface="Arial" panose="020B0604020202020204" pitchFamily="34" charset="0"/>
+                <a:cs typeface="Arial" panose="020B0604020202020204" pitchFamily="34" charset="0"/>
+              </a:rPr>
+              <a:t>patients, detect </a:t>
+            </a:r>
             <a:r>
               <a:rPr lang="en-US" sz="2990" b="0" dirty="0">
                 <a:solidFill>
@@ -4979,7 +4948,27 @@
                 <a:latin typeface="Arial" panose="020B0604020202020204" pitchFamily="34" charset="0"/>
                 <a:cs typeface="Arial" panose="020B0604020202020204" pitchFamily="34" charset="0"/>
               </a:rPr>
-              <a:t>Aid in guiding therapy and improve outcomes.</a:t>
+              <a:t>neurological </a:t>
+            </a:r>
+            <a:r>
+              <a:rPr lang="en-US" sz="2990" b="0" dirty="0" smtClean="0">
+                <a:solidFill>
+                  <a:srgbClr val="000060"/>
+                </a:solidFill>
+                <a:latin typeface="Arial" panose="020B0604020202020204" pitchFamily="34" charset="0"/>
+                <a:cs typeface="Arial" panose="020B0604020202020204" pitchFamily="34" charset="0"/>
+              </a:rPr>
+              <a:t>injury, aid </a:t>
+            </a:r>
+            <a:r>
+              <a:rPr lang="en-US" sz="2990" b="0" dirty="0">
+                <a:solidFill>
+                  <a:srgbClr val="000060"/>
+                </a:solidFill>
+                <a:latin typeface="Arial" panose="020B0604020202020204" pitchFamily="34" charset="0"/>
+                <a:cs typeface="Arial" panose="020B0604020202020204" pitchFamily="34" charset="0"/>
+              </a:rPr>
+              <a:t>in guiding therapy and improve outcomes.</a:t>
             </a:r>
           </a:p>
           <a:p>
@@ -4989,7 +4978,7 @@
               </a:spcBef>
               <a:buSzPct val="125000"/>
             </a:pPr>
-            <a:endParaRPr lang="en-US" sz="400" b="0" dirty="0" smtClean="0">
+            <a:endParaRPr lang="en-US" sz="200" b="0" dirty="0" smtClean="0">
               <a:solidFill>
                 <a:srgbClr val="000060"/>
               </a:solidFill>
@@ -5057,8 +5046,38 @@
                 <a:latin typeface="Arial" panose="020B0604020202020204" pitchFamily="34" charset="0"/>
                 <a:cs typeface="Arial" panose="020B0604020202020204" pitchFamily="34" charset="0"/>
               </a:rPr>
-              <a:t>EEG monitoring</a:t>
+              <a:t>EEG </a:t>
             </a:r>
+            <a:r>
+              <a:rPr lang="en-US" sz="2990" b="0" dirty="0" smtClean="0">
+                <a:solidFill>
+                  <a:srgbClr val="000060"/>
+                </a:solidFill>
+                <a:latin typeface="Arial" panose="020B0604020202020204" pitchFamily="34" charset="0"/>
+                <a:cs typeface="Arial" panose="020B0604020202020204" pitchFamily="34" charset="0"/>
+              </a:rPr>
+              <a:t>monitoring</a:t>
+            </a:r>
+            <a:r>
+              <a:rPr lang="en-US" sz="2990" b="0" dirty="0" smtClean="0">
+                <a:solidFill>
+                  <a:srgbClr val="000060"/>
+                </a:solidFill>
+                <a:latin typeface="Arial" panose="020B0604020202020204" pitchFamily="34" charset="0"/>
+                <a:cs typeface="Arial" panose="020B0604020202020204" pitchFamily="34" charset="0"/>
+              </a:rPr>
+              <a:t>:</a:t>
+            </a:r>
+          </a:p>
+          <a:p>
+            <a:pPr marL="457200" indent="-457200" algn="just" rtl="0">
+              <a:spcBef>
+                <a:spcPts val="1682"/>
+              </a:spcBef>
+              <a:buSzPct val="125000"/>
+              <a:buFont typeface="Arial" panose="020B0604020202020204" pitchFamily="34" charset="0"/>
+              <a:buChar char="•"/>
+            </a:pPr>
             <a:r>
               <a:rPr lang="en-US" sz="2990" b="0" dirty="0">
                 <a:solidFill>
@@ -5067,18 +5086,36 @@
                 <a:latin typeface="Arial" panose="020B0604020202020204" pitchFamily="34" charset="0"/>
                 <a:cs typeface="Arial" panose="020B0604020202020204" pitchFamily="34" charset="0"/>
               </a:rPr>
-              <a:t>.</a:t>
+              <a:t>Measures voltage fluctuations resulting from ionic current within the neurons of the brain.</a:t>
             </a:r>
+          </a:p>
+          <a:p>
+            <a:pPr marL="457200" indent="-457200" algn="just" rtl="0">
+              <a:spcBef>
+                <a:spcPts val="1682"/>
+              </a:spcBef>
+              <a:buSzPct val="125000"/>
+              <a:buFont typeface="Arial" panose="020B0604020202020204" pitchFamily="34" charset="0"/>
+              <a:buChar char="•"/>
+            </a:pPr>
             <a:r>
-              <a:rPr lang="en-US" sz="3600" dirty="0" smtClean="0">
+              <a:rPr lang="en-US" sz="2990" b="0" dirty="0">
                 <a:solidFill>
                   <a:srgbClr val="000060"/>
                 </a:solidFill>
                 <a:latin typeface="Arial" panose="020B0604020202020204" pitchFamily="34" charset="0"/>
                 <a:cs typeface="Arial" panose="020B0604020202020204" pitchFamily="34" charset="0"/>
               </a:rPr>
-              <a:t> </a:t>
+              <a:t>Noninvasive, with the electrodes placed along the scalp. </a:t>
             </a:r>
+          </a:p>
+          <a:p>
+            <a:pPr algn="l" rtl="0">
+              <a:spcBef>
+                <a:spcPts val="1682"/>
+              </a:spcBef>
+              <a:buSzPct val="125000"/>
+            </a:pPr>
             <a:endParaRPr lang="en-US" sz="2990" b="0" dirty="0">
               <a:solidFill>
                 <a:srgbClr val="000060"/>
@@ -5129,7 +5166,7 @@
         </p:nvSpPr>
         <p:spPr bwMode="auto">
           <a:xfrm>
-            <a:off x="912099" y="18430081"/>
+            <a:off x="912099" y="18640233"/>
             <a:ext cx="5523461" cy="1009048"/>
           </a:xfrm>
           <a:prstGeom prst="rect">
@@ -6884,54 +6921,6 @@
       </mc:AlternateContent>
       <p:sp>
         <p:nvSpPr>
-          <p:cNvPr id="252" name="Rounded Rectangle 172"/>
-          <p:cNvSpPr/>
-          <p:nvPr/>
-        </p:nvSpPr>
-        <p:spPr>
-          <a:xfrm>
-            <a:off x="10458000" y="8623034"/>
-            <a:ext cx="9360000" cy="33160468"/>
-          </a:xfrm>
-          <a:prstGeom prst="roundRect">
-            <a:avLst>
-              <a:gd name="adj" fmla="val 2058"/>
-            </a:avLst>
-          </a:prstGeom>
-          <a:noFill/>
-          <a:ln w="76200" cap="flat" cmpd="sng" algn="ctr">
-            <a:solidFill>
-              <a:srgbClr val="000060"/>
-            </a:solidFill>
-            <a:prstDash val="solid"/>
-          </a:ln>
-          <a:effectLst/>
-        </p:spPr>
-        <p:txBody>
-          <a:bodyPr rtlCol="1" anchor="ctr"/>
-          <a:lstStyle/>
-          <a:p>
-            <a:pPr algn="ctr" defTabSz="854324" fontAlgn="auto">
-              <a:spcBef>
-                <a:spcPts val="0"/>
-              </a:spcBef>
-              <a:spcAft>
-                <a:spcPts val="0"/>
-              </a:spcAft>
-              <a:defRPr/>
-            </a:pPr>
-            <a:endParaRPr lang="he-IL" sz="7661" b="0" kern="0">
-              <a:solidFill>
-                <a:srgbClr val="FFFFFF"/>
-              </a:solidFill>
-              <a:latin typeface="Arial" panose="020B0604020202020204" pitchFamily="34" charset="0"/>
-              <a:cs typeface="Arial" panose="020B0604020202020204" pitchFamily="34" charset="0"/>
-            </a:endParaRPr>
-          </a:p>
-        </p:txBody>
-      </p:sp>
-      <p:sp>
-        <p:nvSpPr>
           <p:cNvPr id="253" name="Rectangle 4"/>
           <p:cNvSpPr>
             <a:spLocks noChangeArrowheads="1"/>
@@ -6990,8 +6979,8 @@
           </a:p>
         </p:txBody>
       </p:sp>
-      <mc:AlternateContent xmlns:mc="http://schemas.openxmlformats.org/markup-compatibility/2006" xmlns:a14="http://schemas.microsoft.com/office/drawing/2010/main">
-        <mc:Choice Requires="a14">
+      <mc:AlternateContent xmlns:mc="http://schemas.openxmlformats.org/markup-compatibility/2006">
+        <mc:Choice xmlns:a14="http://schemas.microsoft.com/office/drawing/2010/main" Requires="a14">
           <p:sp>
             <p:nvSpPr>
               <p:cNvPr id="386" name="Rectangle 4"/>
@@ -7003,7 +6992,7 @@
             <p:spPr bwMode="auto">
               <a:xfrm>
                 <a:off x="10728000" y="9819481"/>
-                <a:ext cx="8820000" cy="28727400"/>
+                <a:ext cx="8820000" cy="17449800"/>
               </a:xfrm>
               <a:prstGeom prst="rect">
                 <a:avLst/>
@@ -7066,15 +7055,18 @@
                     <a:latin typeface="Arial" panose="020B0604020202020204" pitchFamily="34" charset="0"/>
                     <a:cs typeface="Arial" panose="020B0604020202020204" pitchFamily="34" charset="0"/>
                   </a:rPr>
-                  <a:t>In our algorithm we used covariance matrices as features. The covariance matrix is symmetric and positive definite; therefore it lies on a Riemannian manifold.</a:t>
+                  <a:t>We </a:t>
                 </a:r>
-              </a:p>
-              <a:p>
-                <a:pPr algn="just" rtl="0">
-                  <a:spcBef>
-                    <a:spcPct val="20000"/>
-                  </a:spcBef>
-                </a:pPr>
+                <a:r>
+                  <a:rPr lang="en-US" sz="2990" b="0" dirty="0">
+                    <a:solidFill>
+                      <a:srgbClr val="002060"/>
+                    </a:solidFill>
+                    <a:latin typeface="Arial" panose="020B0604020202020204" pitchFamily="34" charset="0"/>
+                    <a:cs typeface="Arial" panose="020B0604020202020204" pitchFamily="34" charset="0"/>
+                  </a:rPr>
+                  <a:t>used </a:t>
+                </a:r>
                 <a:r>
                   <a:rPr lang="en-US" sz="2990" b="0" dirty="0" smtClean="0">
                     <a:solidFill>
@@ -7083,7 +7075,97 @@
                     <a:latin typeface="Arial" panose="020B0604020202020204" pitchFamily="34" charset="0"/>
                     <a:cs typeface="Arial" panose="020B0604020202020204" pitchFamily="34" charset="0"/>
                   </a:rPr>
-                  <a:t>Let </a:t>
+                  <a:t>SPD (symmetric </a:t>
+                </a:r>
+                <a:r>
+                  <a:rPr lang="en-US" sz="2990" b="0" dirty="0">
+                    <a:solidFill>
+                      <a:srgbClr val="002060"/>
+                    </a:solidFill>
+                    <a:latin typeface="Arial" panose="020B0604020202020204" pitchFamily="34" charset="0"/>
+                    <a:cs typeface="Arial" panose="020B0604020202020204" pitchFamily="34" charset="0"/>
+                  </a:rPr>
+                  <a:t>and positive </a:t>
+                </a:r>
+                <a:r>
+                  <a:rPr lang="en-US" sz="2990" b="0" dirty="0" smtClean="0">
+                    <a:solidFill>
+                      <a:srgbClr val="002060"/>
+                    </a:solidFill>
+                    <a:latin typeface="Arial" panose="020B0604020202020204" pitchFamily="34" charset="0"/>
+                    <a:cs typeface="Arial" panose="020B0604020202020204" pitchFamily="34" charset="0"/>
+                  </a:rPr>
+                  <a:t>definite) </a:t>
+                </a:r>
+                <a:r>
+                  <a:rPr lang="en-US" sz="2990" b="0" dirty="0" smtClean="0">
+                    <a:solidFill>
+                      <a:srgbClr val="002060"/>
+                    </a:solidFill>
+                    <a:latin typeface="Arial" panose="020B0604020202020204" pitchFamily="34" charset="0"/>
+                    <a:cs typeface="Arial" panose="020B0604020202020204" pitchFamily="34" charset="0"/>
+                  </a:rPr>
+                  <a:t>matrices </a:t>
+                </a:r>
+                <a:r>
+                  <a:rPr lang="en-US" sz="2990" b="0" dirty="0" smtClean="0">
+                    <a:solidFill>
+                      <a:srgbClr val="002060"/>
+                    </a:solidFill>
+                    <a:latin typeface="Arial" panose="020B0604020202020204" pitchFamily="34" charset="0"/>
+                    <a:cs typeface="Arial" panose="020B0604020202020204" pitchFamily="34" charset="0"/>
+                  </a:rPr>
+                  <a:t>as features. </a:t>
+                </a:r>
+                <a:r>
+                  <a:rPr lang="en-US" sz="2990" b="0" dirty="0" smtClean="0">
+                    <a:solidFill>
+                      <a:srgbClr val="002060"/>
+                    </a:solidFill>
+                    <a:latin typeface="Arial" panose="020B0604020202020204" pitchFamily="34" charset="0"/>
+                    <a:cs typeface="Arial" panose="020B0604020202020204" pitchFamily="34" charset="0"/>
+                  </a:rPr>
+                  <a:t>SPD matrices lie </a:t>
+                </a:r>
+                <a:r>
+                  <a:rPr lang="en-US" sz="2990" b="0" dirty="0" smtClean="0">
+                    <a:solidFill>
+                      <a:srgbClr val="002060"/>
+                    </a:solidFill>
+                    <a:latin typeface="Arial" panose="020B0604020202020204" pitchFamily="34" charset="0"/>
+                    <a:cs typeface="Arial" panose="020B0604020202020204" pitchFamily="34" charset="0"/>
+                  </a:rPr>
+                  <a:t>on </a:t>
+                </a:r>
+                <a:r>
+                  <a:rPr lang="en-US" sz="2990" b="0" dirty="0" smtClean="0">
+                    <a:solidFill>
+                      <a:srgbClr val="002060"/>
+                    </a:solidFill>
+                    <a:latin typeface="Arial" panose="020B0604020202020204" pitchFamily="34" charset="0"/>
+                    <a:cs typeface="Arial" panose="020B0604020202020204" pitchFamily="34" charset="0"/>
+                  </a:rPr>
+                  <a:t>the </a:t>
+                </a:r>
+                <a:r>
+                  <a:rPr lang="en-US" sz="2990" b="0" dirty="0">
+                    <a:solidFill>
+                      <a:srgbClr val="002060"/>
+                    </a:solidFill>
+                    <a:latin typeface="Arial" panose="020B0604020202020204" pitchFamily="34" charset="0"/>
+                    <a:cs typeface="Arial" panose="020B0604020202020204" pitchFamily="34" charset="0"/>
+                  </a:rPr>
+                  <a:t>Riemannian Manifold of all SPD </a:t>
+                </a:r>
+                <a:r>
+                  <a:rPr lang="en-US" sz="2990" b="0" dirty="0" smtClean="0">
+                    <a:solidFill>
+                      <a:srgbClr val="002060"/>
+                    </a:solidFill>
+                    <a:latin typeface="Arial" panose="020B0604020202020204" pitchFamily="34" charset="0"/>
+                    <a:cs typeface="Arial" panose="020B0604020202020204" pitchFamily="34" charset="0"/>
+                  </a:rPr>
+                  <a:t>matrices </a:t>
                 </a:r>
                 <a14:m>
                   <m:oMath xmlns:m="http://schemas.openxmlformats.org/officeDocument/2006/math">
@@ -7096,33 +7178,33 @@
                       </a:rPr>
                       <m:t>ℳ</m:t>
                     </m:r>
-                    <m:r>
-                      <a:rPr lang="en-US" sz="2990" b="0" i="1">
-                        <a:solidFill>
-                          <a:srgbClr val="002060"/>
-                        </a:solidFill>
-                        <a:latin typeface="Cambria Math"/>
-                      </a:rPr>
-                      <m:t> </m:t>
-                    </m:r>
                   </m:oMath>
                 </a14:m>
                 <a:r>
-                  <a:rPr lang="en-US" sz="2990" b="0" dirty="0">
+                  <a:rPr lang="en-US" sz="2990" b="0" dirty="0" smtClean="0">
                     <a:solidFill>
                       <a:srgbClr val="002060"/>
                     </a:solidFill>
                     <a:latin typeface="Arial" panose="020B0604020202020204" pitchFamily="34" charset="0"/>
                     <a:cs typeface="Arial" panose="020B0604020202020204" pitchFamily="34" charset="0"/>
                   </a:rPr>
-                  <a:t>be the Riemannian Manifold of all SPD matrices.</a:t>
+                  <a:t>.</a:t>
                 </a:r>
+                <a:endParaRPr lang="en-US" sz="2990" b="0" dirty="0">
+                  <a:solidFill>
+                    <a:srgbClr val="002060"/>
+                  </a:solidFill>
+                  <a:latin typeface="Arial" panose="020B0604020202020204" pitchFamily="34" charset="0"/>
+                  <a:cs typeface="Arial" panose="020B0604020202020204" pitchFamily="34" charset="0"/>
+                </a:endParaRPr>
               </a:p>
               <a:p>
-                <a:pPr algn="just" rtl="0">
+                <a:pPr marL="457200" indent="-457200" algn="just" rtl="0">
                   <a:spcBef>
                     <a:spcPct val="20000"/>
                   </a:spcBef>
+                  <a:buFont typeface="Arial" panose="020B0604020202020204" pitchFamily="34" charset="0"/>
+                  <a:buChar char="•"/>
                 </a:pPr>
                 <a:r>
                   <a:rPr lang="en-US" sz="2990" b="0" dirty="0">
@@ -7236,28 +7318,15 @@
                   </m:oMath>
                 </a14:m>
                 <a:r>
-                  <a:rPr lang="en-US" sz="2990" b="0" dirty="0">
+                  <a:rPr lang="en-US" sz="2990" b="0" dirty="0" smtClean="0">
                     <a:solidFill>
                       <a:srgbClr val="002060"/>
                     </a:solidFill>
                     <a:latin typeface="Arial" panose="020B0604020202020204" pitchFamily="34" charset="0"/>
                     <a:cs typeface="Arial" panose="020B0604020202020204" pitchFamily="34" charset="0"/>
                   </a:rPr>
-                  <a:t> be covariance matrices created from </a:t>
+                  <a:t>,</a:t>
                 </a:r>
-                <a14:m>
-                  <m:oMath xmlns:m="http://schemas.openxmlformats.org/officeDocument/2006/math">
-                    <m:r>
-                      <a:rPr lang="en-US" sz="2990" b="0" i="1" dirty="0">
-                        <a:solidFill>
-                          <a:srgbClr val="002060"/>
-                        </a:solidFill>
-                        <a:latin typeface="Cambria Math"/>
-                      </a:rPr>
-                      <m:t>2</m:t>
-                    </m:r>
-                  </m:oMath>
-                </a14:m>
                 <a:r>
                   <a:rPr lang="en-US" sz="2990" b="0" dirty="0">
                     <a:solidFill>
@@ -7266,7 +7335,47 @@
                     <a:latin typeface="Arial" panose="020B0604020202020204" pitchFamily="34" charset="0"/>
                     <a:cs typeface="Arial" panose="020B0604020202020204" pitchFamily="34" charset="0"/>
                   </a:rPr>
-                  <a:t> different trials.</a:t>
+                  <a:t> </a:t>
+                </a:r>
+                <a:r>
+                  <a:rPr lang="en-US" sz="2990" b="0" dirty="0">
+                    <a:solidFill>
+                      <a:srgbClr val="002060"/>
+                    </a:solidFill>
+                    <a:latin typeface="Arial" panose="020B0604020202020204" pitchFamily="34" charset="0"/>
+                    <a:cs typeface="Arial" panose="020B0604020202020204" pitchFamily="34" charset="0"/>
+                  </a:rPr>
+                  <a:t>t</a:t>
+                </a:r>
+                <a:r>
+                  <a:rPr lang="en-US" sz="2990" b="0" dirty="0" smtClean="0">
+                    <a:solidFill>
+                      <a:srgbClr val="002060"/>
+                    </a:solidFill>
+                    <a:latin typeface="Arial" panose="020B0604020202020204" pitchFamily="34" charset="0"/>
+                    <a:cs typeface="Arial" panose="020B0604020202020204" pitchFamily="34" charset="0"/>
+                  </a:rPr>
+                  <a:t>he </a:t>
+                </a:r>
+                <a:r>
+                  <a:rPr lang="en-US" sz="2990" b="0" dirty="0">
+                    <a:solidFill>
+                      <a:srgbClr val="002060"/>
+                    </a:solidFill>
+                    <a:latin typeface="Arial" panose="020B0604020202020204" pitchFamily="34" charset="0"/>
+                    <a:cs typeface="Arial" panose="020B0604020202020204" pitchFamily="34" charset="0"/>
+                  </a:rPr>
+                  <a:t>Riemannian Geodesic distance is </a:t>
+                </a:r>
+                <a:r>
+                  <a:rPr lang="en-US" sz="2990" b="0" dirty="0" smtClean="0">
+                    <a:solidFill>
+                      <a:srgbClr val="002060"/>
+                    </a:solidFill>
+                    <a:latin typeface="Arial" panose="020B0604020202020204" pitchFamily="34" charset="0"/>
+                    <a:cs typeface="Arial" panose="020B0604020202020204" pitchFamily="34" charset="0"/>
+                  </a:rPr>
+                  <a:t>given by:</a:t>
                 </a:r>
               </a:p>
               <a:p>
@@ -7275,378 +7384,6 @@
                     <a:spcPct val="20000"/>
                   </a:spcBef>
                 </a:pPr>
-                <a:r>
-                  <a:rPr lang="en-US" sz="2990" b="0" dirty="0">
-                    <a:solidFill>
-                      <a:srgbClr val="002060"/>
-                    </a:solidFill>
-                    <a:latin typeface="Arial" panose="020B0604020202020204" pitchFamily="34" charset="0"/>
-                    <a:cs typeface="Arial" panose="020B0604020202020204" pitchFamily="34" charset="0"/>
-                  </a:rPr>
-                  <a:t>The Riemannian Geodesic distance is defined by:</a:t>
-                </a:r>
-              </a:p>
-              <a:p>
-                <a:pPr algn="just" rtl="0">
-                  <a:spcBef>
-                    <a:spcPct val="20000"/>
-                  </a:spcBef>
-                </a:pPr>
-                <a:endParaRPr lang="en-US" sz="1400" b="0" dirty="0">
-                  <a:solidFill>
-                    <a:srgbClr val="002060"/>
-                  </a:solidFill>
-                  <a:latin typeface="Arial" panose="020B0604020202020204" pitchFamily="34" charset="0"/>
-                  <a:cs typeface="Arial" panose="020B0604020202020204" pitchFamily="34" charset="0"/>
-                </a:endParaRPr>
-              </a:p>
-              <a:p>
-                <a:pPr algn="just" rtl="0">
-                  <a:spcBef>
-                    <a:spcPct val="20000"/>
-                  </a:spcBef>
-                </a:pPr>
-                <a14:m>
-                  <m:oMathPara xmlns:m="http://schemas.openxmlformats.org/officeDocument/2006/math">
-                    <m:oMathParaPr>
-                      <m:jc m:val="centerGroup"/>
-                    </m:oMathParaPr>
-                    <m:oMath xmlns:m="http://schemas.openxmlformats.org/officeDocument/2006/math">
-                      <m:sSub>
-                        <m:sSubPr>
-                          <m:ctrlPr>
-                            <a:rPr lang="en-US" sz="2990" b="0" i="1">
-                              <a:solidFill>
-                                <a:srgbClr val="002060"/>
-                              </a:solidFill>
-                              <a:latin typeface="Cambria Math"/>
-                              <a:ea typeface="Cambria Math"/>
-                            </a:rPr>
-                          </m:ctrlPr>
-                        </m:sSubPr>
-                        <m:e>
-                          <m:r>
-                            <a:rPr lang="en-US" sz="2990" b="0" i="1">
-                              <a:solidFill>
-                                <a:srgbClr val="002060"/>
-                              </a:solidFill>
-                              <a:latin typeface="Cambria Math"/>
-                              <a:ea typeface="Cambria Math"/>
-                            </a:rPr>
-                            <m:t>𝛿</m:t>
-                          </m:r>
-                        </m:e>
-                        <m:sub>
-                          <m:r>
-                            <a:rPr lang="en-US" sz="2990" b="0" i="1">
-                              <a:solidFill>
-                                <a:srgbClr val="002060"/>
-                              </a:solidFill>
-                              <a:latin typeface="Cambria Math"/>
-                              <a:ea typeface="Cambria Math"/>
-                            </a:rPr>
-                            <m:t>𝑅</m:t>
-                          </m:r>
-                        </m:sub>
-                      </m:sSub>
-                      <m:d>
-                        <m:dPr>
-                          <m:ctrlPr>
-                            <a:rPr lang="en-US" sz="2990" b="0" i="1">
-                              <a:solidFill>
-                                <a:srgbClr val="002060"/>
-                              </a:solidFill>
-                              <a:latin typeface="Cambria Math"/>
-                              <a:ea typeface="Cambria Math"/>
-                            </a:rPr>
-                          </m:ctrlPr>
-                        </m:dPr>
-                        <m:e>
-                          <m:sSub>
-                            <m:sSubPr>
-                              <m:ctrlPr>
-                                <a:rPr lang="en-US" sz="2990" b="0" i="1">
-                                  <a:solidFill>
-                                    <a:srgbClr val="002060"/>
-                                  </a:solidFill>
-                                  <a:latin typeface="Cambria Math"/>
-                                </a:rPr>
-                              </m:ctrlPr>
-                            </m:sSubPr>
-                            <m:e>
-                              <m:r>
-                                <a:rPr lang="en-US" sz="2990" b="0" i="1">
-                                  <a:solidFill>
-                                    <a:srgbClr val="002060"/>
-                                  </a:solidFill>
-                                  <a:latin typeface="Cambria Math"/>
-                                </a:rPr>
-                                <m:t>𝑃</m:t>
-                              </m:r>
-                            </m:e>
-                            <m:sub>
-                              <m:r>
-                                <a:rPr lang="en-US" sz="2990" b="0" i="1">
-                                  <a:solidFill>
-                                    <a:srgbClr val="002060"/>
-                                  </a:solidFill>
-                                  <a:latin typeface="Cambria Math"/>
-                                </a:rPr>
-                                <m:t>1</m:t>
-                              </m:r>
-                            </m:sub>
-                          </m:sSub>
-                          <m:r>
-                            <a:rPr lang="en-US" sz="2990" b="0" i="1">
-                              <a:solidFill>
-                                <a:srgbClr val="002060"/>
-                              </a:solidFill>
-                              <a:latin typeface="Cambria Math"/>
-                            </a:rPr>
-                            <m:t>,</m:t>
-                          </m:r>
-                          <m:sSub>
-                            <m:sSubPr>
-                              <m:ctrlPr>
-                                <a:rPr lang="en-US" sz="2990" b="0" i="1">
-                                  <a:solidFill>
-                                    <a:srgbClr val="002060"/>
-                                  </a:solidFill>
-                                  <a:latin typeface="Cambria Math"/>
-                                </a:rPr>
-                              </m:ctrlPr>
-                            </m:sSubPr>
-                            <m:e>
-                              <m:r>
-                                <a:rPr lang="en-US" sz="2990" b="0" i="1">
-                                  <a:solidFill>
-                                    <a:srgbClr val="002060"/>
-                                  </a:solidFill>
-                                  <a:latin typeface="Cambria Math"/>
-                                </a:rPr>
-                                <m:t>𝑃</m:t>
-                              </m:r>
-                            </m:e>
-                            <m:sub>
-                              <m:r>
-                                <a:rPr lang="en-US" sz="2990" b="0" i="1">
-                                  <a:solidFill>
-                                    <a:srgbClr val="002060"/>
-                                  </a:solidFill>
-                                  <a:latin typeface="Cambria Math"/>
-                                </a:rPr>
-                                <m:t>2</m:t>
-                              </m:r>
-                            </m:sub>
-                          </m:sSub>
-                        </m:e>
-                      </m:d>
-                      <m:r>
-                        <a:rPr lang="en-US" sz="2990" b="0" i="1">
-                          <a:solidFill>
-                            <a:srgbClr val="002060"/>
-                          </a:solidFill>
-                          <a:latin typeface="Cambria Math"/>
-                        </a:rPr>
-                        <m:t>≜</m:t>
-                      </m:r>
-                      <m:sSub>
-                        <m:sSubPr>
-                          <m:ctrlPr>
-                            <a:rPr lang="en-US" sz="2990" b="0" i="1">
-                              <a:solidFill>
-                                <a:srgbClr val="002060"/>
-                              </a:solidFill>
-                              <a:latin typeface="Cambria Math"/>
-                              <a:ea typeface="Cambria Math"/>
-                            </a:rPr>
-                          </m:ctrlPr>
-                        </m:sSubPr>
-                        <m:e>
-                          <m:d>
-                            <m:dPr>
-                              <m:begChr m:val="‖"/>
-                              <m:endChr m:val="‖"/>
-                              <m:ctrlPr>
-                                <a:rPr lang="en-US" sz="2990" b="0" i="1">
-                                  <a:solidFill>
-                                    <a:srgbClr val="002060"/>
-                                  </a:solidFill>
-                                  <a:latin typeface="Cambria Math"/>
-                                  <a:ea typeface="Cambria Math"/>
-                                </a:rPr>
-                              </m:ctrlPr>
-                            </m:dPr>
-                            <m:e>
-                              <m:func>
-                                <m:funcPr>
-                                  <m:ctrlPr>
-                                    <a:rPr lang="en-US" sz="2990" b="0" i="1">
-                                      <a:solidFill>
-                                        <a:srgbClr val="002060"/>
-                                      </a:solidFill>
-                                      <a:latin typeface="Cambria Math"/>
-                                      <a:ea typeface="Cambria Math"/>
-                                    </a:rPr>
-                                  </m:ctrlPr>
-                                </m:funcPr>
-                                <m:fName>
-                                  <m:r>
-                                    <m:rPr>
-                                      <m:sty m:val="p"/>
-                                    </m:rPr>
-                                    <a:rPr lang="en-US" sz="2990" b="0">
-                                      <a:solidFill>
-                                        <a:srgbClr val="002060"/>
-                                      </a:solidFill>
-                                      <a:latin typeface="Cambria Math"/>
-                                      <a:ea typeface="Cambria Math"/>
-                                    </a:rPr>
-                                    <m:t>log</m:t>
-                                  </m:r>
-                                </m:fName>
-                                <m:e>
-                                  <m:d>
-                                    <m:dPr>
-                                      <m:ctrlPr>
-                                        <a:rPr lang="en-US" sz="2990" b="0" i="1">
-                                          <a:solidFill>
-                                            <a:srgbClr val="002060"/>
-                                          </a:solidFill>
-                                          <a:latin typeface="Cambria Math"/>
-                                          <a:ea typeface="Cambria Math"/>
-                                        </a:rPr>
-                                      </m:ctrlPr>
-                                    </m:dPr>
-                                    <m:e>
-                                      <m:sSup>
-                                        <m:sSupPr>
-                                          <m:ctrlPr>
-                                            <a:rPr lang="en-US" sz="2990" b="0" i="1">
-                                              <a:solidFill>
-                                                <a:srgbClr val="002060"/>
-                                              </a:solidFill>
-                                              <a:latin typeface="Cambria Math"/>
-                                              <a:ea typeface="Cambria Math"/>
-                                            </a:rPr>
-                                          </m:ctrlPr>
-                                        </m:sSupPr>
-                                        <m:e>
-                                          <m:sSub>
-                                            <m:sSubPr>
-                                              <m:ctrlPr>
-                                                <a:rPr lang="en-US" sz="2990" b="0" i="1">
-                                                  <a:solidFill>
-                                                    <a:srgbClr val="002060"/>
-                                                  </a:solidFill>
-                                                  <a:latin typeface="Cambria Math"/>
-                                                </a:rPr>
-                                              </m:ctrlPr>
-                                            </m:sSubPr>
-                                            <m:e>
-                                              <m:r>
-                                                <a:rPr lang="en-US" sz="2990" b="0" i="1">
-                                                  <a:solidFill>
-                                                    <a:srgbClr val="002060"/>
-                                                  </a:solidFill>
-                                                  <a:latin typeface="Cambria Math"/>
-                                                </a:rPr>
-                                                <m:t>𝑃</m:t>
-                                              </m:r>
-                                            </m:e>
-                                            <m:sub>
-                                              <m:r>
-                                                <a:rPr lang="en-US" sz="2990" b="0" i="1">
-                                                  <a:solidFill>
-                                                    <a:srgbClr val="002060"/>
-                                                  </a:solidFill>
-                                                  <a:latin typeface="Cambria Math"/>
-                                                </a:rPr>
-                                                <m:t>1</m:t>
-                                              </m:r>
-                                            </m:sub>
-                                          </m:sSub>
-                                        </m:e>
-                                        <m:sup>
-                                          <m:r>
-                                            <a:rPr lang="en-US" sz="2990" b="0" i="1">
-                                              <a:solidFill>
-                                                <a:srgbClr val="002060"/>
-                                              </a:solidFill>
-                                              <a:latin typeface="Cambria Math"/>
-                                              <a:ea typeface="Cambria Math"/>
-                                            </a:rPr>
-                                            <m:t>−</m:t>
-                                          </m:r>
-                                          <m:r>
-                                            <a:rPr lang="en-US" sz="2990" b="0" i="1">
-                                              <a:solidFill>
-                                                <a:srgbClr val="002060"/>
-                                              </a:solidFill>
-                                              <a:latin typeface="Cambria Math"/>
-                                              <a:ea typeface="Cambria Math"/>
-                                            </a:rPr>
-                                            <m:t>1</m:t>
-                                          </m:r>
-                                        </m:sup>
-                                      </m:sSup>
-                                      <m:sSub>
-                                        <m:sSubPr>
-                                          <m:ctrlPr>
-                                            <a:rPr lang="en-US" sz="2990" b="0" i="1">
-                                              <a:solidFill>
-                                                <a:srgbClr val="002060"/>
-                                              </a:solidFill>
-                                              <a:latin typeface="Cambria Math"/>
-                                            </a:rPr>
-                                          </m:ctrlPr>
-                                        </m:sSubPr>
-                                        <m:e>
-                                          <m:r>
-                                            <a:rPr lang="en-US" sz="2990" b="0" i="1">
-                                              <a:solidFill>
-                                                <a:srgbClr val="002060"/>
-                                              </a:solidFill>
-                                              <a:latin typeface="Cambria Math"/>
-                                            </a:rPr>
-                                            <m:t>𝑃</m:t>
-                                          </m:r>
-                                        </m:e>
-                                        <m:sub>
-                                          <m:r>
-                                            <a:rPr lang="en-US" sz="2990" b="0" i="1">
-                                              <a:solidFill>
-                                                <a:srgbClr val="002060"/>
-                                              </a:solidFill>
-                                              <a:latin typeface="Cambria Math"/>
-                                            </a:rPr>
-                                            <m:t>2</m:t>
-                                          </m:r>
-                                        </m:sub>
-                                      </m:sSub>
-                                    </m:e>
-                                  </m:d>
-                                </m:e>
-                              </m:func>
-                            </m:e>
-                          </m:d>
-                        </m:e>
-                        <m:sub>
-                          <m:r>
-                            <a:rPr lang="en-US" sz="2990" b="0" i="1">
-                              <a:solidFill>
-                                <a:srgbClr val="002060"/>
-                              </a:solidFill>
-                              <a:latin typeface="Cambria Math"/>
-                              <a:ea typeface="Cambria Math"/>
-                            </a:rPr>
-                            <m:t>𝐹</m:t>
-                          </m:r>
-                        </m:sub>
-                      </m:sSub>
-                    </m:oMath>
-                  </m:oMathPara>
-                </a14:m>
                 <a:endParaRPr lang="en-US" sz="2990" b="0" dirty="0" smtClean="0">
                   <a:solidFill>
                     <a:srgbClr val="002060"/>
@@ -7670,10 +7407,12 @@
                 </a:endParaRPr>
               </a:p>
               <a:p>
-                <a:pPr algn="just" rtl="0">
+                <a:pPr marL="457200" indent="-457200" algn="just" rtl="0">
                   <a:spcBef>
                     <a:spcPct val="20000"/>
                   </a:spcBef>
+                  <a:buFont typeface="Arial" panose="020B0604020202020204" pitchFamily="34" charset="0"/>
+                  <a:buChar char="•"/>
                 </a:pPr>
                 <a:r>
                   <a:rPr lang="en-US" sz="2990" b="0" dirty="0">
@@ -7681,14 +7420,12 @@
                       <a:srgbClr val="002060"/>
                     </a:solidFill>
                   </a:rPr>
-                  <a:t>Let </a:t>
+                  <a:t>The Riemannian mean of the set </a:t>
                 </a:r>
                 <a14:m>
                   <m:oMath xmlns:m="http://schemas.openxmlformats.org/officeDocument/2006/math">
-                    <m:d>
-                      <m:dPr>
-                        <m:begChr m:val="{"/>
-                        <m:endChr m:val="}"/>
+                    <m:sSub>
+                      <m:sSubPr>
                         <m:ctrlPr>
                           <a:rPr lang="en-US" sz="2990" b="0" i="1">
                             <a:solidFill>
@@ -7697,10 +7434,12 @@
                             <a:latin typeface="Cambria Math"/>
                           </a:rPr>
                         </m:ctrlPr>
-                      </m:dPr>
+                      </m:sSubPr>
                       <m:e>
-                        <m:sSub>
-                          <m:sSubPr>
+                        <m:d>
+                          <m:dPr>
+                            <m:begChr m:val="{"/>
+                            <m:endChr m:val="}"/>
                             <m:ctrlPr>
                               <a:rPr lang="en-US" sz="2990" b="0" i="1">
                                 <a:solidFill>
@@ -7709,32 +7448,57 @@
                                 <a:latin typeface="Cambria Math"/>
                               </a:rPr>
                             </m:ctrlPr>
-                          </m:sSubPr>
+                          </m:dPr>
                           <m:e>
-                            <m:r>
-                              <a:rPr lang="en-US" sz="2990" b="0" i="1">
-                                <a:solidFill>
-                                  <a:srgbClr val="002060"/>
-                                </a:solidFill>
-                                <a:latin typeface="Cambria Math"/>
-                              </a:rPr>
-                              <m:t>𝑃</m:t>
-                            </m:r>
+                            <m:sSub>
+                              <m:sSubPr>
+                                <m:ctrlPr>
+                                  <a:rPr lang="en-US" sz="2990" b="0" i="1">
+                                    <a:solidFill>
+                                      <a:srgbClr val="002060"/>
+                                    </a:solidFill>
+                                    <a:latin typeface="Cambria Math"/>
+                                  </a:rPr>
+                                </m:ctrlPr>
+                              </m:sSubPr>
+                              <m:e>
+                                <m:r>
+                                  <a:rPr lang="en-US" sz="2990" b="0" i="1">
+                                    <a:solidFill>
+                                      <a:srgbClr val="002060"/>
+                                    </a:solidFill>
+                                    <a:latin typeface="Cambria Math"/>
+                                  </a:rPr>
+                                  <m:t>𝑃</m:t>
+                                </m:r>
+                              </m:e>
+                              <m:sub>
+                                <m:r>
+                                  <a:rPr lang="en-US" sz="2990" b="0" i="1">
+                                    <a:solidFill>
+                                      <a:srgbClr val="002060"/>
+                                    </a:solidFill>
+                                    <a:latin typeface="Cambria Math"/>
+                                  </a:rPr>
+                                  <m:t>𝑖</m:t>
+                                </m:r>
+                              </m:sub>
+                            </m:sSub>
                           </m:e>
-                          <m:sub>
-                            <m:r>
-                              <a:rPr lang="en-US" sz="2990" b="0" i="1">
-                                <a:solidFill>
-                                  <a:srgbClr val="002060"/>
-                                </a:solidFill>
-                                <a:latin typeface="Cambria Math"/>
-                              </a:rPr>
-                              <m:t>𝑖</m:t>
-                            </m:r>
-                          </m:sub>
-                        </m:sSub>
+                        </m:d>
                       </m:e>
-                    </m:d>
+                      <m:sub>
+                        <m:r>
+                          <a:rPr lang="en-US" sz="2990" b="0" i="1">
+                            <a:solidFill>
+                              <a:srgbClr val="002060"/>
+                            </a:solidFill>
+                            <a:latin typeface="Cambria Math" panose="02040503050406030204" pitchFamily="18" charset="0"/>
+                          </a:rPr>
+                          <m:t>𝑖</m:t>
+                        </m:r>
+                      </m:sub>
+                    </m:sSub>
                   </m:oMath>
                 </a14:m>
                 <a:r>
@@ -7743,324 +7507,33 @@
                       <a:srgbClr val="002060"/>
                     </a:solidFill>
                   </a:rPr>
-                  <a:t> be a set of SPD matrices, and let </a:t>
+                  <a:t> </a:t>
                 </a:r>
-                <a14:m>
-                  <m:oMath xmlns:m="http://schemas.openxmlformats.org/officeDocument/2006/math">
-                    <m:acc>
-                      <m:accPr>
-                        <m:chr m:val="̅"/>
-                        <m:ctrlPr>
-                          <a:rPr lang="en-US" sz="2990" b="0" i="1">
-                            <a:solidFill>
-                              <a:srgbClr val="002060"/>
-                            </a:solidFill>
-                            <a:latin typeface="Cambria Math"/>
-                          </a:rPr>
-                        </m:ctrlPr>
-                      </m:accPr>
-                      <m:e>
-                        <m:r>
-                          <a:rPr lang="en-US" sz="2990" b="0" i="1">
-                            <a:solidFill>
-                              <a:srgbClr val="002060"/>
-                            </a:solidFill>
-                            <a:latin typeface="Cambria Math"/>
-                          </a:rPr>
-                          <m:t>𝑃</m:t>
-                        </m:r>
-                      </m:e>
-                    </m:acc>
-                    <m:r>
-                      <a:rPr lang="en-US" sz="2990" b="0" i="1">
-                        <a:solidFill>
-                          <a:srgbClr val="002060"/>
-                        </a:solidFill>
-                        <a:latin typeface="Cambria Math"/>
-                      </a:rPr>
-                      <m:t> </m:t>
-                    </m:r>
-                  </m:oMath>
-                </a14:m>
                 <a:r>
                   <a:rPr lang="en-US" sz="2990" b="0" dirty="0">
                     <a:solidFill>
                       <a:srgbClr val="002060"/>
                     </a:solidFill>
                   </a:rPr>
-                  <a:t>be their Riemannian mean:</a:t>
+                  <a:t>is given by</a:t>
+                </a:r>
+                <a:r>
+                  <a:rPr lang="en-US" sz="2990" b="0" dirty="0" smtClean="0">
+                    <a:solidFill>
+                      <a:srgbClr val="002060"/>
+                    </a:solidFill>
+                  </a:rPr>
+                  <a:t>:</a:t>
                 </a:r>
               </a:p>
               <a:p>
-                <a:pPr algn="just" rtl="0">
+                <a:pPr marL="457200" indent="-457200" algn="just" rtl="0">
                   <a:spcBef>
                     <a:spcPct val="20000"/>
                   </a:spcBef>
+                  <a:buFont typeface="Arial" panose="020B0604020202020204" pitchFamily="34" charset="0"/>
+                  <a:buChar char="•"/>
                 </a:pPr>
-                <a14:m>
-                  <m:oMathPara xmlns:m="http://schemas.openxmlformats.org/officeDocument/2006/math">
-                    <m:oMathParaPr>
-                      <m:jc m:val="centerGroup"/>
-                    </m:oMathParaPr>
-                    <m:oMath xmlns:m="http://schemas.openxmlformats.org/officeDocument/2006/math">
-                      <m:acc>
-                        <m:accPr>
-                          <m:chr m:val="̅"/>
-                          <m:ctrlPr>
-                            <a:rPr lang="en-US" sz="2990" b="0" i="1">
-                              <a:solidFill>
-                                <a:srgbClr val="002060"/>
-                              </a:solidFill>
-                              <a:latin typeface="Cambria Math"/>
-                            </a:rPr>
-                          </m:ctrlPr>
-                        </m:accPr>
-                        <m:e>
-                          <m:r>
-                            <a:rPr lang="en-US" sz="2990" b="0" i="1">
-                              <a:solidFill>
-                                <a:srgbClr val="002060"/>
-                              </a:solidFill>
-                              <a:latin typeface="Cambria Math"/>
-                            </a:rPr>
-                            <m:t>𝑃</m:t>
-                          </m:r>
-                        </m:e>
-                      </m:acc>
-                      <m:r>
-                        <a:rPr lang="en-US" sz="2990" b="0" i="1">
-                          <a:solidFill>
-                            <a:srgbClr val="002060"/>
-                          </a:solidFill>
-                          <a:latin typeface="Cambria Math"/>
-                        </a:rPr>
-                        <m:t>≜</m:t>
-                      </m:r>
-                      <m:r>
-                        <m:rPr>
-                          <m:sty m:val="p"/>
-                        </m:rPr>
-                        <a:rPr lang="en-US" sz="2990" b="0">
-                          <a:solidFill>
-                            <a:srgbClr val="002060"/>
-                          </a:solidFill>
-                          <a:latin typeface="Cambria Math"/>
-                        </a:rPr>
-                        <m:t>arg</m:t>
-                      </m:r>
-                      <m:func>
-                        <m:funcPr>
-                          <m:ctrlPr>
-                            <a:rPr lang="en-US" sz="2990" b="0" i="1">
-                              <a:solidFill>
-                                <a:srgbClr val="002060"/>
-                              </a:solidFill>
-                              <a:latin typeface="Cambria Math"/>
-                            </a:rPr>
-                          </m:ctrlPr>
-                        </m:funcPr>
-                        <m:fName>
-                          <m:limLow>
-                            <m:limLowPr>
-                              <m:ctrlPr>
-                                <a:rPr lang="en-US" sz="2990" b="0" i="1">
-                                  <a:solidFill>
-                                    <a:srgbClr val="002060"/>
-                                  </a:solidFill>
-                                  <a:latin typeface="Cambria Math"/>
-                                </a:rPr>
-                              </m:ctrlPr>
-                            </m:limLowPr>
-                            <m:e>
-                              <m:r>
-                                <m:rPr>
-                                  <m:sty m:val="p"/>
-                                </m:rPr>
-                                <a:rPr lang="en-US" sz="2990" b="0">
-                                  <a:solidFill>
-                                    <a:srgbClr val="002060"/>
-                                  </a:solidFill>
-                                  <a:latin typeface="Cambria Math"/>
-                                </a:rPr>
-                                <m:t>min</m:t>
-                              </m:r>
-                            </m:e>
-                            <m:lim>
-                              <m:r>
-                                <a:rPr lang="en-US" sz="2990" b="0" i="1">
-                                  <a:solidFill>
-                                    <a:srgbClr val="002060"/>
-                                  </a:solidFill>
-                                  <a:latin typeface="Cambria Math"/>
-                                </a:rPr>
-                                <m:t>𝑃</m:t>
-                              </m:r>
-                            </m:lim>
-                          </m:limLow>
-                        </m:fName>
-                        <m:e>
-                          <m:nary>
-                            <m:naryPr>
-                              <m:chr m:val="∑"/>
-                              <m:supHide m:val="on"/>
-                              <m:ctrlPr>
-                                <a:rPr lang="en-US" sz="2990" b="0" i="1">
-                                  <a:solidFill>
-                                    <a:srgbClr val="002060"/>
-                                  </a:solidFill>
-                                  <a:latin typeface="Cambria Math"/>
-                                </a:rPr>
-                              </m:ctrlPr>
-                            </m:naryPr>
-                            <m:sub>
-                              <m:r>
-                                <m:rPr>
-                                  <m:brk m:alnAt="7"/>
-                                </m:rPr>
-                                <a:rPr lang="en-US" sz="2990" b="0" i="1">
-                                  <a:solidFill>
-                                    <a:srgbClr val="002060"/>
-                                  </a:solidFill>
-                                  <a:latin typeface="Cambria Math"/>
-                                </a:rPr>
-                                <m:t>𝑖</m:t>
-                              </m:r>
-                            </m:sub>
-                            <m:sup/>
-                            <m:e>
-                              <m:sSubSup>
-                                <m:sSubSupPr>
-                                  <m:ctrlPr>
-                                    <a:rPr lang="en-US" sz="2990" b="0" i="1">
-                                      <a:solidFill>
-                                        <a:srgbClr val="002060"/>
-                                      </a:solidFill>
-                                      <a:latin typeface="Cambria Math"/>
-                                      <a:ea typeface="Cambria Math"/>
-                                    </a:rPr>
-                                  </m:ctrlPr>
-                                </m:sSubSupPr>
-                                <m:e>
-                                  <m:r>
-                                    <a:rPr lang="en-US" sz="2990" b="0" i="1">
-                                      <a:solidFill>
-                                        <a:srgbClr val="002060"/>
-                                      </a:solidFill>
-                                      <a:latin typeface="Cambria Math"/>
-                                      <a:ea typeface="Cambria Math"/>
-                                    </a:rPr>
-                                    <m:t>𝛿</m:t>
-                                  </m:r>
-                                </m:e>
-                                <m:sub>
-                                  <m:r>
-                                    <a:rPr lang="en-US" sz="2990" b="0" i="1">
-                                      <a:solidFill>
-                                        <a:srgbClr val="002060"/>
-                                      </a:solidFill>
-                                      <a:latin typeface="Cambria Math"/>
-                                      <a:ea typeface="Cambria Math"/>
-                                    </a:rPr>
-                                    <m:t>𝑅</m:t>
-                                  </m:r>
-                                </m:sub>
-                                <m:sup>
-                                  <m:r>
-                                    <a:rPr lang="en-US" sz="2990" b="0" i="1">
-                                      <a:solidFill>
-                                        <a:srgbClr val="002060"/>
-                                      </a:solidFill>
-                                      <a:latin typeface="Cambria Math"/>
-                                      <a:ea typeface="Cambria Math"/>
-                                    </a:rPr>
-                                    <m:t>2</m:t>
-                                  </m:r>
-                                </m:sup>
-                              </m:sSubSup>
-                              <m:r>
-                                <a:rPr lang="en-US" sz="2990" b="0" i="1">
-                                  <a:solidFill>
-                                    <a:srgbClr val="002060"/>
-                                  </a:solidFill>
-                                  <a:latin typeface="Cambria Math"/>
-                                  <a:ea typeface="Cambria Math"/>
-                                </a:rPr>
-                                <m:t>(</m:t>
-                              </m:r>
-                              <m:r>
-                                <a:rPr lang="en-US" sz="2990" b="0" i="1">
-                                  <a:solidFill>
-                                    <a:srgbClr val="002060"/>
-                                  </a:solidFill>
-                                  <a:latin typeface="Cambria Math"/>
-                                  <a:ea typeface="Cambria Math"/>
-                                </a:rPr>
-                                <m:t>𝑃</m:t>
-                              </m:r>
-                              <m:r>
-                                <a:rPr lang="en-US" sz="2990" b="0" i="1">
-                                  <a:solidFill>
-                                    <a:srgbClr val="002060"/>
-                                  </a:solidFill>
-                                  <a:latin typeface="Cambria Math"/>
-                                  <a:ea typeface="Cambria Math"/>
-                                </a:rPr>
-                                <m:t>,</m:t>
-                              </m:r>
-                              <m:sSub>
-                                <m:sSubPr>
-                                  <m:ctrlPr>
-                                    <a:rPr lang="en-US" sz="2990" b="0" i="1">
-                                      <a:solidFill>
-                                        <a:srgbClr val="002060"/>
-                                      </a:solidFill>
-                                      <a:latin typeface="Cambria Math"/>
-                                      <a:ea typeface="Cambria Math"/>
-                                    </a:rPr>
-                                  </m:ctrlPr>
-                                </m:sSubPr>
-                                <m:e>
-                                  <m:r>
-                                    <a:rPr lang="en-US" sz="2990" b="0" i="1">
-                                      <a:solidFill>
-                                        <a:srgbClr val="002060"/>
-                                      </a:solidFill>
-                                      <a:latin typeface="Cambria Math"/>
-                                      <a:ea typeface="Cambria Math"/>
-                                    </a:rPr>
-                                    <m:t>𝑃</m:t>
-                                  </m:r>
-                                </m:e>
-                                <m:sub>
-                                  <m:r>
-                                    <a:rPr lang="en-US" sz="2990" b="0" i="1">
-                                      <a:solidFill>
-                                        <a:srgbClr val="002060"/>
-                                      </a:solidFill>
-                                      <a:latin typeface="Cambria Math"/>
-                                      <a:ea typeface="Cambria Math"/>
-                                    </a:rPr>
-                                    <m:t>𝑖</m:t>
-                                  </m:r>
-                                </m:sub>
-                              </m:sSub>
-                              <m:r>
-                                <a:rPr lang="en-US" sz="2990" b="0" i="1">
-                                  <a:solidFill>
-                                    <a:srgbClr val="002060"/>
-                                  </a:solidFill>
-                                  <a:latin typeface="Cambria Math"/>
-                                  <a:ea typeface="Cambria Math"/>
-                                </a:rPr>
-                                <m:t>)</m:t>
-                              </m:r>
-                            </m:e>
-                          </m:nary>
-                        </m:e>
-                      </m:func>
-                    </m:oMath>
-                  </m:oMathPara>
-                </a14:m>
                 <a:endParaRPr lang="en-US" sz="2990" b="0" dirty="0">
                   <a:solidFill>
                     <a:srgbClr val="002060"/>
@@ -8068,18 +7541,20 @@
                 </a:endParaRPr>
               </a:p>
               <a:p>
-                <a:pPr algn="just" rtl="0">
+                <a:pPr marL="457200" indent="-457200" algn="just" rtl="0">
                   <a:spcBef>
                     <a:spcPct val="20000"/>
                   </a:spcBef>
+                  <a:buFont typeface="Arial" panose="020B0604020202020204" pitchFamily="34" charset="0"/>
+                  <a:buChar char="•"/>
                 </a:pPr>
                 <a:r>
-                  <a:rPr lang="en-US" sz="2990" b="0" dirty="0" smtClean="0">
+                  <a:rPr lang="en-US" sz="2990" b="0" dirty="0">
                     <a:solidFill>
                       <a:srgbClr val="002060"/>
                     </a:solidFill>
                   </a:rPr>
-                  <a:t>We can define </a:t>
+                  <a:t>We denote with </a:t>
                 </a:r>
                 <a14:m>
                   <m:oMath xmlns:m="http://schemas.openxmlformats.org/officeDocument/2006/math">
@@ -8153,12 +7628,12 @@
                   </m:oMath>
                 </a14:m>
                 <a:r>
-                  <a:rPr lang="en-US" sz="2990" b="0" dirty="0" smtClean="0">
+                  <a:rPr lang="en-US" sz="2990" b="0" dirty="0">
                     <a:solidFill>
                       <a:srgbClr val="002060"/>
                     </a:solidFill>
                   </a:rPr>
-                  <a:t>to be </a:t>
+                  <a:t> the tangent </a:t>
                 </a:r>
                 <a:r>
                   <a:rPr lang="en-US" sz="2990" b="0" dirty="0">
@@ -8166,7 +7641,15 @@
                       <a:srgbClr val="002060"/>
                     </a:solidFill>
                   </a:rPr>
-                  <a:t>a tangent space </a:t>
+                  <a:t>space </a:t>
+                </a:r>
+                <a:r>
+                  <a:rPr lang="en-US" sz="2990" b="0" dirty="0">
+                    <a:solidFill>
+                      <a:srgbClr val="002060"/>
+                    </a:solidFill>
+                  </a:rPr>
+                  <a:t>at</a:t>
                 </a:r>
                 <a:r>
                   <a:rPr lang="en-US" sz="2990" b="0" dirty="0" smtClean="0">
@@ -8174,15 +7657,7 @@
                       <a:srgbClr val="002060"/>
                     </a:solidFill>
                   </a:rPr>
-                  <a:t>composed by the </a:t>
-                </a:r>
-                <a:r>
-                  <a:rPr lang="en-US" sz="2990" b="0" dirty="0">
-                    <a:solidFill>
-                      <a:srgbClr val="002060"/>
-                    </a:solidFill>
-                  </a:rPr>
-                  <a:t>set of tangent vectors at </a:t>
+                  <a:t> </a:t>
                 </a:r>
                 <a14:m>
                   <m:oMath xmlns:m="http://schemas.openxmlformats.org/officeDocument/2006/math">
@@ -8229,20 +7704,22 @@
                   </a:rPr>
                   <a:t> </a:t>
                 </a:r>
-                <a:endParaRPr lang="en-US" sz="2990" b="0" dirty="0" smtClean="0">
+                <a:endParaRPr lang="en-US" sz="2990" b="0" dirty="0">
                   <a:solidFill>
                     <a:srgbClr val="002060"/>
                   </a:solidFill>
                 </a:endParaRPr>
               </a:p>
               <a:p>
-                <a:pPr algn="just" rtl="0">
+                <a:pPr marL="457200" indent="-457200" algn="just" rtl="0">
                   <a:spcBef>
                     <a:spcPct val="20000"/>
                   </a:spcBef>
+                  <a:buFont typeface="Arial" panose="020B0604020202020204" pitchFamily="34" charset="0"/>
+                  <a:buChar char="•"/>
                 </a:pPr>
                 <a:r>
-                  <a:rPr lang="en-US" sz="2990" b="0" dirty="0" smtClean="0">
+                  <a:rPr lang="en-US" sz="2990" b="0" dirty="0">
                     <a:solidFill>
                       <a:srgbClr val="002060"/>
                     </a:solidFill>
@@ -8254,7 +7731,7 @@
                     <m:sSub>
                       <m:sSubPr>
                         <m:ctrlPr>
-                          <a:rPr lang="en-US" sz="2990" b="0" i="1" smtClean="0">
+                          <a:rPr lang="en-US" sz="2990" b="0" i="1">
                             <a:solidFill>
                               <a:srgbClr val="002060"/>
                             </a:solidFill>
@@ -8264,7 +7741,7 @@
                       </m:sSubPr>
                       <m:e>
                         <m:r>
-                          <a:rPr lang="en-US" sz="2990" b="0" i="1" smtClean="0">
+                          <a:rPr lang="en-US" sz="2990" b="0" i="1">
                             <a:solidFill>
                               <a:srgbClr val="002060"/>
                             </a:solidFill>
@@ -8275,7 +7752,7 @@
                       </m:e>
                       <m:sub>
                         <m:r>
-                          <a:rPr lang="en-US" sz="2990" b="0" i="1" smtClean="0">
+                          <a:rPr lang="en-US" sz="2990" b="0" i="1">
                             <a:solidFill>
                               <a:srgbClr val="002060"/>
                             </a:solidFill>
@@ -8306,7 +7783,7 @@
                       <m:t>ℳ</m:t>
                     </m:r>
                     <m:r>
-                      <a:rPr lang="en-US" sz="2990" b="0" i="1" smtClean="0">
+                      <a:rPr lang="en-US" sz="2990" b="0" i="1">
                         <a:solidFill>
                           <a:srgbClr val="002060"/>
                         </a:solidFill>
@@ -8318,12 +7795,12 @@
                   </m:oMath>
                 </a14:m>
                 <a:r>
-                  <a:rPr lang="en-US" sz="2990" b="0" dirty="0" smtClean="0">
+                  <a:rPr lang="en-US" sz="2990" b="0" dirty="0">
                     <a:solidFill>
                       <a:srgbClr val="002060"/>
                     </a:solidFill>
                   </a:rPr>
-                  <a:t>we can define the logarithmic mapping to the tangent plane is given by:</a:t>
+                  <a:t>we can define the logarithmic mapping to the tangent plane by:</a:t>
                 </a:r>
               </a:p>
               <a:p>
@@ -8344,543 +7821,6 @@
                     <a:spcPct val="20000"/>
                   </a:spcBef>
                 </a:pPr>
-                <a14:m>
-                  <m:oMathPara xmlns:m="http://schemas.openxmlformats.org/officeDocument/2006/math">
-                    <m:oMathParaPr>
-                      <m:jc m:val="centerGroup"/>
-                    </m:oMathParaPr>
-                    <m:oMath xmlns:m="http://schemas.openxmlformats.org/officeDocument/2006/math">
-                      <m:sSub>
-                        <m:sSubPr>
-                          <m:ctrlPr>
-                            <a:rPr lang="en-US" sz="2990" b="0" i="1">
-                              <a:solidFill>
-                                <a:srgbClr val="002060"/>
-                              </a:solidFill>
-                              <a:latin typeface="Cambria Math"/>
-                            </a:rPr>
-                          </m:ctrlPr>
-                        </m:sSubPr>
-                        <m:e>
-                          <m:r>
-                            <a:rPr lang="en-US" sz="2990" b="0" i="1">
-                              <a:solidFill>
-                                <a:srgbClr val="002060"/>
-                              </a:solidFill>
-                              <a:latin typeface="Cambria Math"/>
-                            </a:rPr>
-                            <m:t>𝑆</m:t>
-                          </m:r>
-                        </m:e>
-                        <m:sub>
-                          <m:r>
-                            <a:rPr lang="en-US" sz="2990" b="0" i="1">
-                              <a:solidFill>
-                                <a:srgbClr val="002060"/>
-                              </a:solidFill>
-                              <a:latin typeface="Cambria Math"/>
-                            </a:rPr>
-                            <m:t>1</m:t>
-                          </m:r>
-                        </m:sub>
-                      </m:sSub>
-                      <m:r>
-                        <a:rPr lang="en-US" sz="2990" b="0" i="1">
-                          <a:solidFill>
-                            <a:srgbClr val="002060"/>
-                          </a:solidFill>
-                          <a:latin typeface="Cambria Math"/>
-                        </a:rPr>
-                        <m:t>=</m:t>
-                      </m:r>
-                      <m:sSub>
-                        <m:sSubPr>
-                          <m:ctrlPr>
-                            <a:rPr lang="en-US" sz="2990" b="0" i="1">
-                              <a:solidFill>
-                                <a:srgbClr val="002060"/>
-                              </a:solidFill>
-                              <a:latin typeface="Cambria Math"/>
-                            </a:rPr>
-                          </m:ctrlPr>
-                        </m:sSubPr>
-                        <m:e>
-                          <m:r>
-                            <m:rPr>
-                              <m:sty m:val="p"/>
-                            </m:rPr>
-                            <a:rPr lang="en-US" sz="2990" b="0" i="0">
-                              <a:solidFill>
-                                <a:srgbClr val="002060"/>
-                              </a:solidFill>
-                              <a:latin typeface="Cambria Math"/>
-                            </a:rPr>
-                            <m:t>Log</m:t>
-                          </m:r>
-                        </m:e>
-                        <m:sub>
-                          <m:acc>
-                            <m:accPr>
-                              <m:chr m:val="̅"/>
-                              <m:ctrlPr>
-                                <a:rPr lang="en-US" sz="2990" b="0" i="1">
-                                  <a:solidFill>
-                                    <a:srgbClr val="002060"/>
-                                  </a:solidFill>
-                                  <a:latin typeface="Cambria Math"/>
-                                </a:rPr>
-                              </m:ctrlPr>
-                            </m:accPr>
-                            <m:e>
-                              <m:r>
-                                <a:rPr lang="en-US" sz="2990" b="0" i="1">
-                                  <a:solidFill>
-                                    <a:srgbClr val="002060"/>
-                                  </a:solidFill>
-                                  <a:latin typeface="Cambria Math"/>
-                                </a:rPr>
-                                <m:t>𝑃</m:t>
-                              </m:r>
-                            </m:e>
-                          </m:acc>
-                        </m:sub>
-                      </m:sSub>
-                      <m:sSub>
-                        <m:sSubPr>
-                          <m:ctrlPr>
-                            <a:rPr lang="en-US" sz="2990" b="0" i="1">
-                              <a:solidFill>
-                                <a:srgbClr val="002060"/>
-                              </a:solidFill>
-                              <a:latin typeface="Cambria Math"/>
-                            </a:rPr>
-                          </m:ctrlPr>
-                        </m:sSubPr>
-                        <m:e>
-                          <m:r>
-                            <a:rPr lang="en-US" sz="2990" b="0" i="1">
-                              <a:solidFill>
-                                <a:srgbClr val="002060"/>
-                              </a:solidFill>
-                              <a:latin typeface="Cambria Math"/>
-                            </a:rPr>
-                            <m:t>𝑃</m:t>
-                          </m:r>
-                        </m:e>
-                        <m:sub>
-                          <m:r>
-                            <a:rPr lang="en-US" sz="2990" b="0" i="1">
-                              <a:solidFill>
-                                <a:srgbClr val="002060"/>
-                              </a:solidFill>
-                              <a:latin typeface="Cambria Math"/>
-                            </a:rPr>
-                            <m:t>1</m:t>
-                          </m:r>
-                        </m:sub>
-                      </m:sSub>
-                      <m:sSup>
-                        <m:sSupPr>
-                          <m:ctrlPr>
-                            <a:rPr lang="en-US" sz="2990" b="0" i="1">
-                              <a:solidFill>
-                                <a:srgbClr val="002060"/>
-                              </a:solidFill>
-                              <a:latin typeface="Cambria Math"/>
-                            </a:rPr>
-                          </m:ctrlPr>
-                        </m:sSupPr>
-                        <m:e>
-                          <m:r>
-                            <a:rPr lang="en-US" sz="2990" b="0" i="1">
-                              <a:solidFill>
-                                <a:srgbClr val="002060"/>
-                              </a:solidFill>
-                              <a:latin typeface="Cambria Math"/>
-                            </a:rPr>
-                            <m:t>≜</m:t>
-                          </m:r>
-                          <m:acc>
-                            <m:accPr>
-                              <m:chr m:val="̅"/>
-                              <m:ctrlPr>
-                                <a:rPr lang="en-US" sz="2990" b="0" i="1">
-                                  <a:solidFill>
-                                    <a:srgbClr val="002060"/>
-                                  </a:solidFill>
-                                  <a:latin typeface="Cambria Math"/>
-                                </a:rPr>
-                              </m:ctrlPr>
-                            </m:accPr>
-                            <m:e>
-                              <m:r>
-                                <a:rPr lang="en-US" sz="2990" b="0" i="1">
-                                  <a:solidFill>
-                                    <a:srgbClr val="002060"/>
-                                  </a:solidFill>
-                                  <a:latin typeface="Cambria Math"/>
-                                </a:rPr>
-                                <m:t>𝑃</m:t>
-                              </m:r>
-                            </m:e>
-                          </m:acc>
-                        </m:e>
-                        <m:sup>
-                          <m:f>
-                            <m:fPr>
-                              <m:ctrlPr>
-                                <a:rPr lang="en-US" sz="2990" b="0" i="1">
-                                  <a:solidFill>
-                                    <a:srgbClr val="002060"/>
-                                  </a:solidFill>
-                                  <a:latin typeface="Cambria Math"/>
-                                </a:rPr>
-                              </m:ctrlPr>
-                            </m:fPr>
-                            <m:num>
-                              <m:r>
-                                <a:rPr lang="en-US" sz="2990" b="0" i="1">
-                                  <a:solidFill>
-                                    <a:srgbClr val="002060"/>
-                                  </a:solidFill>
-                                  <a:latin typeface="Cambria Math"/>
-                                </a:rPr>
-                                <m:t>1</m:t>
-                              </m:r>
-                            </m:num>
-                            <m:den>
-                              <m:r>
-                                <a:rPr lang="en-US" sz="2990" b="0" i="1">
-                                  <a:solidFill>
-                                    <a:srgbClr val="002060"/>
-                                  </a:solidFill>
-                                  <a:latin typeface="Cambria Math"/>
-                                </a:rPr>
-                                <m:t>2</m:t>
-                              </m:r>
-                            </m:den>
-                          </m:f>
-                        </m:sup>
-                      </m:sSup>
-                      <m:func>
-                        <m:funcPr>
-                          <m:ctrlPr>
-                            <a:rPr lang="en-US" sz="2990" b="0" i="1">
-                              <a:solidFill>
-                                <a:srgbClr val="002060"/>
-                              </a:solidFill>
-                              <a:latin typeface="Cambria Math"/>
-                            </a:rPr>
-                          </m:ctrlPr>
-                        </m:funcPr>
-                        <m:fName>
-                          <m:r>
-                            <m:rPr>
-                              <m:sty m:val="p"/>
-                            </m:rPr>
-                            <a:rPr lang="en-US" sz="2990" b="0" i="0">
-                              <a:solidFill>
-                                <a:srgbClr val="002060"/>
-                              </a:solidFill>
-                              <a:latin typeface="Cambria Math"/>
-                            </a:rPr>
-                            <m:t>log</m:t>
-                          </m:r>
-                        </m:fName>
-                        <m:e>
-                          <m:d>
-                            <m:dPr>
-                              <m:ctrlPr>
-                                <a:rPr lang="en-US" sz="2990" b="0" i="1">
-                                  <a:solidFill>
-                                    <a:srgbClr val="002060"/>
-                                  </a:solidFill>
-                                  <a:latin typeface="Cambria Math"/>
-                                </a:rPr>
-                              </m:ctrlPr>
-                            </m:dPr>
-                            <m:e>
-                              <m:sSup>
-                                <m:sSupPr>
-                                  <m:ctrlPr>
-                                    <a:rPr lang="en-US" sz="2990" b="0" i="1">
-                                      <a:solidFill>
-                                        <a:srgbClr val="002060"/>
-                                      </a:solidFill>
-                                      <a:latin typeface="Cambria Math"/>
-                                    </a:rPr>
-                                  </m:ctrlPr>
-                                </m:sSupPr>
-                                <m:e>
-                                  <m:acc>
-                                    <m:accPr>
-                                      <m:chr m:val="̅"/>
-                                      <m:ctrlPr>
-                                        <a:rPr lang="en-US" sz="2990" b="0" i="1">
-                                          <a:solidFill>
-                                            <a:srgbClr val="002060"/>
-                                          </a:solidFill>
-                                          <a:latin typeface="Cambria Math"/>
-                                        </a:rPr>
-                                      </m:ctrlPr>
-                                    </m:accPr>
-                                    <m:e>
-                                      <m:r>
-                                        <a:rPr lang="en-US" sz="2990" b="0" i="1">
-                                          <a:solidFill>
-                                            <a:srgbClr val="002060"/>
-                                          </a:solidFill>
-                                          <a:latin typeface="Cambria Math"/>
-                                        </a:rPr>
-                                        <m:t>𝑃</m:t>
-                                      </m:r>
-                                    </m:e>
-                                  </m:acc>
-                                </m:e>
-                                <m:sup>
-                                  <m:r>
-                                    <a:rPr lang="en-US" sz="2990" b="0" i="1">
-                                      <a:solidFill>
-                                        <a:srgbClr val="002060"/>
-                                      </a:solidFill>
-                                      <a:latin typeface="Cambria Math"/>
-                                    </a:rPr>
-                                    <m:t>−</m:t>
-                                  </m:r>
-                                  <m:f>
-                                    <m:fPr>
-                                      <m:ctrlPr>
-                                        <a:rPr lang="en-US" sz="2990" b="0" i="1">
-                                          <a:solidFill>
-                                            <a:srgbClr val="002060"/>
-                                          </a:solidFill>
-                                          <a:latin typeface="Cambria Math"/>
-                                        </a:rPr>
-                                      </m:ctrlPr>
-                                    </m:fPr>
-                                    <m:num>
-                                      <m:r>
-                                        <a:rPr lang="en-US" sz="2990" b="0" i="1">
-                                          <a:solidFill>
-                                            <a:srgbClr val="002060"/>
-                                          </a:solidFill>
-                                          <a:latin typeface="Cambria Math"/>
-                                        </a:rPr>
-                                        <m:t>1</m:t>
-                                      </m:r>
-                                    </m:num>
-                                    <m:den>
-                                      <m:r>
-                                        <a:rPr lang="en-US" sz="2990" b="0" i="1">
-                                          <a:solidFill>
-                                            <a:srgbClr val="002060"/>
-                                          </a:solidFill>
-                                          <a:latin typeface="Cambria Math"/>
-                                        </a:rPr>
-                                        <m:t>2</m:t>
-                                      </m:r>
-                                    </m:den>
-                                  </m:f>
-                                </m:sup>
-                              </m:sSup>
-                              <m:sSub>
-                                <m:sSubPr>
-                                  <m:ctrlPr>
-                                    <a:rPr lang="en-US" sz="2990" b="0" i="1">
-                                      <a:solidFill>
-                                        <a:srgbClr val="002060"/>
-                                      </a:solidFill>
-                                      <a:latin typeface="Cambria Math"/>
-                                    </a:rPr>
-                                  </m:ctrlPr>
-                                </m:sSubPr>
-                                <m:e>
-                                  <m:r>
-                                    <a:rPr lang="en-US" sz="2990" b="0" i="1">
-                                      <a:solidFill>
-                                        <a:srgbClr val="002060"/>
-                                      </a:solidFill>
-                                      <a:latin typeface="Cambria Math"/>
-                                    </a:rPr>
-                                    <m:t>𝑃</m:t>
-                                  </m:r>
-                                </m:e>
-                                <m:sub>
-                                  <m:r>
-                                    <a:rPr lang="en-US" sz="2990" b="0" i="1">
-                                      <a:solidFill>
-                                        <a:srgbClr val="002060"/>
-                                      </a:solidFill>
-                                      <a:latin typeface="Cambria Math"/>
-                                    </a:rPr>
-                                    <m:t>1</m:t>
-                                  </m:r>
-                                </m:sub>
-                              </m:sSub>
-                              <m:sSup>
-                                <m:sSupPr>
-                                  <m:ctrlPr>
-                                    <a:rPr lang="en-US" sz="2990" b="0" i="1">
-                                      <a:solidFill>
-                                        <a:srgbClr val="002060"/>
-                                      </a:solidFill>
-                                      <a:latin typeface="Cambria Math"/>
-                                    </a:rPr>
-                                  </m:ctrlPr>
-                                </m:sSupPr>
-                                <m:e>
-                                  <m:acc>
-                                    <m:accPr>
-                                      <m:chr m:val="̅"/>
-                                      <m:ctrlPr>
-                                        <a:rPr lang="en-US" sz="2990" b="0" i="1">
-                                          <a:solidFill>
-                                            <a:srgbClr val="002060"/>
-                                          </a:solidFill>
-                                          <a:latin typeface="Cambria Math"/>
-                                        </a:rPr>
-                                      </m:ctrlPr>
-                                    </m:accPr>
-                                    <m:e>
-                                      <m:r>
-                                        <a:rPr lang="en-US" sz="2990" b="0" i="1">
-                                          <a:solidFill>
-                                            <a:srgbClr val="002060"/>
-                                          </a:solidFill>
-                                          <a:latin typeface="Cambria Math"/>
-                                        </a:rPr>
-                                        <m:t>𝑃</m:t>
-                                      </m:r>
-                                    </m:e>
-                                  </m:acc>
-                                </m:e>
-                                <m:sup>
-                                  <m:r>
-                                    <a:rPr lang="en-US" sz="2990" b="0" i="1">
-                                      <a:solidFill>
-                                        <a:srgbClr val="002060"/>
-                                      </a:solidFill>
-                                      <a:latin typeface="Cambria Math"/>
-                                    </a:rPr>
-                                    <m:t>−</m:t>
-                                  </m:r>
-                                  <m:f>
-                                    <m:fPr>
-                                      <m:ctrlPr>
-                                        <a:rPr lang="en-US" sz="2990" b="0" i="1">
-                                          <a:solidFill>
-                                            <a:srgbClr val="002060"/>
-                                          </a:solidFill>
-                                          <a:latin typeface="Cambria Math"/>
-                                        </a:rPr>
-                                      </m:ctrlPr>
-                                    </m:fPr>
-                                    <m:num>
-                                      <m:r>
-                                        <a:rPr lang="en-US" sz="2990" b="0" i="1">
-                                          <a:solidFill>
-                                            <a:srgbClr val="002060"/>
-                                          </a:solidFill>
-                                          <a:latin typeface="Cambria Math"/>
-                                        </a:rPr>
-                                        <m:t>1</m:t>
-                                      </m:r>
-                                    </m:num>
-                                    <m:den>
-                                      <m:r>
-                                        <a:rPr lang="en-US" sz="2990" b="0" i="1">
-                                          <a:solidFill>
-                                            <a:srgbClr val="002060"/>
-                                          </a:solidFill>
-                                          <a:latin typeface="Cambria Math"/>
-                                        </a:rPr>
-                                        <m:t>2</m:t>
-                                      </m:r>
-                                    </m:den>
-                                  </m:f>
-                                </m:sup>
-                              </m:sSup>
-                            </m:e>
-                          </m:d>
-                        </m:e>
-                      </m:func>
-                      <m:sSup>
-                        <m:sSupPr>
-                          <m:ctrlPr>
-                            <a:rPr lang="en-US" sz="2990" b="0" i="1">
-                              <a:solidFill>
-                                <a:srgbClr val="002060"/>
-                              </a:solidFill>
-                              <a:latin typeface="Cambria Math"/>
-                            </a:rPr>
-                          </m:ctrlPr>
-                        </m:sSupPr>
-                        <m:e>
-                          <m:acc>
-                            <m:accPr>
-                              <m:chr m:val="̅"/>
-                              <m:ctrlPr>
-                                <a:rPr lang="en-US" sz="2990" b="0" i="1">
-                                  <a:solidFill>
-                                    <a:srgbClr val="002060"/>
-                                  </a:solidFill>
-                                  <a:latin typeface="Cambria Math"/>
-                                </a:rPr>
-                              </m:ctrlPr>
-                            </m:accPr>
-                            <m:e>
-                              <m:r>
-                                <a:rPr lang="en-US" sz="2990" b="0" i="1">
-                                  <a:solidFill>
-                                    <a:srgbClr val="002060"/>
-                                  </a:solidFill>
-                                  <a:latin typeface="Cambria Math"/>
-                                </a:rPr>
-                                <m:t>𝑃</m:t>
-                              </m:r>
-                            </m:e>
-                          </m:acc>
-                        </m:e>
-                        <m:sup>
-                          <m:f>
-                            <m:fPr>
-                              <m:ctrlPr>
-                                <a:rPr lang="en-US" sz="2990" b="0" i="1">
-                                  <a:solidFill>
-                                    <a:srgbClr val="002060"/>
-                                  </a:solidFill>
-                                  <a:latin typeface="Cambria Math"/>
-                                </a:rPr>
-                              </m:ctrlPr>
-                            </m:fPr>
-                            <m:num>
-                              <m:r>
-                                <a:rPr lang="en-US" sz="2990" b="0" i="1">
-                                  <a:solidFill>
-                                    <a:srgbClr val="002060"/>
-                                  </a:solidFill>
-                                  <a:latin typeface="Cambria Math"/>
-                                </a:rPr>
-                                <m:t>1</m:t>
-                              </m:r>
-                            </m:num>
-                            <m:den>
-                              <m:r>
-                                <a:rPr lang="en-US" sz="2990" b="0" i="1">
-                                  <a:solidFill>
-                                    <a:srgbClr val="002060"/>
-                                  </a:solidFill>
-                                  <a:latin typeface="Cambria Math"/>
-                                </a:rPr>
-                                <m:t>2</m:t>
-                              </m:r>
-                            </m:den>
-                          </m:f>
-                        </m:sup>
-                      </m:sSup>
-                    </m:oMath>
-                  </m:oMathPara>
-                </a14:m>
                 <a:endParaRPr lang="he-IL" sz="2990" b="0" i="1" dirty="0">
                   <a:solidFill>
                     <a:srgbClr val="002060"/>
@@ -8967,30 +7907,6 @@
                     <a:spcPct val="20000"/>
                   </a:spcBef>
                 </a:pPr>
-                <a:endParaRPr lang="en-US" sz="2990" b="0" dirty="0" smtClean="0">
-                  <a:solidFill>
-                    <a:srgbClr val="002060"/>
-                  </a:solidFill>
-                </a:endParaRPr>
-              </a:p>
-              <a:p>
-                <a:pPr algn="just" rtl="0">
-                  <a:spcBef>
-                    <a:spcPct val="20000"/>
-                  </a:spcBef>
-                </a:pPr>
-                <a:endParaRPr lang="en-US" sz="2990" b="0" dirty="0">
-                  <a:solidFill>
-                    <a:srgbClr val="002060"/>
-                  </a:solidFill>
-                </a:endParaRPr>
-              </a:p>
-              <a:p>
-                <a:pPr algn="just" rtl="0">
-                  <a:spcBef>
-                    <a:spcPct val="20000"/>
-                  </a:spcBef>
-                </a:pPr>
                 <a:endParaRPr lang="en-US" sz="1600" dirty="0" smtClean="0">
                   <a:solidFill>
                     <a:srgbClr val="002060"/>
@@ -8998,18 +7914,20 @@
                 </a:endParaRPr>
               </a:p>
               <a:p>
-                <a:pPr algn="just" rtl="0">
+                <a:pPr marL="457200" indent="-457200" algn="just" rtl="0">
                   <a:spcBef>
                     <a:spcPct val="20000"/>
                   </a:spcBef>
+                  <a:buFont typeface="Arial" panose="020B0604020202020204" pitchFamily="34" charset="0"/>
+                  <a:buChar char="•"/>
                 </a:pPr>
                 <a:r>
-                  <a:rPr lang="en-US" sz="2990" b="0" dirty="0">
+                  <a:rPr lang="en-US" sz="2990" b="0" dirty="0" smtClean="0">
                     <a:solidFill>
                       <a:srgbClr val="002060"/>
                     </a:solidFill>
                   </a:rPr>
-                  <a:t>Lastly, we </a:t>
+                  <a:t>We denote </a:t>
                 </a:r>
                 <a:r>
                   <a:rPr lang="en-US" sz="2990" b="0" dirty="0" smtClean="0">
@@ -9017,8 +7935,91 @@
                       <a:srgbClr val="002060"/>
                     </a:solidFill>
                   </a:rPr>
-                  <a:t>denote the vector representation for </a:t>
+                  <a:t>the vector representation </a:t>
                 </a:r>
+                <a14:m>
+                  <m:oMath xmlns:m="http://schemas.openxmlformats.org/officeDocument/2006/math">
+                    <m:r>
+                      <m:rPr>
+                        <m:sty m:val="p"/>
+                      </m:rPr>
+                      <a:rPr lang="en-US" sz="2990" b="0">
+                        <a:solidFill>
+                          <a:srgbClr val="002060"/>
+                        </a:solidFill>
+                        <a:latin typeface="Cambria Math"/>
+                      </a:rPr>
+                      <m:t>VEC</m:t>
+                    </m:r>
+                    <m:r>
+                      <a:rPr lang="en-US" sz="2990" b="0" i="1">
+                        <a:solidFill>
+                          <a:srgbClr val="002060"/>
+                        </a:solidFill>
+                        <a:latin typeface="Cambria Math"/>
+                      </a:rPr>
+                      <m:t>(</m:t>
+                    </m:r>
+                    <m:r>
+                      <a:rPr lang="en-US" sz="2990" b="0" i="1">
+                        <a:solidFill>
+                          <a:srgbClr val="002060"/>
+                        </a:solidFill>
+                        <a:latin typeface="Cambria Math"/>
+                        <a:ea typeface="Cambria Math"/>
+                      </a:rPr>
+                      <m:t>∙)</m:t>
+                    </m:r>
+                  </m:oMath>
+                </a14:m>
+                <a:r>
+                  <a:rPr lang="en-US" sz="2990" b="0" dirty="0">
+                    <a:solidFill>
+                      <a:srgbClr val="002060"/>
+                    </a:solidFill>
+                  </a:rPr>
+                  <a:t>:</a:t>
+                </a:r>
+              </a:p>
+              <a:p>
+                <a:pPr algn="ctr" rtl="0">
+                  <a:spcBef>
+                    <a:spcPct val="20000"/>
+                  </a:spcBef>
+                </a:pPr>
+                <a:endParaRPr lang="en-US" sz="800" b="0" dirty="0" smtClean="0">
+                  <a:solidFill>
+                    <a:srgbClr val="002060"/>
+                  </a:solidFill>
+                </a:endParaRPr>
+              </a:p>
+              <a:p>
+                <a:pPr algn="ctr" rtl="0">
+                  <a:spcBef>
+                    <a:spcPct val="20000"/>
+                  </a:spcBef>
+                </a:pPr>
+                <a:r>
+                  <a:rPr lang="en-US" sz="2990" b="0" dirty="0" smtClean="0">
+                    <a:solidFill>
+                      <a:srgbClr val="002060"/>
+                    </a:solidFill>
+                  </a:rPr>
+                  <a:t>     </a:t>
+                </a:r>
+                <a:endParaRPr lang="en-US" sz="2990" b="0" i="1" dirty="0">
+                  <a:solidFill>
+                    <a:srgbClr val="002060"/>
+                  </a:solidFill>
+                  <a:latin typeface="Cambria Math"/>
+                </a:endParaRPr>
+              </a:p>
+              <a:p>
+                <a:pPr algn="l" rtl="0">
+                  <a:spcBef>
+                    <a:spcPct val="20000"/>
+                  </a:spcBef>
+                </a:pPr>
                 <a14:m>
                   <m:oMath xmlns:m="http://schemas.openxmlformats.org/officeDocument/2006/math">
                     <m:sSub>
@@ -9053,41 +8054,27 @@
                           </a:rPr>
                           <m:t>1</m:t>
                         </m:r>
-                        <m:r>
-                          <a:rPr lang="en-US" sz="2990" b="0" i="1" smtClean="0">
-                            <a:solidFill>
-                              <a:srgbClr val="002060"/>
-                            </a:solidFill>
-                            <a:latin typeface="Cambria Math"/>
-                          </a:rPr>
-                          <m:t> </m:t>
-                        </m:r>
                       </m:sub>
                     </m:sSub>
+                    <m:r>
+                      <a:rPr lang="en-US" sz="2990" b="0" i="1" smtClean="0">
+                        <a:solidFill>
+                          <a:srgbClr val="002060"/>
+                        </a:solidFill>
+                        <a:latin typeface="Cambria Math"/>
+                      </a:rPr>
+                      <m:t>=</m:t>
+                    </m:r>
                   </m:oMath>
                 </a14:m>
                 <a:r>
-                  <a:rPr lang="en-US" sz="2990" b="0" dirty="0" smtClean="0">
+                  <a:rPr lang="en-US" sz="2990" b="0" i="1" dirty="0" smtClean="0">
                     <a:solidFill>
                       <a:srgbClr val="002060"/>
                     </a:solidFill>
+                    <a:latin typeface="Cambria Math"/>
                   </a:rPr>
-                  <a:t>:</a:t>
-                </a:r>
-              </a:p>
-              <a:p>
-                <a:pPr algn="ctr" rtl="0">
-                  <a:spcBef>
-                    <a:spcPct val="20000"/>
-                  </a:spcBef>
-                </a:pPr>
-                <a:r>
-                  <a:rPr lang="en-US" sz="2990" b="0" dirty="0" smtClean="0">
-                    <a:solidFill>
-                      <a:srgbClr val="002060"/>
-                    </a:solidFill>
-                  </a:rPr>
-                  <a:t> </a:t>
+                  <a:t>              		                   </a:t>
                 </a:r>
                 <a14:m>
                   <m:oMath xmlns:m="http://schemas.openxmlformats.org/officeDocument/2006/math">
@@ -9146,6 +8133,54 @@
                       </a:rPr>
                       <m:t>VEC</m:t>
                     </m:r>
+                    <m:d>
+                      <m:dPr>
+                        <m:ctrlPr>
+                          <a:rPr lang="en-US" sz="2990" b="0" i="1" smtClean="0">
+                            <a:solidFill>
+                              <a:srgbClr val="002060"/>
+                            </a:solidFill>
+                            <a:latin typeface="Cambria Math"/>
+                          </a:rPr>
+                        </m:ctrlPr>
+                      </m:dPr>
+                      <m:e>
+                        <m:sSub>
+                          <m:sSubPr>
+                            <m:ctrlPr>
+                              <a:rPr lang="en-US" sz="2990" b="0" i="1" smtClean="0">
+                                <a:solidFill>
+                                  <a:srgbClr val="002060"/>
+                                </a:solidFill>
+                                <a:latin typeface="Cambria Math"/>
+                              </a:rPr>
+                            </m:ctrlPr>
+                          </m:sSubPr>
+                          <m:e>
+                            <m:r>
+                              <a:rPr lang="en-US" sz="2990" b="0" i="1" smtClean="0">
+                                <a:solidFill>
+                                  <a:srgbClr val="002060"/>
+                                </a:solidFill>
+                                <a:latin typeface="Cambria Math"/>
+                              </a:rPr>
+                              <m:t>𝑆</m:t>
+                            </m:r>
+                          </m:e>
+                          <m:sub>
+                            <m:r>
+                              <a:rPr lang="en-US" sz="2990" b="0" i="1" smtClean="0">
+                                <a:solidFill>
+                                  <a:srgbClr val="002060"/>
+                                </a:solidFill>
+                                <a:latin typeface="Cambria Math"/>
+                              </a:rPr>
+                              <m:t>1</m:t>
+                            </m:r>
+                          </m:sub>
+                        </m:sSub>
+                      </m:e>
+                    </m:d>
                     <m:r>
                       <a:rPr lang="en-US" sz="2990" b="0" i="1" smtClean="0">
                         <a:solidFill>
@@ -9153,317 +8188,7 @@
                         </a:solidFill>
                         <a:latin typeface="Cambria Math"/>
                       </a:rPr>
-                      <m:t>(</m:t>
-                    </m:r>
-                    <m:sSup>
-                      <m:sSupPr>
-                        <m:ctrlPr>
-                          <a:rPr lang="en-US" sz="2990" i="1">
-                            <a:solidFill>
-                              <a:srgbClr val="002060"/>
-                            </a:solidFill>
-                            <a:latin typeface="Cambria Math"/>
-                          </a:rPr>
-                        </m:ctrlPr>
-                      </m:sSupPr>
-                      <m:e>
-                        <m:acc>
-                          <m:accPr>
-                            <m:chr m:val="̅"/>
-                            <m:ctrlPr>
-                              <a:rPr lang="en-US" sz="2990" i="1">
-                                <a:solidFill>
-                                  <a:srgbClr val="002060"/>
-                                </a:solidFill>
-                                <a:latin typeface="Cambria Math"/>
-                              </a:rPr>
-                            </m:ctrlPr>
-                          </m:accPr>
-                          <m:e>
-                            <m:r>
-                              <a:rPr lang="en-US" sz="2990" i="1">
-                                <a:solidFill>
-                                  <a:srgbClr val="002060"/>
-                                </a:solidFill>
-                                <a:latin typeface="Cambria Math"/>
-                              </a:rPr>
-                              <m:t>𝑃</m:t>
-                            </m:r>
-                          </m:e>
-                        </m:acc>
-                      </m:e>
-                      <m:sup>
-                        <m:r>
-                          <a:rPr lang="en-US" sz="2990" i="1">
-                            <a:solidFill>
-                              <a:srgbClr val="002060"/>
-                            </a:solidFill>
-                            <a:latin typeface="Cambria Math"/>
-                          </a:rPr>
-                          <m:t>−</m:t>
-                        </m:r>
-                        <m:f>
-                          <m:fPr>
-                            <m:ctrlPr>
-                              <a:rPr lang="en-US" sz="2990" i="1">
-                                <a:solidFill>
-                                  <a:srgbClr val="002060"/>
-                                </a:solidFill>
-                                <a:latin typeface="Cambria Math"/>
-                              </a:rPr>
-                            </m:ctrlPr>
-                          </m:fPr>
-                          <m:num>
-                            <m:r>
-                              <a:rPr lang="en-US" sz="2990" i="1">
-                                <a:solidFill>
-                                  <a:srgbClr val="002060"/>
-                                </a:solidFill>
-                                <a:latin typeface="Cambria Math"/>
-                              </a:rPr>
-                              <m:t>1</m:t>
-                            </m:r>
-                          </m:num>
-                          <m:den>
-                            <m:r>
-                              <a:rPr lang="en-US" sz="2990" i="1">
-                                <a:solidFill>
-                                  <a:srgbClr val="002060"/>
-                                </a:solidFill>
-                                <a:latin typeface="Cambria Math"/>
-                              </a:rPr>
-                              <m:t>2</m:t>
-                            </m:r>
-                          </m:den>
-                        </m:f>
-                      </m:sup>
-                    </m:sSup>
-                    <m:sSub>
-                      <m:sSubPr>
-                        <m:ctrlPr>
-                          <a:rPr lang="en-US" sz="2990" i="1">
-                            <a:solidFill>
-                              <a:srgbClr val="002060"/>
-                            </a:solidFill>
-                            <a:latin typeface="Cambria Math"/>
-                          </a:rPr>
-                        </m:ctrlPr>
-                      </m:sSubPr>
-                      <m:e>
-                        <m:r>
-                          <m:rPr>
-                            <m:sty m:val="p"/>
-                          </m:rPr>
-                          <a:rPr lang="en-US" sz="2990">
-                            <a:solidFill>
-                              <a:srgbClr val="002060"/>
-                            </a:solidFill>
-                            <a:latin typeface="Cambria Math"/>
-                          </a:rPr>
-                          <m:t>Log</m:t>
-                        </m:r>
-                      </m:e>
-                      <m:sub>
-                        <m:acc>
-                          <m:accPr>
-                            <m:chr m:val="̅"/>
-                            <m:ctrlPr>
-                              <a:rPr lang="en-US" sz="2990" i="1">
-                                <a:solidFill>
-                                  <a:srgbClr val="002060"/>
-                                </a:solidFill>
-                                <a:latin typeface="Cambria Math"/>
-                              </a:rPr>
-                            </m:ctrlPr>
-                          </m:accPr>
-                          <m:e>
-                            <m:r>
-                              <a:rPr lang="en-US" sz="2990" i="1">
-                                <a:solidFill>
-                                  <a:srgbClr val="002060"/>
-                                </a:solidFill>
-                                <a:latin typeface="Cambria Math"/>
-                              </a:rPr>
-                              <m:t>𝑃</m:t>
-                            </m:r>
-                          </m:e>
-                        </m:acc>
-                      </m:sub>
-                    </m:sSub>
-                    <m:sSub>
-                      <m:sSubPr>
-                        <m:ctrlPr>
-                          <a:rPr lang="en-US" sz="2990" i="1">
-                            <a:solidFill>
-                              <a:srgbClr val="002060"/>
-                            </a:solidFill>
-                            <a:latin typeface="Cambria Math"/>
-                          </a:rPr>
-                        </m:ctrlPr>
-                      </m:sSubPr>
-                      <m:e>
-                        <m:r>
-                          <a:rPr lang="en-US" sz="2990" i="1">
-                            <a:solidFill>
-                              <a:srgbClr val="002060"/>
-                            </a:solidFill>
-                            <a:latin typeface="Cambria Math"/>
-                          </a:rPr>
-                          <m:t>𝑃</m:t>
-                        </m:r>
-                      </m:e>
-                      <m:sub>
-                        <m:r>
-                          <a:rPr lang="en-US" sz="2990" b="0" i="1">
-                            <a:solidFill>
-                              <a:srgbClr val="002060"/>
-                            </a:solidFill>
-                            <a:latin typeface="Cambria Math"/>
-                          </a:rPr>
-                          <m:t>1</m:t>
-                        </m:r>
-                      </m:sub>
-                    </m:sSub>
-                    <m:sSup>
-                      <m:sSupPr>
-                        <m:ctrlPr>
-                          <a:rPr lang="en-US" sz="2990" i="1">
-                            <a:solidFill>
-                              <a:srgbClr val="002060"/>
-                            </a:solidFill>
-                            <a:latin typeface="Cambria Math"/>
-                          </a:rPr>
-                        </m:ctrlPr>
-                      </m:sSupPr>
-                      <m:e>
-                        <m:acc>
-                          <m:accPr>
-                            <m:chr m:val="̅"/>
-                            <m:ctrlPr>
-                              <a:rPr lang="en-US" sz="2990" i="1">
-                                <a:solidFill>
-                                  <a:srgbClr val="002060"/>
-                                </a:solidFill>
-                                <a:latin typeface="Cambria Math"/>
-                              </a:rPr>
-                            </m:ctrlPr>
-                          </m:accPr>
-                          <m:e>
-                            <m:r>
-                              <a:rPr lang="en-US" sz="2990" i="1">
-                                <a:solidFill>
-                                  <a:srgbClr val="002060"/>
-                                </a:solidFill>
-                                <a:latin typeface="Cambria Math"/>
-                              </a:rPr>
-                              <m:t>𝑃</m:t>
-                            </m:r>
-                          </m:e>
-                        </m:acc>
-                      </m:e>
-                      <m:sup>
-                        <m:r>
-                          <a:rPr lang="en-US" sz="2990" i="1">
-                            <a:solidFill>
-                              <a:srgbClr val="002060"/>
-                            </a:solidFill>
-                            <a:latin typeface="Cambria Math"/>
-                          </a:rPr>
-                          <m:t>−</m:t>
-                        </m:r>
-                        <m:f>
-                          <m:fPr>
-                            <m:ctrlPr>
-                              <a:rPr lang="en-US" sz="2990" i="1">
-                                <a:solidFill>
-                                  <a:srgbClr val="002060"/>
-                                </a:solidFill>
-                                <a:latin typeface="Cambria Math"/>
-                              </a:rPr>
-                            </m:ctrlPr>
-                          </m:fPr>
-                          <m:num>
-                            <m:r>
-                              <a:rPr lang="en-US" sz="2990" i="1">
-                                <a:solidFill>
-                                  <a:srgbClr val="002060"/>
-                                </a:solidFill>
-                                <a:latin typeface="Cambria Math"/>
-                              </a:rPr>
-                              <m:t>1</m:t>
-                            </m:r>
-                          </m:num>
-                          <m:den>
-                            <m:r>
-                              <a:rPr lang="en-US" sz="2990" i="1">
-                                <a:solidFill>
-                                  <a:srgbClr val="002060"/>
-                                </a:solidFill>
-                                <a:latin typeface="Cambria Math"/>
-                              </a:rPr>
-                              <m:t>2</m:t>
-                            </m:r>
-                          </m:den>
-                        </m:f>
-                      </m:sup>
-                    </m:sSup>
-                  </m:oMath>
-                </a14:m>
-                <a:r>
-                  <a:rPr lang="en-US" sz="2990" b="0" dirty="0" smtClean="0">
-                    <a:solidFill>
-                      <a:srgbClr val="002060"/>
-                    </a:solidFill>
-                  </a:rPr>
-                  <a:t>) </a:t>
-                </a:r>
-              </a:p>
-              <a:p>
-                <a:pPr algn="just" rtl="0">
-                  <a:spcBef>
-                    <a:spcPct val="20000"/>
-                  </a:spcBef>
-                </a:pPr>
-                <a:r>
-                  <a:rPr lang="en-US" sz="2990" b="0" dirty="0" smtClean="0">
-                    <a:solidFill>
-                      <a:srgbClr val="002060"/>
-                    </a:solidFill>
-                  </a:rPr>
-                  <a:t>Where </a:t>
-                </a:r>
-                <a14:m>
-                  <m:oMath xmlns:m="http://schemas.openxmlformats.org/officeDocument/2006/math">
-                    <m:r>
-                      <m:rPr>
-                        <m:sty m:val="p"/>
-                      </m:rPr>
-                      <a:rPr lang="en-US" sz="2990" b="0" i="0" smtClean="0">
-                        <a:solidFill>
-                          <a:srgbClr val="002060"/>
-                        </a:solidFill>
-                        <a:latin typeface="Cambria Math"/>
-                      </a:rPr>
-                      <m:t>VEC</m:t>
-                    </m:r>
-                    <m:r>
-                      <a:rPr lang="en-US" sz="2990" b="0" i="1" smtClean="0">
-                        <a:solidFill>
-                          <a:srgbClr val="002060"/>
-                        </a:solidFill>
-                        <a:latin typeface="Cambria Math"/>
-                      </a:rPr>
-                      <m:t>(</m:t>
-                    </m:r>
-                    <m:r>
-                      <a:rPr lang="en-US" sz="2990" b="0" i="1" smtClean="0">
-                        <a:solidFill>
-                          <a:srgbClr val="002060"/>
-                        </a:solidFill>
-                        <a:latin typeface="Cambria Math"/>
-                        <a:ea typeface="Cambria Math"/>
-                      </a:rPr>
-                      <m:t>∙)</m:t>
+                      <m:t>=</m:t>
                     </m:r>
                   </m:oMath>
                 </a14:m>
@@ -9475,92 +8200,6 @@
                   </a:rPr>
                   <a:t> </a:t>
                 </a:r>
-                <a:r>
-                  <a:rPr lang="en-US" sz="2990" b="0" dirty="0">
-                    <a:solidFill>
-                      <a:srgbClr val="002060"/>
-                    </a:solidFill>
-                  </a:rPr>
-                  <a:t>is the </a:t>
-                </a:r>
-                <a:r>
-                  <a:rPr lang="en-US" sz="2990" b="0" dirty="0" err="1">
-                    <a:solidFill>
-                      <a:srgbClr val="002060"/>
-                    </a:solidFill>
-                  </a:rPr>
-                  <a:t>vectorized</a:t>
-                </a:r>
-                <a:r>
-                  <a:rPr lang="en-US" sz="2990" b="0" dirty="0">
-                    <a:solidFill>
-                      <a:srgbClr val="002060"/>
-                    </a:solidFill>
-                  </a:rPr>
-                  <a:t> upper triangular of a symmetric matrix, with </a:t>
-                </a:r>
-                <a14:m>
-                  <m:oMath xmlns:m="http://schemas.openxmlformats.org/officeDocument/2006/math">
-                    <m:rad>
-                      <m:radPr>
-                        <m:degHide m:val="on"/>
-                        <m:ctrlPr>
-                          <a:rPr lang="en-US" sz="2990" b="0" i="1" smtClean="0">
-                            <a:solidFill>
-                              <a:srgbClr val="002060"/>
-                            </a:solidFill>
-                            <a:latin typeface="Cambria Math"/>
-                          </a:rPr>
-                        </m:ctrlPr>
-                      </m:radPr>
-                      <m:deg/>
-                      <m:e>
-                        <m:r>
-                          <a:rPr lang="en-US" sz="2990" b="0" i="1" smtClean="0">
-                            <a:solidFill>
-                              <a:srgbClr val="002060"/>
-                            </a:solidFill>
-                            <a:latin typeface="Cambria Math"/>
-                          </a:rPr>
-                          <m:t>2</m:t>
-                        </m:r>
-                      </m:e>
-                    </m:rad>
-                    <m:r>
-                      <a:rPr lang="en-US" sz="2990" b="0" i="1" smtClean="0">
-                        <a:solidFill>
-                          <a:srgbClr val="002060"/>
-                        </a:solidFill>
-                        <a:latin typeface="Cambria Math"/>
-                      </a:rPr>
-                      <m:t> </m:t>
-                    </m:r>
-                  </m:oMath>
-                </a14:m>
-                <a:r>
-                  <a:rPr lang="en-US" sz="2990" b="0" dirty="0" smtClean="0">
-                    <a:solidFill>
-                      <a:srgbClr val="002060"/>
-                    </a:solidFill>
-                  </a:rPr>
-                  <a:t>weights </a:t>
-                </a:r>
-                <a:r>
-                  <a:rPr lang="en-US" sz="2990" b="0" dirty="0">
-                    <a:solidFill>
-                      <a:srgbClr val="002060"/>
-                    </a:solidFill>
-                  </a:rPr>
-                  <a:t>for its off-diagonal elements</a:t>
-                </a:r>
-                <a:r>
-                  <a:rPr lang="en-US" sz="2990" b="0" dirty="0" smtClean="0">
-                    <a:solidFill>
-                      <a:srgbClr val="002060"/>
-                    </a:solidFill>
-                  </a:rPr>
-                  <a:t>.</a:t>
-                </a:r>
               </a:p>
               <a:p>
                 <a:pPr algn="just" rtl="0">
@@ -9568,1664 +8207,7 @@
                     <a:spcPct val="20000"/>
                   </a:spcBef>
                 </a:pPr>
-                <a:endParaRPr lang="en-US" sz="1800" b="0" dirty="0" smtClean="0">
-                  <a:solidFill>
-                    <a:srgbClr val="002060"/>
-                  </a:solidFill>
-                </a:endParaRPr>
-              </a:p>
-              <a:p>
-                <a:pPr algn="just" rtl="0">
-                  <a:spcBef>
-                    <a:spcPct val="20000"/>
-                  </a:spcBef>
-                </a:pPr>
-                <a:r>
-                  <a:rPr lang="en-US" sz="3200" dirty="0" smtClean="0">
-                    <a:solidFill>
-                      <a:srgbClr val="002060"/>
-                    </a:solidFill>
-                  </a:rPr>
-                  <a:t>Traditional </a:t>
-                </a:r>
-                <a:r>
-                  <a:rPr lang="en-US" sz="3200" dirty="0">
-                    <a:solidFill>
-                      <a:srgbClr val="002060"/>
-                    </a:solidFill>
-                  </a:rPr>
-                  <a:t>a</a:t>
-                </a:r>
-                <a:r>
-                  <a:rPr lang="en-US" sz="3200" dirty="0" smtClean="0">
-                    <a:solidFill>
-                      <a:srgbClr val="002060"/>
-                    </a:solidFill>
-                  </a:rPr>
-                  <a:t>pproach</a:t>
-                </a:r>
-                <a:r>
-                  <a:rPr lang="en-US" sz="3200" dirty="0">
-                    <a:solidFill>
-                      <a:srgbClr val="002060"/>
-                    </a:solidFill>
-                  </a:rPr>
-                  <a:t>: </a:t>
-                </a:r>
-                <a:endParaRPr lang="en-US" sz="3200" dirty="0" smtClean="0">
-                  <a:solidFill>
-                    <a:srgbClr val="002060"/>
-                  </a:solidFill>
-                </a:endParaRPr>
-              </a:p>
-              <a:p>
-                <a:pPr algn="just" rtl="0">
-                  <a:spcBef>
-                    <a:spcPct val="20000"/>
-                  </a:spcBef>
-                </a:pPr>
-                <a:r>
-                  <a:rPr lang="en-US" sz="2990" b="0" dirty="0" smtClean="0">
-                    <a:solidFill>
-                      <a:srgbClr val="002060"/>
-                    </a:solidFill>
-                  </a:rPr>
-                  <a:t>Project all matrices to the tangent plane located at the Riemannian mean of the entire data set. </a:t>
-                </a:r>
-              </a:p>
-              <a:p>
-                <a:pPr algn="just" rtl="0">
-                  <a:spcBef>
-                    <a:spcPct val="20000"/>
-                  </a:spcBef>
-                </a:pPr>
-                <a:endParaRPr lang="en-US" sz="1800" b="0" dirty="0">
-                  <a:solidFill>
-                    <a:srgbClr val="002060"/>
-                  </a:solidFill>
-                </a:endParaRPr>
-              </a:p>
-              <a:p>
-                <a:pPr algn="l" rtl="0">
-                  <a:spcBef>
-                    <a:spcPct val="20000"/>
-                  </a:spcBef>
-                </a:pPr>
-                <a:r>
-                  <a:rPr lang="en-US" sz="3200" dirty="0">
-                    <a:solidFill>
-                      <a:srgbClr val="002060"/>
-                    </a:solidFill>
-                  </a:rPr>
-                  <a:t>Suggested a</a:t>
-                </a:r>
-                <a:r>
-                  <a:rPr lang="en-US" sz="3200" dirty="0" smtClean="0">
-                    <a:solidFill>
-                      <a:srgbClr val="002060"/>
-                    </a:solidFill>
-                  </a:rPr>
-                  <a:t>pproach</a:t>
-                </a:r>
-                <a:r>
-                  <a:rPr lang="en-US" sz="3200" dirty="0">
-                    <a:solidFill>
-                      <a:srgbClr val="002060"/>
-                    </a:solidFill>
-                  </a:rPr>
-                  <a:t>: </a:t>
-                </a:r>
-                <a:r>
-                  <a:rPr lang="en-US" sz="3200" dirty="0" smtClean="0">
-                    <a:solidFill>
-                      <a:srgbClr val="002060"/>
-                    </a:solidFill>
-                  </a:rPr>
-                  <a:t>Parallel Transport (PT)</a:t>
-                </a:r>
-                <a:endParaRPr lang="en-US" sz="3200" dirty="0">
-                  <a:solidFill>
-                    <a:srgbClr val="002060"/>
-                  </a:solidFill>
-                </a:endParaRPr>
-              </a:p>
-              <a:p>
-                <a:pPr algn="just" rtl="0">
-                  <a:spcBef>
-                    <a:spcPct val="20000"/>
-                  </a:spcBef>
-                </a:pPr>
-                <a:endParaRPr lang="en-US" sz="1400" b="0" dirty="0">
-                  <a:solidFill>
-                    <a:srgbClr val="002060"/>
-                  </a:solidFill>
-                </a:endParaRPr>
-              </a:p>
-              <a:p>
-                <a:pPr marL="342900" indent="-342900" algn="just" rtl="0">
-                  <a:spcBef>
-                    <a:spcPct val="20000"/>
-                  </a:spcBef>
-                  <a:buFont typeface="Arial" panose="020B0604020202020204" pitchFamily="34" charset="0"/>
-                  <a:buChar char="•"/>
-                </a:pPr>
-                <a:r>
-                  <a:rPr lang="en-US" sz="2990" b="0" dirty="0">
-                    <a:solidFill>
-                      <a:srgbClr val="002060"/>
-                    </a:solidFill>
-                  </a:rPr>
-                  <a:t>Let </a:t>
-                </a:r>
-                <a14:m>
-                  <m:oMath xmlns:m="http://schemas.openxmlformats.org/officeDocument/2006/math">
-                    <m:sSup>
-                      <m:sSupPr>
-                        <m:ctrlPr>
-                          <a:rPr lang="en-US" sz="2990" b="0" i="1">
-                            <a:solidFill>
-                              <a:srgbClr val="002060"/>
-                            </a:solidFill>
-                            <a:latin typeface="Cambria Math"/>
-                          </a:rPr>
-                        </m:ctrlPr>
-                      </m:sSupPr>
-                      <m:e>
-                        <m:acc>
-                          <m:accPr>
-                            <m:chr m:val="̅"/>
-                            <m:ctrlPr>
-                              <a:rPr lang="en-US" sz="2990" b="0" i="1">
-                                <a:solidFill>
-                                  <a:srgbClr val="002060"/>
-                                </a:solidFill>
-                                <a:latin typeface="Cambria Math"/>
-                              </a:rPr>
-                            </m:ctrlPr>
-                          </m:accPr>
-                          <m:e>
-                            <m:r>
-                              <a:rPr lang="en-US" sz="2990" b="0" i="1">
-                                <a:solidFill>
-                                  <a:srgbClr val="002060"/>
-                                </a:solidFill>
-                                <a:latin typeface="Cambria Math"/>
-                              </a:rPr>
-                              <m:t>𝑃</m:t>
-                            </m:r>
-                          </m:e>
-                        </m:acc>
-                      </m:e>
-                      <m:sup>
-                        <m:d>
-                          <m:dPr>
-                            <m:ctrlPr>
-                              <a:rPr lang="en-US" sz="2990" b="0" i="1">
-                                <a:solidFill>
-                                  <a:srgbClr val="002060"/>
-                                </a:solidFill>
-                                <a:latin typeface="Cambria Math"/>
-                              </a:rPr>
-                            </m:ctrlPr>
-                          </m:dPr>
-                          <m:e>
-                            <m:r>
-                              <a:rPr lang="en-US" sz="2990" b="0" i="1">
-                                <a:solidFill>
-                                  <a:srgbClr val="002060"/>
-                                </a:solidFill>
-                                <a:latin typeface="Cambria Math"/>
-                              </a:rPr>
-                              <m:t>1</m:t>
-                            </m:r>
-                          </m:e>
-                        </m:d>
-                      </m:sup>
-                    </m:sSup>
-                    <m:r>
-                      <a:rPr lang="en-US" sz="2990" b="0" i="1">
-                        <a:solidFill>
-                          <a:srgbClr val="002060"/>
-                        </a:solidFill>
-                        <a:latin typeface="Cambria Math"/>
-                      </a:rPr>
-                      <m:t> </m:t>
-                    </m:r>
-                  </m:oMath>
-                </a14:m>
-                <a:r>
-                  <a:rPr lang="en-US" sz="2990" b="0" dirty="0">
-                    <a:solidFill>
-                      <a:srgbClr val="002060"/>
-                    </a:solidFill>
-                  </a:rPr>
-                  <a:t>and </a:t>
-                </a:r>
-                <a14:m>
-                  <m:oMath xmlns:m="http://schemas.openxmlformats.org/officeDocument/2006/math">
-                    <m:sSup>
-                      <m:sSupPr>
-                        <m:ctrlPr>
-                          <a:rPr lang="en-US" sz="2990" b="0" i="1">
-                            <a:solidFill>
-                              <a:srgbClr val="002060"/>
-                            </a:solidFill>
-                            <a:latin typeface="Cambria Math"/>
-                          </a:rPr>
-                        </m:ctrlPr>
-                      </m:sSupPr>
-                      <m:e>
-                        <m:acc>
-                          <m:accPr>
-                            <m:chr m:val="̅"/>
-                            <m:ctrlPr>
-                              <a:rPr lang="en-US" sz="2990" b="0" i="1">
-                                <a:solidFill>
-                                  <a:srgbClr val="002060"/>
-                                </a:solidFill>
-                                <a:latin typeface="Cambria Math"/>
-                              </a:rPr>
-                            </m:ctrlPr>
-                          </m:accPr>
-                          <m:e>
-                            <m:r>
-                              <a:rPr lang="en-US" sz="2990" b="0" i="1">
-                                <a:solidFill>
-                                  <a:srgbClr val="002060"/>
-                                </a:solidFill>
-                                <a:latin typeface="Cambria Math"/>
-                              </a:rPr>
-                              <m:t>𝑃</m:t>
-                            </m:r>
-                          </m:e>
-                        </m:acc>
-                      </m:e>
-                      <m:sup>
-                        <m:d>
-                          <m:dPr>
-                            <m:ctrlPr>
-                              <a:rPr lang="en-US" sz="2990" b="0" i="1">
-                                <a:solidFill>
-                                  <a:srgbClr val="002060"/>
-                                </a:solidFill>
-                                <a:latin typeface="Cambria Math"/>
-                              </a:rPr>
-                            </m:ctrlPr>
-                          </m:dPr>
-                          <m:e>
-                            <m:r>
-                              <a:rPr lang="en-US" sz="2990" b="0" i="1">
-                                <a:solidFill>
-                                  <a:srgbClr val="002060"/>
-                                </a:solidFill>
-                                <a:latin typeface="Cambria Math"/>
-                              </a:rPr>
-                              <m:t>2</m:t>
-                            </m:r>
-                          </m:e>
-                        </m:d>
-                      </m:sup>
-                    </m:sSup>
-                  </m:oMath>
-                </a14:m>
-                <a:r>
-                  <a:rPr lang="en-US" sz="2990" b="0" dirty="0">
-                    <a:solidFill>
-                      <a:srgbClr val="002060"/>
-                    </a:solidFill>
-                  </a:rPr>
-                  <a:t> be the Riemannian </a:t>
-                </a:r>
-                <a:r>
-                  <a:rPr lang="en-US" sz="2990" b="0" dirty="0" smtClean="0">
-                    <a:solidFill>
-                      <a:srgbClr val="002060"/>
-                    </a:solidFill>
-                  </a:rPr>
-                  <a:t>means of </a:t>
-                </a:r>
-                <a14:m>
-                  <m:oMath xmlns:m="http://schemas.openxmlformats.org/officeDocument/2006/math">
-                    <m:r>
-                      <a:rPr lang="en-US" sz="2990" b="0" i="1" smtClean="0">
-                        <a:solidFill>
-                          <a:srgbClr val="002060"/>
-                        </a:solidFill>
-                        <a:latin typeface="Cambria Math"/>
-                      </a:rPr>
-                      <m:t>2</m:t>
-                    </m:r>
-                    <m:r>
-                      <a:rPr lang="en-US" sz="2990" b="0" i="1" smtClean="0">
-                        <a:solidFill>
-                          <a:srgbClr val="002060"/>
-                        </a:solidFill>
-                        <a:latin typeface="Cambria Math"/>
-                      </a:rPr>
-                      <m:t> </m:t>
-                    </m:r>
-                  </m:oMath>
-                </a14:m>
-                <a:r>
-                  <a:rPr lang="en-US" sz="2990" b="0" dirty="0" smtClean="0">
-                    <a:solidFill>
-                      <a:srgbClr val="002060"/>
-                    </a:solidFill>
-                  </a:rPr>
-                  <a:t>different subsets </a:t>
-                </a:r>
-                <a14:m>
-                  <m:oMath xmlns:m="http://schemas.openxmlformats.org/officeDocument/2006/math">
-                    <m:d>
-                      <m:dPr>
-                        <m:begChr m:val="{"/>
-                        <m:endChr m:val="}"/>
-                        <m:ctrlPr>
-                          <a:rPr lang="en-US" sz="2990" b="0" i="1">
-                            <a:solidFill>
-                              <a:srgbClr val="002060"/>
-                            </a:solidFill>
-                            <a:latin typeface="Cambria Math"/>
-                          </a:rPr>
-                        </m:ctrlPr>
-                      </m:dPr>
-                      <m:e>
-                        <m:sSubSup>
-                          <m:sSubSupPr>
-                            <m:ctrlPr>
-                              <a:rPr lang="en-US" sz="2990" b="0" i="1">
-                                <a:solidFill>
-                                  <a:srgbClr val="002060"/>
-                                </a:solidFill>
-                                <a:latin typeface="Cambria Math"/>
-                              </a:rPr>
-                            </m:ctrlPr>
-                          </m:sSubSupPr>
-                          <m:e>
-                            <m:r>
-                              <a:rPr lang="en-US" sz="2990" b="0" i="1">
-                                <a:solidFill>
-                                  <a:srgbClr val="002060"/>
-                                </a:solidFill>
-                                <a:latin typeface="Cambria Math"/>
-                              </a:rPr>
-                              <m:t>𝑃</m:t>
-                            </m:r>
-                          </m:e>
-                          <m:sub>
-                            <m:r>
-                              <a:rPr lang="en-US" sz="2990" b="0" i="1">
-                                <a:solidFill>
-                                  <a:srgbClr val="002060"/>
-                                </a:solidFill>
-                                <a:latin typeface="Cambria Math"/>
-                              </a:rPr>
-                              <m:t>𝑖</m:t>
-                            </m:r>
-                          </m:sub>
-                          <m:sup>
-                            <m:d>
-                              <m:dPr>
-                                <m:ctrlPr>
-                                  <a:rPr lang="en-US" sz="2990" b="0" i="1">
-                                    <a:solidFill>
-                                      <a:srgbClr val="002060"/>
-                                    </a:solidFill>
-                                    <a:latin typeface="Cambria Math"/>
-                                  </a:rPr>
-                                </m:ctrlPr>
-                              </m:dPr>
-                              <m:e>
-                                <m:r>
-                                  <a:rPr lang="en-US" sz="2990" b="0" i="1">
-                                    <a:solidFill>
-                                      <a:srgbClr val="002060"/>
-                                    </a:solidFill>
-                                    <a:latin typeface="Cambria Math"/>
-                                  </a:rPr>
-                                  <m:t>1</m:t>
-                                </m:r>
-                              </m:e>
-                            </m:d>
-                          </m:sup>
-                        </m:sSubSup>
-                      </m:e>
-                    </m:d>
-                  </m:oMath>
-                </a14:m>
-                <a:r>
-                  <a:rPr lang="en-US" sz="2990" b="0" dirty="0">
-                    <a:solidFill>
-                      <a:srgbClr val="002060"/>
-                    </a:solidFill>
-                  </a:rPr>
-                  <a:t> and </a:t>
-                </a:r>
-                <a14:m>
-                  <m:oMath xmlns:m="http://schemas.openxmlformats.org/officeDocument/2006/math">
-                    <m:d>
-                      <m:dPr>
-                        <m:begChr m:val="{"/>
-                        <m:endChr m:val="}"/>
-                        <m:ctrlPr>
-                          <a:rPr lang="en-US" sz="2990" b="0" i="1">
-                            <a:solidFill>
-                              <a:srgbClr val="002060"/>
-                            </a:solidFill>
-                            <a:latin typeface="Cambria Math"/>
-                          </a:rPr>
-                        </m:ctrlPr>
-                      </m:dPr>
-                      <m:e>
-                        <m:sSubSup>
-                          <m:sSubSupPr>
-                            <m:ctrlPr>
-                              <a:rPr lang="en-US" sz="2990" b="0" i="1">
-                                <a:solidFill>
-                                  <a:srgbClr val="002060"/>
-                                </a:solidFill>
-                                <a:latin typeface="Cambria Math"/>
-                              </a:rPr>
-                            </m:ctrlPr>
-                          </m:sSubSupPr>
-                          <m:e>
-                            <m:r>
-                              <a:rPr lang="en-US" sz="2990" b="0" i="1">
-                                <a:solidFill>
-                                  <a:srgbClr val="002060"/>
-                                </a:solidFill>
-                                <a:latin typeface="Cambria Math"/>
-                              </a:rPr>
-                              <m:t>𝑃</m:t>
-                            </m:r>
-                          </m:e>
-                          <m:sub>
-                            <m:r>
-                              <a:rPr lang="en-US" sz="2990" b="0" i="1">
-                                <a:solidFill>
-                                  <a:srgbClr val="002060"/>
-                                </a:solidFill>
-                                <a:latin typeface="Cambria Math"/>
-                              </a:rPr>
-                              <m:t>𝑖</m:t>
-                            </m:r>
-                          </m:sub>
-                          <m:sup>
-                            <m:d>
-                              <m:dPr>
-                                <m:ctrlPr>
-                                  <a:rPr lang="en-US" sz="2990" b="0" i="1">
-                                    <a:solidFill>
-                                      <a:srgbClr val="002060"/>
-                                    </a:solidFill>
-                                    <a:latin typeface="Cambria Math"/>
-                                  </a:rPr>
-                                </m:ctrlPr>
-                              </m:dPr>
-                              <m:e>
-                                <m:r>
-                                  <a:rPr lang="en-US" sz="2990" b="0" i="1">
-                                    <a:solidFill>
-                                      <a:srgbClr val="002060"/>
-                                    </a:solidFill>
-                                    <a:latin typeface="Cambria Math"/>
-                                  </a:rPr>
-                                  <m:t>2</m:t>
-                                </m:r>
-                              </m:e>
-                            </m:d>
-                          </m:sup>
-                        </m:sSubSup>
-                      </m:e>
-                    </m:d>
-                  </m:oMath>
-                </a14:m>
-                <a:r>
-                  <a:rPr lang="en-US" sz="2990" b="0" dirty="0">
-                    <a:solidFill>
-                      <a:srgbClr val="002060"/>
-                    </a:solidFill>
-                  </a:rPr>
-                  <a:t> .</a:t>
-                </a:r>
-              </a:p>
-              <a:p>
-                <a:pPr marL="342900" indent="-342900" algn="just" rtl="0">
-                  <a:spcBef>
-                    <a:spcPct val="20000"/>
-                  </a:spcBef>
-                  <a:buFont typeface="Arial" panose="020B0604020202020204" pitchFamily="34" charset="0"/>
-                  <a:buChar char="•"/>
-                </a:pPr>
-                <a:r>
-                  <a:rPr lang="en-US" sz="2990" b="0" dirty="0">
-                    <a:solidFill>
-                      <a:srgbClr val="002060"/>
-                    </a:solidFill>
-                  </a:rPr>
-                  <a:t>Project the covariance matrices </a:t>
-                </a:r>
-                <a14:m>
-                  <m:oMath xmlns:m="http://schemas.openxmlformats.org/officeDocument/2006/math">
-                    <m:d>
-                      <m:dPr>
-                        <m:begChr m:val="{"/>
-                        <m:endChr m:val="}"/>
-                        <m:ctrlPr>
-                          <a:rPr lang="en-US" sz="2990" b="0" i="1">
-                            <a:solidFill>
-                              <a:srgbClr val="002060"/>
-                            </a:solidFill>
-                            <a:latin typeface="Cambria Math"/>
-                          </a:rPr>
-                        </m:ctrlPr>
-                      </m:dPr>
-                      <m:e>
-                        <m:sSubSup>
-                          <m:sSubSupPr>
-                            <m:ctrlPr>
-                              <a:rPr lang="en-US" sz="2990" b="0" i="1">
-                                <a:solidFill>
-                                  <a:srgbClr val="002060"/>
-                                </a:solidFill>
-                                <a:latin typeface="Cambria Math"/>
-                              </a:rPr>
-                            </m:ctrlPr>
-                          </m:sSubSupPr>
-                          <m:e>
-                            <m:r>
-                              <a:rPr lang="en-US" sz="2990" b="0" i="1">
-                                <a:solidFill>
-                                  <a:srgbClr val="002060"/>
-                                </a:solidFill>
-                                <a:latin typeface="Cambria Math"/>
-                              </a:rPr>
-                              <m:t>𝑃</m:t>
-                            </m:r>
-                          </m:e>
-                          <m:sub>
-                            <m:r>
-                              <a:rPr lang="en-US" sz="2990" b="0" i="1">
-                                <a:solidFill>
-                                  <a:srgbClr val="002060"/>
-                                </a:solidFill>
-                                <a:latin typeface="Cambria Math"/>
-                              </a:rPr>
-                              <m:t>𝑖</m:t>
-                            </m:r>
-                          </m:sub>
-                          <m:sup>
-                            <m:d>
-                              <m:dPr>
-                                <m:ctrlPr>
-                                  <a:rPr lang="en-US" sz="2990" b="0" i="1">
-                                    <a:solidFill>
-                                      <a:srgbClr val="002060"/>
-                                    </a:solidFill>
-                                    <a:latin typeface="Cambria Math"/>
-                                  </a:rPr>
-                                </m:ctrlPr>
-                              </m:dPr>
-                              <m:e>
-                                <m:r>
-                                  <a:rPr lang="en-US" sz="2990" b="0" i="1">
-                                    <a:solidFill>
-                                      <a:srgbClr val="002060"/>
-                                    </a:solidFill>
-                                    <a:latin typeface="Cambria Math"/>
-                                  </a:rPr>
-                                  <m:t>2</m:t>
-                                </m:r>
-                              </m:e>
-                            </m:d>
-                          </m:sup>
-                        </m:sSubSup>
-                      </m:e>
-                    </m:d>
-                  </m:oMath>
-                </a14:m>
-                <a:r>
-                  <a:rPr lang="en-US" sz="2990" b="0" dirty="0">
-                    <a:solidFill>
-                      <a:srgbClr val="002060"/>
-                    </a:solidFill>
-                  </a:rPr>
-                  <a:t> into the tangent plane </a:t>
-                </a:r>
-                <a14:m>
-                  <m:oMath xmlns:m="http://schemas.openxmlformats.org/officeDocument/2006/math">
-                    <m:sSub>
-                      <m:sSubPr>
-                        <m:ctrlPr>
-                          <a:rPr lang="en-US" sz="2990" b="0" i="1">
-                            <a:solidFill>
-                              <a:srgbClr val="002060"/>
-                            </a:solidFill>
-                            <a:latin typeface="Cambria Math"/>
-                          </a:rPr>
-                        </m:ctrlPr>
-                      </m:sSubPr>
-                      <m:e>
-                        <m:r>
-                          <a:rPr lang="en-US" sz="2990" b="0" i="1">
-                            <a:solidFill>
-                              <a:srgbClr val="002060"/>
-                            </a:solidFill>
-                            <a:latin typeface="Cambria Math"/>
-                          </a:rPr>
-                          <m:t>𝒯</m:t>
-                        </m:r>
-                      </m:e>
-                      <m:sub>
-                        <m:sSup>
-                          <m:sSupPr>
-                            <m:ctrlPr>
-                              <a:rPr lang="en-US" sz="2990" b="0" i="1">
-                                <a:solidFill>
-                                  <a:srgbClr val="002060"/>
-                                </a:solidFill>
-                                <a:latin typeface="Cambria Math"/>
-                              </a:rPr>
-                            </m:ctrlPr>
-                          </m:sSupPr>
-                          <m:e>
-                            <m:acc>
-                              <m:accPr>
-                                <m:chr m:val="̅"/>
-                                <m:ctrlPr>
-                                  <a:rPr lang="en-US" sz="2990" b="0" i="1">
-                                    <a:solidFill>
-                                      <a:srgbClr val="002060"/>
-                                    </a:solidFill>
-                                    <a:latin typeface="Cambria Math"/>
-                                  </a:rPr>
-                                </m:ctrlPr>
-                              </m:accPr>
-                              <m:e>
-                                <m:r>
-                                  <a:rPr lang="en-US" sz="2990" b="0" i="1">
-                                    <a:solidFill>
-                                      <a:srgbClr val="002060"/>
-                                    </a:solidFill>
-                                    <a:latin typeface="Cambria Math"/>
-                                  </a:rPr>
-                                  <m:t>𝑃</m:t>
-                                </m:r>
-                              </m:e>
-                            </m:acc>
-                          </m:e>
-                          <m:sup>
-                            <m:r>
-                              <a:rPr lang="en-US" sz="2990" b="0" i="1">
-                                <a:solidFill>
-                                  <a:srgbClr val="002060"/>
-                                </a:solidFill>
-                                <a:latin typeface="Cambria Math"/>
-                              </a:rPr>
-                              <m:t>(</m:t>
-                            </m:r>
-                            <m:r>
-                              <a:rPr lang="en-US" sz="2990" b="0" i="1">
-                                <a:solidFill>
-                                  <a:srgbClr val="002060"/>
-                                </a:solidFill>
-                                <a:latin typeface="Cambria Math"/>
-                              </a:rPr>
-                              <m:t>2</m:t>
-                            </m:r>
-                            <m:r>
-                              <a:rPr lang="en-US" sz="2990" b="0" i="1">
-                                <a:solidFill>
-                                  <a:srgbClr val="002060"/>
-                                </a:solidFill>
-                                <a:latin typeface="Cambria Math"/>
-                              </a:rPr>
-                              <m:t>)</m:t>
-                            </m:r>
-                          </m:sup>
-                        </m:sSup>
-                      </m:sub>
-                    </m:sSub>
-                    <m:r>
-                      <a:rPr lang="en-US" sz="2990" b="0" i="1">
-                        <a:solidFill>
-                          <a:srgbClr val="002060"/>
-                        </a:solidFill>
-                        <a:latin typeface="Cambria Math"/>
-                      </a:rPr>
-                      <m:t>ℳ</m:t>
-                    </m:r>
-                    <m:r>
-                      <a:rPr lang="en-US" sz="2990" b="0" i="1">
-                        <a:solidFill>
-                          <a:srgbClr val="002060"/>
-                        </a:solidFill>
-                        <a:latin typeface="Cambria Math"/>
-                      </a:rPr>
-                      <m:t>.</m:t>
-                    </m:r>
-                  </m:oMath>
-                </a14:m>
-                <a:endParaRPr lang="en-US" sz="2990" b="0" dirty="0">
-                  <a:solidFill>
-                    <a:srgbClr val="002060"/>
-                  </a:solidFill>
-                </a:endParaRPr>
-              </a:p>
-              <a:p>
-                <a:pPr marL="342900" indent="-342900" algn="just" rtl="0">
-                  <a:spcBef>
-                    <a:spcPct val="20000"/>
-                  </a:spcBef>
-                  <a:buFont typeface="Arial" panose="020B0604020202020204" pitchFamily="34" charset="0"/>
-                  <a:buChar char="•"/>
-                </a:pPr>
-                <a:r>
-                  <a:rPr lang="en-US" sz="2990" b="0" dirty="0">
-                    <a:solidFill>
-                      <a:srgbClr val="002060"/>
-                    </a:solidFill>
-                  </a:rPr>
-                  <a:t>Apply PT to </a:t>
-                </a:r>
-                <a14:m>
-                  <m:oMath xmlns:m="http://schemas.openxmlformats.org/officeDocument/2006/math">
-                    <m:d>
-                      <m:dPr>
-                        <m:begChr m:val="{"/>
-                        <m:endChr m:val="}"/>
-                        <m:ctrlPr>
-                          <a:rPr lang="en-US" sz="2990" b="0" i="1">
-                            <a:solidFill>
-                              <a:srgbClr val="002060"/>
-                            </a:solidFill>
-                            <a:latin typeface="Cambria Math"/>
-                          </a:rPr>
-                        </m:ctrlPr>
-                      </m:dPr>
-                      <m:e>
-                        <m:sSubSup>
-                          <m:sSubSupPr>
-                            <m:ctrlPr>
-                              <a:rPr lang="en-US" sz="2990" b="0" i="1">
-                                <a:solidFill>
-                                  <a:srgbClr val="002060"/>
-                                </a:solidFill>
-                                <a:latin typeface="Cambria Math"/>
-                              </a:rPr>
-                            </m:ctrlPr>
-                          </m:sSubSupPr>
-                          <m:e>
-                            <m:r>
-                              <a:rPr lang="en-US" sz="2990" b="0" i="1">
-                                <a:solidFill>
-                                  <a:srgbClr val="002060"/>
-                                </a:solidFill>
-                                <a:latin typeface="Cambria Math"/>
-                              </a:rPr>
-                              <m:t>𝑆</m:t>
-                            </m:r>
-                          </m:e>
-                          <m:sub>
-                            <m:r>
-                              <a:rPr lang="en-US" sz="2990" b="0" i="1">
-                                <a:solidFill>
-                                  <a:srgbClr val="002060"/>
-                                </a:solidFill>
-                                <a:latin typeface="Cambria Math"/>
-                              </a:rPr>
-                              <m:t>𝑖</m:t>
-                            </m:r>
-                          </m:sub>
-                          <m:sup>
-                            <m:d>
-                              <m:dPr>
-                                <m:ctrlPr>
-                                  <a:rPr lang="en-US" sz="2990" b="0" i="1">
-                                    <a:solidFill>
-                                      <a:srgbClr val="002060"/>
-                                    </a:solidFill>
-                                    <a:latin typeface="Cambria Math"/>
-                                  </a:rPr>
-                                </m:ctrlPr>
-                              </m:dPr>
-                              <m:e>
-                                <m:r>
-                                  <a:rPr lang="en-US" sz="2990" b="0" i="1">
-                                    <a:solidFill>
-                                      <a:srgbClr val="002060"/>
-                                    </a:solidFill>
-                                    <a:latin typeface="Cambria Math"/>
-                                  </a:rPr>
-                                  <m:t>2</m:t>
-                                </m:r>
-                              </m:e>
-                            </m:d>
-                          </m:sup>
-                        </m:sSubSup>
-                      </m:e>
-                    </m:d>
-                  </m:oMath>
-                </a14:m>
-                <a:r>
-                  <a:rPr lang="en-US" sz="2990" b="0" dirty="0">
-                    <a:solidFill>
-                      <a:srgbClr val="002060"/>
-                    </a:solidFill>
-                  </a:rPr>
-                  <a:t> along the </a:t>
-                </a:r>
-                <a:r>
-                  <a:rPr lang="en-US" sz="2990" b="0" dirty="0" smtClean="0">
-                    <a:solidFill>
-                      <a:srgbClr val="002060"/>
-                    </a:solidFill>
-                  </a:rPr>
-                  <a:t>geodesic </a:t>
-                </a:r>
-                <a:r>
-                  <a:rPr lang="en-US" sz="2990" b="0" dirty="0">
-                    <a:solidFill>
-                      <a:srgbClr val="002060"/>
-                    </a:solidFill>
-                  </a:rPr>
-                  <a:t>path </a:t>
-                </a:r>
-                <a14:m>
-                  <m:oMath xmlns:m="http://schemas.openxmlformats.org/officeDocument/2006/math">
-                    <m:r>
-                      <a:rPr lang="en-US" sz="2990" b="0" i="1">
-                        <a:solidFill>
-                          <a:srgbClr val="002060"/>
-                        </a:solidFill>
-                        <a:latin typeface="Cambria Math"/>
-                        <a:ea typeface="Cambria Math"/>
-                      </a:rPr>
-                      <m:t>𝜑</m:t>
-                    </m:r>
-                  </m:oMath>
-                </a14:m>
-                <a:r>
-                  <a:rPr lang="en-US" sz="2990" b="0" dirty="0">
-                    <a:solidFill>
-                      <a:srgbClr val="002060"/>
-                    </a:solidFill>
-                  </a:rPr>
-                  <a:t> between </a:t>
-                </a:r>
-                <a14:m>
-                  <m:oMath xmlns:m="http://schemas.openxmlformats.org/officeDocument/2006/math">
-                    <m:sSup>
-                      <m:sSupPr>
-                        <m:ctrlPr>
-                          <a:rPr lang="en-US" sz="2990" b="0" i="1">
-                            <a:solidFill>
-                              <a:srgbClr val="002060"/>
-                            </a:solidFill>
-                            <a:latin typeface="Cambria Math"/>
-                          </a:rPr>
-                        </m:ctrlPr>
-                      </m:sSupPr>
-                      <m:e>
-                        <m:acc>
-                          <m:accPr>
-                            <m:chr m:val="̅"/>
-                            <m:ctrlPr>
-                              <a:rPr lang="en-US" sz="2990" b="0" i="1">
-                                <a:solidFill>
-                                  <a:srgbClr val="002060"/>
-                                </a:solidFill>
-                                <a:latin typeface="Cambria Math"/>
-                              </a:rPr>
-                            </m:ctrlPr>
-                          </m:accPr>
-                          <m:e>
-                            <m:r>
-                              <a:rPr lang="en-US" sz="2990" b="0" i="1">
-                                <a:solidFill>
-                                  <a:srgbClr val="002060"/>
-                                </a:solidFill>
-                                <a:latin typeface="Cambria Math"/>
-                              </a:rPr>
-                              <m:t>𝑃</m:t>
-                            </m:r>
-                          </m:e>
-                        </m:acc>
-                      </m:e>
-                      <m:sup>
-                        <m:d>
-                          <m:dPr>
-                            <m:ctrlPr>
-                              <a:rPr lang="en-US" sz="2990" b="0" i="1">
-                                <a:solidFill>
-                                  <a:srgbClr val="002060"/>
-                                </a:solidFill>
-                                <a:latin typeface="Cambria Math"/>
-                              </a:rPr>
-                            </m:ctrlPr>
-                          </m:dPr>
-                          <m:e>
-                            <m:r>
-                              <a:rPr lang="en-US" sz="2990" b="0" i="1">
-                                <a:solidFill>
-                                  <a:srgbClr val="002060"/>
-                                </a:solidFill>
-                                <a:latin typeface="Cambria Math"/>
-                              </a:rPr>
-                              <m:t>1</m:t>
-                            </m:r>
-                          </m:e>
-                        </m:d>
-                      </m:sup>
-                    </m:sSup>
-                  </m:oMath>
-                </a14:m>
-                <a:r>
-                  <a:rPr lang="en-US" sz="2990" b="0" dirty="0">
-                    <a:solidFill>
-                      <a:srgbClr val="002060"/>
-                    </a:solidFill>
-                  </a:rPr>
-                  <a:t> and </a:t>
-                </a:r>
-                <a14:m>
-                  <m:oMath xmlns:m="http://schemas.openxmlformats.org/officeDocument/2006/math">
-                    <m:sSup>
-                      <m:sSupPr>
-                        <m:ctrlPr>
-                          <a:rPr lang="en-US" sz="2990" b="0" i="1">
-                            <a:solidFill>
-                              <a:srgbClr val="002060"/>
-                            </a:solidFill>
-                            <a:latin typeface="Cambria Math"/>
-                          </a:rPr>
-                        </m:ctrlPr>
-                      </m:sSupPr>
-                      <m:e>
-                        <m:acc>
-                          <m:accPr>
-                            <m:chr m:val="̅"/>
-                            <m:ctrlPr>
-                              <a:rPr lang="en-US" sz="2990" b="0" i="1">
-                                <a:solidFill>
-                                  <a:srgbClr val="002060"/>
-                                </a:solidFill>
-                                <a:latin typeface="Cambria Math"/>
-                              </a:rPr>
-                            </m:ctrlPr>
-                          </m:accPr>
-                          <m:e>
-                            <m:r>
-                              <a:rPr lang="en-US" sz="2990" b="0" i="1">
-                                <a:solidFill>
-                                  <a:srgbClr val="002060"/>
-                                </a:solidFill>
-                                <a:latin typeface="Cambria Math"/>
-                              </a:rPr>
-                              <m:t>𝑃</m:t>
-                            </m:r>
-                          </m:e>
-                        </m:acc>
-                      </m:e>
-                      <m:sup>
-                        <m:r>
-                          <a:rPr lang="en-US" sz="2990" b="0" i="1">
-                            <a:solidFill>
-                              <a:srgbClr val="002060"/>
-                            </a:solidFill>
-                            <a:latin typeface="Cambria Math"/>
-                          </a:rPr>
-                          <m:t>(</m:t>
-                        </m:r>
-                        <m:r>
-                          <a:rPr lang="en-US" sz="2990" b="0" i="1">
-                            <a:solidFill>
-                              <a:srgbClr val="002060"/>
-                            </a:solidFill>
-                            <a:latin typeface="Cambria Math"/>
-                          </a:rPr>
-                          <m:t>2</m:t>
-                        </m:r>
-                        <m:r>
-                          <a:rPr lang="en-US" sz="2990" b="0" i="1">
-                            <a:solidFill>
-                              <a:srgbClr val="002060"/>
-                            </a:solidFill>
-                            <a:latin typeface="Cambria Math"/>
-                          </a:rPr>
-                          <m:t>)</m:t>
-                        </m:r>
-                      </m:sup>
-                    </m:sSup>
-                    <m:r>
-                      <a:rPr lang="en-US" sz="2990" b="0" i="1">
-                        <a:solidFill>
-                          <a:srgbClr val="002060"/>
-                        </a:solidFill>
-                        <a:latin typeface="Cambria Math"/>
-                      </a:rPr>
-                      <m:t>.</m:t>
-                    </m:r>
-                  </m:oMath>
-                </a14:m>
-                <a:endParaRPr lang="en-US" sz="2990" b="0" dirty="0">
-                  <a:solidFill>
-                    <a:srgbClr val="002060"/>
-                  </a:solidFill>
-                </a:endParaRPr>
-              </a:p>
-              <a:p>
-                <a:pPr marL="342900" indent="-342900" algn="just" rtl="0">
-                  <a:spcBef>
-                    <a:spcPct val="20000"/>
-                  </a:spcBef>
-                  <a:buFont typeface="Arial" panose="020B0604020202020204" pitchFamily="34" charset="0"/>
-                  <a:buChar char="•"/>
-                </a:pPr>
-                <a:r>
-                  <a:rPr lang="en-US" sz="2990" b="0" dirty="0" smtClean="0">
-                    <a:solidFill>
-                      <a:srgbClr val="002060"/>
-                    </a:solidFill>
-                  </a:rPr>
-                  <a:t>PT formula:</a:t>
-                </a:r>
-              </a:p>
-              <a:p>
-                <a:pPr algn="just" rtl="0">
-                  <a:spcBef>
-                    <a:spcPct val="20000"/>
-                  </a:spcBef>
-                </a:pPr>
-                <a14:m>
-                  <m:oMathPara xmlns:m="http://schemas.openxmlformats.org/officeDocument/2006/math">
-                    <m:oMathParaPr>
-                      <m:jc m:val="centerGroup"/>
-                    </m:oMathParaPr>
-                    <m:oMath xmlns:m="http://schemas.openxmlformats.org/officeDocument/2006/math">
-                      <m:sSubSup>
-                        <m:sSubSupPr>
-                          <m:ctrlPr>
-                            <a:rPr lang="en-US" sz="2990" b="0" i="1" smtClean="0">
-                              <a:solidFill>
-                                <a:srgbClr val="002060"/>
-                              </a:solidFill>
-                              <a:latin typeface="Cambria Math"/>
-                            </a:rPr>
-                          </m:ctrlPr>
-                        </m:sSubSupPr>
-                        <m:e>
-                          <m:r>
-                            <a:rPr lang="el-GR" sz="2990" b="0" i="1">
-                              <a:solidFill>
-                                <a:srgbClr val="002060"/>
-                              </a:solidFill>
-                              <a:latin typeface="Cambria Math"/>
-                            </a:rPr>
-                            <m:t>𝛤</m:t>
-                          </m:r>
-                        </m:e>
-                        <m:sub>
-                          <m:r>
-                            <a:rPr lang="en-US" sz="2990" b="0" i="1" smtClean="0">
-                              <a:solidFill>
-                                <a:srgbClr val="002060"/>
-                              </a:solidFill>
-                              <a:latin typeface="Cambria Math"/>
-                            </a:rPr>
-                            <m:t>𝑖</m:t>
-                          </m:r>
-                        </m:sub>
-                        <m:sup>
-                          <m:r>
-                            <a:rPr lang="en-US" sz="2990" b="0" i="1" smtClean="0">
-                              <a:solidFill>
-                                <a:srgbClr val="002060"/>
-                              </a:solidFill>
-                              <a:latin typeface="Cambria Math"/>
-                            </a:rPr>
-                            <m:t>(</m:t>
-                          </m:r>
-                          <m:r>
-                            <a:rPr lang="en-US" sz="2990" b="0" i="1" smtClean="0">
-                              <a:solidFill>
-                                <a:srgbClr val="002060"/>
-                              </a:solidFill>
-                              <a:latin typeface="Cambria Math"/>
-                            </a:rPr>
-                            <m:t>2</m:t>
-                          </m:r>
-                          <m:r>
-                            <a:rPr lang="en-US" sz="2990" b="0" i="1" smtClean="0">
-                              <a:solidFill>
-                                <a:srgbClr val="002060"/>
-                              </a:solidFill>
-                              <a:latin typeface="Cambria Math"/>
-                            </a:rPr>
-                            <m:t>)</m:t>
-                          </m:r>
-                        </m:sup>
-                      </m:sSubSup>
-                      <m:r>
-                        <a:rPr lang="en-US" sz="2990" b="0" i="1" smtClean="0">
-                          <a:solidFill>
-                            <a:srgbClr val="002060"/>
-                          </a:solidFill>
-                          <a:latin typeface="Cambria Math"/>
-                        </a:rPr>
-                        <m:t>=</m:t>
-                      </m:r>
-                      <m:r>
-                        <a:rPr lang="el-GR" sz="2990" b="0" i="1" smtClean="0">
-                          <a:solidFill>
-                            <a:srgbClr val="002060"/>
-                          </a:solidFill>
-                          <a:latin typeface="Cambria Math"/>
-                        </a:rPr>
-                        <m:t>𝛤</m:t>
-                      </m:r>
-                      <m:d>
-                        <m:dPr>
-                          <m:ctrlPr>
-                            <a:rPr lang="en-US" sz="2990" i="1">
-                              <a:solidFill>
-                                <a:srgbClr val="002060"/>
-                              </a:solidFill>
-                              <a:latin typeface="Cambria Math"/>
-                            </a:rPr>
-                          </m:ctrlPr>
-                        </m:dPr>
-                        <m:e>
-                          <m:sSubSup>
-                            <m:sSubSupPr>
-                              <m:ctrlPr>
-                                <a:rPr lang="en-US" sz="2990" i="1">
-                                  <a:solidFill>
-                                    <a:srgbClr val="002060"/>
-                                  </a:solidFill>
-                                  <a:latin typeface="Cambria Math"/>
-                                </a:rPr>
-                              </m:ctrlPr>
-                            </m:sSubSupPr>
-                            <m:e>
-                              <m:r>
-                                <a:rPr lang="en-US" sz="2990" i="1">
-                                  <a:solidFill>
-                                    <a:srgbClr val="002060"/>
-                                  </a:solidFill>
-                                  <a:latin typeface="Cambria Math"/>
-                                </a:rPr>
-                                <m:t>𝑆</m:t>
-                              </m:r>
-                            </m:e>
-                            <m:sub>
-                              <m:r>
-                                <a:rPr lang="en-US" sz="2990" i="1">
-                                  <a:solidFill>
-                                    <a:srgbClr val="002060"/>
-                                  </a:solidFill>
-                                  <a:latin typeface="Cambria Math"/>
-                                </a:rPr>
-                                <m:t>𝑖</m:t>
-                              </m:r>
-                            </m:sub>
-                            <m:sup>
-                              <m:d>
-                                <m:dPr>
-                                  <m:ctrlPr>
-                                    <a:rPr lang="en-US" sz="2990" i="1">
-                                      <a:solidFill>
-                                        <a:srgbClr val="002060"/>
-                                      </a:solidFill>
-                                      <a:latin typeface="Cambria Math"/>
-                                    </a:rPr>
-                                  </m:ctrlPr>
-                                </m:dPr>
-                                <m:e>
-                                  <m:r>
-                                    <a:rPr lang="en-US" sz="2990" i="1">
-                                      <a:solidFill>
-                                        <a:srgbClr val="002060"/>
-                                      </a:solidFill>
-                                      <a:latin typeface="Cambria Math"/>
-                                    </a:rPr>
-                                    <m:t>2</m:t>
-                                  </m:r>
-                                </m:e>
-                              </m:d>
-                            </m:sup>
-                          </m:sSubSup>
-                        </m:e>
-                      </m:d>
-                      <m:r>
-                        <a:rPr lang="en-US" sz="2990" i="1">
-                          <a:solidFill>
-                            <a:srgbClr val="002060"/>
-                          </a:solidFill>
-                          <a:latin typeface="Cambria Math"/>
-                        </a:rPr>
-                        <m:t>=</m:t>
-                      </m:r>
-                      <m:r>
-                        <a:rPr lang="en-US" sz="2990" i="1">
-                          <a:solidFill>
-                            <a:srgbClr val="002060"/>
-                          </a:solidFill>
-                          <a:latin typeface="Cambria Math"/>
-                        </a:rPr>
-                        <m:t>𝐸</m:t>
-                      </m:r>
-                      <m:r>
-                        <a:rPr lang="en-US" sz="2990" i="1">
-                          <a:solidFill>
-                            <a:srgbClr val="002060"/>
-                          </a:solidFill>
-                          <a:latin typeface="Cambria Math"/>
-                        </a:rPr>
-                        <m:t> </m:t>
-                      </m:r>
-                      <m:sSubSup>
-                        <m:sSubSupPr>
-                          <m:ctrlPr>
-                            <a:rPr lang="en-US" sz="2990" i="1">
-                              <a:solidFill>
-                                <a:srgbClr val="002060"/>
-                              </a:solidFill>
-                              <a:latin typeface="Cambria Math"/>
-                            </a:rPr>
-                          </m:ctrlPr>
-                        </m:sSubSupPr>
-                        <m:e>
-                          <m:r>
-                            <a:rPr lang="en-US" sz="2990" i="1">
-                              <a:solidFill>
-                                <a:srgbClr val="002060"/>
-                              </a:solidFill>
-                              <a:latin typeface="Cambria Math"/>
-                            </a:rPr>
-                            <m:t>𝑆</m:t>
-                          </m:r>
-                        </m:e>
-                        <m:sub>
-                          <m:r>
-                            <a:rPr lang="en-US" sz="2990" i="1">
-                              <a:solidFill>
-                                <a:srgbClr val="002060"/>
-                              </a:solidFill>
-                              <a:latin typeface="Cambria Math"/>
-                            </a:rPr>
-                            <m:t>𝑖</m:t>
-                          </m:r>
-                        </m:sub>
-                        <m:sup>
-                          <m:r>
-                            <a:rPr lang="en-US" sz="2990" i="1">
-                              <a:solidFill>
-                                <a:srgbClr val="002060"/>
-                              </a:solidFill>
-                              <a:latin typeface="Cambria Math"/>
-                            </a:rPr>
-                            <m:t>(</m:t>
-                          </m:r>
-                          <m:r>
-                            <a:rPr lang="en-US" sz="2990" i="1">
-                              <a:solidFill>
-                                <a:srgbClr val="002060"/>
-                              </a:solidFill>
-                              <a:latin typeface="Cambria Math"/>
-                            </a:rPr>
-                            <m:t>2</m:t>
-                          </m:r>
-                          <m:r>
-                            <a:rPr lang="en-US" sz="2990" i="1">
-                              <a:solidFill>
-                                <a:srgbClr val="002060"/>
-                              </a:solidFill>
-                              <a:latin typeface="Cambria Math"/>
-                            </a:rPr>
-                            <m:t>)</m:t>
-                          </m:r>
-                        </m:sup>
-                      </m:sSubSup>
-                      <m:sSup>
-                        <m:sSupPr>
-                          <m:ctrlPr>
-                            <a:rPr lang="en-US" sz="2990" i="1">
-                              <a:solidFill>
-                                <a:srgbClr val="002060"/>
-                              </a:solidFill>
-                              <a:latin typeface="Cambria Math"/>
-                            </a:rPr>
-                          </m:ctrlPr>
-                        </m:sSupPr>
-                        <m:e>
-                          <m:r>
-                            <a:rPr lang="en-US" sz="2990" i="1">
-                              <a:solidFill>
-                                <a:srgbClr val="002060"/>
-                              </a:solidFill>
-                              <a:latin typeface="Cambria Math"/>
-                            </a:rPr>
-                            <m:t>𝐸</m:t>
-                          </m:r>
-                        </m:e>
-                        <m:sup>
-                          <m:r>
-                            <a:rPr lang="en-US" sz="2990" i="1">
-                              <a:solidFill>
-                                <a:srgbClr val="002060"/>
-                              </a:solidFill>
-                              <a:latin typeface="Cambria Math"/>
-                            </a:rPr>
-                            <m:t>𝑇</m:t>
-                          </m:r>
-                        </m:sup>
-                      </m:sSup>
-                    </m:oMath>
-                  </m:oMathPara>
-                </a14:m>
-                <a:endParaRPr lang="en-US" sz="2990" dirty="0" smtClean="0">
-                  <a:solidFill>
-                    <a:srgbClr val="002060"/>
-                  </a:solidFill>
-                </a:endParaRPr>
-              </a:p>
-              <a:p>
-                <a:pPr algn="just" rtl="0">
-                  <a:spcBef>
-                    <a:spcPct val="20000"/>
-                  </a:spcBef>
-                </a:pPr>
-                <a:r>
-                  <a:rPr lang="en-US" sz="2990" b="0" dirty="0" smtClean="0">
-                    <a:solidFill>
-                      <a:srgbClr val="002060"/>
-                    </a:solidFill>
-                  </a:rPr>
-                  <a:t>    Where </a:t>
-                </a:r>
-                <a14:m>
-                  <m:oMath xmlns:m="http://schemas.openxmlformats.org/officeDocument/2006/math">
-                    <m:r>
-                      <a:rPr lang="en-US" sz="2990" b="0" i="1">
-                        <a:solidFill>
-                          <a:srgbClr val="002060"/>
-                        </a:solidFill>
-                        <a:latin typeface="Cambria Math"/>
-                      </a:rPr>
-                      <m:t>𝐸</m:t>
-                    </m:r>
-                    <m:r>
-                      <a:rPr lang="en-US" sz="2990" b="0" i="1">
-                        <a:solidFill>
-                          <a:srgbClr val="002060"/>
-                        </a:solidFill>
-                        <a:latin typeface="Cambria Math"/>
-                      </a:rPr>
-                      <m:t>≜</m:t>
-                    </m:r>
-                    <m:sSup>
-                      <m:sSupPr>
-                        <m:ctrlPr>
-                          <a:rPr lang="en-US" sz="2990" b="0" i="1">
-                            <a:solidFill>
-                              <a:srgbClr val="002060"/>
-                            </a:solidFill>
-                            <a:latin typeface="Cambria Math"/>
-                          </a:rPr>
-                        </m:ctrlPr>
-                      </m:sSupPr>
-                      <m:e>
-                        <m:d>
-                          <m:dPr>
-                            <m:ctrlPr>
-                              <a:rPr lang="en-US" sz="2990" b="0" i="1">
-                                <a:solidFill>
-                                  <a:srgbClr val="002060"/>
-                                </a:solidFill>
-                                <a:latin typeface="Cambria Math"/>
-                              </a:rPr>
-                            </m:ctrlPr>
-                          </m:dPr>
-                          <m:e>
-                            <m:sSup>
-                              <m:sSupPr>
-                                <m:ctrlPr>
-                                  <a:rPr lang="en-US" sz="2990" b="0" i="1">
-                                    <a:solidFill>
-                                      <a:srgbClr val="002060"/>
-                                    </a:solidFill>
-                                    <a:latin typeface="Cambria Math"/>
-                                  </a:rPr>
-                                </m:ctrlPr>
-                              </m:sSupPr>
-                              <m:e>
-                                <m:acc>
-                                  <m:accPr>
-                                    <m:chr m:val="̅"/>
-                                    <m:ctrlPr>
-                                      <a:rPr lang="en-US" sz="2990" b="0" i="1">
-                                        <a:solidFill>
-                                          <a:srgbClr val="002060"/>
-                                        </a:solidFill>
-                                        <a:latin typeface="Cambria Math"/>
-                                      </a:rPr>
-                                    </m:ctrlPr>
-                                  </m:accPr>
-                                  <m:e>
-                                    <m:r>
-                                      <a:rPr lang="en-US" sz="2990" b="0" i="1">
-                                        <a:solidFill>
-                                          <a:srgbClr val="002060"/>
-                                        </a:solidFill>
-                                        <a:latin typeface="Cambria Math"/>
-                                      </a:rPr>
-                                      <m:t>𝑃</m:t>
-                                    </m:r>
-                                  </m:e>
-                                </m:acc>
-                              </m:e>
-                              <m:sup>
-                                <m:d>
-                                  <m:dPr>
-                                    <m:ctrlPr>
-                                      <a:rPr lang="en-US" sz="2990" b="0" i="1">
-                                        <a:solidFill>
-                                          <a:srgbClr val="002060"/>
-                                        </a:solidFill>
-                                        <a:latin typeface="Cambria Math"/>
-                                      </a:rPr>
-                                    </m:ctrlPr>
-                                  </m:dPr>
-                                  <m:e>
-                                    <m:r>
-                                      <a:rPr lang="en-US" sz="2990" b="0" i="1">
-                                        <a:solidFill>
-                                          <a:srgbClr val="002060"/>
-                                        </a:solidFill>
-                                        <a:latin typeface="Cambria Math"/>
-                                      </a:rPr>
-                                      <m:t>1</m:t>
-                                    </m:r>
-                                  </m:e>
-                                </m:d>
-                              </m:sup>
-                            </m:sSup>
-                            <m:r>
-                              <a:rPr lang="en-US" sz="2990" b="0" i="1">
-                                <a:solidFill>
-                                  <a:srgbClr val="002060"/>
-                                </a:solidFill>
-                                <a:latin typeface="Cambria Math"/>
-                              </a:rPr>
-                              <m:t> </m:t>
-                            </m:r>
-                            <m:sSup>
-                              <m:sSupPr>
-                                <m:ctrlPr>
-                                  <a:rPr lang="en-US" sz="2990" b="0" i="1">
-                                    <a:solidFill>
-                                      <a:srgbClr val="002060"/>
-                                    </a:solidFill>
-                                    <a:latin typeface="Cambria Math"/>
-                                  </a:rPr>
-                                </m:ctrlPr>
-                              </m:sSupPr>
-                              <m:e>
-                                <m:d>
-                                  <m:dPr>
-                                    <m:ctrlPr>
-                                      <a:rPr lang="en-US" sz="2990" b="0" i="1">
-                                        <a:solidFill>
-                                          <a:srgbClr val="002060"/>
-                                        </a:solidFill>
-                                        <a:latin typeface="Cambria Math"/>
-                                      </a:rPr>
-                                    </m:ctrlPr>
-                                  </m:dPr>
-                                  <m:e>
-                                    <m:sSup>
-                                      <m:sSupPr>
-                                        <m:ctrlPr>
-                                          <a:rPr lang="en-US" sz="2990" b="0" i="1">
-                                            <a:solidFill>
-                                              <a:srgbClr val="002060"/>
-                                            </a:solidFill>
-                                            <a:latin typeface="Cambria Math"/>
-                                          </a:rPr>
-                                        </m:ctrlPr>
-                                      </m:sSupPr>
-                                      <m:e>
-                                        <m:acc>
-                                          <m:accPr>
-                                            <m:chr m:val="̅"/>
-                                            <m:ctrlPr>
-                                              <a:rPr lang="en-US" sz="2990" b="0" i="1">
-                                                <a:solidFill>
-                                                  <a:srgbClr val="002060"/>
-                                                </a:solidFill>
-                                                <a:latin typeface="Cambria Math"/>
-                                              </a:rPr>
-                                            </m:ctrlPr>
-                                          </m:accPr>
-                                          <m:e>
-                                            <m:r>
-                                              <a:rPr lang="en-US" sz="2990" b="0" i="1">
-                                                <a:solidFill>
-                                                  <a:srgbClr val="002060"/>
-                                                </a:solidFill>
-                                                <a:latin typeface="Cambria Math"/>
-                                              </a:rPr>
-                                              <m:t>𝑃</m:t>
-                                            </m:r>
-                                          </m:e>
-                                        </m:acc>
-                                      </m:e>
-                                      <m:sup>
-                                        <m:r>
-                                          <a:rPr lang="en-US" sz="2990" b="0" i="1">
-                                            <a:solidFill>
-                                              <a:srgbClr val="002060"/>
-                                            </a:solidFill>
-                                            <a:latin typeface="Cambria Math"/>
-                                          </a:rPr>
-                                          <m:t>(</m:t>
-                                        </m:r>
-                                        <m:r>
-                                          <a:rPr lang="en-US" sz="2990" b="0" i="1">
-                                            <a:solidFill>
-                                              <a:srgbClr val="002060"/>
-                                            </a:solidFill>
-                                            <a:latin typeface="Cambria Math"/>
-                                          </a:rPr>
-                                          <m:t>2</m:t>
-                                        </m:r>
-                                        <m:r>
-                                          <a:rPr lang="en-US" sz="2990" b="0" i="1">
-                                            <a:solidFill>
-                                              <a:srgbClr val="002060"/>
-                                            </a:solidFill>
-                                            <a:latin typeface="Cambria Math"/>
-                                          </a:rPr>
-                                          <m:t>)</m:t>
-                                        </m:r>
-                                      </m:sup>
-                                    </m:sSup>
-                                  </m:e>
-                                </m:d>
-                              </m:e>
-                              <m:sup>
-                                <m:r>
-                                  <a:rPr lang="en-US" sz="2990" b="0" i="1">
-                                    <a:solidFill>
-                                      <a:srgbClr val="002060"/>
-                                    </a:solidFill>
-                                    <a:latin typeface="Cambria Math"/>
-                                  </a:rPr>
-                                  <m:t>−</m:t>
-                                </m:r>
-                                <m:r>
-                                  <a:rPr lang="en-US" sz="2990" b="0" i="1">
-                                    <a:solidFill>
-                                      <a:srgbClr val="002060"/>
-                                    </a:solidFill>
-                                    <a:latin typeface="Cambria Math"/>
-                                  </a:rPr>
-                                  <m:t>1</m:t>
-                                </m:r>
-                              </m:sup>
-                            </m:sSup>
-                          </m:e>
-                        </m:d>
-                      </m:e>
-                      <m:sup>
-                        <m:f>
-                          <m:fPr>
-                            <m:ctrlPr>
-                              <a:rPr lang="en-US" sz="2990" b="0" i="1">
-                                <a:solidFill>
-                                  <a:srgbClr val="002060"/>
-                                </a:solidFill>
-                                <a:latin typeface="Cambria Math"/>
-                              </a:rPr>
-                            </m:ctrlPr>
-                          </m:fPr>
-                          <m:num>
-                            <m:r>
-                              <a:rPr lang="en-US" sz="2990" b="0" i="1">
-                                <a:solidFill>
-                                  <a:srgbClr val="002060"/>
-                                </a:solidFill>
-                                <a:latin typeface="Cambria Math"/>
-                              </a:rPr>
-                              <m:t>1</m:t>
-                            </m:r>
-                          </m:num>
-                          <m:den>
-                            <m:r>
-                              <a:rPr lang="en-US" sz="2990" b="0" i="1">
-                                <a:solidFill>
-                                  <a:srgbClr val="002060"/>
-                                </a:solidFill>
-                                <a:latin typeface="Cambria Math"/>
-                              </a:rPr>
-                              <m:t>2</m:t>
-                            </m:r>
-                          </m:den>
-                        </m:f>
-                      </m:sup>
-                    </m:sSup>
-                  </m:oMath>
-                </a14:m>
-                <a:r>
-                  <a:rPr lang="en-US" sz="2990" b="0" dirty="0" smtClean="0">
-                    <a:solidFill>
-                      <a:srgbClr val="002060"/>
-                    </a:solidFill>
-                  </a:rPr>
-                  <a:t>.</a:t>
-                </a:r>
-                <a:endParaRPr lang="en-US" sz="2990" b="0" dirty="0">
+                <a:endParaRPr lang="en-US" sz="2990" b="0" dirty="0" smtClean="0">
                   <a:solidFill>
                     <a:srgbClr val="002060"/>
                   </a:solidFill>
@@ -11243,10 +8225,22 @@
                   </a:solidFill>
                 </a:endParaRPr>
               </a:p>
+              <a:p>
+                <a:pPr algn="just" rtl="0">
+                  <a:spcBef>
+                    <a:spcPct val="20000"/>
+                  </a:spcBef>
+                </a:pPr>
+                <a:endParaRPr lang="en-US" sz="2990" b="0" dirty="0" smtClean="0">
+                  <a:solidFill>
+                    <a:srgbClr val="002060"/>
+                  </a:solidFill>
+                </a:endParaRPr>
+              </a:p>
             </p:txBody>
           </p:sp>
         </mc:Choice>
-        <mc:Fallback xmlns="">
+        <mc:Fallback>
           <p:sp>
             <p:nvSpPr>
               <p:cNvPr id="386" name="Rectangle 4"/>
@@ -11258,7 +8252,7 @@
             <p:spPr bwMode="auto">
               <a:xfrm>
                 <a:off x="10728000" y="9819481"/>
-                <a:ext cx="8820000" cy="28727400"/>
+                <a:ext cx="8820000" cy="17449800"/>
               </a:xfrm>
               <a:prstGeom prst="rect">
                 <a:avLst/>
@@ -11266,7 +8260,7 @@
               <a:blipFill rotWithShape="1">
                 <a:blip r:embed="rId8"/>
                 <a:stretch>
-                  <a:fillRect l="-1797" t="-276" r="-1520"/>
+                  <a:fillRect l="-1797" t="-454" r="-1520"/>
                 </a:stretch>
               </a:blipFill>
               <a:ln>
@@ -11664,7 +8658,7 @@
         </p:nvSpPr>
         <p:spPr bwMode="auto">
           <a:xfrm>
-            <a:off x="900000" y="19565006"/>
+            <a:off x="900000" y="19797644"/>
             <a:ext cx="8820000" cy="1604237"/>
           </a:xfrm>
           <a:prstGeom prst="rect">
@@ -13317,51 +10311,6 @@
           </p:cxnSp>
         </p:grpSp>
       </p:grpSp>
-      <p:sp>
-        <p:nvSpPr>
-          <p:cNvPr id="449" name="TextBox 448"/>
-          <p:cNvSpPr txBox="1"/>
-          <p:nvPr/>
-        </p:nvSpPr>
-        <p:spPr>
-          <a:xfrm>
-            <a:off x="4596370" y="40258498"/>
-            <a:ext cx="2500224" cy="461665"/>
-          </a:xfrm>
-          <a:prstGeom prst="rect">
-            <a:avLst/>
-          </a:prstGeom>
-          <a:noFill/>
-        </p:spPr>
-        <p:txBody>
-          <a:bodyPr wrap="square" rtlCol="1">
-            <a:spAutoFit/>
-          </a:bodyPr>
-          <a:lstStyle/>
-          <a:p>
-            <a:pPr algn="l" rtl="0"/>
-            <a:r>
-              <a:rPr lang="en-US" sz="2400" dirty="0" smtClean="0">
-                <a:solidFill>
-                  <a:schemeClr val="tx1">
-                    <a:lumMod val="75000"/>
-                    <a:lumOff val="25000"/>
-                  </a:schemeClr>
-                </a:solidFill>
-              </a:rPr>
-              <a:t>Classified data</a:t>
-            </a:r>
-            <a:endParaRPr lang="he-IL" sz="2400" dirty="0">
-              <a:solidFill>
-                <a:schemeClr val="tx1">
-                  <a:lumMod val="75000"/>
-                  <a:lumOff val="25000"/>
-                </a:schemeClr>
-              </a:solidFill>
-            </a:endParaRPr>
-          </a:p>
-        </p:txBody>
-      </p:sp>
       <p:grpSp>
         <p:nvGrpSpPr>
           <p:cNvPr id="6" name="קבוצה 5"/>
@@ -13682,8 +10631,8 @@
           </a:p>
         </p:txBody>
       </p:sp>
-      <mc:AlternateContent xmlns:mc="http://schemas.openxmlformats.org/markup-compatibility/2006" xmlns:a14="http://schemas.microsoft.com/office/drawing/2010/main">
-        <mc:Choice Requires="a14">
+      <mc:AlternateContent xmlns:mc="http://schemas.openxmlformats.org/markup-compatibility/2006">
+        <mc:Choice xmlns:a14="http://schemas.microsoft.com/office/drawing/2010/main" Requires="a14">
           <p:sp>
             <p:nvSpPr>
               <p:cNvPr id="552" name="TextBox 551"/>
@@ -13692,7 +10641,7 @@
             </p:nvSpPr>
             <p:spPr>
               <a:xfrm>
-                <a:off x="10337006" y="21706681"/>
+                <a:off x="10393745" y="18734881"/>
                 <a:ext cx="4444058" cy="461665"/>
               </a:xfrm>
               <a:prstGeom prst="rect">
@@ -14030,7 +10979,7 @@
             </p:txBody>
           </p:sp>
         </mc:Choice>
-        <mc:Fallback xmlns="">
+        <mc:Fallback>
           <p:sp>
             <p:nvSpPr>
               <p:cNvPr id="552" name="TextBox 551"/>
@@ -14041,14 +10990,14 @@
             </p:nvSpPr>
             <p:spPr>
               <a:xfrm>
-                <a:off x="10337006" y="21706681"/>
+                <a:off x="10393745" y="18734881"/>
                 <a:ext cx="4444058" cy="461665"/>
               </a:xfrm>
               <a:prstGeom prst="rect">
                 <a:avLst/>
               </a:prstGeom>
               <a:blipFill rotWithShape="1">
-                <a:blip r:embed="rId30"/>
+                <a:blip r:embed="rId19"/>
                 <a:stretch>
                   <a:fillRect b="-19737"/>
                 </a:stretch>
@@ -14129,7 +11078,7 @@
           <p:nvPr/>
         </p:nvPicPr>
         <p:blipFill>
-          <a:blip r:embed="rId31">
+          <a:blip r:embed="rId20">
             <a:extLst>
               <a:ext uri="{28A0092B-C50C-407E-A947-70E740481C1C}">
                 <a14:useLocalDpi xmlns:a14="http://schemas.microsoft.com/office/drawing/2010/main" val="0"/>
@@ -14143,8 +11092,8 @@
         </p:blipFill>
         <p:spPr bwMode="auto">
           <a:xfrm>
-            <a:off x="11882223" y="37711457"/>
-            <a:ext cx="7665777" cy="3983881"/>
+            <a:off x="12134164" y="31965083"/>
+            <a:ext cx="6409551" cy="3331024"/>
           </a:xfrm>
           <a:prstGeom prst="rect">
             <a:avLst/>
@@ -14174,8 +11123,8 @@
           </a:extLst>
         </p:spPr>
       </p:pic>
-      <mc:AlternateContent xmlns:mc="http://schemas.openxmlformats.org/markup-compatibility/2006">
-        <mc:Choice xmlns:a14="http://schemas.microsoft.com/office/drawing/2010/main" Requires="a14">
+      <mc:AlternateContent xmlns:mc="http://schemas.openxmlformats.org/markup-compatibility/2006" xmlns:a14="http://schemas.microsoft.com/office/drawing/2010/main">
+        <mc:Choice Requires="a14">
           <p:sp>
             <p:nvSpPr>
               <p:cNvPr id="101" name="Rectangle 4"/>
@@ -14540,17 +11489,7 @@
                     <a:latin typeface="Arial" panose="020B0604020202020204" pitchFamily="34" charset="0"/>
                     <a:cs typeface="Arial" panose="020B0604020202020204" pitchFamily="34" charset="0"/>
                   </a:rPr>
-                  <a:t>, </a:t>
-                </a:r>
-                <a:r>
-                  <a:rPr lang="en-US" sz="2990" b="0" dirty="0" smtClean="0">
-                    <a:solidFill>
-                      <a:srgbClr val="000060"/>
-                    </a:solidFill>
-                    <a:latin typeface="Arial" panose="020B0604020202020204" pitchFamily="34" charset="0"/>
-                    <a:cs typeface="Arial" panose="020B0604020202020204" pitchFamily="34" charset="0"/>
-                  </a:rPr>
-                  <a:t>the left principal directions of </a:t>
+                  <a:t>, the left principal directions of </a:t>
                 </a:r>
                 <a14:m>
                   <m:oMath xmlns:m="http://schemas.openxmlformats.org/officeDocument/2006/math">
@@ -15654,7 +12593,7 @@
             </p:txBody>
           </p:sp>
         </mc:Choice>
-        <mc:Fallback>
+        <mc:Fallback xmlns="">
           <p:sp>
             <p:nvSpPr>
               <p:cNvPr id="101" name="Rectangle 4"/>
@@ -16672,6 +13611,4587 @@
               </a:solidFill>
               <a:latin typeface="Arial" panose="020B0604020202020204" pitchFamily="34" charset="0"/>
               <a:cs typeface="Arial" panose="020B0604020202020204" pitchFamily="34" charset="0"/>
+            </a:endParaRPr>
+          </a:p>
+        </p:txBody>
+      </p:sp>
+      <p:graphicFrame>
+        <p:nvGraphicFramePr>
+          <p:cNvPr id="113" name="טבלה 112"/>
+          <p:cNvGraphicFramePr>
+            <a:graphicFrameLocks noGrp="1"/>
+          </p:cNvGraphicFramePr>
+          <p:nvPr>
+            <p:extLst>
+              <p:ext uri="{D42A27DB-BD31-4B8C-83A1-F6EECF244321}">
+                <p14:modId xmlns:p14="http://schemas.microsoft.com/office/powerpoint/2010/main" val="2253819148"/>
+              </p:ext>
+            </p:extLst>
+          </p:nvPr>
+        </p:nvGraphicFramePr>
+        <p:xfrm>
+          <a:off x="12165806" y="21800937"/>
+          <a:ext cx="1620000" cy="1620000"/>
+        </p:xfrm>
+        <a:graphic>
+          <a:graphicData uri="http://schemas.openxmlformats.org/drawingml/2006/table">
+            <a:tbl>
+              <a:tblPr rtl="1" firstRow="1" bandRow="1">
+                <a:tableStyleId>{2D5ABB26-0587-4C30-8999-92F81FD0307C}</a:tableStyleId>
+              </a:tblPr>
+              <a:tblGrid>
+                <a:gridCol w="540000"/>
+                <a:gridCol w="540000"/>
+                <a:gridCol w="540000"/>
+              </a:tblGrid>
+              <a:tr h="540000">
+                <a:tc>
+                  <a:txBody>
+                    <a:bodyPr/>
+                    <a:lstStyle/>
+                    <a:p>
+                      <a:pPr rtl="1"/>
+                      <a:endParaRPr lang="he-IL" dirty="0"/>
+                    </a:p>
+                  </a:txBody>
+                  <a:tcPr>
+                    <a:lnL w="57150" cap="flat" cmpd="sng" algn="ctr">
+                      <a:solidFill>
+                        <a:srgbClr val="FF0000"/>
+                      </a:solidFill>
+                      <a:prstDash val="solid"/>
+                      <a:round/>
+                      <a:headEnd type="none" w="med" len="med"/>
+                      <a:tailEnd type="none" w="med" len="med"/>
+                    </a:lnL>
+                    <a:lnR w="57150" cap="flat" cmpd="sng" algn="ctr">
+                      <a:solidFill>
+                        <a:srgbClr val="FF0000"/>
+                      </a:solidFill>
+                      <a:prstDash val="solid"/>
+                      <a:round/>
+                      <a:headEnd type="none" w="med" len="med"/>
+                      <a:tailEnd type="none" w="med" len="med"/>
+                    </a:lnR>
+                    <a:lnT w="57150" cap="flat" cmpd="sng" algn="ctr">
+                      <a:solidFill>
+                        <a:srgbClr val="FF0000"/>
+                      </a:solidFill>
+                      <a:prstDash val="solid"/>
+                      <a:round/>
+                      <a:headEnd type="none" w="med" len="med"/>
+                      <a:tailEnd type="none" w="med" len="med"/>
+                    </a:lnT>
+                    <a:lnB w="57150" cap="flat" cmpd="sng" algn="ctr">
+                      <a:solidFill>
+                        <a:srgbClr val="FF0000"/>
+                      </a:solidFill>
+                      <a:prstDash val="solid"/>
+                      <a:round/>
+                      <a:headEnd type="none" w="med" len="med"/>
+                      <a:tailEnd type="none" w="med" len="med"/>
+                    </a:lnB>
+                    <a:solidFill>
+                      <a:srgbClr val="092AA3"/>
+                    </a:solidFill>
+                  </a:tcPr>
+                </a:tc>
+                <a:tc>
+                  <a:txBody>
+                    <a:bodyPr/>
+                    <a:lstStyle/>
+                    <a:p>
+                      <a:pPr rtl="1"/>
+                      <a:endParaRPr lang="he-IL" dirty="0"/>
+                    </a:p>
+                  </a:txBody>
+                  <a:tcPr>
+                    <a:lnL w="57150" cap="flat" cmpd="sng" algn="ctr">
+                      <a:solidFill>
+                        <a:srgbClr val="FF0000"/>
+                      </a:solidFill>
+                      <a:prstDash val="solid"/>
+                      <a:round/>
+                      <a:headEnd type="none" w="med" len="med"/>
+                      <a:tailEnd type="none" w="med" len="med"/>
+                    </a:lnL>
+                    <a:lnR w="57150" cap="flat" cmpd="sng" algn="ctr">
+                      <a:solidFill>
+                        <a:srgbClr val="FF0000"/>
+                      </a:solidFill>
+                      <a:prstDash val="solid"/>
+                      <a:round/>
+                      <a:headEnd type="none" w="med" len="med"/>
+                      <a:tailEnd type="none" w="med" len="med"/>
+                    </a:lnR>
+                    <a:lnT w="57150" cap="flat" cmpd="sng" algn="ctr">
+                      <a:solidFill>
+                        <a:srgbClr val="FF0000"/>
+                      </a:solidFill>
+                      <a:prstDash val="solid"/>
+                      <a:round/>
+                      <a:headEnd type="none" w="med" len="med"/>
+                      <a:tailEnd type="none" w="med" len="med"/>
+                    </a:lnT>
+                    <a:lnB w="57150" cap="flat" cmpd="sng" algn="ctr">
+                      <a:solidFill>
+                        <a:srgbClr val="FF0000"/>
+                      </a:solidFill>
+                      <a:prstDash val="solid"/>
+                      <a:round/>
+                      <a:headEnd type="none" w="med" len="med"/>
+                      <a:tailEnd type="none" w="med" len="med"/>
+                    </a:lnB>
+                    <a:solidFill>
+                      <a:srgbClr val="7BC6DB"/>
+                    </a:solidFill>
+                  </a:tcPr>
+                </a:tc>
+                <a:tc>
+                  <a:txBody>
+                    <a:bodyPr/>
+                    <a:lstStyle/>
+                    <a:p>
+                      <a:pPr rtl="1"/>
+                      <a:endParaRPr lang="he-IL" dirty="0">
+                        <a:solidFill>
+                          <a:srgbClr val="FF0000"/>
+                        </a:solidFill>
+                      </a:endParaRPr>
+                    </a:p>
+                  </a:txBody>
+                  <a:tcPr>
+                    <a:lnL w="57150" cap="flat" cmpd="sng" algn="ctr">
+                      <a:solidFill>
+                        <a:srgbClr val="FF0000"/>
+                      </a:solidFill>
+                      <a:prstDash val="solid"/>
+                      <a:round/>
+                      <a:headEnd type="none" w="med" len="med"/>
+                      <a:tailEnd type="none" w="med" len="med"/>
+                    </a:lnL>
+                    <a:lnR w="57150" cap="flat" cmpd="sng" algn="ctr">
+                      <a:solidFill>
+                        <a:srgbClr val="FF0000"/>
+                      </a:solidFill>
+                      <a:prstDash val="solid"/>
+                      <a:round/>
+                      <a:headEnd type="none" w="med" len="med"/>
+                      <a:tailEnd type="none" w="med" len="med"/>
+                    </a:lnR>
+                    <a:lnT w="57150" cap="flat" cmpd="sng" algn="ctr">
+                      <a:solidFill>
+                        <a:srgbClr val="FF0000"/>
+                      </a:solidFill>
+                      <a:prstDash val="solid"/>
+                      <a:round/>
+                      <a:headEnd type="none" w="med" len="med"/>
+                      <a:tailEnd type="none" w="med" len="med"/>
+                    </a:lnT>
+                    <a:lnB w="57150" cap="flat" cmpd="sng" algn="ctr">
+                      <a:solidFill>
+                        <a:srgbClr val="FF0000"/>
+                      </a:solidFill>
+                      <a:prstDash val="solid"/>
+                      <a:round/>
+                      <a:headEnd type="none" w="med" len="med"/>
+                      <a:tailEnd type="none" w="med" len="med"/>
+                    </a:lnB>
+                    <a:solidFill>
+                      <a:srgbClr val="7D1B87"/>
+                    </a:solidFill>
+                  </a:tcPr>
+                </a:tc>
+              </a:tr>
+              <a:tr h="540000">
+                <a:tc>
+                  <a:txBody>
+                    <a:bodyPr/>
+                    <a:lstStyle/>
+                    <a:p>
+                      <a:pPr rtl="1"/>
+                      <a:endParaRPr lang="he-IL" dirty="0"/>
+                    </a:p>
+                  </a:txBody>
+                  <a:tcPr>
+                    <a:lnL w="57150" cap="flat" cmpd="sng" algn="ctr">
+                      <a:solidFill>
+                        <a:srgbClr val="FF0000"/>
+                      </a:solidFill>
+                      <a:prstDash val="solid"/>
+                      <a:round/>
+                      <a:headEnd type="none" w="med" len="med"/>
+                      <a:tailEnd type="none" w="med" len="med"/>
+                    </a:lnL>
+                    <a:lnR w="57150" cap="flat" cmpd="sng" algn="ctr">
+                      <a:solidFill>
+                        <a:srgbClr val="FF0000"/>
+                      </a:solidFill>
+                      <a:prstDash val="solid"/>
+                      <a:round/>
+                      <a:headEnd type="none" w="med" len="med"/>
+                      <a:tailEnd type="none" w="med" len="med"/>
+                    </a:lnR>
+                    <a:lnT w="57150" cap="flat" cmpd="sng" algn="ctr">
+                      <a:solidFill>
+                        <a:srgbClr val="FF0000"/>
+                      </a:solidFill>
+                      <a:prstDash val="solid"/>
+                      <a:round/>
+                      <a:headEnd type="none" w="med" len="med"/>
+                      <a:tailEnd type="none" w="med" len="med"/>
+                    </a:lnT>
+                    <a:lnB w="57150" cap="flat" cmpd="sng" algn="ctr">
+                      <a:solidFill>
+                        <a:srgbClr val="FF0000"/>
+                      </a:solidFill>
+                      <a:prstDash val="solid"/>
+                      <a:round/>
+                      <a:headEnd type="none" w="med" len="med"/>
+                      <a:tailEnd type="none" w="med" len="med"/>
+                    </a:lnB>
+                    <a:solidFill>
+                      <a:srgbClr val="B45ABE"/>
+                    </a:solidFill>
+                  </a:tcPr>
+                </a:tc>
+                <a:tc>
+                  <a:txBody>
+                    <a:bodyPr/>
+                    <a:lstStyle/>
+                    <a:p>
+                      <a:pPr rtl="1"/>
+                      <a:endParaRPr lang="he-IL" dirty="0"/>
+                    </a:p>
+                  </a:txBody>
+                  <a:tcPr>
+                    <a:lnL w="57150" cap="flat" cmpd="sng" algn="ctr">
+                      <a:solidFill>
+                        <a:srgbClr val="FF0000"/>
+                      </a:solidFill>
+                      <a:prstDash val="solid"/>
+                      <a:round/>
+                      <a:headEnd type="none" w="med" len="med"/>
+                      <a:tailEnd type="none" w="med" len="med"/>
+                    </a:lnL>
+                    <a:lnR w="57150" cap="flat" cmpd="sng" algn="ctr">
+                      <a:solidFill>
+                        <a:srgbClr val="FF0000"/>
+                      </a:solidFill>
+                      <a:prstDash val="solid"/>
+                      <a:round/>
+                      <a:headEnd type="none" w="med" len="med"/>
+                      <a:tailEnd type="none" w="med" len="med"/>
+                    </a:lnR>
+                    <a:lnT w="57150" cap="flat" cmpd="sng" algn="ctr">
+                      <a:solidFill>
+                        <a:srgbClr val="FF0000"/>
+                      </a:solidFill>
+                      <a:prstDash val="solid"/>
+                      <a:round/>
+                      <a:headEnd type="none" w="med" len="med"/>
+                      <a:tailEnd type="none" w="med" len="med"/>
+                    </a:lnT>
+                    <a:lnB w="57150" cap="flat" cmpd="sng" algn="ctr">
+                      <a:solidFill>
+                        <a:srgbClr val="FF0000"/>
+                      </a:solidFill>
+                      <a:prstDash val="solid"/>
+                      <a:round/>
+                      <a:headEnd type="none" w="med" len="med"/>
+                      <a:tailEnd type="none" w="med" len="med"/>
+                    </a:lnB>
+                    <a:lnTlToBr w="12700" cmpd="sng">
+                      <a:noFill/>
+                      <a:prstDash val="solid"/>
+                    </a:lnTlToBr>
+                    <a:lnBlToTr w="12700" cmpd="sng">
+                      <a:noFill/>
+                      <a:prstDash val="solid"/>
+                    </a:lnBlToTr>
+                    <a:solidFill>
+                      <a:srgbClr val="486CF2"/>
+                    </a:solidFill>
+                  </a:tcPr>
+                </a:tc>
+                <a:tc>
+                  <a:txBody>
+                    <a:bodyPr/>
+                    <a:lstStyle/>
+                    <a:p>
+                      <a:pPr rtl="1"/>
+                      <a:endParaRPr lang="he-IL" dirty="0"/>
+                    </a:p>
+                  </a:txBody>
+                  <a:tcPr>
+                    <a:lnL w="57150" cap="flat" cmpd="sng" algn="ctr">
+                      <a:solidFill>
+                        <a:srgbClr val="FF0000"/>
+                      </a:solidFill>
+                      <a:prstDash val="solid"/>
+                      <a:round/>
+                      <a:headEnd type="none" w="med" len="med"/>
+                      <a:tailEnd type="none" w="med" len="med"/>
+                    </a:lnL>
+                    <a:lnR w="57150" cap="flat" cmpd="sng" algn="ctr">
+                      <a:noFill/>
+                      <a:prstDash val="solid"/>
+                      <a:round/>
+                      <a:headEnd type="none" w="med" len="med"/>
+                      <a:tailEnd type="none" w="med" len="med"/>
+                    </a:lnR>
+                    <a:lnT w="57150" cap="flat" cmpd="sng" algn="ctr">
+                      <a:solidFill>
+                        <a:srgbClr val="FF0000"/>
+                      </a:solidFill>
+                      <a:prstDash val="solid"/>
+                      <a:round/>
+                      <a:headEnd type="none" w="med" len="med"/>
+                      <a:tailEnd type="none" w="med" len="med"/>
+                    </a:lnT>
+                    <a:lnB w="57150" cap="flat" cmpd="sng" algn="ctr">
+                      <a:noFill/>
+                      <a:prstDash val="solid"/>
+                      <a:round/>
+                      <a:headEnd type="none" w="med" len="med"/>
+                      <a:tailEnd type="none" w="med" len="med"/>
+                    </a:lnB>
+                    <a:lnTlToBr w="12700" cmpd="sng">
+                      <a:noFill/>
+                      <a:prstDash val="solid"/>
+                    </a:lnTlToBr>
+                    <a:lnBlToTr w="12700" cmpd="sng">
+                      <a:noFill/>
+                      <a:prstDash val="solid"/>
+                    </a:lnBlToTr>
+                    <a:solidFill>
+                      <a:srgbClr val="7BC6DB"/>
+                    </a:solidFill>
+                  </a:tcPr>
+                </a:tc>
+              </a:tr>
+              <a:tr h="540000">
+                <a:tc>
+                  <a:txBody>
+                    <a:bodyPr/>
+                    <a:lstStyle/>
+                    <a:p>
+                      <a:pPr rtl="1"/>
+                      <a:endParaRPr lang="he-IL" dirty="0"/>
+                    </a:p>
+                  </a:txBody>
+                  <a:tcPr>
+                    <a:lnL w="57150" cap="flat" cmpd="sng" algn="ctr">
+                      <a:solidFill>
+                        <a:srgbClr val="FF0000"/>
+                      </a:solidFill>
+                      <a:prstDash val="solid"/>
+                      <a:round/>
+                      <a:headEnd type="none" w="med" len="med"/>
+                      <a:tailEnd type="none" w="med" len="med"/>
+                    </a:lnL>
+                    <a:lnR w="57150" cap="flat" cmpd="sng" algn="ctr">
+                      <a:solidFill>
+                        <a:srgbClr val="FF0000"/>
+                      </a:solidFill>
+                      <a:prstDash val="solid"/>
+                      <a:round/>
+                      <a:headEnd type="none" w="med" len="med"/>
+                      <a:tailEnd type="none" w="med" len="med"/>
+                    </a:lnR>
+                    <a:lnT w="57150" cap="flat" cmpd="sng" algn="ctr">
+                      <a:solidFill>
+                        <a:srgbClr val="FF0000"/>
+                      </a:solidFill>
+                      <a:prstDash val="solid"/>
+                      <a:round/>
+                      <a:headEnd type="none" w="med" len="med"/>
+                      <a:tailEnd type="none" w="med" len="med"/>
+                    </a:lnT>
+                    <a:lnB w="57150" cap="flat" cmpd="sng" algn="ctr">
+                      <a:solidFill>
+                        <a:srgbClr val="FF0000"/>
+                      </a:solidFill>
+                      <a:prstDash val="solid"/>
+                      <a:round/>
+                      <a:headEnd type="none" w="med" len="med"/>
+                      <a:tailEnd type="none" w="med" len="med"/>
+                    </a:lnB>
+                    <a:lnTlToBr w="12700" cmpd="sng">
+                      <a:noFill/>
+                      <a:prstDash val="solid"/>
+                    </a:lnTlToBr>
+                    <a:lnBlToTr w="12700" cmpd="sng">
+                      <a:noFill/>
+                      <a:prstDash val="solid"/>
+                    </a:lnBlToTr>
+                    <a:solidFill>
+                      <a:srgbClr val="C6B6F8"/>
+                    </a:solidFill>
+                  </a:tcPr>
+                </a:tc>
+                <a:tc>
+                  <a:txBody>
+                    <a:bodyPr/>
+                    <a:lstStyle/>
+                    <a:p>
+                      <a:pPr rtl="1"/>
+                      <a:endParaRPr lang="he-IL" dirty="0"/>
+                    </a:p>
+                  </a:txBody>
+                  <a:tcPr>
+                    <a:lnL w="57150" cap="flat" cmpd="sng" algn="ctr">
+                      <a:solidFill>
+                        <a:srgbClr val="FF0000"/>
+                      </a:solidFill>
+                      <a:prstDash val="solid"/>
+                      <a:round/>
+                      <a:headEnd type="none" w="med" len="med"/>
+                      <a:tailEnd type="none" w="med" len="med"/>
+                    </a:lnL>
+                    <a:lnR w="57150" cap="flat" cmpd="sng" algn="ctr">
+                      <a:noFill/>
+                      <a:prstDash val="solid"/>
+                      <a:round/>
+                      <a:headEnd type="none" w="med" len="med"/>
+                      <a:tailEnd type="none" w="med" len="med"/>
+                    </a:lnR>
+                    <a:lnT w="57150" cap="flat" cmpd="sng" algn="ctr">
+                      <a:solidFill>
+                        <a:srgbClr val="FF0000"/>
+                      </a:solidFill>
+                      <a:prstDash val="solid"/>
+                      <a:round/>
+                      <a:headEnd type="none" w="med" len="med"/>
+                      <a:tailEnd type="none" w="med" len="med"/>
+                    </a:lnT>
+                    <a:lnB w="57150" cap="flat" cmpd="sng" algn="ctr">
+                      <a:noFill/>
+                      <a:prstDash val="solid"/>
+                      <a:round/>
+                      <a:headEnd type="none" w="med" len="med"/>
+                      <a:tailEnd type="none" w="med" len="med"/>
+                    </a:lnB>
+                    <a:lnTlToBr w="12700" cmpd="sng">
+                      <a:noFill/>
+                      <a:prstDash val="solid"/>
+                    </a:lnTlToBr>
+                    <a:lnBlToTr w="12700" cmpd="sng">
+                      <a:noFill/>
+                      <a:prstDash val="solid"/>
+                    </a:lnBlToTr>
+                    <a:solidFill>
+                      <a:srgbClr val="B45ABE"/>
+                    </a:solidFill>
+                  </a:tcPr>
+                </a:tc>
+                <a:tc>
+                  <a:txBody>
+                    <a:bodyPr/>
+                    <a:lstStyle/>
+                    <a:p>
+                      <a:pPr rtl="1"/>
+                      <a:endParaRPr lang="he-IL" dirty="0"/>
+                    </a:p>
+                  </a:txBody>
+                  <a:tcPr>
+                    <a:lnL w="57150" cap="flat" cmpd="sng" algn="ctr">
+                      <a:noFill/>
+                      <a:prstDash val="solid"/>
+                      <a:round/>
+                      <a:headEnd type="none" w="med" len="med"/>
+                      <a:tailEnd type="none" w="med" len="med"/>
+                    </a:lnL>
+                    <a:lnR w="57150" cap="flat" cmpd="sng" algn="ctr">
+                      <a:noFill/>
+                      <a:prstDash val="solid"/>
+                      <a:round/>
+                      <a:headEnd type="none" w="med" len="med"/>
+                      <a:tailEnd type="none" w="med" len="med"/>
+                    </a:lnR>
+                    <a:lnT w="57150" cap="flat" cmpd="sng" algn="ctr">
+                      <a:noFill/>
+                      <a:prstDash val="solid"/>
+                      <a:round/>
+                      <a:headEnd type="none" w="med" len="med"/>
+                      <a:tailEnd type="none" w="med" len="med"/>
+                    </a:lnT>
+                    <a:lnB w="57150" cap="flat" cmpd="sng" algn="ctr">
+                      <a:noFill/>
+                      <a:prstDash val="solid"/>
+                      <a:round/>
+                      <a:headEnd type="none" w="med" len="med"/>
+                      <a:tailEnd type="none" w="med" len="med"/>
+                    </a:lnB>
+                    <a:lnTlToBr w="12700" cmpd="sng">
+                      <a:noFill/>
+                      <a:prstDash val="solid"/>
+                    </a:lnTlToBr>
+                    <a:lnBlToTr w="12700" cmpd="sng">
+                      <a:noFill/>
+                      <a:prstDash val="solid"/>
+                    </a:lnBlToTr>
+                    <a:solidFill>
+                      <a:srgbClr val="092AA3"/>
+                    </a:solidFill>
+                  </a:tcPr>
+                </a:tc>
+              </a:tr>
+            </a:tbl>
+          </a:graphicData>
+        </a:graphic>
+      </p:graphicFrame>
+      <p:graphicFrame>
+        <p:nvGraphicFramePr>
+          <p:cNvPr id="10" name="טבלה 9"/>
+          <p:cNvGraphicFramePr>
+            <a:graphicFrameLocks noGrp="1"/>
+          </p:cNvGraphicFramePr>
+          <p:nvPr>
+            <p:extLst>
+              <p:ext uri="{D42A27DB-BD31-4B8C-83A1-F6EECF244321}">
+                <p14:modId xmlns:p14="http://schemas.microsoft.com/office/powerpoint/2010/main" val="3958661197"/>
+              </p:ext>
+            </p:extLst>
+          </p:nvPr>
+        </p:nvGraphicFramePr>
+        <p:xfrm>
+          <a:off x="19008000" y="21249481"/>
+          <a:ext cx="540000" cy="3240000"/>
+        </p:xfrm>
+        <a:graphic>
+          <a:graphicData uri="http://schemas.openxmlformats.org/drawingml/2006/table">
+            <a:tbl>
+              <a:tblPr rtl="1" firstRow="1" bandRow="1">
+                <a:tableStyleId>{2D5ABB26-0587-4C30-8999-92F81FD0307C}</a:tableStyleId>
+              </a:tblPr>
+              <a:tblGrid>
+                <a:gridCol w="540000"/>
+              </a:tblGrid>
+              <a:tr h="540000">
+                <a:tc>
+                  <a:txBody>
+                    <a:bodyPr/>
+                    <a:lstStyle/>
+                    <a:p>
+                      <a:pPr rtl="1"/>
+                      <a:endParaRPr lang="he-IL" dirty="0"/>
+                    </a:p>
+                  </a:txBody>
+                  <a:tcPr>
+                    <a:lnL w="57150" cap="flat" cmpd="sng" algn="ctr">
+                      <a:solidFill>
+                        <a:srgbClr val="FF0000"/>
+                      </a:solidFill>
+                      <a:prstDash val="solid"/>
+                      <a:round/>
+                      <a:headEnd type="none" w="med" len="med"/>
+                      <a:tailEnd type="none" w="med" len="med"/>
+                    </a:lnL>
+                    <a:lnR w="57150" cap="flat" cmpd="sng" algn="ctr">
+                      <a:solidFill>
+                        <a:srgbClr val="FF0000"/>
+                      </a:solidFill>
+                      <a:prstDash val="solid"/>
+                      <a:round/>
+                      <a:headEnd type="none" w="med" len="med"/>
+                      <a:tailEnd type="none" w="med" len="med"/>
+                    </a:lnR>
+                    <a:lnT w="57150" cap="flat" cmpd="sng" algn="ctr">
+                      <a:solidFill>
+                        <a:srgbClr val="FF0000"/>
+                      </a:solidFill>
+                      <a:prstDash val="solid"/>
+                      <a:round/>
+                      <a:headEnd type="none" w="med" len="med"/>
+                      <a:tailEnd type="none" w="med" len="med"/>
+                    </a:lnT>
+                    <a:lnB w="57150" cap="flat" cmpd="sng" algn="ctr">
+                      <a:solidFill>
+                        <a:srgbClr val="FF0000"/>
+                      </a:solidFill>
+                      <a:prstDash val="solid"/>
+                      <a:round/>
+                      <a:headEnd type="none" w="med" len="med"/>
+                      <a:tailEnd type="none" w="med" len="med"/>
+                    </a:lnB>
+                    <a:solidFill>
+                      <a:srgbClr val="7D1B87"/>
+                    </a:solidFill>
+                  </a:tcPr>
+                </a:tc>
+              </a:tr>
+              <a:tr h="540000">
+                <a:tc>
+                  <a:txBody>
+                    <a:bodyPr/>
+                    <a:lstStyle/>
+                    <a:p>
+                      <a:pPr rtl="1"/>
+                      <a:endParaRPr lang="he-IL" dirty="0"/>
+                    </a:p>
+                  </a:txBody>
+                  <a:tcPr>
+                    <a:lnL w="57150" cap="flat" cmpd="sng" algn="ctr">
+                      <a:solidFill>
+                        <a:srgbClr val="FF0000"/>
+                      </a:solidFill>
+                      <a:prstDash val="solid"/>
+                      <a:round/>
+                      <a:headEnd type="none" w="med" len="med"/>
+                      <a:tailEnd type="none" w="med" len="med"/>
+                    </a:lnL>
+                    <a:lnR w="57150" cap="flat" cmpd="sng" algn="ctr">
+                      <a:solidFill>
+                        <a:srgbClr val="FF0000"/>
+                      </a:solidFill>
+                      <a:prstDash val="solid"/>
+                      <a:round/>
+                      <a:headEnd type="none" w="med" len="med"/>
+                      <a:tailEnd type="none" w="med" len="med"/>
+                    </a:lnR>
+                    <a:lnT w="57150" cap="flat" cmpd="sng" algn="ctr">
+                      <a:solidFill>
+                        <a:srgbClr val="FF0000"/>
+                      </a:solidFill>
+                      <a:prstDash val="solid"/>
+                      <a:round/>
+                      <a:headEnd type="none" w="med" len="med"/>
+                      <a:tailEnd type="none" w="med" len="med"/>
+                    </a:lnT>
+                    <a:lnB w="57150" cap="flat" cmpd="sng" algn="ctr">
+                      <a:solidFill>
+                        <a:srgbClr val="FF0000"/>
+                      </a:solidFill>
+                      <a:prstDash val="solid"/>
+                      <a:round/>
+                      <a:headEnd type="none" w="med" len="med"/>
+                      <a:tailEnd type="none" w="med" len="med"/>
+                    </a:lnB>
+                    <a:solidFill>
+                      <a:srgbClr val="7BC6DB"/>
+                    </a:solidFill>
+                  </a:tcPr>
+                </a:tc>
+              </a:tr>
+              <a:tr h="540000">
+                <a:tc>
+                  <a:txBody>
+                    <a:bodyPr/>
+                    <a:lstStyle/>
+                    <a:p>
+                      <a:pPr rtl="1"/>
+                      <a:endParaRPr lang="he-IL" dirty="0"/>
+                    </a:p>
+                  </a:txBody>
+                  <a:tcPr>
+                    <a:lnL w="57150" cap="flat" cmpd="sng" algn="ctr">
+                      <a:solidFill>
+                        <a:srgbClr val="FF0000"/>
+                      </a:solidFill>
+                      <a:prstDash val="solid"/>
+                      <a:round/>
+                      <a:headEnd type="none" w="med" len="med"/>
+                      <a:tailEnd type="none" w="med" len="med"/>
+                    </a:lnL>
+                    <a:lnR w="57150" cap="flat" cmpd="sng" algn="ctr">
+                      <a:solidFill>
+                        <a:srgbClr val="FF0000"/>
+                      </a:solidFill>
+                      <a:prstDash val="solid"/>
+                      <a:round/>
+                      <a:headEnd type="none" w="med" len="med"/>
+                      <a:tailEnd type="none" w="med" len="med"/>
+                    </a:lnR>
+                    <a:lnT w="57150" cap="flat" cmpd="sng" algn="ctr">
+                      <a:solidFill>
+                        <a:srgbClr val="FF0000"/>
+                      </a:solidFill>
+                      <a:prstDash val="solid"/>
+                      <a:round/>
+                      <a:headEnd type="none" w="med" len="med"/>
+                      <a:tailEnd type="none" w="med" len="med"/>
+                    </a:lnT>
+                    <a:lnB w="57150" cap="flat" cmpd="sng" algn="ctr">
+                      <a:solidFill>
+                        <a:srgbClr val="FF0000"/>
+                      </a:solidFill>
+                      <a:prstDash val="solid"/>
+                      <a:round/>
+                      <a:headEnd type="none" w="med" len="med"/>
+                      <a:tailEnd type="none" w="med" len="med"/>
+                    </a:lnB>
+                    <a:solidFill>
+                      <a:srgbClr val="092AA3"/>
+                    </a:solidFill>
+                  </a:tcPr>
+                </a:tc>
+              </a:tr>
+              <a:tr h="540000">
+                <a:tc>
+                  <a:txBody>
+                    <a:bodyPr/>
+                    <a:lstStyle/>
+                    <a:p>
+                      <a:pPr rtl="1"/>
+                      <a:endParaRPr lang="he-IL" dirty="0"/>
+                    </a:p>
+                  </a:txBody>
+                  <a:tcPr>
+                    <a:lnL w="57150" cap="flat" cmpd="sng" algn="ctr">
+                      <a:solidFill>
+                        <a:srgbClr val="FF0000"/>
+                      </a:solidFill>
+                      <a:prstDash val="solid"/>
+                      <a:round/>
+                      <a:headEnd type="none" w="med" len="med"/>
+                      <a:tailEnd type="none" w="med" len="med"/>
+                    </a:lnL>
+                    <a:lnR w="57150" cap="flat" cmpd="sng" algn="ctr">
+                      <a:solidFill>
+                        <a:srgbClr val="FF0000"/>
+                      </a:solidFill>
+                      <a:prstDash val="solid"/>
+                      <a:round/>
+                      <a:headEnd type="none" w="med" len="med"/>
+                      <a:tailEnd type="none" w="med" len="med"/>
+                    </a:lnR>
+                    <a:lnT w="57150" cap="flat" cmpd="sng" algn="ctr">
+                      <a:solidFill>
+                        <a:srgbClr val="FF0000"/>
+                      </a:solidFill>
+                      <a:prstDash val="solid"/>
+                      <a:round/>
+                      <a:headEnd type="none" w="med" len="med"/>
+                      <a:tailEnd type="none" w="med" len="med"/>
+                    </a:lnT>
+                    <a:lnB w="57150" cap="flat" cmpd="sng" algn="ctr">
+                      <a:solidFill>
+                        <a:srgbClr val="FF0000"/>
+                      </a:solidFill>
+                      <a:prstDash val="solid"/>
+                      <a:round/>
+                      <a:headEnd type="none" w="med" len="med"/>
+                      <a:tailEnd type="none" w="med" len="med"/>
+                    </a:lnB>
+                    <a:solidFill>
+                      <a:srgbClr val="486CF2"/>
+                    </a:solidFill>
+                  </a:tcPr>
+                </a:tc>
+              </a:tr>
+              <a:tr h="540000">
+                <a:tc>
+                  <a:txBody>
+                    <a:bodyPr/>
+                    <a:lstStyle/>
+                    <a:p>
+                      <a:pPr rtl="1"/>
+                      <a:endParaRPr lang="he-IL" dirty="0"/>
+                    </a:p>
+                  </a:txBody>
+                  <a:tcPr>
+                    <a:lnL w="57150" cap="flat" cmpd="sng" algn="ctr">
+                      <a:solidFill>
+                        <a:srgbClr val="FF0000"/>
+                      </a:solidFill>
+                      <a:prstDash val="solid"/>
+                      <a:round/>
+                      <a:headEnd type="none" w="med" len="med"/>
+                      <a:tailEnd type="none" w="med" len="med"/>
+                    </a:lnL>
+                    <a:lnR w="57150" cap="flat" cmpd="sng" algn="ctr">
+                      <a:solidFill>
+                        <a:srgbClr val="FF0000"/>
+                      </a:solidFill>
+                      <a:prstDash val="solid"/>
+                      <a:round/>
+                      <a:headEnd type="none" w="med" len="med"/>
+                      <a:tailEnd type="none" w="med" len="med"/>
+                    </a:lnR>
+                    <a:lnT w="57150" cap="flat" cmpd="sng" algn="ctr">
+                      <a:solidFill>
+                        <a:srgbClr val="FF0000"/>
+                      </a:solidFill>
+                      <a:prstDash val="solid"/>
+                      <a:round/>
+                      <a:headEnd type="none" w="med" len="med"/>
+                      <a:tailEnd type="none" w="med" len="med"/>
+                    </a:lnT>
+                    <a:lnB w="57150" cap="flat" cmpd="sng" algn="ctr">
+                      <a:solidFill>
+                        <a:srgbClr val="FF0000"/>
+                      </a:solidFill>
+                      <a:prstDash val="solid"/>
+                      <a:round/>
+                      <a:headEnd type="none" w="med" len="med"/>
+                      <a:tailEnd type="none" w="med" len="med"/>
+                    </a:lnB>
+                    <a:solidFill>
+                      <a:srgbClr val="B45ABE"/>
+                    </a:solidFill>
+                  </a:tcPr>
+                </a:tc>
+              </a:tr>
+              <a:tr h="540000">
+                <a:tc>
+                  <a:txBody>
+                    <a:bodyPr/>
+                    <a:lstStyle/>
+                    <a:p>
+                      <a:pPr rtl="1"/>
+                      <a:endParaRPr lang="he-IL" dirty="0"/>
+                    </a:p>
+                  </a:txBody>
+                  <a:tcPr>
+                    <a:lnL w="57150" cap="flat" cmpd="sng" algn="ctr">
+                      <a:solidFill>
+                        <a:srgbClr val="FF0000"/>
+                      </a:solidFill>
+                      <a:prstDash val="solid"/>
+                      <a:round/>
+                      <a:headEnd type="none" w="med" len="med"/>
+                      <a:tailEnd type="none" w="med" len="med"/>
+                    </a:lnL>
+                    <a:lnR w="57150" cap="flat" cmpd="sng" algn="ctr">
+                      <a:solidFill>
+                        <a:srgbClr val="FF0000"/>
+                      </a:solidFill>
+                      <a:prstDash val="solid"/>
+                      <a:round/>
+                      <a:headEnd type="none" w="med" len="med"/>
+                      <a:tailEnd type="none" w="med" len="med"/>
+                    </a:lnR>
+                    <a:lnT w="57150" cap="flat" cmpd="sng" algn="ctr">
+                      <a:solidFill>
+                        <a:srgbClr val="FF0000"/>
+                      </a:solidFill>
+                      <a:prstDash val="solid"/>
+                      <a:round/>
+                      <a:headEnd type="none" w="med" len="med"/>
+                      <a:tailEnd type="none" w="med" len="med"/>
+                    </a:lnT>
+                    <a:lnB w="57150" cap="flat" cmpd="sng" algn="ctr">
+                      <a:solidFill>
+                        <a:srgbClr val="FF0000"/>
+                      </a:solidFill>
+                      <a:prstDash val="solid"/>
+                      <a:round/>
+                      <a:headEnd type="none" w="med" len="med"/>
+                      <a:tailEnd type="none" w="med" len="med"/>
+                    </a:lnB>
+                    <a:solidFill>
+                      <a:srgbClr val="C6B6F8"/>
+                    </a:solidFill>
+                  </a:tcPr>
+                </a:tc>
+              </a:tr>
+            </a:tbl>
+          </a:graphicData>
+        </a:graphic>
+      </p:graphicFrame>
+      <mc:AlternateContent xmlns:mc="http://schemas.openxmlformats.org/markup-compatibility/2006">
+        <mc:Choice xmlns:a14="http://schemas.microsoft.com/office/drawing/2010/main" Requires="a14">
+          <p:sp>
+            <p:nvSpPr>
+              <p:cNvPr id="11" name="TextBox 10"/>
+              <p:cNvSpPr txBox="1"/>
+              <p:nvPr/>
+            </p:nvSpPr>
+            <p:spPr>
+              <a:xfrm>
+                <a:off x="10708211" y="23611681"/>
+                <a:ext cx="8219606" cy="802527"/>
+              </a:xfrm>
+              <a:prstGeom prst="rect">
+                <a:avLst/>
+              </a:prstGeom>
+              <a:noFill/>
+            </p:spPr>
+            <p:txBody>
+              <a:bodyPr wrap="square" rtlCol="1">
+                <a:spAutoFit/>
+              </a:bodyPr>
+              <a:lstStyle/>
+              <a:p>
+                <a:pPr algn="just" rtl="0">
+                  <a:spcBef>
+                    <a:spcPct val="20000"/>
+                  </a:spcBef>
+                </a:pPr>
+                <a:r>
+                  <a:rPr lang="en-US" sz="2200" b="0" dirty="0">
+                    <a:solidFill>
+                      <a:srgbClr val="002060"/>
+                    </a:solidFill>
+                  </a:rPr>
+                  <a:t>Where </a:t>
+                </a:r>
+                <a14:m>
+                  <m:oMath xmlns:m="http://schemas.openxmlformats.org/officeDocument/2006/math">
+                    <m:r>
+                      <m:rPr>
+                        <m:sty m:val="p"/>
+                      </m:rPr>
+                      <a:rPr lang="en-US" sz="2200" b="0">
+                        <a:solidFill>
+                          <a:srgbClr val="002060"/>
+                        </a:solidFill>
+                        <a:latin typeface="Cambria Math"/>
+                      </a:rPr>
+                      <m:t>VEC</m:t>
+                    </m:r>
+                    <m:r>
+                      <a:rPr lang="en-US" sz="2200" b="0" i="1">
+                        <a:solidFill>
+                          <a:srgbClr val="002060"/>
+                        </a:solidFill>
+                        <a:latin typeface="Cambria Math"/>
+                      </a:rPr>
+                      <m:t>(</m:t>
+                    </m:r>
+                    <m:r>
+                      <a:rPr lang="en-US" sz="2200" b="0" i="1">
+                        <a:solidFill>
+                          <a:srgbClr val="002060"/>
+                        </a:solidFill>
+                        <a:latin typeface="Cambria Math"/>
+                        <a:ea typeface="Cambria Math"/>
+                      </a:rPr>
+                      <m:t>∙)</m:t>
+                    </m:r>
+                  </m:oMath>
+                </a14:m>
+                <a:r>
+                  <a:rPr lang="en-US" sz="2200" b="0" dirty="0">
+                    <a:solidFill>
+                      <a:srgbClr val="002060"/>
+                    </a:solidFill>
+                  </a:rPr>
+                  <a:t> </a:t>
+                </a:r>
+                <a:r>
+                  <a:rPr lang="en-US" sz="2200" b="0" dirty="0">
+                    <a:solidFill>
+                      <a:srgbClr val="002060"/>
+                    </a:solidFill>
+                  </a:rPr>
+                  <a:t>is the </a:t>
+                </a:r>
+                <a:r>
+                  <a:rPr lang="en-US" sz="2200" b="0" dirty="0" err="1">
+                    <a:solidFill>
+                      <a:srgbClr val="002060"/>
+                    </a:solidFill>
+                  </a:rPr>
+                  <a:t>vectorized</a:t>
+                </a:r>
+                <a:r>
+                  <a:rPr lang="en-US" sz="2200" b="0" dirty="0">
+                    <a:solidFill>
+                      <a:srgbClr val="002060"/>
+                    </a:solidFill>
+                  </a:rPr>
+                  <a:t> upper triangular of a symmetric matrix, with </a:t>
+                </a:r>
+                <a14:m>
+                  <m:oMath xmlns:m="http://schemas.openxmlformats.org/officeDocument/2006/math">
+                    <m:rad>
+                      <m:radPr>
+                        <m:degHide m:val="on"/>
+                        <m:ctrlPr>
+                          <a:rPr lang="en-US" sz="2200" b="0" i="1">
+                            <a:solidFill>
+                              <a:srgbClr val="002060"/>
+                            </a:solidFill>
+                            <a:latin typeface="Cambria Math"/>
+                          </a:rPr>
+                        </m:ctrlPr>
+                      </m:radPr>
+                      <m:deg/>
+                      <m:e>
+                        <m:r>
+                          <a:rPr lang="en-US" sz="2200" b="0" i="1">
+                            <a:solidFill>
+                              <a:srgbClr val="002060"/>
+                            </a:solidFill>
+                            <a:latin typeface="Cambria Math"/>
+                          </a:rPr>
+                          <m:t>2</m:t>
+                        </m:r>
+                      </m:e>
+                    </m:rad>
+                    <m:r>
+                      <a:rPr lang="en-US" sz="2200" b="0" i="1">
+                        <a:solidFill>
+                          <a:srgbClr val="002060"/>
+                        </a:solidFill>
+                        <a:latin typeface="Cambria Math"/>
+                      </a:rPr>
+                      <m:t> </m:t>
+                    </m:r>
+                  </m:oMath>
+                </a14:m>
+                <a:r>
+                  <a:rPr lang="en-US" sz="2200" b="0" dirty="0">
+                    <a:solidFill>
+                      <a:srgbClr val="002060"/>
+                    </a:solidFill>
+                  </a:rPr>
+                  <a:t>weights </a:t>
+                </a:r>
+                <a:r>
+                  <a:rPr lang="en-US" sz="2200" b="0" dirty="0">
+                    <a:solidFill>
+                      <a:srgbClr val="002060"/>
+                    </a:solidFill>
+                  </a:rPr>
+                  <a:t>for its off-diagonal elements</a:t>
+                </a:r>
+                <a:r>
+                  <a:rPr lang="en-US" sz="2200" b="0" dirty="0">
+                    <a:solidFill>
+                      <a:srgbClr val="002060"/>
+                    </a:solidFill>
+                  </a:rPr>
+                  <a:t>.</a:t>
+                </a:r>
+              </a:p>
+            </p:txBody>
+          </p:sp>
+        </mc:Choice>
+        <mc:Fallback>
+          <p:sp>
+            <p:nvSpPr>
+              <p:cNvPr id="11" name="TextBox 10"/>
+              <p:cNvSpPr txBox="1">
+                <a:spLocks noRot="1" noChangeAspect="1" noMove="1" noResize="1" noEditPoints="1" noAdjustHandles="1" noChangeArrowheads="1" noChangeShapeType="1" noTextEdit="1"/>
+              </p:cNvSpPr>
+              <p:nvPr/>
+            </p:nvSpPr>
+            <p:spPr>
+              <a:xfrm>
+                <a:off x="10708211" y="23611681"/>
+                <a:ext cx="8219606" cy="802527"/>
+              </a:xfrm>
+              <a:prstGeom prst="rect">
+                <a:avLst/>
+              </a:prstGeom>
+              <a:blipFill rotWithShape="1">
+                <a:blip r:embed="rId39"/>
+                <a:stretch>
+                  <a:fillRect l="-964" t="-3788" r="-964" b="-14394"/>
+                </a:stretch>
+              </a:blipFill>
+            </p:spPr>
+            <p:txBody>
+              <a:bodyPr/>
+              <a:lstStyle/>
+              <a:p>
+                <a:r>
+                  <a:rPr lang="he-IL">
+                    <a:noFill/>
+                  </a:rPr>
+                  <a:t> </a:t>
+                </a:r>
+              </a:p>
+            </p:txBody>
+          </p:sp>
+        </mc:Fallback>
+      </mc:AlternateContent>
+      <p:cxnSp>
+        <p:nvCxnSpPr>
+          <p:cNvPr id="13" name="מחבר חץ ישר 12"/>
+          <p:cNvCxnSpPr/>
+          <p:nvPr/>
+        </p:nvCxnSpPr>
+        <p:spPr bwMode="auto">
+          <a:xfrm>
+            <a:off x="14229882" y="22562937"/>
+            <a:ext cx="1364924" cy="0"/>
+          </a:xfrm>
+          <a:prstGeom prst="straightConnector1">
+            <a:avLst/>
+          </a:prstGeom>
+          <a:solidFill>
+            <a:srgbClr val="000066"/>
+          </a:solidFill>
+          <a:ln w="76200" cap="flat" cmpd="sng" algn="ctr">
+            <a:solidFill>
+              <a:schemeClr val="tx1">
+                <a:lumMod val="75000"/>
+                <a:lumOff val="25000"/>
+              </a:schemeClr>
+            </a:solidFill>
+            <a:prstDash val="solid"/>
+            <a:round/>
+            <a:headEnd type="none" w="med" len="med"/>
+            <a:tailEnd type="arrow" w="med" len="sm"/>
+          </a:ln>
+          <a:effectLst/>
+          <a:extLst>
+            <a:ext uri="{AF507438-7753-43E0-B8FC-AC1667EBCBE1}">
+              <a14:hiddenEffects xmlns:a14="http://schemas.microsoft.com/office/drawing/2010/main">
+                <a:effectLst>
+                  <a:outerShdw dist="35921" dir="2700000" algn="ctr" rotWithShape="0">
+                    <a:schemeClr val="bg2"/>
+                  </a:outerShdw>
+                </a:effectLst>
+              </a14:hiddenEffects>
+            </a:ext>
+          </a:extLst>
+        </p:spPr>
+      </p:cxnSp>
+      <p:sp>
+        <p:nvSpPr>
+          <p:cNvPr id="118" name="Rounded Rectangle 193"/>
+          <p:cNvSpPr/>
+          <p:nvPr/>
+        </p:nvSpPr>
+        <p:spPr>
+          <a:xfrm>
+            <a:off x="10489588" y="25437707"/>
+            <a:ext cx="9283195" cy="16385776"/>
+          </a:xfrm>
+          <a:prstGeom prst="roundRect">
+            <a:avLst>
+              <a:gd name="adj" fmla="val 5128"/>
+            </a:avLst>
+          </a:prstGeom>
+          <a:noFill/>
+          <a:ln w="76200" cap="flat" cmpd="sng" algn="ctr">
+            <a:solidFill>
+              <a:srgbClr val="000060"/>
+            </a:solidFill>
+            <a:prstDash val="solid"/>
+          </a:ln>
+          <a:effectLst/>
+        </p:spPr>
+        <p:txBody>
+          <a:bodyPr rtlCol="1" anchor="ctr"/>
+          <a:lstStyle/>
+          <a:p>
+            <a:pPr algn="ctr" defTabSz="854324" fontAlgn="auto">
+              <a:spcBef>
+                <a:spcPts val="0"/>
+              </a:spcBef>
+              <a:spcAft>
+                <a:spcPts val="0"/>
+              </a:spcAft>
+              <a:defRPr/>
+            </a:pPr>
+            <a:endParaRPr lang="he-IL" sz="7661" b="0" kern="0" dirty="0">
+              <a:solidFill>
+                <a:srgbClr val="FFFFFF"/>
+              </a:solidFill>
+              <a:latin typeface="Arial" panose="020B0604020202020204" pitchFamily="34" charset="0"/>
+              <a:cs typeface="Arial" panose="020B0604020202020204" pitchFamily="34" charset="0"/>
+            </a:endParaRPr>
+          </a:p>
+        </p:txBody>
+      </p:sp>
+      <p:sp>
+        <p:nvSpPr>
+          <p:cNvPr id="120" name="Rectangle 2"/>
+          <p:cNvSpPr>
+            <a:spLocks noChangeArrowheads="1"/>
+          </p:cNvSpPr>
+          <p:nvPr/>
+        </p:nvSpPr>
+        <p:spPr bwMode="auto">
+          <a:xfrm>
+            <a:off x="10728000" y="25592881"/>
+            <a:ext cx="8475042" cy="1009048"/>
+          </a:xfrm>
+          <a:prstGeom prst="rect">
+            <a:avLst/>
+          </a:prstGeom>
+          <a:noFill/>
+          <a:ln>
+            <a:noFill/>
+          </a:ln>
+          <a:extLst>
+            <a:ext uri="{909E8E84-426E-40DD-AFC4-6F175D3DCCD1}">
+              <a14:hiddenFill xmlns:a14="http://schemas.microsoft.com/office/drawing/2010/main">
+                <a:solidFill>
+                  <a:srgbClr val="FFFFFF"/>
+                </a:solidFill>
+              </a14:hiddenFill>
+            </a:ext>
+            <a:ext uri="{91240B29-F687-4F45-9708-019B960494DF}">
+              <a14:hiddenLine xmlns:a14="http://schemas.microsoft.com/office/drawing/2010/main" w="9525">
+                <a:solidFill>
+                  <a:srgbClr val="000000"/>
+                </a:solidFill>
+                <a:miter lim="800000"/>
+                <a:headEnd/>
+                <a:tailEnd/>
+              </a14:hiddenLine>
+            </a:ext>
+          </a:extLst>
+        </p:spPr>
+        <p:txBody>
+          <a:bodyPr anchor="ctr"/>
+          <a:lstStyle/>
+          <a:p>
+            <a:pPr algn="l" defTabSz="3900819" rtl="0"/>
+            <a:r>
+              <a:rPr lang="en-US" sz="5400" dirty="0" smtClean="0">
+                <a:solidFill>
+                  <a:srgbClr val="D1282E">
+                    <a:lumMod val="75000"/>
+                  </a:srgbClr>
+                </a:solidFill>
+                <a:latin typeface="Arial" panose="020B0604020202020204" pitchFamily="34" charset="0"/>
+                <a:cs typeface="Arial" panose="020B0604020202020204" pitchFamily="34" charset="0"/>
+              </a:rPr>
+              <a:t>Parallel Transport</a:t>
+            </a:r>
+            <a:endParaRPr lang="en-US" sz="5400" dirty="0">
+              <a:solidFill>
+                <a:srgbClr val="D1282E">
+                  <a:lumMod val="75000"/>
+                </a:srgbClr>
+              </a:solidFill>
+              <a:latin typeface="Arial" panose="020B0604020202020204" pitchFamily="34" charset="0"/>
+              <a:cs typeface="Arial" panose="020B0604020202020204" pitchFamily="34" charset="0"/>
+            </a:endParaRPr>
+          </a:p>
+        </p:txBody>
+      </p:sp>
+      <mc:AlternateContent xmlns:mc="http://schemas.openxmlformats.org/markup-compatibility/2006">
+        <mc:Choice xmlns:a14="http://schemas.microsoft.com/office/drawing/2010/main" Requires="a14">
+          <p:sp>
+            <p:nvSpPr>
+              <p:cNvPr id="15" name="מלבן 14"/>
+              <p:cNvSpPr/>
+              <p:nvPr/>
+            </p:nvSpPr>
+            <p:spPr>
+              <a:xfrm>
+                <a:off x="10728000" y="26583481"/>
+                <a:ext cx="8883177" cy="4301755"/>
+              </a:xfrm>
+              <a:prstGeom prst="rect">
+                <a:avLst/>
+              </a:prstGeom>
+            </p:spPr>
+            <p:txBody>
+              <a:bodyPr wrap="square">
+                <a:spAutoFit/>
+              </a:bodyPr>
+              <a:lstStyle/>
+              <a:p>
+                <a:pPr marL="457200" indent="-457200" algn="just" rtl="0">
+                  <a:spcBef>
+                    <a:spcPct val="20000"/>
+                  </a:spcBef>
+                  <a:buFont typeface="Arial" panose="020B0604020202020204" pitchFamily="34" charset="0"/>
+                  <a:buChar char="•"/>
+                </a:pPr>
+                <a:r>
+                  <a:rPr lang="en-US" sz="2990" b="0" dirty="0" smtClean="0">
+                    <a:solidFill>
+                      <a:srgbClr val="002060"/>
+                    </a:solidFill>
+                  </a:rPr>
+                  <a:t>Let </a:t>
+                </a:r>
+                <a14:m>
+                  <m:oMath xmlns:m="http://schemas.openxmlformats.org/officeDocument/2006/math">
+                    <m:sSup>
+                      <m:sSupPr>
+                        <m:ctrlPr>
+                          <a:rPr lang="en-US" sz="2990" b="0">
+                            <a:solidFill>
+                              <a:srgbClr val="002060"/>
+                            </a:solidFill>
+                          </a:rPr>
+                        </m:ctrlPr>
+                      </m:sSupPr>
+                      <m:e>
+                        <m:acc>
+                          <m:accPr>
+                            <m:chr m:val="̅"/>
+                            <m:ctrlPr>
+                              <a:rPr lang="en-US" sz="2990" b="0">
+                                <a:solidFill>
+                                  <a:srgbClr val="002060"/>
+                                </a:solidFill>
+                              </a:rPr>
+                            </m:ctrlPr>
+                          </m:accPr>
+                          <m:e>
+                            <m:r>
+                              <a:rPr lang="en-US" sz="2990" b="0">
+                                <a:solidFill>
+                                  <a:srgbClr val="002060"/>
+                                </a:solidFill>
+                              </a:rPr>
+                              <m:t>𝑃</m:t>
+                            </m:r>
+                          </m:e>
+                        </m:acc>
+                      </m:e>
+                      <m:sup>
+                        <m:d>
+                          <m:dPr>
+                            <m:ctrlPr>
+                              <a:rPr lang="en-US" sz="2990" b="0">
+                                <a:solidFill>
+                                  <a:srgbClr val="002060"/>
+                                </a:solidFill>
+                              </a:rPr>
+                            </m:ctrlPr>
+                          </m:dPr>
+                          <m:e>
+                            <m:r>
+                              <a:rPr lang="en-US" sz="2990" b="0">
+                                <a:solidFill>
+                                  <a:srgbClr val="002060"/>
+                                </a:solidFill>
+                              </a:rPr>
+                              <m:t>1</m:t>
+                            </m:r>
+                          </m:e>
+                        </m:d>
+                      </m:sup>
+                    </m:sSup>
+                    <m:r>
+                      <a:rPr lang="en-US" sz="2990" b="0">
+                        <a:solidFill>
+                          <a:srgbClr val="002060"/>
+                        </a:solidFill>
+                      </a:rPr>
+                      <m:t> </m:t>
+                    </m:r>
+                  </m:oMath>
+                </a14:m>
+                <a:r>
+                  <a:rPr lang="en-US" sz="2990" b="0" dirty="0">
+                    <a:solidFill>
+                      <a:srgbClr val="002060"/>
+                    </a:solidFill>
+                  </a:rPr>
+                  <a:t>and </a:t>
+                </a:r>
+                <a14:m>
+                  <m:oMath xmlns:m="http://schemas.openxmlformats.org/officeDocument/2006/math">
+                    <m:sSup>
+                      <m:sSupPr>
+                        <m:ctrlPr>
+                          <a:rPr lang="en-US" sz="2990" b="0">
+                            <a:solidFill>
+                              <a:srgbClr val="002060"/>
+                            </a:solidFill>
+                          </a:rPr>
+                        </m:ctrlPr>
+                      </m:sSupPr>
+                      <m:e>
+                        <m:acc>
+                          <m:accPr>
+                            <m:chr m:val="̅"/>
+                            <m:ctrlPr>
+                              <a:rPr lang="en-US" sz="2990" b="0">
+                                <a:solidFill>
+                                  <a:srgbClr val="002060"/>
+                                </a:solidFill>
+                              </a:rPr>
+                            </m:ctrlPr>
+                          </m:accPr>
+                          <m:e>
+                            <m:r>
+                              <a:rPr lang="en-US" sz="2990" b="0">
+                                <a:solidFill>
+                                  <a:srgbClr val="002060"/>
+                                </a:solidFill>
+                              </a:rPr>
+                              <m:t>𝑃</m:t>
+                            </m:r>
+                          </m:e>
+                        </m:acc>
+                      </m:e>
+                      <m:sup>
+                        <m:d>
+                          <m:dPr>
+                            <m:ctrlPr>
+                              <a:rPr lang="en-US" sz="2990" b="0">
+                                <a:solidFill>
+                                  <a:srgbClr val="002060"/>
+                                </a:solidFill>
+                              </a:rPr>
+                            </m:ctrlPr>
+                          </m:dPr>
+                          <m:e>
+                            <m:r>
+                              <a:rPr lang="en-US" sz="2990" b="0">
+                                <a:solidFill>
+                                  <a:srgbClr val="002060"/>
+                                </a:solidFill>
+                              </a:rPr>
+                              <m:t>2</m:t>
+                            </m:r>
+                          </m:e>
+                        </m:d>
+                      </m:sup>
+                    </m:sSup>
+                  </m:oMath>
+                </a14:m>
+                <a:r>
+                  <a:rPr lang="en-US" sz="2990" b="0" dirty="0">
+                    <a:solidFill>
+                      <a:srgbClr val="002060"/>
+                    </a:solidFill>
+                  </a:rPr>
+                  <a:t> be the Riemannian means of </a:t>
+                </a:r>
+                <a:r>
+                  <a:rPr lang="en-US" sz="2990" b="0" dirty="0" smtClean="0">
+                    <a:solidFill>
+                      <a:srgbClr val="002060"/>
+                    </a:solidFill>
+                  </a:rPr>
+                  <a:t>subsets </a:t>
+                </a:r>
+                <a14:m>
+                  <m:oMath xmlns:m="http://schemas.openxmlformats.org/officeDocument/2006/math">
+                    <m:d>
+                      <m:dPr>
+                        <m:begChr m:val="{"/>
+                        <m:endChr m:val="}"/>
+                        <m:ctrlPr>
+                          <a:rPr lang="en-US" sz="2990" b="0">
+                            <a:solidFill>
+                              <a:srgbClr val="002060"/>
+                            </a:solidFill>
+                          </a:rPr>
+                        </m:ctrlPr>
+                      </m:dPr>
+                      <m:e>
+                        <m:sSubSup>
+                          <m:sSubSupPr>
+                            <m:ctrlPr>
+                              <a:rPr lang="en-US" sz="2990" b="0">
+                                <a:solidFill>
+                                  <a:srgbClr val="002060"/>
+                                </a:solidFill>
+                              </a:rPr>
+                            </m:ctrlPr>
+                          </m:sSubSupPr>
+                          <m:e>
+                            <m:r>
+                              <a:rPr lang="en-US" sz="2990" b="0">
+                                <a:solidFill>
+                                  <a:srgbClr val="002060"/>
+                                </a:solidFill>
+                              </a:rPr>
+                              <m:t>𝑃</m:t>
+                            </m:r>
+                          </m:e>
+                          <m:sub>
+                            <m:r>
+                              <a:rPr lang="en-US" sz="2990" b="0">
+                                <a:solidFill>
+                                  <a:srgbClr val="002060"/>
+                                </a:solidFill>
+                              </a:rPr>
+                              <m:t>𝑖</m:t>
+                            </m:r>
+                          </m:sub>
+                          <m:sup>
+                            <m:d>
+                              <m:dPr>
+                                <m:ctrlPr>
+                                  <a:rPr lang="en-US" sz="2990" b="0">
+                                    <a:solidFill>
+                                      <a:srgbClr val="002060"/>
+                                    </a:solidFill>
+                                  </a:rPr>
+                                </m:ctrlPr>
+                              </m:dPr>
+                              <m:e>
+                                <m:r>
+                                  <a:rPr lang="en-US" sz="2990" b="0">
+                                    <a:solidFill>
+                                      <a:srgbClr val="002060"/>
+                                    </a:solidFill>
+                                  </a:rPr>
+                                  <m:t>1</m:t>
+                                </m:r>
+                              </m:e>
+                            </m:d>
+                          </m:sup>
+                        </m:sSubSup>
+                      </m:e>
+                    </m:d>
+                  </m:oMath>
+                </a14:m>
+                <a:r>
+                  <a:rPr lang="en-US" sz="2990" b="0" dirty="0">
+                    <a:solidFill>
+                      <a:srgbClr val="002060"/>
+                    </a:solidFill>
+                  </a:rPr>
+                  <a:t> and </a:t>
+                </a:r>
+                <a14:m>
+                  <m:oMath xmlns:m="http://schemas.openxmlformats.org/officeDocument/2006/math">
+                    <m:d>
+                      <m:dPr>
+                        <m:begChr m:val="{"/>
+                        <m:endChr m:val="}"/>
+                        <m:ctrlPr>
+                          <a:rPr lang="en-US" sz="2990" b="0">
+                            <a:solidFill>
+                              <a:srgbClr val="002060"/>
+                            </a:solidFill>
+                          </a:rPr>
+                        </m:ctrlPr>
+                      </m:dPr>
+                      <m:e>
+                        <m:sSubSup>
+                          <m:sSubSupPr>
+                            <m:ctrlPr>
+                              <a:rPr lang="en-US" sz="2990" b="0">
+                                <a:solidFill>
+                                  <a:srgbClr val="002060"/>
+                                </a:solidFill>
+                              </a:rPr>
+                            </m:ctrlPr>
+                          </m:sSubSupPr>
+                          <m:e>
+                            <m:r>
+                              <a:rPr lang="en-US" sz="2990" b="0">
+                                <a:solidFill>
+                                  <a:srgbClr val="002060"/>
+                                </a:solidFill>
+                              </a:rPr>
+                              <m:t>𝑃</m:t>
+                            </m:r>
+                          </m:e>
+                          <m:sub>
+                            <m:r>
+                              <a:rPr lang="en-US" sz="2990" b="0">
+                                <a:solidFill>
+                                  <a:srgbClr val="002060"/>
+                                </a:solidFill>
+                              </a:rPr>
+                              <m:t>𝑖</m:t>
+                            </m:r>
+                          </m:sub>
+                          <m:sup>
+                            <m:d>
+                              <m:dPr>
+                                <m:ctrlPr>
+                                  <a:rPr lang="en-US" sz="2990" b="0">
+                                    <a:solidFill>
+                                      <a:srgbClr val="002060"/>
+                                    </a:solidFill>
+                                  </a:rPr>
+                                </m:ctrlPr>
+                              </m:dPr>
+                              <m:e>
+                                <m:r>
+                                  <a:rPr lang="en-US" sz="2990" b="0">
+                                    <a:solidFill>
+                                      <a:srgbClr val="002060"/>
+                                    </a:solidFill>
+                                  </a:rPr>
+                                  <m:t>2</m:t>
+                                </m:r>
+                              </m:e>
+                            </m:d>
+                          </m:sup>
+                        </m:sSubSup>
+                      </m:e>
+                    </m:d>
+                  </m:oMath>
+                </a14:m>
+                <a:r>
+                  <a:rPr lang="en-US" sz="2990" b="0" dirty="0">
+                    <a:solidFill>
+                      <a:srgbClr val="002060"/>
+                    </a:solidFill>
+                  </a:rPr>
+                  <a:t> .</a:t>
+                </a:r>
+              </a:p>
+              <a:p>
+                <a:pPr marL="457200" indent="-457200" algn="just" rtl="0">
+                  <a:spcBef>
+                    <a:spcPct val="20000"/>
+                  </a:spcBef>
+                  <a:buFont typeface="Arial" panose="020B0604020202020204" pitchFamily="34" charset="0"/>
+                  <a:buChar char="•"/>
+                </a:pPr>
+                <a:r>
+                  <a:rPr lang="en-US" sz="2990" b="0" dirty="0">
+                    <a:solidFill>
+                      <a:srgbClr val="002060"/>
+                    </a:solidFill>
+                  </a:rPr>
+                  <a:t>Project the </a:t>
+                </a:r>
+                <a:r>
+                  <a:rPr lang="en-US" sz="2990" b="0" dirty="0" smtClean="0">
+                    <a:solidFill>
+                      <a:srgbClr val="002060"/>
+                    </a:solidFill>
+                  </a:rPr>
+                  <a:t>SPD matrices </a:t>
+                </a:r>
+                <a14:m>
+                  <m:oMath xmlns:m="http://schemas.openxmlformats.org/officeDocument/2006/math">
+                    <m:d>
+                      <m:dPr>
+                        <m:begChr m:val="{"/>
+                        <m:endChr m:val="}"/>
+                        <m:ctrlPr>
+                          <a:rPr lang="en-US" sz="2990" b="0">
+                            <a:solidFill>
+                              <a:srgbClr val="002060"/>
+                            </a:solidFill>
+                          </a:rPr>
+                        </m:ctrlPr>
+                      </m:dPr>
+                      <m:e>
+                        <m:sSubSup>
+                          <m:sSubSupPr>
+                            <m:ctrlPr>
+                              <a:rPr lang="en-US" sz="2990" b="0">
+                                <a:solidFill>
+                                  <a:srgbClr val="002060"/>
+                                </a:solidFill>
+                              </a:rPr>
+                            </m:ctrlPr>
+                          </m:sSubSupPr>
+                          <m:e>
+                            <m:r>
+                              <a:rPr lang="en-US" sz="2990" b="0">
+                                <a:solidFill>
+                                  <a:srgbClr val="002060"/>
+                                </a:solidFill>
+                              </a:rPr>
+                              <m:t>𝑃</m:t>
+                            </m:r>
+                          </m:e>
+                          <m:sub>
+                            <m:r>
+                              <a:rPr lang="en-US" sz="2990" b="0">
+                                <a:solidFill>
+                                  <a:srgbClr val="002060"/>
+                                </a:solidFill>
+                              </a:rPr>
+                              <m:t>𝑖</m:t>
+                            </m:r>
+                          </m:sub>
+                          <m:sup>
+                            <m:d>
+                              <m:dPr>
+                                <m:ctrlPr>
+                                  <a:rPr lang="en-US" sz="2990" b="0">
+                                    <a:solidFill>
+                                      <a:srgbClr val="002060"/>
+                                    </a:solidFill>
+                                  </a:rPr>
+                                </m:ctrlPr>
+                              </m:dPr>
+                              <m:e>
+                                <m:r>
+                                  <a:rPr lang="en-US" sz="2990" b="0">
+                                    <a:solidFill>
+                                      <a:srgbClr val="002060"/>
+                                    </a:solidFill>
+                                  </a:rPr>
+                                  <m:t>2</m:t>
+                                </m:r>
+                              </m:e>
+                            </m:d>
+                          </m:sup>
+                        </m:sSubSup>
+                      </m:e>
+                    </m:d>
+                  </m:oMath>
+                </a14:m>
+                <a:r>
+                  <a:rPr lang="en-US" sz="2990" b="0" dirty="0">
+                    <a:solidFill>
+                      <a:srgbClr val="002060"/>
+                    </a:solidFill>
+                  </a:rPr>
+                  <a:t> into the tangent plane </a:t>
+                </a:r>
+                <a14:m>
+                  <m:oMath xmlns:m="http://schemas.openxmlformats.org/officeDocument/2006/math">
+                    <m:sSub>
+                      <m:sSubPr>
+                        <m:ctrlPr>
+                          <a:rPr lang="en-US" sz="2990" b="0">
+                            <a:solidFill>
+                              <a:srgbClr val="002060"/>
+                            </a:solidFill>
+                          </a:rPr>
+                        </m:ctrlPr>
+                      </m:sSubPr>
+                      <m:e>
+                        <m:r>
+                          <a:rPr lang="en-US" sz="2990" b="0">
+                            <a:solidFill>
+                              <a:srgbClr val="002060"/>
+                            </a:solidFill>
+                          </a:rPr>
+                          <m:t>𝒯</m:t>
+                        </m:r>
+                      </m:e>
+                      <m:sub>
+                        <m:sSup>
+                          <m:sSupPr>
+                            <m:ctrlPr>
+                              <a:rPr lang="en-US" sz="2990" b="0">
+                                <a:solidFill>
+                                  <a:srgbClr val="002060"/>
+                                </a:solidFill>
+                              </a:rPr>
+                            </m:ctrlPr>
+                          </m:sSupPr>
+                          <m:e>
+                            <m:acc>
+                              <m:accPr>
+                                <m:chr m:val="̅"/>
+                                <m:ctrlPr>
+                                  <a:rPr lang="en-US" sz="2990" b="0">
+                                    <a:solidFill>
+                                      <a:srgbClr val="002060"/>
+                                    </a:solidFill>
+                                  </a:rPr>
+                                </m:ctrlPr>
+                              </m:accPr>
+                              <m:e>
+                                <m:r>
+                                  <a:rPr lang="en-US" sz="2990" b="0">
+                                    <a:solidFill>
+                                      <a:srgbClr val="002060"/>
+                                    </a:solidFill>
+                                  </a:rPr>
+                                  <m:t>𝑃</m:t>
+                                </m:r>
+                              </m:e>
+                            </m:acc>
+                          </m:e>
+                          <m:sup>
+                            <m:r>
+                              <a:rPr lang="en-US" sz="2990" b="0">
+                                <a:solidFill>
+                                  <a:srgbClr val="002060"/>
+                                </a:solidFill>
+                              </a:rPr>
+                              <m:t>(</m:t>
+                            </m:r>
+                            <m:r>
+                              <a:rPr lang="en-US" sz="2990" b="0">
+                                <a:solidFill>
+                                  <a:srgbClr val="002060"/>
+                                </a:solidFill>
+                              </a:rPr>
+                              <m:t>2</m:t>
+                            </m:r>
+                            <m:r>
+                              <a:rPr lang="en-US" sz="2990" b="0">
+                                <a:solidFill>
+                                  <a:srgbClr val="002060"/>
+                                </a:solidFill>
+                              </a:rPr>
+                              <m:t>)</m:t>
+                            </m:r>
+                          </m:sup>
+                        </m:sSup>
+                      </m:sub>
+                    </m:sSub>
+                    <m:r>
+                      <a:rPr lang="en-US" sz="2990" b="0">
+                        <a:solidFill>
+                          <a:srgbClr val="002060"/>
+                        </a:solidFill>
+                      </a:rPr>
+                      <m:t>ℳ</m:t>
+                    </m:r>
+                    <m:r>
+                      <a:rPr lang="en-US" sz="2990" b="0">
+                        <a:solidFill>
+                          <a:srgbClr val="002060"/>
+                        </a:solidFill>
+                      </a:rPr>
+                      <m:t>.</m:t>
+                    </m:r>
+                  </m:oMath>
+                </a14:m>
+                <a:endParaRPr lang="en-US" sz="2990" b="0" dirty="0">
+                  <a:solidFill>
+                    <a:srgbClr val="002060"/>
+                  </a:solidFill>
+                </a:endParaRPr>
+              </a:p>
+              <a:p>
+                <a:pPr marL="457200" indent="-457200" algn="just" rtl="0">
+                  <a:spcBef>
+                    <a:spcPct val="20000"/>
+                  </a:spcBef>
+                  <a:buFont typeface="Arial" panose="020B0604020202020204" pitchFamily="34" charset="0"/>
+                  <a:buChar char="•"/>
+                </a:pPr>
+                <a:r>
+                  <a:rPr lang="en-US" sz="2990" b="0" dirty="0">
+                    <a:solidFill>
+                      <a:srgbClr val="002060"/>
+                    </a:solidFill>
+                  </a:rPr>
+                  <a:t>Apply PT to </a:t>
+                </a:r>
+                <a14:m>
+                  <m:oMath xmlns:m="http://schemas.openxmlformats.org/officeDocument/2006/math">
+                    <m:d>
+                      <m:dPr>
+                        <m:begChr m:val="{"/>
+                        <m:endChr m:val="}"/>
+                        <m:ctrlPr>
+                          <a:rPr lang="en-US" sz="2990" b="0">
+                            <a:solidFill>
+                              <a:srgbClr val="002060"/>
+                            </a:solidFill>
+                          </a:rPr>
+                        </m:ctrlPr>
+                      </m:dPr>
+                      <m:e>
+                        <m:sSubSup>
+                          <m:sSubSupPr>
+                            <m:ctrlPr>
+                              <a:rPr lang="en-US" sz="2990" b="0">
+                                <a:solidFill>
+                                  <a:srgbClr val="002060"/>
+                                </a:solidFill>
+                              </a:rPr>
+                            </m:ctrlPr>
+                          </m:sSubSupPr>
+                          <m:e>
+                            <m:r>
+                              <a:rPr lang="en-US" sz="2990" b="0">
+                                <a:solidFill>
+                                  <a:srgbClr val="002060"/>
+                                </a:solidFill>
+                              </a:rPr>
+                              <m:t>𝑆</m:t>
+                            </m:r>
+                          </m:e>
+                          <m:sub>
+                            <m:r>
+                              <a:rPr lang="en-US" sz="2990" b="0">
+                                <a:solidFill>
+                                  <a:srgbClr val="002060"/>
+                                </a:solidFill>
+                              </a:rPr>
+                              <m:t>𝑖</m:t>
+                            </m:r>
+                          </m:sub>
+                          <m:sup>
+                            <m:d>
+                              <m:dPr>
+                                <m:ctrlPr>
+                                  <a:rPr lang="en-US" sz="2990" b="0">
+                                    <a:solidFill>
+                                      <a:srgbClr val="002060"/>
+                                    </a:solidFill>
+                                  </a:rPr>
+                                </m:ctrlPr>
+                              </m:dPr>
+                              <m:e>
+                                <m:r>
+                                  <a:rPr lang="en-US" sz="2990" b="0">
+                                    <a:solidFill>
+                                      <a:srgbClr val="002060"/>
+                                    </a:solidFill>
+                                  </a:rPr>
+                                  <m:t>2</m:t>
+                                </m:r>
+                              </m:e>
+                            </m:d>
+                          </m:sup>
+                        </m:sSubSup>
+                      </m:e>
+                    </m:d>
+                  </m:oMath>
+                </a14:m>
+                <a:r>
+                  <a:rPr lang="en-US" sz="2990" b="0" dirty="0">
+                    <a:solidFill>
+                      <a:srgbClr val="002060"/>
+                    </a:solidFill>
+                  </a:rPr>
+                  <a:t> along the geodesic path </a:t>
+                </a:r>
+                <a14:m>
+                  <m:oMath xmlns:m="http://schemas.openxmlformats.org/officeDocument/2006/math">
+                    <m:r>
+                      <a:rPr lang="en-US" sz="2990" b="0">
+                        <a:solidFill>
+                          <a:srgbClr val="002060"/>
+                        </a:solidFill>
+                      </a:rPr>
+                      <m:t>𝜑</m:t>
+                    </m:r>
+                  </m:oMath>
+                </a14:m>
+                <a:r>
+                  <a:rPr lang="en-US" sz="2990" b="0" dirty="0">
+                    <a:solidFill>
+                      <a:srgbClr val="002060"/>
+                    </a:solidFill>
+                  </a:rPr>
+                  <a:t> between </a:t>
+                </a:r>
+                <a14:m>
+                  <m:oMath xmlns:m="http://schemas.openxmlformats.org/officeDocument/2006/math">
+                    <m:sSup>
+                      <m:sSupPr>
+                        <m:ctrlPr>
+                          <a:rPr lang="en-US" sz="2990" b="0">
+                            <a:solidFill>
+                              <a:srgbClr val="002060"/>
+                            </a:solidFill>
+                          </a:rPr>
+                        </m:ctrlPr>
+                      </m:sSupPr>
+                      <m:e>
+                        <m:acc>
+                          <m:accPr>
+                            <m:chr m:val="̅"/>
+                            <m:ctrlPr>
+                              <a:rPr lang="en-US" sz="2990" b="0">
+                                <a:solidFill>
+                                  <a:srgbClr val="002060"/>
+                                </a:solidFill>
+                              </a:rPr>
+                            </m:ctrlPr>
+                          </m:accPr>
+                          <m:e>
+                            <m:r>
+                              <a:rPr lang="en-US" sz="2990" b="0">
+                                <a:solidFill>
+                                  <a:srgbClr val="002060"/>
+                                </a:solidFill>
+                              </a:rPr>
+                              <m:t>𝑃</m:t>
+                            </m:r>
+                          </m:e>
+                        </m:acc>
+                      </m:e>
+                      <m:sup>
+                        <m:d>
+                          <m:dPr>
+                            <m:ctrlPr>
+                              <a:rPr lang="en-US" sz="2990" b="0">
+                                <a:solidFill>
+                                  <a:srgbClr val="002060"/>
+                                </a:solidFill>
+                              </a:rPr>
+                            </m:ctrlPr>
+                          </m:dPr>
+                          <m:e>
+                            <m:r>
+                              <a:rPr lang="en-US" sz="2990" b="0">
+                                <a:solidFill>
+                                  <a:srgbClr val="002060"/>
+                                </a:solidFill>
+                              </a:rPr>
+                              <m:t>1</m:t>
+                            </m:r>
+                          </m:e>
+                        </m:d>
+                      </m:sup>
+                    </m:sSup>
+                  </m:oMath>
+                </a14:m>
+                <a:r>
+                  <a:rPr lang="en-US" sz="2990" b="0" dirty="0">
+                    <a:solidFill>
+                      <a:srgbClr val="002060"/>
+                    </a:solidFill>
+                  </a:rPr>
+                  <a:t> and </a:t>
+                </a:r>
+                <a14:m>
+                  <m:oMath xmlns:m="http://schemas.openxmlformats.org/officeDocument/2006/math">
+                    <m:sSup>
+                      <m:sSupPr>
+                        <m:ctrlPr>
+                          <a:rPr lang="en-US" sz="2990" b="0">
+                            <a:solidFill>
+                              <a:srgbClr val="002060"/>
+                            </a:solidFill>
+                          </a:rPr>
+                        </m:ctrlPr>
+                      </m:sSupPr>
+                      <m:e>
+                        <m:acc>
+                          <m:accPr>
+                            <m:chr m:val="̅"/>
+                            <m:ctrlPr>
+                              <a:rPr lang="en-US" sz="2990" b="0">
+                                <a:solidFill>
+                                  <a:srgbClr val="002060"/>
+                                </a:solidFill>
+                              </a:rPr>
+                            </m:ctrlPr>
+                          </m:accPr>
+                          <m:e>
+                            <m:r>
+                              <a:rPr lang="en-US" sz="2990" b="0">
+                                <a:solidFill>
+                                  <a:srgbClr val="002060"/>
+                                </a:solidFill>
+                              </a:rPr>
+                              <m:t>𝑃</m:t>
+                            </m:r>
+                          </m:e>
+                        </m:acc>
+                      </m:e>
+                      <m:sup>
+                        <m:r>
+                          <a:rPr lang="en-US" sz="2990" b="0">
+                            <a:solidFill>
+                              <a:srgbClr val="002060"/>
+                            </a:solidFill>
+                          </a:rPr>
+                          <m:t>(</m:t>
+                        </m:r>
+                        <m:r>
+                          <a:rPr lang="en-US" sz="2990" b="0">
+                            <a:solidFill>
+                              <a:srgbClr val="002060"/>
+                            </a:solidFill>
+                          </a:rPr>
+                          <m:t>2</m:t>
+                        </m:r>
+                        <m:r>
+                          <a:rPr lang="en-US" sz="2990" b="0">
+                            <a:solidFill>
+                              <a:srgbClr val="002060"/>
+                            </a:solidFill>
+                          </a:rPr>
+                          <m:t>)</m:t>
+                        </m:r>
+                      </m:sup>
+                    </m:sSup>
+                    <m:r>
+                      <a:rPr lang="en-US" sz="2990" b="0" i="0" smtClean="0">
+                        <a:solidFill>
+                          <a:srgbClr val="002060"/>
+                        </a:solidFill>
+                        <a:latin typeface="Cambria Math"/>
+                      </a:rPr>
+                      <m:t>:</m:t>
+                    </m:r>
+                  </m:oMath>
+                </a14:m>
+                <a:endParaRPr lang="en-US" sz="2990" b="0" dirty="0">
+                  <a:solidFill>
+                    <a:srgbClr val="002060"/>
+                  </a:solidFill>
+                </a:endParaRPr>
+              </a:p>
+              <a:p>
+                <a:pPr algn="just" rtl="0">
+                  <a:spcBef>
+                    <a:spcPct val="20000"/>
+                  </a:spcBef>
+                </a:pPr>
+                <a:endParaRPr lang="en-US" sz="900" b="0" dirty="0" smtClean="0">
+                  <a:solidFill>
+                    <a:srgbClr val="002060"/>
+                  </a:solidFill>
+                </a:endParaRPr>
+              </a:p>
+            </p:txBody>
+          </p:sp>
+        </mc:Choice>
+        <mc:Fallback>
+          <p:sp>
+            <p:nvSpPr>
+              <p:cNvPr id="15" name="מלבן 14"/>
+              <p:cNvSpPr>
+                <a:spLocks noRot="1" noChangeAspect="1" noMove="1" noResize="1" noEditPoints="1" noAdjustHandles="1" noChangeArrowheads="1" noChangeShapeType="1" noTextEdit="1"/>
+              </p:cNvSpPr>
+              <p:nvPr/>
+            </p:nvSpPr>
+            <p:spPr>
+              <a:xfrm>
+                <a:off x="10728000" y="26583481"/>
+                <a:ext cx="8883177" cy="4301755"/>
+              </a:xfrm>
+              <a:prstGeom prst="rect">
+                <a:avLst/>
+              </a:prstGeom>
+              <a:blipFill rotWithShape="1">
+                <a:blip r:embed="rId40"/>
+                <a:stretch>
+                  <a:fillRect l="-1373" r="-1510"/>
+                </a:stretch>
+              </a:blipFill>
+            </p:spPr>
+            <p:txBody>
+              <a:bodyPr/>
+              <a:lstStyle/>
+              <a:p>
+                <a:r>
+                  <a:rPr lang="he-IL">
+                    <a:noFill/>
+                  </a:rPr>
+                  <a:t> </a:t>
+                </a:r>
+              </a:p>
+            </p:txBody>
+          </p:sp>
+        </mc:Fallback>
+      </mc:AlternateContent>
+      <mc:AlternateContent xmlns:mc="http://schemas.openxmlformats.org/markup-compatibility/2006">
+        <mc:Choice xmlns:a14="http://schemas.microsoft.com/office/drawing/2010/main" Requires="a14">
+          <p:sp>
+            <p:nvSpPr>
+              <p:cNvPr id="16" name="TextBox 15"/>
+              <p:cNvSpPr txBox="1"/>
+              <p:nvPr/>
+            </p:nvSpPr>
+            <p:spPr>
+              <a:xfrm>
+                <a:off x="12663300" y="12913176"/>
+                <a:ext cx="4953000" cy="675954"/>
+              </a:xfrm>
+              <a:prstGeom prst="rect">
+                <a:avLst/>
+              </a:prstGeom>
+              <a:ln>
+                <a:solidFill>
+                  <a:schemeClr val="accent6">
+                    <a:lumMod val="50000"/>
+                  </a:schemeClr>
+                </a:solidFill>
+              </a:ln>
+            </p:spPr>
+            <p:style>
+              <a:lnRef idx="2">
+                <a:schemeClr val="dk1"/>
+              </a:lnRef>
+              <a:fillRef idx="1">
+                <a:schemeClr val="lt1"/>
+              </a:fillRef>
+              <a:effectRef idx="0">
+                <a:schemeClr val="dk1"/>
+              </a:effectRef>
+              <a:fontRef idx="minor">
+                <a:schemeClr val="dk1"/>
+              </a:fontRef>
+            </p:style>
+            <p:txBody>
+              <a:bodyPr wrap="square" rtlCol="1">
+                <a:spAutoFit/>
+              </a:bodyPr>
+              <a:lstStyle/>
+              <a:p>
+                <a14:m>
+                  <m:oMathPara xmlns:m="http://schemas.openxmlformats.org/officeDocument/2006/math">
+                    <m:oMathParaPr>
+                      <m:jc m:val="centerGroup"/>
+                    </m:oMathParaPr>
+                    <m:oMath xmlns:m="http://schemas.openxmlformats.org/officeDocument/2006/math">
+                      <m:sSub>
+                        <m:sSubPr>
+                          <m:ctrlPr>
+                            <a:rPr lang="en-US" sz="2990" b="0" i="1">
+                              <a:solidFill>
+                                <a:srgbClr val="002060"/>
+                              </a:solidFill>
+                              <a:latin typeface="Cambria Math"/>
+                              <a:ea typeface="Cambria Math"/>
+                            </a:rPr>
+                          </m:ctrlPr>
+                        </m:sSubPr>
+                        <m:e>
+                          <m:r>
+                            <a:rPr lang="en-US" sz="2990" b="0" i="1">
+                              <a:solidFill>
+                                <a:srgbClr val="002060"/>
+                              </a:solidFill>
+                              <a:latin typeface="Cambria Math"/>
+                              <a:ea typeface="Cambria Math"/>
+                            </a:rPr>
+                            <m:t>𝛿</m:t>
+                          </m:r>
+                        </m:e>
+                        <m:sub>
+                          <m:r>
+                            <a:rPr lang="en-US" sz="2990" b="0" i="1">
+                              <a:solidFill>
+                                <a:srgbClr val="002060"/>
+                              </a:solidFill>
+                              <a:latin typeface="Cambria Math"/>
+                              <a:ea typeface="Cambria Math"/>
+                            </a:rPr>
+                            <m:t>𝑅</m:t>
+                          </m:r>
+                        </m:sub>
+                      </m:sSub>
+                      <m:d>
+                        <m:dPr>
+                          <m:ctrlPr>
+                            <a:rPr lang="en-US" sz="2990" b="0" i="1">
+                              <a:solidFill>
+                                <a:srgbClr val="002060"/>
+                              </a:solidFill>
+                              <a:latin typeface="Cambria Math"/>
+                              <a:ea typeface="Cambria Math"/>
+                            </a:rPr>
+                          </m:ctrlPr>
+                        </m:dPr>
+                        <m:e>
+                          <m:sSub>
+                            <m:sSubPr>
+                              <m:ctrlPr>
+                                <a:rPr lang="en-US" sz="2990" b="0" i="1">
+                                  <a:solidFill>
+                                    <a:srgbClr val="002060"/>
+                                  </a:solidFill>
+                                  <a:latin typeface="Cambria Math"/>
+                                </a:rPr>
+                              </m:ctrlPr>
+                            </m:sSubPr>
+                            <m:e>
+                              <m:r>
+                                <a:rPr lang="en-US" sz="2990" b="0" i="1">
+                                  <a:solidFill>
+                                    <a:srgbClr val="002060"/>
+                                  </a:solidFill>
+                                  <a:latin typeface="Cambria Math"/>
+                                </a:rPr>
+                                <m:t>𝑃</m:t>
+                              </m:r>
+                            </m:e>
+                            <m:sub>
+                              <m:r>
+                                <a:rPr lang="en-US" sz="2990" b="0" i="1">
+                                  <a:solidFill>
+                                    <a:srgbClr val="002060"/>
+                                  </a:solidFill>
+                                  <a:latin typeface="Cambria Math"/>
+                                </a:rPr>
+                                <m:t>1</m:t>
+                              </m:r>
+                            </m:sub>
+                          </m:sSub>
+                          <m:r>
+                            <a:rPr lang="en-US" sz="2990" b="0" i="1">
+                              <a:solidFill>
+                                <a:srgbClr val="002060"/>
+                              </a:solidFill>
+                              <a:latin typeface="Cambria Math"/>
+                            </a:rPr>
+                            <m:t>,</m:t>
+                          </m:r>
+                          <m:sSub>
+                            <m:sSubPr>
+                              <m:ctrlPr>
+                                <a:rPr lang="en-US" sz="2990" b="0" i="1">
+                                  <a:solidFill>
+                                    <a:srgbClr val="002060"/>
+                                  </a:solidFill>
+                                  <a:latin typeface="Cambria Math"/>
+                                </a:rPr>
+                              </m:ctrlPr>
+                            </m:sSubPr>
+                            <m:e>
+                              <m:r>
+                                <a:rPr lang="en-US" sz="2990" b="0" i="1">
+                                  <a:solidFill>
+                                    <a:srgbClr val="002060"/>
+                                  </a:solidFill>
+                                  <a:latin typeface="Cambria Math"/>
+                                </a:rPr>
+                                <m:t>𝑃</m:t>
+                              </m:r>
+                            </m:e>
+                            <m:sub>
+                              <m:r>
+                                <a:rPr lang="en-US" sz="2990" b="0" i="1">
+                                  <a:solidFill>
+                                    <a:srgbClr val="002060"/>
+                                  </a:solidFill>
+                                  <a:latin typeface="Cambria Math"/>
+                                </a:rPr>
+                                <m:t>2</m:t>
+                              </m:r>
+                            </m:sub>
+                          </m:sSub>
+                        </m:e>
+                      </m:d>
+                      <m:r>
+                        <a:rPr lang="en-US" sz="2990" b="0" i="1">
+                          <a:solidFill>
+                            <a:srgbClr val="002060"/>
+                          </a:solidFill>
+                          <a:latin typeface="Cambria Math"/>
+                        </a:rPr>
+                        <m:t>≜</m:t>
+                      </m:r>
+                      <m:sSub>
+                        <m:sSubPr>
+                          <m:ctrlPr>
+                            <a:rPr lang="en-US" sz="2990" b="0" i="1">
+                              <a:solidFill>
+                                <a:srgbClr val="002060"/>
+                              </a:solidFill>
+                              <a:latin typeface="Cambria Math"/>
+                              <a:ea typeface="Cambria Math"/>
+                            </a:rPr>
+                          </m:ctrlPr>
+                        </m:sSubPr>
+                        <m:e>
+                          <m:d>
+                            <m:dPr>
+                              <m:begChr m:val="‖"/>
+                              <m:endChr m:val="‖"/>
+                              <m:ctrlPr>
+                                <a:rPr lang="en-US" sz="2990" b="0" i="1">
+                                  <a:solidFill>
+                                    <a:srgbClr val="002060"/>
+                                  </a:solidFill>
+                                  <a:latin typeface="Cambria Math"/>
+                                  <a:ea typeface="Cambria Math"/>
+                                </a:rPr>
+                              </m:ctrlPr>
+                            </m:dPr>
+                            <m:e>
+                              <m:func>
+                                <m:funcPr>
+                                  <m:ctrlPr>
+                                    <a:rPr lang="en-US" sz="2990" b="0" i="1">
+                                      <a:solidFill>
+                                        <a:srgbClr val="002060"/>
+                                      </a:solidFill>
+                                      <a:latin typeface="Cambria Math"/>
+                                      <a:ea typeface="Cambria Math"/>
+                                    </a:rPr>
+                                  </m:ctrlPr>
+                                </m:funcPr>
+                                <m:fName>
+                                  <m:r>
+                                    <m:rPr>
+                                      <m:sty m:val="p"/>
+                                    </m:rPr>
+                                    <a:rPr lang="en-US" sz="2990" b="0">
+                                      <a:solidFill>
+                                        <a:srgbClr val="002060"/>
+                                      </a:solidFill>
+                                      <a:latin typeface="Cambria Math"/>
+                                      <a:ea typeface="Cambria Math"/>
+                                    </a:rPr>
+                                    <m:t>log</m:t>
+                                  </m:r>
+                                </m:fName>
+                                <m:e>
+                                  <m:d>
+                                    <m:dPr>
+                                      <m:ctrlPr>
+                                        <a:rPr lang="en-US" sz="2990" b="0" i="1">
+                                          <a:solidFill>
+                                            <a:srgbClr val="002060"/>
+                                          </a:solidFill>
+                                          <a:latin typeface="Cambria Math"/>
+                                          <a:ea typeface="Cambria Math"/>
+                                        </a:rPr>
+                                      </m:ctrlPr>
+                                    </m:dPr>
+                                    <m:e>
+                                      <m:sSup>
+                                        <m:sSupPr>
+                                          <m:ctrlPr>
+                                            <a:rPr lang="en-US" sz="2990" b="0" i="1">
+                                              <a:solidFill>
+                                                <a:srgbClr val="002060"/>
+                                              </a:solidFill>
+                                              <a:latin typeface="Cambria Math"/>
+                                              <a:ea typeface="Cambria Math"/>
+                                            </a:rPr>
+                                          </m:ctrlPr>
+                                        </m:sSupPr>
+                                        <m:e>
+                                          <m:sSub>
+                                            <m:sSubPr>
+                                              <m:ctrlPr>
+                                                <a:rPr lang="en-US" sz="2990" b="0" i="1">
+                                                  <a:solidFill>
+                                                    <a:srgbClr val="002060"/>
+                                                  </a:solidFill>
+                                                  <a:latin typeface="Cambria Math"/>
+                                                </a:rPr>
+                                              </m:ctrlPr>
+                                            </m:sSubPr>
+                                            <m:e>
+                                              <m:r>
+                                                <a:rPr lang="en-US" sz="2990" b="0" i="1">
+                                                  <a:solidFill>
+                                                    <a:srgbClr val="002060"/>
+                                                  </a:solidFill>
+                                                  <a:latin typeface="Cambria Math"/>
+                                                </a:rPr>
+                                                <m:t>𝑃</m:t>
+                                              </m:r>
+                                            </m:e>
+                                            <m:sub>
+                                              <m:r>
+                                                <a:rPr lang="en-US" sz="2990" b="0" i="1">
+                                                  <a:solidFill>
+                                                    <a:srgbClr val="002060"/>
+                                                  </a:solidFill>
+                                                  <a:latin typeface="Cambria Math"/>
+                                                </a:rPr>
+                                                <m:t>1</m:t>
+                                              </m:r>
+                                            </m:sub>
+                                          </m:sSub>
+                                        </m:e>
+                                        <m:sup>
+                                          <m:r>
+                                            <a:rPr lang="en-US" sz="2990" b="0" i="1">
+                                              <a:solidFill>
+                                                <a:srgbClr val="002060"/>
+                                              </a:solidFill>
+                                              <a:latin typeface="Cambria Math"/>
+                                              <a:ea typeface="Cambria Math"/>
+                                            </a:rPr>
+                                            <m:t>−</m:t>
+                                          </m:r>
+                                          <m:r>
+                                            <a:rPr lang="en-US" sz="2990" b="0" i="1">
+                                              <a:solidFill>
+                                                <a:srgbClr val="002060"/>
+                                              </a:solidFill>
+                                              <a:latin typeface="Cambria Math"/>
+                                              <a:ea typeface="Cambria Math"/>
+                                            </a:rPr>
+                                            <m:t>1</m:t>
+                                          </m:r>
+                                        </m:sup>
+                                      </m:sSup>
+                                      <m:sSub>
+                                        <m:sSubPr>
+                                          <m:ctrlPr>
+                                            <a:rPr lang="en-US" sz="2990" b="0" i="1">
+                                              <a:solidFill>
+                                                <a:srgbClr val="002060"/>
+                                              </a:solidFill>
+                                              <a:latin typeface="Cambria Math"/>
+                                            </a:rPr>
+                                          </m:ctrlPr>
+                                        </m:sSubPr>
+                                        <m:e>
+                                          <m:r>
+                                            <a:rPr lang="en-US" sz="2990" b="0" i="1">
+                                              <a:solidFill>
+                                                <a:srgbClr val="002060"/>
+                                              </a:solidFill>
+                                              <a:latin typeface="Cambria Math"/>
+                                            </a:rPr>
+                                            <m:t>𝑃</m:t>
+                                          </m:r>
+                                        </m:e>
+                                        <m:sub>
+                                          <m:r>
+                                            <a:rPr lang="en-US" sz="2990" b="0" i="1">
+                                              <a:solidFill>
+                                                <a:srgbClr val="002060"/>
+                                              </a:solidFill>
+                                              <a:latin typeface="Cambria Math"/>
+                                            </a:rPr>
+                                            <m:t>2</m:t>
+                                          </m:r>
+                                        </m:sub>
+                                      </m:sSub>
+                                    </m:e>
+                                  </m:d>
+                                </m:e>
+                              </m:func>
+                            </m:e>
+                          </m:d>
+                        </m:e>
+                        <m:sub>
+                          <m:r>
+                            <a:rPr lang="en-US" sz="2990" b="0" i="1">
+                              <a:solidFill>
+                                <a:srgbClr val="002060"/>
+                              </a:solidFill>
+                              <a:latin typeface="Cambria Math"/>
+                              <a:ea typeface="Cambria Math"/>
+                            </a:rPr>
+                            <m:t>𝐹</m:t>
+                          </m:r>
+                        </m:sub>
+                      </m:sSub>
+                    </m:oMath>
+                  </m:oMathPara>
+                </a14:m>
+                <a:endParaRPr lang="he-IL" sz="2990" dirty="0"/>
+              </a:p>
+            </p:txBody>
+          </p:sp>
+        </mc:Choice>
+        <mc:Fallback>
+          <p:sp>
+            <p:nvSpPr>
+              <p:cNvPr id="16" name="TextBox 15"/>
+              <p:cNvSpPr txBox="1">
+                <a:spLocks noRot="1" noChangeAspect="1" noMove="1" noResize="1" noEditPoints="1" noAdjustHandles="1" noChangeArrowheads="1" noChangeShapeType="1" noTextEdit="1"/>
+              </p:cNvSpPr>
+              <p:nvPr/>
+            </p:nvSpPr>
+            <p:spPr>
+              <a:xfrm>
+                <a:off x="12663300" y="12913176"/>
+                <a:ext cx="4953000" cy="675954"/>
+              </a:xfrm>
+              <a:prstGeom prst="rect">
+                <a:avLst/>
+              </a:prstGeom>
+              <a:blipFill rotWithShape="1">
+                <a:blip r:embed="rId41"/>
+                <a:stretch>
+                  <a:fillRect/>
+                </a:stretch>
+              </a:blipFill>
+              <a:ln>
+                <a:solidFill>
+                  <a:schemeClr val="accent6">
+                    <a:lumMod val="50000"/>
+                  </a:schemeClr>
+                </a:solidFill>
+              </a:ln>
+            </p:spPr>
+            <p:txBody>
+              <a:bodyPr/>
+              <a:lstStyle/>
+              <a:p>
+                <a:r>
+                  <a:rPr lang="he-IL">
+                    <a:noFill/>
+                  </a:rPr>
+                  <a:t> </a:t>
+                </a:r>
+              </a:p>
+            </p:txBody>
+          </p:sp>
+        </mc:Fallback>
+      </mc:AlternateContent>
+      <mc:AlternateContent xmlns:mc="http://schemas.openxmlformats.org/markup-compatibility/2006">
+        <mc:Choice xmlns:a14="http://schemas.microsoft.com/office/drawing/2010/main" Requires="a14">
+          <p:sp>
+            <p:nvSpPr>
+              <p:cNvPr id="121" name="TextBox 120"/>
+              <p:cNvSpPr txBox="1"/>
+              <p:nvPr/>
+            </p:nvSpPr>
+            <p:spPr>
+              <a:xfrm>
+                <a:off x="12675206" y="14213031"/>
+                <a:ext cx="4953000" cy="940450"/>
+              </a:xfrm>
+              <a:prstGeom prst="rect">
+                <a:avLst/>
+              </a:prstGeom>
+              <a:ln>
+                <a:solidFill>
+                  <a:schemeClr val="accent6">
+                    <a:lumMod val="50000"/>
+                  </a:schemeClr>
+                </a:solidFill>
+              </a:ln>
+            </p:spPr>
+            <p:style>
+              <a:lnRef idx="2">
+                <a:schemeClr val="dk1"/>
+              </a:lnRef>
+              <a:fillRef idx="1">
+                <a:schemeClr val="lt1"/>
+              </a:fillRef>
+              <a:effectRef idx="0">
+                <a:schemeClr val="dk1"/>
+              </a:effectRef>
+              <a:fontRef idx="minor">
+                <a:schemeClr val="dk1"/>
+              </a:fontRef>
+            </p:style>
+            <p:txBody>
+              <a:bodyPr wrap="square" rtlCol="1">
+                <a:spAutoFit/>
+              </a:bodyPr>
+              <a:lstStyle/>
+              <a:p>
+                <a14:m>
+                  <m:oMathPara xmlns:m="http://schemas.openxmlformats.org/officeDocument/2006/math">
+                    <m:oMathParaPr>
+                      <m:jc m:val="centerGroup"/>
+                    </m:oMathParaPr>
+                    <m:oMath xmlns:m="http://schemas.openxmlformats.org/officeDocument/2006/math">
+                      <m:acc>
+                        <m:accPr>
+                          <m:chr m:val="̅"/>
+                          <m:ctrlPr>
+                            <a:rPr lang="en-US" sz="2990" b="0" i="1" smtClean="0">
+                              <a:solidFill>
+                                <a:srgbClr val="002060"/>
+                              </a:solidFill>
+                              <a:latin typeface="Cambria Math"/>
+                            </a:rPr>
+                          </m:ctrlPr>
+                        </m:accPr>
+                        <m:e>
+                          <m:r>
+                            <a:rPr lang="en-US" sz="2990" b="0" i="1">
+                              <a:solidFill>
+                                <a:srgbClr val="002060"/>
+                              </a:solidFill>
+                              <a:latin typeface="Cambria Math"/>
+                            </a:rPr>
+                            <m:t>𝑃</m:t>
+                          </m:r>
+                        </m:e>
+                      </m:acc>
+                      <m:r>
+                        <a:rPr lang="en-US" sz="2990" b="0" i="1">
+                          <a:solidFill>
+                            <a:srgbClr val="002060"/>
+                          </a:solidFill>
+                          <a:latin typeface="Cambria Math"/>
+                        </a:rPr>
+                        <m:t>≜</m:t>
+                      </m:r>
+                      <m:r>
+                        <m:rPr>
+                          <m:sty m:val="p"/>
+                        </m:rPr>
+                        <a:rPr lang="en-US" sz="2990" b="0">
+                          <a:solidFill>
+                            <a:srgbClr val="002060"/>
+                          </a:solidFill>
+                          <a:latin typeface="Cambria Math"/>
+                        </a:rPr>
+                        <m:t>arg</m:t>
+                      </m:r>
+                      <m:func>
+                        <m:funcPr>
+                          <m:ctrlPr>
+                            <a:rPr lang="en-US" sz="2990" b="0" i="1">
+                              <a:solidFill>
+                                <a:srgbClr val="002060"/>
+                              </a:solidFill>
+                              <a:latin typeface="Cambria Math"/>
+                            </a:rPr>
+                          </m:ctrlPr>
+                        </m:funcPr>
+                        <m:fName>
+                          <m:limLow>
+                            <m:limLowPr>
+                              <m:ctrlPr>
+                                <a:rPr lang="en-US" sz="2990" b="0" i="1">
+                                  <a:solidFill>
+                                    <a:srgbClr val="002060"/>
+                                  </a:solidFill>
+                                  <a:latin typeface="Cambria Math"/>
+                                </a:rPr>
+                              </m:ctrlPr>
+                            </m:limLowPr>
+                            <m:e>
+                              <m:r>
+                                <m:rPr>
+                                  <m:sty m:val="p"/>
+                                </m:rPr>
+                                <a:rPr lang="en-US" sz="2990" b="0">
+                                  <a:solidFill>
+                                    <a:srgbClr val="002060"/>
+                                  </a:solidFill>
+                                  <a:latin typeface="Cambria Math"/>
+                                </a:rPr>
+                                <m:t>min</m:t>
+                              </m:r>
+                            </m:e>
+                            <m:lim>
+                              <m:r>
+                                <a:rPr lang="en-US" sz="2990" b="0" i="1">
+                                  <a:solidFill>
+                                    <a:srgbClr val="002060"/>
+                                  </a:solidFill>
+                                  <a:latin typeface="Cambria Math"/>
+                                </a:rPr>
+                                <m:t>𝑃</m:t>
+                              </m:r>
+                            </m:lim>
+                          </m:limLow>
+                        </m:fName>
+                        <m:e>
+                          <m:nary>
+                            <m:naryPr>
+                              <m:chr m:val="∑"/>
+                              <m:limLoc m:val="subSup"/>
+                              <m:supHide m:val="on"/>
+                              <m:ctrlPr>
+                                <a:rPr lang="en-US" sz="2990" b="0" i="1" smtClean="0">
+                                  <a:solidFill>
+                                    <a:srgbClr val="002060"/>
+                                  </a:solidFill>
+                                  <a:latin typeface="Cambria Math"/>
+                                </a:rPr>
+                              </m:ctrlPr>
+                            </m:naryPr>
+                            <m:sub>
+                              <m:r>
+                                <m:rPr>
+                                  <m:brk m:alnAt="9"/>
+                                </m:rPr>
+                                <a:rPr lang="en-US" sz="2990" b="0" i="1" smtClean="0">
+                                  <a:solidFill>
+                                    <a:srgbClr val="002060"/>
+                                  </a:solidFill>
+                                  <a:latin typeface="Cambria Math"/>
+                                </a:rPr>
+                                <m:t>𝑖</m:t>
+                              </m:r>
+                            </m:sub>
+                            <m:sup/>
+                            <m:e>
+                              <m:sSubSup>
+                                <m:sSubSupPr>
+                                  <m:ctrlPr>
+                                    <a:rPr lang="en-US" sz="2990" b="0" i="1">
+                                      <a:solidFill>
+                                        <a:srgbClr val="002060"/>
+                                      </a:solidFill>
+                                      <a:latin typeface="Cambria Math"/>
+                                      <a:ea typeface="Cambria Math"/>
+                                    </a:rPr>
+                                  </m:ctrlPr>
+                                </m:sSubSupPr>
+                                <m:e>
+                                  <m:r>
+                                    <a:rPr lang="en-US" sz="2990" b="0" i="1">
+                                      <a:solidFill>
+                                        <a:srgbClr val="002060"/>
+                                      </a:solidFill>
+                                      <a:latin typeface="Cambria Math"/>
+                                      <a:ea typeface="Cambria Math"/>
+                                    </a:rPr>
+                                    <m:t>𝛿</m:t>
+                                  </m:r>
+                                </m:e>
+                                <m:sub>
+                                  <m:r>
+                                    <a:rPr lang="en-US" sz="2990" b="0" i="1">
+                                      <a:solidFill>
+                                        <a:srgbClr val="002060"/>
+                                      </a:solidFill>
+                                      <a:latin typeface="Cambria Math"/>
+                                      <a:ea typeface="Cambria Math"/>
+                                    </a:rPr>
+                                    <m:t>𝑅</m:t>
+                                  </m:r>
+                                </m:sub>
+                                <m:sup>
+                                  <m:r>
+                                    <a:rPr lang="en-US" sz="2990" b="0" i="1">
+                                      <a:solidFill>
+                                        <a:srgbClr val="002060"/>
+                                      </a:solidFill>
+                                      <a:latin typeface="Cambria Math"/>
+                                      <a:ea typeface="Cambria Math"/>
+                                    </a:rPr>
+                                    <m:t>2</m:t>
+                                  </m:r>
+                                </m:sup>
+                              </m:sSubSup>
+                              <m:r>
+                                <a:rPr lang="en-US" sz="2990" b="0" i="1">
+                                  <a:solidFill>
+                                    <a:srgbClr val="002060"/>
+                                  </a:solidFill>
+                                  <a:latin typeface="Cambria Math"/>
+                                  <a:ea typeface="Cambria Math"/>
+                                </a:rPr>
+                                <m:t>(</m:t>
+                              </m:r>
+                              <m:r>
+                                <a:rPr lang="en-US" sz="2990" b="0" i="1">
+                                  <a:solidFill>
+                                    <a:srgbClr val="002060"/>
+                                  </a:solidFill>
+                                  <a:latin typeface="Cambria Math"/>
+                                  <a:ea typeface="Cambria Math"/>
+                                </a:rPr>
+                                <m:t>𝑃</m:t>
+                              </m:r>
+                              <m:r>
+                                <a:rPr lang="en-US" sz="2990" b="0" i="1">
+                                  <a:solidFill>
+                                    <a:srgbClr val="002060"/>
+                                  </a:solidFill>
+                                  <a:latin typeface="Cambria Math"/>
+                                  <a:ea typeface="Cambria Math"/>
+                                </a:rPr>
+                                <m:t>,</m:t>
+                              </m:r>
+                              <m:sSub>
+                                <m:sSubPr>
+                                  <m:ctrlPr>
+                                    <a:rPr lang="en-US" sz="2990" b="0" i="1">
+                                      <a:solidFill>
+                                        <a:srgbClr val="002060"/>
+                                      </a:solidFill>
+                                      <a:latin typeface="Cambria Math"/>
+                                      <a:ea typeface="Cambria Math"/>
+                                    </a:rPr>
+                                  </m:ctrlPr>
+                                </m:sSubPr>
+                                <m:e>
+                                  <m:r>
+                                    <a:rPr lang="en-US" sz="2990" b="0" i="1">
+                                      <a:solidFill>
+                                        <a:srgbClr val="002060"/>
+                                      </a:solidFill>
+                                      <a:latin typeface="Cambria Math"/>
+                                      <a:ea typeface="Cambria Math"/>
+                                    </a:rPr>
+                                    <m:t>𝑃</m:t>
+                                  </m:r>
+                                </m:e>
+                                <m:sub>
+                                  <m:r>
+                                    <a:rPr lang="en-US" sz="2990" b="0" i="1">
+                                      <a:solidFill>
+                                        <a:srgbClr val="002060"/>
+                                      </a:solidFill>
+                                      <a:latin typeface="Cambria Math"/>
+                                      <a:ea typeface="Cambria Math"/>
+                                    </a:rPr>
+                                    <m:t>𝑖</m:t>
+                                  </m:r>
+                                </m:sub>
+                              </m:sSub>
+                              <m:r>
+                                <a:rPr lang="en-US" sz="2990" b="0" i="1">
+                                  <a:solidFill>
+                                    <a:srgbClr val="002060"/>
+                                  </a:solidFill>
+                                  <a:latin typeface="Cambria Math"/>
+                                  <a:ea typeface="Cambria Math"/>
+                                </a:rPr>
+                                <m:t>)</m:t>
+                              </m:r>
+                            </m:e>
+                          </m:nary>
+                        </m:e>
+                      </m:func>
+                    </m:oMath>
+                  </m:oMathPara>
+                </a14:m>
+                <a:endParaRPr lang="he-IL" sz="2990" dirty="0"/>
+              </a:p>
+            </p:txBody>
+          </p:sp>
+        </mc:Choice>
+        <mc:Fallback>
+          <p:sp>
+            <p:nvSpPr>
+              <p:cNvPr id="121" name="TextBox 120"/>
+              <p:cNvSpPr txBox="1">
+                <a:spLocks noRot="1" noChangeAspect="1" noMove="1" noResize="1" noEditPoints="1" noAdjustHandles="1" noChangeArrowheads="1" noChangeShapeType="1" noTextEdit="1"/>
+              </p:cNvSpPr>
+              <p:nvPr/>
+            </p:nvSpPr>
+            <p:spPr>
+              <a:xfrm>
+                <a:off x="12675206" y="14213031"/>
+                <a:ext cx="4953000" cy="940450"/>
+              </a:xfrm>
+              <a:prstGeom prst="rect">
+                <a:avLst/>
+              </a:prstGeom>
+              <a:blipFill rotWithShape="1">
+                <a:blip r:embed="rId42"/>
+                <a:stretch>
+                  <a:fillRect/>
+                </a:stretch>
+              </a:blipFill>
+              <a:ln>
+                <a:solidFill>
+                  <a:schemeClr val="accent6">
+                    <a:lumMod val="50000"/>
+                  </a:schemeClr>
+                </a:solidFill>
+              </a:ln>
+            </p:spPr>
+            <p:txBody>
+              <a:bodyPr/>
+              <a:lstStyle/>
+              <a:p>
+                <a:r>
+                  <a:rPr lang="he-IL">
+                    <a:noFill/>
+                  </a:rPr>
+                  <a:t> </a:t>
+                </a:r>
+              </a:p>
+            </p:txBody>
+          </p:sp>
+        </mc:Fallback>
+      </mc:AlternateContent>
+      <mc:AlternateContent xmlns:mc="http://schemas.openxmlformats.org/markup-compatibility/2006">
+        <mc:Choice xmlns:a14="http://schemas.microsoft.com/office/drawing/2010/main" Requires="a14">
+          <p:sp>
+            <p:nvSpPr>
+              <p:cNvPr id="122" name="TextBox 121"/>
+              <p:cNvSpPr txBox="1"/>
+              <p:nvPr/>
+            </p:nvSpPr>
+            <p:spPr>
+              <a:xfrm>
+                <a:off x="11807366" y="16820422"/>
+                <a:ext cx="6724443" cy="780919"/>
+              </a:xfrm>
+              <a:prstGeom prst="rect">
+                <a:avLst/>
+              </a:prstGeom>
+              <a:ln>
+                <a:solidFill>
+                  <a:schemeClr val="accent6">
+                    <a:lumMod val="50000"/>
+                  </a:schemeClr>
+                </a:solidFill>
+              </a:ln>
+            </p:spPr>
+            <p:style>
+              <a:lnRef idx="2">
+                <a:schemeClr val="dk1"/>
+              </a:lnRef>
+              <a:fillRef idx="1">
+                <a:schemeClr val="lt1"/>
+              </a:fillRef>
+              <a:effectRef idx="0">
+                <a:schemeClr val="dk1"/>
+              </a:effectRef>
+              <a:fontRef idx="minor">
+                <a:schemeClr val="dk1"/>
+              </a:fontRef>
+            </p:style>
+            <p:txBody>
+              <a:bodyPr wrap="square" rtlCol="1">
+                <a:spAutoFit/>
+              </a:bodyPr>
+              <a:lstStyle/>
+              <a:p>
+                <a14:m>
+                  <m:oMathPara xmlns:m="http://schemas.openxmlformats.org/officeDocument/2006/math">
+                    <m:oMathParaPr>
+                      <m:jc m:val="centerGroup"/>
+                    </m:oMathParaPr>
+                    <m:oMath xmlns:m="http://schemas.openxmlformats.org/officeDocument/2006/math">
+                      <m:sSub>
+                        <m:sSubPr>
+                          <m:ctrlPr>
+                            <a:rPr lang="en-US" sz="2990" b="0" i="1">
+                              <a:solidFill>
+                                <a:srgbClr val="002060"/>
+                              </a:solidFill>
+                              <a:latin typeface="Cambria Math"/>
+                            </a:rPr>
+                          </m:ctrlPr>
+                        </m:sSubPr>
+                        <m:e>
+                          <m:r>
+                            <a:rPr lang="en-US" sz="2990" b="0" i="1">
+                              <a:solidFill>
+                                <a:srgbClr val="002060"/>
+                              </a:solidFill>
+                              <a:latin typeface="Cambria Math"/>
+                            </a:rPr>
+                            <m:t>𝑆</m:t>
+                          </m:r>
+                        </m:e>
+                        <m:sub>
+                          <m:r>
+                            <a:rPr lang="en-US" sz="2990" b="0" i="1">
+                              <a:solidFill>
+                                <a:srgbClr val="002060"/>
+                              </a:solidFill>
+                              <a:latin typeface="Cambria Math"/>
+                            </a:rPr>
+                            <m:t>1</m:t>
+                          </m:r>
+                        </m:sub>
+                      </m:sSub>
+                      <m:r>
+                        <a:rPr lang="en-US" sz="2990" b="0" i="1">
+                          <a:solidFill>
+                            <a:srgbClr val="002060"/>
+                          </a:solidFill>
+                          <a:latin typeface="Cambria Math"/>
+                        </a:rPr>
+                        <m:t>=</m:t>
+                      </m:r>
+                      <m:sSub>
+                        <m:sSubPr>
+                          <m:ctrlPr>
+                            <a:rPr lang="en-US" sz="2990" b="0" i="1">
+                              <a:solidFill>
+                                <a:srgbClr val="002060"/>
+                              </a:solidFill>
+                              <a:latin typeface="Cambria Math"/>
+                            </a:rPr>
+                          </m:ctrlPr>
+                        </m:sSubPr>
+                        <m:e>
+                          <m:r>
+                            <m:rPr>
+                              <m:sty m:val="p"/>
+                            </m:rPr>
+                            <a:rPr lang="en-US" sz="2990" b="0">
+                              <a:solidFill>
+                                <a:srgbClr val="002060"/>
+                              </a:solidFill>
+                              <a:latin typeface="Cambria Math"/>
+                            </a:rPr>
+                            <m:t>Log</m:t>
+                          </m:r>
+                        </m:e>
+                        <m:sub>
+                          <m:acc>
+                            <m:accPr>
+                              <m:chr m:val="̅"/>
+                              <m:ctrlPr>
+                                <a:rPr lang="en-US" sz="2990" b="0" i="1">
+                                  <a:solidFill>
+                                    <a:srgbClr val="002060"/>
+                                  </a:solidFill>
+                                  <a:latin typeface="Cambria Math"/>
+                                </a:rPr>
+                              </m:ctrlPr>
+                            </m:accPr>
+                            <m:e>
+                              <m:r>
+                                <a:rPr lang="en-US" sz="2990" b="0" i="1">
+                                  <a:solidFill>
+                                    <a:srgbClr val="002060"/>
+                                  </a:solidFill>
+                                  <a:latin typeface="Cambria Math"/>
+                                </a:rPr>
+                                <m:t>𝑃</m:t>
+                              </m:r>
+                            </m:e>
+                          </m:acc>
+                        </m:sub>
+                      </m:sSub>
+                      <m:sSub>
+                        <m:sSubPr>
+                          <m:ctrlPr>
+                            <a:rPr lang="en-US" sz="2990" b="0" i="1">
+                              <a:solidFill>
+                                <a:srgbClr val="002060"/>
+                              </a:solidFill>
+                              <a:latin typeface="Cambria Math"/>
+                            </a:rPr>
+                          </m:ctrlPr>
+                        </m:sSubPr>
+                        <m:e>
+                          <m:r>
+                            <a:rPr lang="en-US" sz="2990" b="0" i="1">
+                              <a:solidFill>
+                                <a:srgbClr val="002060"/>
+                              </a:solidFill>
+                              <a:latin typeface="Cambria Math"/>
+                            </a:rPr>
+                            <m:t>𝑃</m:t>
+                          </m:r>
+                        </m:e>
+                        <m:sub>
+                          <m:r>
+                            <a:rPr lang="en-US" sz="2990" b="0" i="1">
+                              <a:solidFill>
+                                <a:srgbClr val="002060"/>
+                              </a:solidFill>
+                              <a:latin typeface="Cambria Math"/>
+                            </a:rPr>
+                            <m:t>1</m:t>
+                          </m:r>
+                        </m:sub>
+                      </m:sSub>
+                      <m:sSup>
+                        <m:sSupPr>
+                          <m:ctrlPr>
+                            <a:rPr lang="en-US" sz="2990" b="0" i="1">
+                              <a:solidFill>
+                                <a:srgbClr val="002060"/>
+                              </a:solidFill>
+                              <a:latin typeface="Cambria Math"/>
+                            </a:rPr>
+                          </m:ctrlPr>
+                        </m:sSupPr>
+                        <m:e>
+                          <m:r>
+                            <a:rPr lang="en-US" sz="2990" b="0" i="1">
+                              <a:solidFill>
+                                <a:srgbClr val="002060"/>
+                              </a:solidFill>
+                              <a:latin typeface="Cambria Math"/>
+                            </a:rPr>
+                            <m:t>≜</m:t>
+                          </m:r>
+                          <m:acc>
+                            <m:accPr>
+                              <m:chr m:val="̅"/>
+                              <m:ctrlPr>
+                                <a:rPr lang="en-US" sz="2990" b="0" i="1">
+                                  <a:solidFill>
+                                    <a:srgbClr val="002060"/>
+                                  </a:solidFill>
+                                  <a:latin typeface="Cambria Math"/>
+                                </a:rPr>
+                              </m:ctrlPr>
+                            </m:accPr>
+                            <m:e>
+                              <m:r>
+                                <a:rPr lang="en-US" sz="2990" b="0" i="1">
+                                  <a:solidFill>
+                                    <a:srgbClr val="002060"/>
+                                  </a:solidFill>
+                                  <a:latin typeface="Cambria Math"/>
+                                </a:rPr>
+                                <m:t>𝑃</m:t>
+                              </m:r>
+                            </m:e>
+                          </m:acc>
+                        </m:e>
+                        <m:sup>
+                          <m:f>
+                            <m:fPr>
+                              <m:ctrlPr>
+                                <a:rPr lang="en-US" sz="2990" b="0" i="1">
+                                  <a:solidFill>
+                                    <a:srgbClr val="002060"/>
+                                  </a:solidFill>
+                                  <a:latin typeface="Cambria Math"/>
+                                </a:rPr>
+                              </m:ctrlPr>
+                            </m:fPr>
+                            <m:num>
+                              <m:r>
+                                <a:rPr lang="en-US" sz="2990" b="0" i="1">
+                                  <a:solidFill>
+                                    <a:srgbClr val="002060"/>
+                                  </a:solidFill>
+                                  <a:latin typeface="Cambria Math"/>
+                                </a:rPr>
+                                <m:t>1</m:t>
+                              </m:r>
+                            </m:num>
+                            <m:den>
+                              <m:r>
+                                <a:rPr lang="en-US" sz="2990" b="0" i="1">
+                                  <a:solidFill>
+                                    <a:srgbClr val="002060"/>
+                                  </a:solidFill>
+                                  <a:latin typeface="Cambria Math"/>
+                                </a:rPr>
+                                <m:t>2</m:t>
+                              </m:r>
+                            </m:den>
+                          </m:f>
+                        </m:sup>
+                      </m:sSup>
+                      <m:func>
+                        <m:funcPr>
+                          <m:ctrlPr>
+                            <a:rPr lang="en-US" sz="2990" b="0" i="1">
+                              <a:solidFill>
+                                <a:srgbClr val="002060"/>
+                              </a:solidFill>
+                              <a:latin typeface="Cambria Math"/>
+                            </a:rPr>
+                          </m:ctrlPr>
+                        </m:funcPr>
+                        <m:fName>
+                          <m:r>
+                            <m:rPr>
+                              <m:sty m:val="p"/>
+                            </m:rPr>
+                            <a:rPr lang="en-US" sz="2990" b="0">
+                              <a:solidFill>
+                                <a:srgbClr val="002060"/>
+                              </a:solidFill>
+                              <a:latin typeface="Cambria Math"/>
+                            </a:rPr>
+                            <m:t>log</m:t>
+                          </m:r>
+                        </m:fName>
+                        <m:e>
+                          <m:d>
+                            <m:dPr>
+                              <m:ctrlPr>
+                                <a:rPr lang="en-US" sz="2990" b="0" i="1">
+                                  <a:solidFill>
+                                    <a:srgbClr val="002060"/>
+                                  </a:solidFill>
+                                  <a:latin typeface="Cambria Math"/>
+                                </a:rPr>
+                              </m:ctrlPr>
+                            </m:dPr>
+                            <m:e>
+                              <m:sSup>
+                                <m:sSupPr>
+                                  <m:ctrlPr>
+                                    <a:rPr lang="en-US" sz="2990" b="0" i="1">
+                                      <a:solidFill>
+                                        <a:srgbClr val="002060"/>
+                                      </a:solidFill>
+                                      <a:latin typeface="Cambria Math"/>
+                                    </a:rPr>
+                                  </m:ctrlPr>
+                                </m:sSupPr>
+                                <m:e>
+                                  <m:acc>
+                                    <m:accPr>
+                                      <m:chr m:val="̅"/>
+                                      <m:ctrlPr>
+                                        <a:rPr lang="en-US" sz="2990" b="0" i="1">
+                                          <a:solidFill>
+                                            <a:srgbClr val="002060"/>
+                                          </a:solidFill>
+                                          <a:latin typeface="Cambria Math"/>
+                                        </a:rPr>
+                                      </m:ctrlPr>
+                                    </m:accPr>
+                                    <m:e>
+                                      <m:r>
+                                        <a:rPr lang="en-US" sz="2990" b="0" i="1">
+                                          <a:solidFill>
+                                            <a:srgbClr val="002060"/>
+                                          </a:solidFill>
+                                          <a:latin typeface="Cambria Math"/>
+                                        </a:rPr>
+                                        <m:t>𝑃</m:t>
+                                      </m:r>
+                                    </m:e>
+                                  </m:acc>
+                                </m:e>
+                                <m:sup>
+                                  <m:r>
+                                    <a:rPr lang="en-US" sz="2990" b="0" i="1">
+                                      <a:solidFill>
+                                        <a:srgbClr val="002060"/>
+                                      </a:solidFill>
+                                      <a:latin typeface="Cambria Math"/>
+                                    </a:rPr>
+                                    <m:t>−</m:t>
+                                  </m:r>
+                                  <m:f>
+                                    <m:fPr>
+                                      <m:ctrlPr>
+                                        <a:rPr lang="en-US" sz="2990" b="0" i="1">
+                                          <a:solidFill>
+                                            <a:srgbClr val="002060"/>
+                                          </a:solidFill>
+                                          <a:latin typeface="Cambria Math"/>
+                                        </a:rPr>
+                                      </m:ctrlPr>
+                                    </m:fPr>
+                                    <m:num>
+                                      <m:r>
+                                        <a:rPr lang="en-US" sz="2990" b="0" i="1">
+                                          <a:solidFill>
+                                            <a:srgbClr val="002060"/>
+                                          </a:solidFill>
+                                          <a:latin typeface="Cambria Math"/>
+                                        </a:rPr>
+                                        <m:t>1</m:t>
+                                      </m:r>
+                                    </m:num>
+                                    <m:den>
+                                      <m:r>
+                                        <a:rPr lang="en-US" sz="2990" b="0" i="1">
+                                          <a:solidFill>
+                                            <a:srgbClr val="002060"/>
+                                          </a:solidFill>
+                                          <a:latin typeface="Cambria Math"/>
+                                        </a:rPr>
+                                        <m:t>2</m:t>
+                                      </m:r>
+                                    </m:den>
+                                  </m:f>
+                                </m:sup>
+                              </m:sSup>
+                              <m:sSub>
+                                <m:sSubPr>
+                                  <m:ctrlPr>
+                                    <a:rPr lang="en-US" sz="2990" b="0" i="1">
+                                      <a:solidFill>
+                                        <a:srgbClr val="002060"/>
+                                      </a:solidFill>
+                                      <a:latin typeface="Cambria Math"/>
+                                    </a:rPr>
+                                  </m:ctrlPr>
+                                </m:sSubPr>
+                                <m:e>
+                                  <m:r>
+                                    <a:rPr lang="en-US" sz="2990" b="0" i="1">
+                                      <a:solidFill>
+                                        <a:srgbClr val="002060"/>
+                                      </a:solidFill>
+                                      <a:latin typeface="Cambria Math"/>
+                                    </a:rPr>
+                                    <m:t>𝑃</m:t>
+                                  </m:r>
+                                </m:e>
+                                <m:sub>
+                                  <m:r>
+                                    <a:rPr lang="en-US" sz="2990" b="0" i="1">
+                                      <a:solidFill>
+                                        <a:srgbClr val="002060"/>
+                                      </a:solidFill>
+                                      <a:latin typeface="Cambria Math"/>
+                                    </a:rPr>
+                                    <m:t>1</m:t>
+                                  </m:r>
+                                </m:sub>
+                              </m:sSub>
+                              <m:sSup>
+                                <m:sSupPr>
+                                  <m:ctrlPr>
+                                    <a:rPr lang="en-US" sz="2990" b="0" i="1">
+                                      <a:solidFill>
+                                        <a:srgbClr val="002060"/>
+                                      </a:solidFill>
+                                      <a:latin typeface="Cambria Math"/>
+                                    </a:rPr>
+                                  </m:ctrlPr>
+                                </m:sSupPr>
+                                <m:e>
+                                  <m:acc>
+                                    <m:accPr>
+                                      <m:chr m:val="̅"/>
+                                      <m:ctrlPr>
+                                        <a:rPr lang="en-US" sz="2990" b="0" i="1">
+                                          <a:solidFill>
+                                            <a:srgbClr val="002060"/>
+                                          </a:solidFill>
+                                          <a:latin typeface="Cambria Math"/>
+                                        </a:rPr>
+                                      </m:ctrlPr>
+                                    </m:accPr>
+                                    <m:e>
+                                      <m:r>
+                                        <a:rPr lang="en-US" sz="2990" b="0" i="1">
+                                          <a:solidFill>
+                                            <a:srgbClr val="002060"/>
+                                          </a:solidFill>
+                                          <a:latin typeface="Cambria Math"/>
+                                        </a:rPr>
+                                        <m:t>𝑃</m:t>
+                                      </m:r>
+                                    </m:e>
+                                  </m:acc>
+                                </m:e>
+                                <m:sup>
+                                  <m:r>
+                                    <a:rPr lang="en-US" sz="2990" b="0" i="1">
+                                      <a:solidFill>
+                                        <a:srgbClr val="002060"/>
+                                      </a:solidFill>
+                                      <a:latin typeface="Cambria Math"/>
+                                    </a:rPr>
+                                    <m:t>−</m:t>
+                                  </m:r>
+                                  <m:f>
+                                    <m:fPr>
+                                      <m:ctrlPr>
+                                        <a:rPr lang="en-US" sz="2990" b="0" i="1">
+                                          <a:solidFill>
+                                            <a:srgbClr val="002060"/>
+                                          </a:solidFill>
+                                          <a:latin typeface="Cambria Math"/>
+                                        </a:rPr>
+                                      </m:ctrlPr>
+                                    </m:fPr>
+                                    <m:num>
+                                      <m:r>
+                                        <a:rPr lang="en-US" sz="2990" b="0" i="1">
+                                          <a:solidFill>
+                                            <a:srgbClr val="002060"/>
+                                          </a:solidFill>
+                                          <a:latin typeface="Cambria Math"/>
+                                        </a:rPr>
+                                        <m:t>1</m:t>
+                                      </m:r>
+                                    </m:num>
+                                    <m:den>
+                                      <m:r>
+                                        <a:rPr lang="en-US" sz="2990" b="0" i="1">
+                                          <a:solidFill>
+                                            <a:srgbClr val="002060"/>
+                                          </a:solidFill>
+                                          <a:latin typeface="Cambria Math"/>
+                                        </a:rPr>
+                                        <m:t>2</m:t>
+                                      </m:r>
+                                    </m:den>
+                                  </m:f>
+                                </m:sup>
+                              </m:sSup>
+                            </m:e>
+                          </m:d>
+                        </m:e>
+                      </m:func>
+                      <m:sSup>
+                        <m:sSupPr>
+                          <m:ctrlPr>
+                            <a:rPr lang="en-US" sz="2990" b="0" i="1">
+                              <a:solidFill>
+                                <a:srgbClr val="002060"/>
+                              </a:solidFill>
+                              <a:latin typeface="Cambria Math"/>
+                            </a:rPr>
+                          </m:ctrlPr>
+                        </m:sSupPr>
+                        <m:e>
+                          <m:acc>
+                            <m:accPr>
+                              <m:chr m:val="̅"/>
+                              <m:ctrlPr>
+                                <a:rPr lang="en-US" sz="2990" b="0" i="1">
+                                  <a:solidFill>
+                                    <a:srgbClr val="002060"/>
+                                  </a:solidFill>
+                                  <a:latin typeface="Cambria Math"/>
+                                </a:rPr>
+                              </m:ctrlPr>
+                            </m:accPr>
+                            <m:e>
+                              <m:r>
+                                <a:rPr lang="en-US" sz="2990" b="0" i="1">
+                                  <a:solidFill>
+                                    <a:srgbClr val="002060"/>
+                                  </a:solidFill>
+                                  <a:latin typeface="Cambria Math"/>
+                                </a:rPr>
+                                <m:t>𝑃</m:t>
+                              </m:r>
+                            </m:e>
+                          </m:acc>
+                        </m:e>
+                        <m:sup>
+                          <m:f>
+                            <m:fPr>
+                              <m:ctrlPr>
+                                <a:rPr lang="en-US" sz="2990" b="0" i="1">
+                                  <a:solidFill>
+                                    <a:srgbClr val="002060"/>
+                                  </a:solidFill>
+                                  <a:latin typeface="Cambria Math"/>
+                                </a:rPr>
+                              </m:ctrlPr>
+                            </m:fPr>
+                            <m:num>
+                              <m:r>
+                                <a:rPr lang="en-US" sz="2990" b="0" i="1">
+                                  <a:solidFill>
+                                    <a:srgbClr val="002060"/>
+                                  </a:solidFill>
+                                  <a:latin typeface="Cambria Math"/>
+                                </a:rPr>
+                                <m:t>1</m:t>
+                              </m:r>
+                            </m:num>
+                            <m:den>
+                              <m:r>
+                                <a:rPr lang="en-US" sz="2990" b="0" i="1">
+                                  <a:solidFill>
+                                    <a:srgbClr val="002060"/>
+                                  </a:solidFill>
+                                  <a:latin typeface="Cambria Math"/>
+                                </a:rPr>
+                                <m:t>2</m:t>
+                              </m:r>
+                            </m:den>
+                          </m:f>
+                        </m:sup>
+                      </m:sSup>
+                    </m:oMath>
+                  </m:oMathPara>
+                </a14:m>
+                <a:endParaRPr lang="he-IL" sz="2990" dirty="0"/>
+              </a:p>
+            </p:txBody>
+          </p:sp>
+        </mc:Choice>
+        <mc:Fallback>
+          <p:sp>
+            <p:nvSpPr>
+              <p:cNvPr id="122" name="TextBox 121"/>
+              <p:cNvSpPr txBox="1">
+                <a:spLocks noRot="1" noChangeAspect="1" noMove="1" noResize="1" noEditPoints="1" noAdjustHandles="1" noChangeArrowheads="1" noChangeShapeType="1" noTextEdit="1"/>
+              </p:cNvSpPr>
+              <p:nvPr/>
+            </p:nvSpPr>
+            <p:spPr>
+              <a:xfrm>
+                <a:off x="11807366" y="16820422"/>
+                <a:ext cx="6724443" cy="780919"/>
+              </a:xfrm>
+              <a:prstGeom prst="rect">
+                <a:avLst/>
+              </a:prstGeom>
+              <a:blipFill rotWithShape="1">
+                <a:blip r:embed="rId43"/>
+                <a:stretch>
+                  <a:fillRect/>
+                </a:stretch>
+              </a:blipFill>
+              <a:ln>
+                <a:solidFill>
+                  <a:schemeClr val="accent6">
+                    <a:lumMod val="50000"/>
+                  </a:schemeClr>
+                </a:solidFill>
+              </a:ln>
+            </p:spPr>
+            <p:txBody>
+              <a:bodyPr/>
+              <a:lstStyle/>
+              <a:p>
+                <a:r>
+                  <a:rPr lang="he-IL">
+                    <a:noFill/>
+                  </a:rPr>
+                  <a:t> </a:t>
+                </a:r>
+              </a:p>
+            </p:txBody>
+          </p:sp>
+        </mc:Fallback>
+      </mc:AlternateContent>
+      <p:sp>
+        <p:nvSpPr>
+          <p:cNvPr id="124" name="Rounded Rectangle 193"/>
+          <p:cNvSpPr/>
+          <p:nvPr/>
+        </p:nvSpPr>
+        <p:spPr>
+          <a:xfrm>
+            <a:off x="10540879" y="8623034"/>
+            <a:ext cx="9231904" cy="16207848"/>
+          </a:xfrm>
+          <a:prstGeom prst="roundRect">
+            <a:avLst>
+              <a:gd name="adj" fmla="val 5128"/>
+            </a:avLst>
+          </a:prstGeom>
+          <a:noFill/>
+          <a:ln w="76200" cap="flat" cmpd="sng" algn="ctr">
+            <a:solidFill>
+              <a:srgbClr val="000060"/>
+            </a:solidFill>
+            <a:prstDash val="solid"/>
+          </a:ln>
+          <a:effectLst/>
+        </p:spPr>
+        <p:txBody>
+          <a:bodyPr rtlCol="1" anchor="ctr"/>
+          <a:lstStyle/>
+          <a:p>
+            <a:pPr algn="ctr" defTabSz="854324" fontAlgn="auto">
+              <a:spcBef>
+                <a:spcPts val="0"/>
+              </a:spcBef>
+              <a:spcAft>
+                <a:spcPts val="0"/>
+              </a:spcAft>
+              <a:defRPr/>
+            </a:pPr>
+            <a:endParaRPr lang="he-IL" sz="7661" b="0" kern="0" dirty="0">
+              <a:solidFill>
+                <a:srgbClr val="FFFFFF"/>
+              </a:solidFill>
+              <a:latin typeface="Arial" panose="020B0604020202020204" pitchFamily="34" charset="0"/>
+              <a:cs typeface="Arial" panose="020B0604020202020204" pitchFamily="34" charset="0"/>
+            </a:endParaRPr>
+          </a:p>
+        </p:txBody>
+      </p:sp>
+      <mc:AlternateContent xmlns:mc="http://schemas.openxmlformats.org/markup-compatibility/2006">
+        <mc:Choice xmlns:a14="http://schemas.microsoft.com/office/drawing/2010/main" Requires="a14">
+          <p:sp>
+            <p:nvSpPr>
+              <p:cNvPr id="125" name="TextBox 124"/>
+              <p:cNvSpPr txBox="1"/>
+              <p:nvPr/>
+            </p:nvSpPr>
+            <p:spPr>
+              <a:xfrm>
+                <a:off x="11048741" y="30879198"/>
+                <a:ext cx="8241693" cy="1039965"/>
+              </a:xfrm>
+              <a:prstGeom prst="rect">
+                <a:avLst/>
+              </a:prstGeom>
+              <a:ln>
+                <a:solidFill>
+                  <a:schemeClr val="accent6">
+                    <a:lumMod val="50000"/>
+                  </a:schemeClr>
+                </a:solidFill>
+              </a:ln>
+            </p:spPr>
+            <p:style>
+              <a:lnRef idx="2">
+                <a:schemeClr val="dk1"/>
+              </a:lnRef>
+              <a:fillRef idx="1">
+                <a:schemeClr val="lt1"/>
+              </a:fillRef>
+              <a:effectRef idx="0">
+                <a:schemeClr val="dk1"/>
+              </a:effectRef>
+              <a:fontRef idx="minor">
+                <a:schemeClr val="dk1"/>
+              </a:fontRef>
+            </p:style>
+            <p:txBody>
+              <a:bodyPr wrap="square" rtlCol="1">
+                <a:spAutoFit/>
+              </a:bodyPr>
+              <a:lstStyle/>
+              <a:p>
+                <a14:m>
+                  <m:oMathPara xmlns:m="http://schemas.openxmlformats.org/officeDocument/2006/math">
+                    <m:oMathParaPr>
+                      <m:jc m:val="centerGroup"/>
+                    </m:oMathParaPr>
+                    <m:oMath xmlns:m="http://schemas.openxmlformats.org/officeDocument/2006/math">
+                      <m:sSubSup>
+                        <m:sSubSupPr>
+                          <m:ctrlPr>
+                            <a:rPr lang="en-US" sz="2990" b="0" i="1" smtClean="0">
+                              <a:solidFill>
+                                <a:srgbClr val="002060"/>
+                              </a:solidFill>
+                              <a:latin typeface="Cambria Math"/>
+                            </a:rPr>
+                          </m:ctrlPr>
+                        </m:sSubSupPr>
+                        <m:e>
+                          <m:r>
+                            <a:rPr lang="el-GR" sz="2990" b="0" i="1">
+                              <a:solidFill>
+                                <a:srgbClr val="002060"/>
+                              </a:solidFill>
+                              <a:latin typeface="Cambria Math"/>
+                            </a:rPr>
+                            <m:t>𝛤</m:t>
+                          </m:r>
+                        </m:e>
+                        <m:sub>
+                          <m:r>
+                            <a:rPr lang="en-US" sz="2990" b="0" i="1">
+                              <a:solidFill>
+                                <a:srgbClr val="002060"/>
+                              </a:solidFill>
+                              <a:latin typeface="Cambria Math"/>
+                            </a:rPr>
+                            <m:t>𝑖</m:t>
+                          </m:r>
+                        </m:sub>
+                        <m:sup>
+                          <m:r>
+                            <a:rPr lang="en-US" sz="2990" b="0">
+                              <a:solidFill>
+                                <a:srgbClr val="002060"/>
+                              </a:solidFill>
+                              <a:latin typeface="Cambria Math"/>
+                            </a:rPr>
+                            <m:t>(</m:t>
+                          </m:r>
+                          <m:r>
+                            <a:rPr lang="en-US" sz="2990" b="0" i="1">
+                              <a:solidFill>
+                                <a:srgbClr val="002060"/>
+                              </a:solidFill>
+                              <a:latin typeface="Cambria Math"/>
+                            </a:rPr>
+                            <m:t>2</m:t>
+                          </m:r>
+                          <m:r>
+                            <a:rPr lang="en-US" sz="2990" b="0">
+                              <a:solidFill>
+                                <a:srgbClr val="002060"/>
+                              </a:solidFill>
+                              <a:latin typeface="Cambria Math"/>
+                            </a:rPr>
+                            <m:t>)</m:t>
+                          </m:r>
+                        </m:sup>
+                      </m:sSubSup>
+                      <m:r>
+                        <a:rPr lang="en-US" sz="2990" b="0">
+                          <a:solidFill>
+                            <a:srgbClr val="002060"/>
+                          </a:solidFill>
+                          <a:latin typeface="Cambria Math"/>
+                        </a:rPr>
+                        <m:t>=</m:t>
+                      </m:r>
+                      <m:r>
+                        <a:rPr lang="el-GR" sz="2990" b="0" i="1">
+                          <a:solidFill>
+                            <a:srgbClr val="002060"/>
+                          </a:solidFill>
+                          <a:latin typeface="Cambria Math"/>
+                        </a:rPr>
+                        <m:t>𝛤</m:t>
+                      </m:r>
+                      <m:d>
+                        <m:dPr>
+                          <m:ctrlPr>
+                            <a:rPr lang="en-US" sz="2990" b="0" i="1">
+                              <a:solidFill>
+                                <a:srgbClr val="002060"/>
+                              </a:solidFill>
+                              <a:latin typeface="Cambria Math"/>
+                            </a:rPr>
+                          </m:ctrlPr>
+                        </m:dPr>
+                        <m:e>
+                          <m:sSubSup>
+                            <m:sSubSupPr>
+                              <m:ctrlPr>
+                                <a:rPr lang="en-US" sz="2990" b="0" i="1">
+                                  <a:solidFill>
+                                    <a:srgbClr val="002060"/>
+                                  </a:solidFill>
+                                  <a:latin typeface="Cambria Math"/>
+                                </a:rPr>
+                              </m:ctrlPr>
+                            </m:sSubSupPr>
+                            <m:e>
+                              <m:r>
+                                <a:rPr lang="en-US" sz="2990" b="0" i="1">
+                                  <a:solidFill>
+                                    <a:srgbClr val="002060"/>
+                                  </a:solidFill>
+                                  <a:latin typeface="Cambria Math"/>
+                                </a:rPr>
+                                <m:t>𝑆</m:t>
+                              </m:r>
+                            </m:e>
+                            <m:sub>
+                              <m:r>
+                                <a:rPr lang="en-US" sz="2990" b="0" i="1">
+                                  <a:solidFill>
+                                    <a:srgbClr val="002060"/>
+                                  </a:solidFill>
+                                  <a:latin typeface="Cambria Math"/>
+                                </a:rPr>
+                                <m:t>𝑖</m:t>
+                              </m:r>
+                            </m:sub>
+                            <m:sup>
+                              <m:d>
+                                <m:dPr>
+                                  <m:ctrlPr>
+                                    <a:rPr lang="en-US" sz="2990" b="0" i="1">
+                                      <a:solidFill>
+                                        <a:srgbClr val="002060"/>
+                                      </a:solidFill>
+                                      <a:latin typeface="Cambria Math"/>
+                                    </a:rPr>
+                                  </m:ctrlPr>
+                                </m:dPr>
+                                <m:e>
+                                  <m:r>
+                                    <a:rPr lang="en-US" sz="2990" b="0" i="1">
+                                      <a:solidFill>
+                                        <a:srgbClr val="002060"/>
+                                      </a:solidFill>
+                                      <a:latin typeface="Cambria Math"/>
+                                    </a:rPr>
+                                    <m:t>2</m:t>
+                                  </m:r>
+                                </m:e>
+                              </m:d>
+                            </m:sup>
+                          </m:sSubSup>
+                        </m:e>
+                      </m:d>
+                      <m:r>
+                        <a:rPr lang="en-US" sz="2990" b="0">
+                          <a:solidFill>
+                            <a:srgbClr val="002060"/>
+                          </a:solidFill>
+                          <a:latin typeface="Cambria Math"/>
+                        </a:rPr>
+                        <m:t>=</m:t>
+                      </m:r>
+                      <m:r>
+                        <a:rPr lang="en-US" sz="2990" b="0" i="1">
+                          <a:solidFill>
+                            <a:srgbClr val="002060"/>
+                          </a:solidFill>
+                          <a:latin typeface="Cambria Math"/>
+                        </a:rPr>
+                        <m:t>𝐸</m:t>
+                      </m:r>
+                      <m:r>
+                        <a:rPr lang="en-US" sz="2990" b="0">
+                          <a:solidFill>
+                            <a:srgbClr val="002060"/>
+                          </a:solidFill>
+                          <a:latin typeface="Cambria Math"/>
+                        </a:rPr>
+                        <m:t> </m:t>
+                      </m:r>
+                      <m:sSubSup>
+                        <m:sSubSupPr>
+                          <m:ctrlPr>
+                            <a:rPr lang="en-US" sz="2990" b="0" i="1">
+                              <a:solidFill>
+                                <a:srgbClr val="002060"/>
+                              </a:solidFill>
+                              <a:latin typeface="Cambria Math"/>
+                            </a:rPr>
+                          </m:ctrlPr>
+                        </m:sSubSupPr>
+                        <m:e>
+                          <m:r>
+                            <a:rPr lang="en-US" sz="2990" b="0" i="1">
+                              <a:solidFill>
+                                <a:srgbClr val="002060"/>
+                              </a:solidFill>
+                              <a:latin typeface="Cambria Math"/>
+                            </a:rPr>
+                            <m:t>𝑆</m:t>
+                          </m:r>
+                        </m:e>
+                        <m:sub>
+                          <m:r>
+                            <a:rPr lang="en-US" sz="2990" b="0" i="1">
+                              <a:solidFill>
+                                <a:srgbClr val="002060"/>
+                              </a:solidFill>
+                              <a:latin typeface="Cambria Math"/>
+                            </a:rPr>
+                            <m:t>𝑖</m:t>
+                          </m:r>
+                        </m:sub>
+                        <m:sup>
+                          <m:r>
+                            <a:rPr lang="en-US" sz="2990" b="0">
+                              <a:solidFill>
+                                <a:srgbClr val="002060"/>
+                              </a:solidFill>
+                              <a:latin typeface="Cambria Math"/>
+                            </a:rPr>
+                            <m:t>(</m:t>
+                          </m:r>
+                          <m:r>
+                            <a:rPr lang="en-US" sz="2990" b="0" i="1">
+                              <a:solidFill>
+                                <a:srgbClr val="002060"/>
+                              </a:solidFill>
+                              <a:latin typeface="Cambria Math"/>
+                            </a:rPr>
+                            <m:t>2</m:t>
+                          </m:r>
+                          <m:r>
+                            <a:rPr lang="en-US" sz="2990" b="0">
+                              <a:solidFill>
+                                <a:srgbClr val="002060"/>
+                              </a:solidFill>
+                              <a:latin typeface="Cambria Math"/>
+                            </a:rPr>
+                            <m:t>)</m:t>
+                          </m:r>
+                        </m:sup>
+                      </m:sSubSup>
+                      <m:sSup>
+                        <m:sSupPr>
+                          <m:ctrlPr>
+                            <a:rPr lang="en-US" sz="2990" b="0" i="1">
+                              <a:solidFill>
+                                <a:srgbClr val="002060"/>
+                              </a:solidFill>
+                              <a:latin typeface="Cambria Math"/>
+                            </a:rPr>
+                          </m:ctrlPr>
+                        </m:sSupPr>
+                        <m:e>
+                          <m:r>
+                            <a:rPr lang="en-US" sz="2990" b="0" i="1">
+                              <a:solidFill>
+                                <a:srgbClr val="002060"/>
+                              </a:solidFill>
+                              <a:latin typeface="Cambria Math"/>
+                            </a:rPr>
+                            <m:t>𝐸</m:t>
+                          </m:r>
+                        </m:e>
+                        <m:sup>
+                          <m:r>
+                            <a:rPr lang="en-US" sz="2990" b="0" i="1">
+                              <a:solidFill>
+                                <a:srgbClr val="002060"/>
+                              </a:solidFill>
+                              <a:latin typeface="Cambria Math"/>
+                            </a:rPr>
+                            <m:t>𝑇</m:t>
+                          </m:r>
+                        </m:sup>
+                      </m:sSup>
+                      <m:r>
+                        <a:rPr lang="en-US" sz="2990" b="0" i="1" smtClean="0">
+                          <a:solidFill>
+                            <a:srgbClr val="002060"/>
+                          </a:solidFill>
+                          <a:latin typeface="Cambria Math"/>
+                        </a:rPr>
+                        <m:t>,</m:t>
+                      </m:r>
+                      <m:r>
+                        <a:rPr lang="en-US" sz="2990" b="0">
+                          <a:solidFill>
+                            <a:srgbClr val="002060"/>
+                          </a:solidFill>
+                          <a:latin typeface="Cambria Math"/>
+                        </a:rPr>
+                        <m:t>𝐸</m:t>
+                      </m:r>
+                      <m:r>
+                        <a:rPr lang="en-US" sz="2990" b="0">
+                          <a:solidFill>
+                            <a:srgbClr val="002060"/>
+                          </a:solidFill>
+                          <a:latin typeface="Cambria Math"/>
+                        </a:rPr>
+                        <m:t>≜</m:t>
+                      </m:r>
+                      <m:sSup>
+                        <m:sSupPr>
+                          <m:ctrlPr>
+                            <a:rPr lang="en-US" sz="2990" b="0" i="1">
+                              <a:solidFill>
+                                <a:srgbClr val="002060"/>
+                              </a:solidFill>
+                              <a:latin typeface="Cambria Math"/>
+                            </a:rPr>
+                          </m:ctrlPr>
+                        </m:sSupPr>
+                        <m:e>
+                          <m:d>
+                            <m:dPr>
+                              <m:ctrlPr>
+                                <a:rPr lang="en-US" sz="2990" b="0" i="1">
+                                  <a:solidFill>
+                                    <a:srgbClr val="002060"/>
+                                  </a:solidFill>
+                                  <a:latin typeface="Cambria Math"/>
+                                </a:rPr>
+                              </m:ctrlPr>
+                            </m:dPr>
+                            <m:e>
+                              <m:sSup>
+                                <m:sSupPr>
+                                  <m:ctrlPr>
+                                    <a:rPr lang="en-US" sz="2990" b="0" i="1">
+                                      <a:solidFill>
+                                        <a:srgbClr val="002060"/>
+                                      </a:solidFill>
+                                      <a:latin typeface="Cambria Math"/>
+                                    </a:rPr>
+                                  </m:ctrlPr>
+                                </m:sSupPr>
+                                <m:e>
+                                  <m:acc>
+                                    <m:accPr>
+                                      <m:chr m:val="̅"/>
+                                      <m:ctrlPr>
+                                        <a:rPr lang="en-US" sz="2990" b="0" i="1">
+                                          <a:solidFill>
+                                            <a:srgbClr val="002060"/>
+                                          </a:solidFill>
+                                          <a:latin typeface="Cambria Math"/>
+                                        </a:rPr>
+                                      </m:ctrlPr>
+                                    </m:accPr>
+                                    <m:e>
+                                      <m:r>
+                                        <a:rPr lang="en-US" sz="2990" b="0">
+                                          <a:solidFill>
+                                            <a:srgbClr val="002060"/>
+                                          </a:solidFill>
+                                          <a:latin typeface="Cambria Math"/>
+                                        </a:rPr>
+                                        <m:t>𝑃</m:t>
+                                      </m:r>
+                                    </m:e>
+                                  </m:acc>
+                                </m:e>
+                                <m:sup>
+                                  <m:d>
+                                    <m:dPr>
+                                      <m:ctrlPr>
+                                        <a:rPr lang="en-US" sz="2990" b="0" i="1">
+                                          <a:solidFill>
+                                            <a:srgbClr val="002060"/>
+                                          </a:solidFill>
+                                          <a:latin typeface="Cambria Math"/>
+                                        </a:rPr>
+                                      </m:ctrlPr>
+                                    </m:dPr>
+                                    <m:e>
+                                      <m:r>
+                                        <a:rPr lang="en-US" sz="2990" b="0">
+                                          <a:solidFill>
+                                            <a:srgbClr val="002060"/>
+                                          </a:solidFill>
+                                          <a:latin typeface="Cambria Math"/>
+                                        </a:rPr>
+                                        <m:t>1</m:t>
+                                      </m:r>
+                                    </m:e>
+                                  </m:d>
+                                </m:sup>
+                              </m:sSup>
+                              <m:r>
+                                <a:rPr lang="en-US" sz="2990" b="0">
+                                  <a:solidFill>
+                                    <a:srgbClr val="002060"/>
+                                  </a:solidFill>
+                                  <a:latin typeface="Cambria Math"/>
+                                </a:rPr>
+                                <m:t> </m:t>
+                              </m:r>
+                              <m:sSup>
+                                <m:sSupPr>
+                                  <m:ctrlPr>
+                                    <a:rPr lang="en-US" sz="2990" b="0" i="1">
+                                      <a:solidFill>
+                                        <a:srgbClr val="002060"/>
+                                      </a:solidFill>
+                                      <a:latin typeface="Cambria Math"/>
+                                    </a:rPr>
+                                  </m:ctrlPr>
+                                </m:sSupPr>
+                                <m:e>
+                                  <m:d>
+                                    <m:dPr>
+                                      <m:ctrlPr>
+                                        <a:rPr lang="en-US" sz="2990" b="0" i="1">
+                                          <a:solidFill>
+                                            <a:srgbClr val="002060"/>
+                                          </a:solidFill>
+                                          <a:latin typeface="Cambria Math"/>
+                                        </a:rPr>
+                                      </m:ctrlPr>
+                                    </m:dPr>
+                                    <m:e>
+                                      <m:sSup>
+                                        <m:sSupPr>
+                                          <m:ctrlPr>
+                                            <a:rPr lang="en-US" sz="2990" b="0" i="1">
+                                              <a:solidFill>
+                                                <a:srgbClr val="002060"/>
+                                              </a:solidFill>
+                                              <a:latin typeface="Cambria Math"/>
+                                            </a:rPr>
+                                          </m:ctrlPr>
+                                        </m:sSupPr>
+                                        <m:e>
+                                          <m:acc>
+                                            <m:accPr>
+                                              <m:chr m:val="̅"/>
+                                              <m:ctrlPr>
+                                                <a:rPr lang="en-US" sz="2990" b="0" i="1">
+                                                  <a:solidFill>
+                                                    <a:srgbClr val="002060"/>
+                                                  </a:solidFill>
+                                                  <a:latin typeface="Cambria Math"/>
+                                                </a:rPr>
+                                              </m:ctrlPr>
+                                            </m:accPr>
+                                            <m:e>
+                                              <m:r>
+                                                <a:rPr lang="en-US" sz="2990" b="0">
+                                                  <a:solidFill>
+                                                    <a:srgbClr val="002060"/>
+                                                  </a:solidFill>
+                                                  <a:latin typeface="Cambria Math"/>
+                                                </a:rPr>
+                                                <m:t>𝑃</m:t>
+                                              </m:r>
+                                            </m:e>
+                                          </m:acc>
+                                        </m:e>
+                                        <m:sup>
+                                          <m:r>
+                                            <a:rPr lang="en-US" sz="2990" b="0">
+                                              <a:solidFill>
+                                                <a:srgbClr val="002060"/>
+                                              </a:solidFill>
+                                              <a:latin typeface="Cambria Math"/>
+                                            </a:rPr>
+                                            <m:t>(</m:t>
+                                          </m:r>
+                                          <m:r>
+                                            <a:rPr lang="en-US" sz="2990" b="0">
+                                              <a:solidFill>
+                                                <a:srgbClr val="002060"/>
+                                              </a:solidFill>
+                                              <a:latin typeface="Cambria Math"/>
+                                            </a:rPr>
+                                            <m:t>2</m:t>
+                                          </m:r>
+                                          <m:r>
+                                            <a:rPr lang="en-US" sz="2990" b="0">
+                                              <a:solidFill>
+                                                <a:srgbClr val="002060"/>
+                                              </a:solidFill>
+                                              <a:latin typeface="Cambria Math"/>
+                                            </a:rPr>
+                                            <m:t>)</m:t>
+                                          </m:r>
+                                        </m:sup>
+                                      </m:sSup>
+                                    </m:e>
+                                  </m:d>
+                                </m:e>
+                                <m:sup>
+                                  <m:r>
+                                    <a:rPr lang="en-US" sz="2990" b="0">
+                                      <a:solidFill>
+                                        <a:srgbClr val="002060"/>
+                                      </a:solidFill>
+                                      <a:latin typeface="Cambria Math"/>
+                                    </a:rPr>
+                                    <m:t>−</m:t>
+                                  </m:r>
+                                  <m:r>
+                                    <a:rPr lang="en-US" sz="2990" b="0">
+                                      <a:solidFill>
+                                        <a:srgbClr val="002060"/>
+                                      </a:solidFill>
+                                      <a:latin typeface="Cambria Math"/>
+                                    </a:rPr>
+                                    <m:t>1</m:t>
+                                  </m:r>
+                                </m:sup>
+                              </m:sSup>
+                            </m:e>
+                          </m:d>
+                        </m:e>
+                        <m:sup>
+                          <m:f>
+                            <m:fPr>
+                              <m:ctrlPr>
+                                <a:rPr lang="en-US" sz="2990" b="0" i="1">
+                                  <a:solidFill>
+                                    <a:srgbClr val="002060"/>
+                                  </a:solidFill>
+                                  <a:latin typeface="Cambria Math"/>
+                                </a:rPr>
+                              </m:ctrlPr>
+                            </m:fPr>
+                            <m:num>
+                              <m:r>
+                                <a:rPr lang="en-US" sz="2990" b="0">
+                                  <a:solidFill>
+                                    <a:srgbClr val="002060"/>
+                                  </a:solidFill>
+                                  <a:latin typeface="Cambria Math"/>
+                                </a:rPr>
+                                <m:t>1</m:t>
+                              </m:r>
+                            </m:num>
+                            <m:den>
+                              <m:r>
+                                <a:rPr lang="en-US" sz="2990" b="0">
+                                  <a:solidFill>
+                                    <a:srgbClr val="002060"/>
+                                  </a:solidFill>
+                                  <a:latin typeface="Cambria Math"/>
+                                </a:rPr>
+                                <m:t>2</m:t>
+                              </m:r>
+                            </m:den>
+                          </m:f>
+                        </m:sup>
+                      </m:sSup>
+                    </m:oMath>
+                  </m:oMathPara>
+                </a14:m>
+                <a:endParaRPr lang="he-IL" sz="2990" dirty="0"/>
+              </a:p>
+            </p:txBody>
+          </p:sp>
+        </mc:Choice>
+        <mc:Fallback>
+          <p:sp>
+            <p:nvSpPr>
+              <p:cNvPr id="125" name="TextBox 124"/>
+              <p:cNvSpPr txBox="1">
+                <a:spLocks noRot="1" noChangeAspect="1" noMove="1" noResize="1" noEditPoints="1" noAdjustHandles="1" noChangeArrowheads="1" noChangeShapeType="1" noTextEdit="1"/>
+              </p:cNvSpPr>
+              <p:nvPr/>
+            </p:nvSpPr>
+            <p:spPr>
+              <a:xfrm>
+                <a:off x="11048741" y="30879198"/>
+                <a:ext cx="8241693" cy="1039965"/>
+              </a:xfrm>
+              <a:prstGeom prst="rect">
+                <a:avLst/>
+              </a:prstGeom>
+              <a:blipFill rotWithShape="1">
+                <a:blip r:embed="rId44"/>
+                <a:stretch>
+                  <a:fillRect/>
+                </a:stretch>
+              </a:blipFill>
+              <a:ln>
+                <a:solidFill>
+                  <a:schemeClr val="accent6">
+                    <a:lumMod val="50000"/>
+                  </a:schemeClr>
+                </a:solidFill>
+              </a:ln>
+            </p:spPr>
+            <p:txBody>
+              <a:bodyPr/>
+              <a:lstStyle/>
+              <a:p>
+                <a:r>
+                  <a:rPr lang="he-IL">
+                    <a:noFill/>
+                  </a:rPr>
+                  <a:t> </a:t>
+                </a:r>
+              </a:p>
+            </p:txBody>
+          </p:sp>
+        </mc:Fallback>
+      </mc:AlternateContent>
+      <p:pic>
+        <p:nvPicPr>
+          <p:cNvPr id="1031" name="Picture 7"/>
+          <p:cNvPicPr>
+            <a:picLocks noChangeAspect="1" noChangeArrowheads="1"/>
+          </p:cNvPicPr>
+          <p:nvPr/>
+        </p:nvPicPr>
+        <p:blipFill>
+          <a:blip r:embed="rId45">
+            <a:extLst>
+              <a:ext uri="{28A0092B-C50C-407E-A947-70E740481C1C}">
+                <a14:useLocalDpi xmlns:a14="http://schemas.microsoft.com/office/drawing/2010/main" val="0"/>
+              </a:ext>
+            </a:extLst>
+          </a:blip>
+          <a:srcRect/>
+          <a:stretch>
+            <a:fillRect/>
+          </a:stretch>
+        </p:blipFill>
+        <p:spPr bwMode="auto">
+          <a:xfrm>
+            <a:off x="2057479" y="27662186"/>
+            <a:ext cx="6067425" cy="2428875"/>
+          </a:xfrm>
+          <a:prstGeom prst="rect">
+            <a:avLst/>
+          </a:prstGeom>
+          <a:noFill/>
+          <a:ln>
+            <a:noFill/>
+          </a:ln>
+          <a:extLst>
+            <a:ext uri="{909E8E84-426E-40DD-AFC4-6F175D3DCCD1}">
+              <a14:hiddenFill xmlns:a14="http://schemas.microsoft.com/office/drawing/2010/main">
+                <a:solidFill>
+                  <a:schemeClr val="accent1"/>
+                </a:solidFill>
+              </a14:hiddenFill>
+            </a:ext>
+            <a:ext uri="{91240B29-F687-4F45-9708-019B960494DF}">
+              <a14:hiddenLine xmlns:a14="http://schemas.microsoft.com/office/drawing/2010/main" w="9525">
+                <a:solidFill>
+                  <a:schemeClr val="tx1"/>
+                </a:solidFill>
+                <a:miter lim="800000"/>
+                <a:headEnd/>
+                <a:tailEnd/>
+              </a14:hiddenLine>
+            </a:ext>
+          </a:extLst>
+        </p:spPr>
+      </p:pic>
+      <p:grpSp>
+        <p:nvGrpSpPr>
+          <p:cNvPr id="23" name="קבוצה 22"/>
+          <p:cNvGrpSpPr/>
+          <p:nvPr/>
+        </p:nvGrpSpPr>
+        <p:grpSpPr>
+          <a:xfrm>
+            <a:off x="4458261" y="39659605"/>
+            <a:ext cx="1778873" cy="1666712"/>
+            <a:chOff x="4545806" y="39918481"/>
+            <a:chExt cx="1203061" cy="1118463"/>
+          </a:xfrm>
+        </p:grpSpPr>
+        <p:pic>
+          <p:nvPicPr>
+            <p:cNvPr id="1032" name="Picture 8"/>
+            <p:cNvPicPr>
+              <a:picLocks noChangeAspect="1" noChangeArrowheads="1"/>
+            </p:cNvPicPr>
+            <p:nvPr/>
+          </p:nvPicPr>
+          <p:blipFill rotWithShape="1">
+            <a:blip r:embed="rId45">
+              <a:extLst>
+                <a:ext uri="{28A0092B-C50C-407E-A947-70E740481C1C}">
+                  <a14:useLocalDpi xmlns:a14="http://schemas.microsoft.com/office/drawing/2010/main" val="0"/>
+                </a:ext>
+              </a:extLst>
+            </a:blip>
+            <a:srcRect l="48158" r="32014" b="84175"/>
+            <a:stretch/>
+          </p:blipFill>
+          <p:spPr bwMode="auto">
+            <a:xfrm>
+              <a:off x="4545806" y="39918481"/>
+              <a:ext cx="1203061" cy="384381"/>
+            </a:xfrm>
+            <a:prstGeom prst="rect">
+              <a:avLst/>
+            </a:prstGeom>
+            <a:noFill/>
+            <a:ln>
+              <a:noFill/>
+            </a:ln>
+            <a:extLst>
+              <a:ext uri="{909E8E84-426E-40DD-AFC4-6F175D3DCCD1}">
+                <a14:hiddenFill xmlns:a14="http://schemas.microsoft.com/office/drawing/2010/main">
+                  <a:solidFill>
+                    <a:schemeClr val="accent1"/>
+                  </a:solidFill>
+                </a14:hiddenFill>
+              </a:ext>
+              <a:ext uri="{91240B29-F687-4F45-9708-019B960494DF}">
+                <a14:hiddenLine xmlns:a14="http://schemas.microsoft.com/office/drawing/2010/main" w="9525">
+                  <a:solidFill>
+                    <a:schemeClr val="tx1"/>
+                  </a:solidFill>
+                  <a:miter lim="800000"/>
+                  <a:headEnd/>
+                  <a:tailEnd/>
+                </a14:hiddenLine>
+              </a:ext>
+            </a:extLst>
+          </p:spPr>
+        </p:pic>
+        <p:pic>
+          <p:nvPicPr>
+            <p:cNvPr id="1033" name="Picture 9"/>
+            <p:cNvPicPr>
+              <a:picLocks noChangeAspect="1" noChangeArrowheads="1"/>
+            </p:cNvPicPr>
+            <p:nvPr/>
+          </p:nvPicPr>
+          <p:blipFill rotWithShape="1">
+            <a:blip r:embed="rId45">
+              <a:extLst>
+                <a:ext uri="{28A0092B-C50C-407E-A947-70E740481C1C}">
+                  <a14:useLocalDpi xmlns:a14="http://schemas.microsoft.com/office/drawing/2010/main" val="0"/>
+                </a:ext>
+              </a:extLst>
+            </a:blip>
+            <a:srcRect l="48173" t="46961" r="32028" b="23758"/>
+            <a:stretch/>
+          </p:blipFill>
+          <p:spPr bwMode="auto">
+            <a:xfrm>
+              <a:off x="4547548" y="40325744"/>
+              <a:ext cx="1201319" cy="711200"/>
+            </a:xfrm>
+            <a:prstGeom prst="rect">
+              <a:avLst/>
+            </a:prstGeom>
+            <a:noFill/>
+            <a:ln>
+              <a:noFill/>
+            </a:ln>
+            <a:extLst>
+              <a:ext uri="{909E8E84-426E-40DD-AFC4-6F175D3DCCD1}">
+                <a14:hiddenFill xmlns:a14="http://schemas.microsoft.com/office/drawing/2010/main">
+                  <a:solidFill>
+                    <a:schemeClr val="accent1"/>
+                  </a:solidFill>
+                </a14:hiddenFill>
+              </a:ext>
+              <a:ext uri="{91240B29-F687-4F45-9708-019B960494DF}">
+                <a14:hiddenLine xmlns:a14="http://schemas.microsoft.com/office/drawing/2010/main" w="9525">
+                  <a:solidFill>
+                    <a:schemeClr val="tx1"/>
+                  </a:solidFill>
+                  <a:miter lim="800000"/>
+                  <a:headEnd/>
+                  <a:tailEnd/>
+                </a14:hiddenLine>
+              </a:ext>
+            </a:extLst>
+          </p:spPr>
+        </p:pic>
+      </p:grpSp>
+      <p:sp>
+        <p:nvSpPr>
+          <p:cNvPr id="22" name="TextBox 21"/>
+          <p:cNvSpPr txBox="1"/>
+          <p:nvPr/>
+        </p:nvSpPr>
+        <p:spPr>
+          <a:xfrm>
+            <a:off x="5993606" y="39766081"/>
+            <a:ext cx="2259031" cy="400110"/>
+          </a:xfrm>
+          <a:prstGeom prst="rect">
+            <a:avLst/>
+          </a:prstGeom>
+          <a:noFill/>
+        </p:spPr>
+        <p:txBody>
+          <a:bodyPr wrap="square" rtlCol="1">
+            <a:spAutoFit/>
+          </a:bodyPr>
+          <a:lstStyle/>
+          <a:p>
+            <a:pPr algn="ctr"/>
+            <a:r>
+              <a:rPr lang="en-US" sz="2000" dirty="0" smtClean="0">
+                <a:solidFill>
+                  <a:schemeClr val="tx1">
+                    <a:lumMod val="75000"/>
+                    <a:lumOff val="25000"/>
+                  </a:schemeClr>
+                </a:solidFill>
+              </a:rPr>
+              <a:t>Somatosensory</a:t>
+            </a:r>
+            <a:endParaRPr lang="he-IL" sz="2000" dirty="0">
+              <a:solidFill>
+                <a:schemeClr val="tx1">
+                  <a:lumMod val="75000"/>
+                  <a:lumOff val="25000"/>
+                </a:schemeClr>
+              </a:solidFill>
+            </a:endParaRPr>
+          </a:p>
+        </p:txBody>
+      </p:sp>
+      <p:sp>
+        <p:nvSpPr>
+          <p:cNvPr id="130" name="TextBox 129"/>
+          <p:cNvSpPr txBox="1"/>
+          <p:nvPr/>
+        </p:nvSpPr>
+        <p:spPr>
+          <a:xfrm>
+            <a:off x="5563375" y="40305363"/>
+            <a:ext cx="2259031" cy="400110"/>
+          </a:xfrm>
+          <a:prstGeom prst="rect">
+            <a:avLst/>
+          </a:prstGeom>
+          <a:noFill/>
+        </p:spPr>
+        <p:txBody>
+          <a:bodyPr wrap="square" rtlCol="1">
+            <a:spAutoFit/>
+          </a:bodyPr>
+          <a:lstStyle/>
+          <a:p>
+            <a:pPr algn="ctr"/>
+            <a:r>
+              <a:rPr lang="en-US" sz="2000" dirty="0" smtClean="0">
+                <a:solidFill>
+                  <a:schemeClr val="tx1">
+                    <a:lumMod val="75000"/>
+                    <a:lumOff val="25000"/>
+                  </a:schemeClr>
+                </a:solidFill>
+              </a:rPr>
+              <a:t>Auditory</a:t>
+            </a:r>
+            <a:endParaRPr lang="he-IL" sz="2000" dirty="0">
+              <a:solidFill>
+                <a:schemeClr val="tx1">
+                  <a:lumMod val="75000"/>
+                  <a:lumOff val="25000"/>
+                </a:schemeClr>
+              </a:solidFill>
+            </a:endParaRPr>
+          </a:p>
+        </p:txBody>
+      </p:sp>
+      <p:sp>
+        <p:nvSpPr>
+          <p:cNvPr id="131" name="TextBox 130"/>
+          <p:cNvSpPr txBox="1"/>
+          <p:nvPr/>
+        </p:nvSpPr>
+        <p:spPr>
+          <a:xfrm>
+            <a:off x="5410975" y="40832881"/>
+            <a:ext cx="2259031" cy="400110"/>
+          </a:xfrm>
+          <a:prstGeom prst="rect">
+            <a:avLst/>
+          </a:prstGeom>
+          <a:noFill/>
+        </p:spPr>
+        <p:txBody>
+          <a:bodyPr wrap="square" rtlCol="1">
+            <a:spAutoFit/>
+          </a:bodyPr>
+          <a:lstStyle/>
+          <a:p>
+            <a:pPr algn="ctr"/>
+            <a:r>
+              <a:rPr lang="en-US" sz="2000" dirty="0" smtClean="0">
+                <a:solidFill>
+                  <a:schemeClr val="tx1">
+                    <a:lumMod val="75000"/>
+                    <a:lumOff val="25000"/>
+                  </a:schemeClr>
+                </a:solidFill>
+              </a:rPr>
+              <a:t>Visual</a:t>
+            </a:r>
+            <a:endParaRPr lang="he-IL" sz="2000" dirty="0">
+              <a:solidFill>
+                <a:schemeClr val="tx1">
+                  <a:lumMod val="75000"/>
+                  <a:lumOff val="25000"/>
+                </a:schemeClr>
+              </a:solidFill>
             </a:endParaRPr>
           </a:p>
         </p:txBody>

--- a/ProjectPoster.pptx
+++ b/ProjectPoster.pptx
@@ -142,7 +142,7 @@
   </p:defaultTextStyle>
   <p:extLst>
     <p:ext uri="{EFAFB233-063F-42B5-8137-9DF3F51BA10A}">
-      <p15:sldGuideLst xmlns:p15="http://schemas.microsoft.com/office/powerpoint/2012/main">
+      <p15:sldGuideLst xmlns:p15="http://schemas.microsoft.com/office/powerpoint/2012/main" xmlns="">
         <p15:guide id="1" orient="horz" pos="13482" userDrawn="1">
           <p15:clr>
             <a:srgbClr val="A4A3A4"/>
@@ -161,7 +161,7 @@
 
 <file path=ppt/commentAuthors.xml><?xml version="1.0" encoding="utf-8"?>
 <p:cmAuthorLst xmlns:a="http://schemas.openxmlformats.org/drawingml/2006/main" xmlns:r="http://schemas.openxmlformats.org/officeDocument/2006/relationships" xmlns:p="http://schemas.openxmlformats.org/presentationml/2006/main">
-  <p:cmAuthor id="4" name="Author" initials="A" lastIdx="0" clrIdx="3"/>
+  <p:cmAuthor id="5" name="מחבר" initials="א" lastIdx="0" clrIdx="4"/>
 </p:cmAuthorLst>
 </file>
 
@@ -4178,8 +4178,8 @@
           <a:chExt cx="0" cy="0"/>
         </a:xfrm>
       </p:grpSpPr>
-      <mc:AlternateContent xmlns:mc="http://schemas.openxmlformats.org/markup-compatibility/2006">
-        <mc:Choice xmlns:a14="http://schemas.microsoft.com/office/drawing/2010/main" Requires="a14">
+      <mc:AlternateContent xmlns:mc="http://schemas.openxmlformats.org/markup-compatibility/2006" xmlns:a14="http://schemas.microsoft.com/office/drawing/2010/main">
+        <mc:Choice Requires="a14">
           <p:sp>
             <p:nvSpPr>
               <p:cNvPr id="386" name="Rectangle 4"/>
@@ -4313,7 +4313,7 @@
                             <a:solidFill>
                               <a:srgbClr val="000060"/>
                             </a:solidFill>
-                            <a:latin typeface="Cambria Math" panose="02040503050406030204" pitchFamily="18" charset="0"/>
+                            <a:latin typeface="Cambria Math"/>
                             <a:cs typeface="Arial" panose="020B0604020202020204" pitchFamily="34" charset="0"/>
                           </a:rPr>
                         </m:ctrlPr>
@@ -4360,7 +4360,7 @@
                             <a:solidFill>
                               <a:srgbClr val="000060"/>
                             </a:solidFill>
-                            <a:latin typeface="Cambria Math" panose="02040503050406030204" pitchFamily="18" charset="0"/>
+                            <a:latin typeface="Cambria Math"/>
                             <a:cs typeface="Arial" panose="020B0604020202020204" pitchFamily="34" charset="0"/>
                           </a:rPr>
                         </m:ctrlPr>
@@ -4466,7 +4466,7 @@
                             <a:solidFill>
                               <a:srgbClr val="000060"/>
                             </a:solidFill>
-                            <a:latin typeface="Cambria Math" panose="02040503050406030204" pitchFamily="18" charset="0"/>
+                            <a:latin typeface="Cambria Math"/>
                             <a:cs typeface="Arial" panose="020B0604020202020204" pitchFamily="34" charset="0"/>
                           </a:rPr>
                         </m:ctrlPr>
@@ -4481,7 +4481,7 @@
                                 <a:solidFill>
                                   <a:srgbClr val="000060"/>
                                 </a:solidFill>
-                                <a:latin typeface="Cambria Math" panose="02040503050406030204" pitchFamily="18" charset="0"/>
+                                <a:latin typeface="Cambria Math"/>
                                 <a:cs typeface="Arial" panose="020B0604020202020204" pitchFamily="34" charset="0"/>
                               </a:rPr>
                             </m:ctrlPr>
@@ -4494,7 +4494,7 @@
                                     <a:solidFill>
                                       <a:srgbClr val="000060"/>
                                     </a:solidFill>
-                                    <a:latin typeface="Cambria Math" panose="02040503050406030204" pitchFamily="18" charset="0"/>
+                                    <a:latin typeface="Cambria Math"/>
                                     <a:cs typeface="Arial" panose="020B0604020202020204" pitchFamily="34" charset="0"/>
                                   </a:rPr>
                                 </m:ctrlPr>
@@ -4598,7 +4598,7 @@
                             <a:solidFill>
                               <a:srgbClr val="000060"/>
                             </a:solidFill>
-                            <a:latin typeface="Cambria Math" panose="02040503050406030204" pitchFamily="18" charset="0"/>
+                            <a:latin typeface="Cambria Math"/>
                             <a:cs typeface="Arial" panose="020B0604020202020204" pitchFamily="34" charset="0"/>
                           </a:rPr>
                         </m:ctrlPr>
@@ -4624,7 +4624,7 @@
                                 <a:solidFill>
                                   <a:srgbClr val="000060"/>
                                 </a:solidFill>
-                                <a:latin typeface="Cambria Math" panose="02040503050406030204" pitchFamily="18" charset="0"/>
+                                <a:latin typeface="Cambria Math"/>
                                 <a:cs typeface="Arial" panose="020B0604020202020204" pitchFamily="34" charset="0"/>
                               </a:rPr>
                             </m:ctrlPr>
@@ -4686,7 +4686,7 @@
                             <a:solidFill>
                               <a:srgbClr val="000060"/>
                             </a:solidFill>
-                            <a:latin typeface="Cambria Math" panose="02040503050406030204" pitchFamily="18" charset="0"/>
+                            <a:latin typeface="Cambria Math"/>
                             <a:cs typeface="Arial" panose="020B0604020202020204" pitchFamily="34" charset="0"/>
                           </a:rPr>
                         </m:ctrlPr>
@@ -4755,7 +4755,7 @@
                             <a:solidFill>
                               <a:srgbClr val="000060"/>
                             </a:solidFill>
-                            <a:latin typeface="Cambria Math" panose="02040503050406030204" pitchFamily="18" charset="0"/>
+                            <a:latin typeface="Cambria Math"/>
                             <a:cs typeface="Arial" panose="020B0604020202020204" pitchFamily="34" charset="0"/>
                           </a:rPr>
                         </m:ctrlPr>
@@ -5071,7 +5071,7 @@
                             <a:solidFill>
                               <a:srgbClr val="000060"/>
                             </a:solidFill>
-                            <a:latin typeface="Cambria Math" panose="02040503050406030204" pitchFamily="18" charset="0"/>
+                            <a:latin typeface="Cambria Math"/>
                             <a:cs typeface="Arial" panose="020B0604020202020204" pitchFamily="34" charset="0"/>
                           </a:rPr>
                         </m:ctrlPr>
@@ -5162,7 +5162,7 @@
                             <a:solidFill>
                               <a:srgbClr val="000060"/>
                             </a:solidFill>
-                            <a:latin typeface="Cambria Math" panose="02040503050406030204" pitchFamily="18" charset="0"/>
+                            <a:latin typeface="Cambria Math"/>
                             <a:cs typeface="Arial" panose="020B0604020202020204" pitchFamily="34" charset="0"/>
                           </a:rPr>
                         </m:ctrlPr>
@@ -5232,7 +5232,7 @@
                             <a:solidFill>
                               <a:srgbClr val="000060"/>
                             </a:solidFill>
-                            <a:latin typeface="Cambria Math" panose="02040503050406030204" pitchFamily="18" charset="0"/>
+                            <a:latin typeface="Cambria Math"/>
                             <a:cs typeface="Arial" panose="020B0604020202020204" pitchFamily="34" charset="0"/>
                           </a:rPr>
                         </m:ctrlPr>
@@ -5245,7 +5245,7 @@
                                 <a:solidFill>
                                   <a:srgbClr val="000060"/>
                                 </a:solidFill>
-                                <a:latin typeface="Cambria Math" panose="02040503050406030204" pitchFamily="18" charset="0"/>
+                                <a:latin typeface="Cambria Math"/>
                                 <a:cs typeface="Arial" panose="020B0604020202020204" pitchFamily="34" charset="0"/>
                               </a:rPr>
                             </m:ctrlPr>
@@ -5339,7 +5339,7 @@
             </p:txBody>
           </p:sp>
         </mc:Choice>
-        <mc:Fallback>
+        <mc:Fallback xmlns="">
           <p:sp>
             <p:nvSpPr>
               <p:cNvPr id="386" name="Rectangle 4"/>
@@ -5454,286 +5454,6 @@
           </a:extLst>
         </p:spPr>
       </p:pic>
-      <p:grpSp>
-        <p:nvGrpSpPr>
-          <p:cNvPr id="161" name="קבוצה 160"/>
-          <p:cNvGrpSpPr/>
-          <p:nvPr/>
-        </p:nvGrpSpPr>
-        <p:grpSpPr>
-          <a:xfrm>
-            <a:off x="6450806" y="18551417"/>
-            <a:ext cx="3282117" cy="2469464"/>
-            <a:chOff x="3886200" y="3219060"/>
-            <a:chExt cx="5274945" cy="3715139"/>
-          </a:xfrm>
-        </p:grpSpPr>
-        <p:pic>
-          <p:nvPicPr>
-            <p:cNvPr id="162" name="Picture 1" descr="תוצאת תמונה עבור ‪10-20 electrode placement‬‏">
-              <a:extLst>
-                <a:ext uri="{FF2B5EF4-FFF2-40B4-BE49-F238E27FC236}">
-                  <a16:creationId xmlns:a16="http://schemas.microsoft.com/office/drawing/2014/main" id="{7DD7956A-D087-42E6-9CC5-EF57BA256534}"/>
-                </a:ext>
-              </a:extLst>
-            </p:cNvPr>
-            <p:cNvPicPr/>
-            <p:nvPr/>
-          </p:nvPicPr>
-          <p:blipFill rotWithShape="1">
-            <a:blip r:embed="rId4">
-              <a:extLst>
-                <a:ext uri="{28A0092B-C50C-407E-A947-70E740481C1C}">
-                  <a14:useLocalDpi xmlns:a14="http://schemas.microsoft.com/office/drawing/2010/main" val="0"/>
-                </a:ext>
-              </a:extLst>
-            </a:blip>
-            <a:srcRect t="4401"/>
-            <a:stretch/>
-          </p:blipFill>
-          <p:spPr bwMode="auto">
-            <a:xfrm>
-              <a:off x="3886200" y="3219060"/>
-              <a:ext cx="5274945" cy="3715139"/>
-            </a:xfrm>
-            <a:prstGeom prst="rect">
-              <a:avLst/>
-            </a:prstGeom>
-            <a:noFill/>
-            <a:ln>
-              <a:noFill/>
-            </a:ln>
-            <a:extLst>
-              <a:ext uri="{53640926-AAD7-44D8-BBD7-CCE9431645EC}">
-                <a14:shadowObscured xmlns:a14="http://schemas.microsoft.com/office/drawing/2010/main"/>
-              </a:ext>
-            </a:extLst>
-          </p:spPr>
-        </p:pic>
-        <p:grpSp>
-          <p:nvGrpSpPr>
-            <p:cNvPr id="163" name="קבוצה 162"/>
-            <p:cNvGrpSpPr/>
-            <p:nvPr/>
-          </p:nvGrpSpPr>
-          <p:grpSpPr>
-            <a:xfrm>
-              <a:off x="5625283" y="4214153"/>
-              <a:ext cx="1968949" cy="1961350"/>
-              <a:chOff x="527539" y="302455"/>
-              <a:chExt cx="1969086" cy="1961857"/>
-            </a:xfrm>
-          </p:grpSpPr>
-          <p:sp>
-            <p:nvSpPr>
-              <p:cNvPr id="164" name="אליפסה 163"/>
-              <p:cNvSpPr/>
-              <p:nvPr/>
-            </p:nvSpPr>
-            <p:spPr>
-              <a:xfrm>
-                <a:off x="1997613" y="611945"/>
-                <a:ext cx="330200" cy="266700"/>
-              </a:xfrm>
-              <a:prstGeom prst="ellipse">
-                <a:avLst/>
-              </a:prstGeom>
-              <a:solidFill>
-                <a:srgbClr val="0000FF">
-                  <a:alpha val="73000"/>
-                </a:srgbClr>
-              </a:solidFill>
-              <a:ln>
-                <a:noFill/>
-              </a:ln>
-            </p:spPr>
-            <p:style>
-              <a:lnRef idx="2">
-                <a:schemeClr val="accent1">
-                  <a:shade val="50000"/>
-                </a:schemeClr>
-              </a:lnRef>
-              <a:fillRef idx="1">
-                <a:schemeClr val="accent1"/>
-              </a:fillRef>
-              <a:effectRef idx="0">
-                <a:schemeClr val="accent1"/>
-              </a:effectRef>
-              <a:fontRef idx="minor">
-                <a:schemeClr val="lt1"/>
-              </a:fontRef>
-            </p:style>
-            <p:txBody>
-              <a:bodyPr rot="0" spcFirstLastPara="0" vert="horz" wrap="square" lIns="91440" tIns="45720" rIns="91440" bIns="45720" numCol="1" spcCol="0" rtlCol="1" fromWordArt="0" anchor="ctr" anchorCtr="0" forceAA="0" compatLnSpc="1">
-                <a:prstTxWarp prst="textNoShape">
-                  <a:avLst/>
-                </a:prstTxWarp>
-                <a:noAutofit/>
-              </a:bodyPr>
-              <a:lstStyle/>
-              <a:p>
-                <a:endParaRPr lang="he-IL"/>
-              </a:p>
-            </p:txBody>
-          </p:sp>
-          <p:sp>
-            <p:nvSpPr>
-              <p:cNvPr id="166" name="אליפסה 165"/>
-              <p:cNvSpPr/>
-              <p:nvPr/>
-            </p:nvSpPr>
-            <p:spPr>
-              <a:xfrm>
-                <a:off x="2166425" y="1997612"/>
-                <a:ext cx="330200" cy="266700"/>
-              </a:xfrm>
-              <a:prstGeom prst="ellipse">
-                <a:avLst/>
-              </a:prstGeom>
-              <a:solidFill>
-                <a:srgbClr val="0000FF">
-                  <a:alpha val="73000"/>
-                </a:srgbClr>
-              </a:solidFill>
-              <a:ln>
-                <a:noFill/>
-              </a:ln>
-            </p:spPr>
-            <p:style>
-              <a:lnRef idx="2">
-                <a:schemeClr val="accent1">
-                  <a:shade val="50000"/>
-                </a:schemeClr>
-              </a:lnRef>
-              <a:fillRef idx="1">
-                <a:schemeClr val="accent1"/>
-              </a:fillRef>
-              <a:effectRef idx="0">
-                <a:schemeClr val="accent1"/>
-              </a:effectRef>
-              <a:fontRef idx="minor">
-                <a:schemeClr val="lt1"/>
-              </a:fontRef>
-            </p:style>
-            <p:txBody>
-              <a:bodyPr rot="0" spcFirstLastPara="0" vert="horz" wrap="square" lIns="91440" tIns="45720" rIns="91440" bIns="45720" numCol="1" spcCol="0" rtlCol="1" fromWordArt="0" anchor="ctr" anchorCtr="0" forceAA="0" compatLnSpc="1">
-                <a:prstTxWarp prst="textNoShape">
-                  <a:avLst/>
-                </a:prstTxWarp>
-                <a:noAutofit/>
-              </a:bodyPr>
-              <a:lstStyle/>
-              <a:p>
-                <a:endParaRPr lang="he-IL"/>
-              </a:p>
-            </p:txBody>
-          </p:sp>
-          <p:sp>
-            <p:nvSpPr>
-              <p:cNvPr id="167" name="אליפסה 166"/>
-              <p:cNvSpPr/>
-              <p:nvPr/>
-            </p:nvSpPr>
-            <p:spPr>
-              <a:xfrm>
-                <a:off x="949570" y="302455"/>
-                <a:ext cx="330200" cy="266700"/>
-              </a:xfrm>
-              <a:prstGeom prst="ellipse">
-                <a:avLst/>
-              </a:prstGeom>
-              <a:solidFill>
-                <a:srgbClr val="0000FF">
-                  <a:alpha val="73000"/>
-                </a:srgbClr>
-              </a:solidFill>
-              <a:ln>
-                <a:noFill/>
-              </a:ln>
-            </p:spPr>
-            <p:style>
-              <a:lnRef idx="2">
-                <a:schemeClr val="accent1">
-                  <a:shade val="50000"/>
-                </a:schemeClr>
-              </a:lnRef>
-              <a:fillRef idx="1">
-                <a:schemeClr val="accent1"/>
-              </a:fillRef>
-              <a:effectRef idx="0">
-                <a:schemeClr val="accent1"/>
-              </a:effectRef>
-              <a:fontRef idx="minor">
-                <a:schemeClr val="lt1"/>
-              </a:fontRef>
-            </p:style>
-            <p:txBody>
-              <a:bodyPr rot="0" spcFirstLastPara="0" vert="horz" wrap="square" lIns="91440" tIns="45720" rIns="91440" bIns="45720" numCol="1" spcCol="0" rtlCol="1" fromWordArt="0" anchor="ctr" anchorCtr="0" forceAA="0" compatLnSpc="1">
-                <a:prstTxWarp prst="textNoShape">
-                  <a:avLst/>
-                </a:prstTxWarp>
-                <a:noAutofit/>
-              </a:bodyPr>
-              <a:lstStyle/>
-              <a:p>
-                <a:endParaRPr lang="he-IL"/>
-              </a:p>
-            </p:txBody>
-          </p:sp>
-          <p:sp>
-            <p:nvSpPr>
-              <p:cNvPr id="168" name="אליפסה 167"/>
-              <p:cNvSpPr/>
-              <p:nvPr/>
-            </p:nvSpPr>
-            <p:spPr>
-              <a:xfrm>
-                <a:off x="527539" y="1294228"/>
-                <a:ext cx="330200" cy="266700"/>
-              </a:xfrm>
-              <a:prstGeom prst="ellipse">
-                <a:avLst/>
-              </a:prstGeom>
-              <a:solidFill>
-                <a:srgbClr val="0000FF">
-                  <a:alpha val="73000"/>
-                </a:srgbClr>
-              </a:solidFill>
-              <a:ln>
-                <a:noFill/>
-              </a:ln>
-            </p:spPr>
-            <p:style>
-              <a:lnRef idx="2">
-                <a:schemeClr val="accent1">
-                  <a:shade val="50000"/>
-                </a:schemeClr>
-              </a:lnRef>
-              <a:fillRef idx="1">
-                <a:schemeClr val="accent1"/>
-              </a:fillRef>
-              <a:effectRef idx="0">
-                <a:schemeClr val="accent1"/>
-              </a:effectRef>
-              <a:fontRef idx="minor">
-                <a:schemeClr val="lt1"/>
-              </a:fontRef>
-            </p:style>
-            <p:txBody>
-              <a:bodyPr rot="0" spcFirstLastPara="0" vert="horz" wrap="square" lIns="91440" tIns="45720" rIns="91440" bIns="45720" numCol="1" spcCol="0" rtlCol="1" fromWordArt="0" anchor="ctr" anchorCtr="0" forceAA="0" compatLnSpc="1">
-                <a:prstTxWarp prst="textNoShape">
-                  <a:avLst/>
-                </a:prstTxWarp>
-                <a:noAutofit/>
-              </a:bodyPr>
-              <a:lstStyle/>
-              <a:p>
-                <a:endParaRPr lang="he-IL"/>
-              </a:p>
-            </p:txBody>
-          </p:sp>
-        </p:grpSp>
-      </p:grpSp>
       <p:sp>
         <p:nvSpPr>
           <p:cNvPr id="154" name="Rounded Rectangle 18"/>
@@ -7221,7 +6941,7 @@
           <a:bodyPr rIns="0"/>
           <a:lstStyle/>
           <a:p>
-            <a:pPr marL="425679" indent="-425679" algn="just" rtl="0">
+            <a:pPr marL="425679" indent="-425679" algn="l" rtl="0">
               <a:spcBef>
                 <a:spcPts val="1682"/>
               </a:spcBef>
@@ -7679,8 +7399,8 @@
         </p:nvSpPr>
         <p:spPr>
           <a:xfrm>
-            <a:off x="20286000" y="8623034"/>
-            <a:ext cx="9360000" cy="28399848"/>
+            <a:off x="20286000" y="8623033"/>
+            <a:ext cx="9360000" cy="29466647"/>
           </a:xfrm>
           <a:prstGeom prst="roundRect">
             <a:avLst>
@@ -8028,8 +7748,8 @@
         </p:nvSpPr>
         <p:spPr bwMode="auto">
           <a:xfrm>
-            <a:off x="900000" y="19797644"/>
-            <a:ext cx="8820000" cy="1604237"/>
+            <a:off x="899998" y="19649281"/>
+            <a:ext cx="5405560" cy="1604237"/>
           </a:xfrm>
           <a:prstGeom prst="rect">
             <a:avLst/>
@@ -8078,17 +7798,8 @@
                 <a:latin typeface="Arial" panose="020B0604020202020204" pitchFamily="34" charset="0"/>
                 <a:cs typeface="Arial" panose="020B0604020202020204" pitchFamily="34" charset="0"/>
               </a:rPr>
-              <a:t>Stimulus classification bases</a:t>
+              <a:t>Classification of stimuli </a:t>
             </a:r>
-            <a:br>
-              <a:rPr lang="en-US" sz="2990" b="0" dirty="0" smtClean="0">
-                <a:solidFill>
-                  <a:srgbClr val="000060"/>
-                </a:solidFill>
-                <a:latin typeface="Arial" panose="020B0604020202020204" pitchFamily="34" charset="0"/>
-                <a:cs typeface="Arial" panose="020B0604020202020204" pitchFamily="34" charset="0"/>
-              </a:rPr>
-            </a:br>
             <a:r>
               <a:rPr lang="en-US" sz="2990" b="0" dirty="0" smtClean="0">
                 <a:solidFill>
@@ -8097,7 +7808,57 @@
                 <a:latin typeface="Arial" panose="020B0604020202020204" pitchFamily="34" charset="0"/>
                 <a:cs typeface="Arial" panose="020B0604020202020204" pitchFamily="34" charset="0"/>
               </a:rPr>
-              <a:t>on EEG recording</a:t>
+              <a:t>classification </a:t>
+            </a:r>
+            <a:r>
+              <a:rPr lang="en-US" sz="2990" b="0" dirty="0" smtClean="0">
+                <a:solidFill>
+                  <a:srgbClr val="000060"/>
+                </a:solidFill>
+                <a:latin typeface="Arial" panose="020B0604020202020204" pitchFamily="34" charset="0"/>
+                <a:cs typeface="Arial" panose="020B0604020202020204" pitchFamily="34" charset="0"/>
+              </a:rPr>
+              <a:t>based</a:t>
+            </a:r>
+            <a:r>
+              <a:rPr lang="en-US" sz="2990" b="0" dirty="0">
+                <a:solidFill>
+                  <a:srgbClr val="000060"/>
+                </a:solidFill>
+                <a:latin typeface="Arial" panose="020B0604020202020204" pitchFamily="34" charset="0"/>
+                <a:cs typeface="Arial" panose="020B0604020202020204" pitchFamily="34" charset="0"/>
+              </a:rPr>
+              <a:t> </a:t>
+            </a:r>
+            <a:r>
+              <a:rPr lang="en-US" sz="2990" b="0" dirty="0" smtClean="0">
+                <a:solidFill>
+                  <a:srgbClr val="000060"/>
+                </a:solidFill>
+                <a:latin typeface="Arial" panose="020B0604020202020204" pitchFamily="34" charset="0"/>
+                <a:cs typeface="Arial" panose="020B0604020202020204" pitchFamily="34" charset="0"/>
+              </a:rPr>
+              <a:t>on </a:t>
+            </a:r>
+            <a:r>
+              <a:rPr lang="en-US" sz="2990" b="0" dirty="0" smtClean="0">
+                <a:solidFill>
+                  <a:srgbClr val="000060"/>
+                </a:solidFill>
+                <a:latin typeface="Arial" panose="020B0604020202020204" pitchFamily="34" charset="0"/>
+                <a:cs typeface="Arial" panose="020B0604020202020204" pitchFamily="34" charset="0"/>
+              </a:rPr>
+              <a:t>EEG </a:t>
+            </a:r>
+            <a:r>
+              <a:rPr lang="en-US" sz="2990" b="0" dirty="0" smtClean="0">
+                <a:solidFill>
+                  <a:srgbClr val="000060"/>
+                </a:solidFill>
+                <a:latin typeface="Arial" panose="020B0604020202020204" pitchFamily="34" charset="0"/>
+                <a:cs typeface="Arial" panose="020B0604020202020204" pitchFamily="34" charset="0"/>
+              </a:rPr>
+              <a:t>recordings.</a:t>
             </a:r>
             <a:endParaRPr lang="en-US" sz="2990" b="0" dirty="0">
               <a:solidFill>
@@ -9704,7 +9465,7 @@
                               <a:solidFill>
                                 <a:srgbClr val="000060"/>
                               </a:solidFill>
-                              <a:latin typeface="Cambria Math" panose="02040503050406030204" pitchFamily="18" charset="0"/>
+                              <a:latin typeface="Cambria Math"/>
                               <a:cs typeface="Arial" panose="020B0604020202020204" pitchFamily="34" charset="0"/>
                             </a:rPr>
                           </m:ctrlPr>
@@ -9719,7 +9480,7 @@
                                   <a:solidFill>
                                     <a:srgbClr val="000060"/>
                                   </a:solidFill>
-                                  <a:latin typeface="Cambria Math" panose="02040503050406030204" pitchFamily="18" charset="0"/>
+                                  <a:latin typeface="Cambria Math"/>
                                   <a:cs typeface="Arial" panose="020B0604020202020204" pitchFamily="34" charset="0"/>
                                 </a:rPr>
                               </m:ctrlPr>
@@ -9732,7 +9493,7 @@
                                       <a:solidFill>
                                         <a:srgbClr val="000060"/>
                                       </a:solidFill>
-                                      <a:latin typeface="Cambria Math" panose="02040503050406030204" pitchFamily="18" charset="0"/>
+                                      <a:latin typeface="Cambria Math"/>
                                       <a:cs typeface="Arial" panose="020B0604020202020204" pitchFamily="34" charset="0"/>
                                     </a:rPr>
                                   </m:ctrlPr>
@@ -9779,7 +9540,7 @@
                                       <a:solidFill>
                                         <a:srgbClr val="000060"/>
                                       </a:solidFill>
-                                      <a:latin typeface="Cambria Math" panose="02040503050406030204" pitchFamily="18" charset="0"/>
+                                      <a:latin typeface="Cambria Math"/>
                                       <a:cs typeface="Arial" panose="020B0604020202020204" pitchFamily="34" charset="0"/>
                                     </a:rPr>
                                   </m:ctrlPr>
@@ -9833,7 +9594,7 @@
                               <a:solidFill>
                                 <a:srgbClr val="000060"/>
                               </a:solidFill>
-                              <a:latin typeface="Cambria Math" panose="02040503050406030204" pitchFamily="18" charset="0"/>
+                              <a:latin typeface="Cambria Math"/>
                               <a:cs typeface="Arial" panose="020B0604020202020204" pitchFamily="34" charset="0"/>
                             </a:rPr>
                           </m:ctrlPr>
@@ -9868,7 +9629,7 @@
                               <a:solidFill>
                                 <a:srgbClr val="000060"/>
                               </a:solidFill>
-                              <a:latin typeface="Cambria Math" panose="02040503050406030204" pitchFamily="18" charset="0"/>
+                              <a:latin typeface="Cambria Math"/>
                               <a:cs typeface="Arial" panose="020B0604020202020204" pitchFamily="34" charset="0"/>
                             </a:rPr>
                           </m:ctrlPr>
@@ -9915,7 +9676,7 @@
                               <a:solidFill>
                                 <a:srgbClr val="000060"/>
                               </a:solidFill>
-                              <a:latin typeface="Cambria Math" panose="02040503050406030204" pitchFamily="18" charset="0"/>
+                              <a:latin typeface="Cambria Math"/>
                               <a:cs typeface="Arial" panose="020B0604020202020204" pitchFamily="34" charset="0"/>
                             </a:rPr>
                           </m:ctrlPr>
@@ -9962,7 +9723,7 @@
                               <a:solidFill>
                                 <a:srgbClr val="000060"/>
                               </a:solidFill>
-                              <a:latin typeface="Cambria Math" panose="02040503050406030204" pitchFamily="18" charset="0"/>
+                              <a:latin typeface="Cambria Math"/>
                               <a:cs typeface="Arial" panose="020B0604020202020204" pitchFamily="34" charset="0"/>
                             </a:rPr>
                           </m:ctrlPr>
@@ -10139,7 +9900,7 @@
         </p:blipFill>
         <p:spPr bwMode="auto">
           <a:xfrm>
-            <a:off x="10718111" y="28813252"/>
+            <a:off x="10679541" y="28739432"/>
             <a:ext cx="5201605" cy="2703258"/>
           </a:xfrm>
           <a:prstGeom prst="rect">
@@ -10170,8 +9931,8 @@
           </a:extLst>
         </p:spPr>
       </p:pic>
-      <mc:AlternateContent xmlns:mc="http://schemas.openxmlformats.org/markup-compatibility/2006">
-        <mc:Choice xmlns:a14="http://schemas.microsoft.com/office/drawing/2010/main" Requires="a14">
+      <mc:AlternateContent xmlns:mc="http://schemas.openxmlformats.org/markup-compatibility/2006" xmlns:a14="http://schemas.microsoft.com/office/drawing/2010/main">
+        <mc:Choice Requires="a14">
           <p:sp>
             <p:nvSpPr>
               <p:cNvPr id="101" name="Rectangle 4"/>
@@ -10243,7 +10004,7 @@
                             <a:solidFill>
                               <a:srgbClr val="000060"/>
                             </a:solidFill>
-                            <a:latin typeface="Cambria Math" panose="02040503050406030204" pitchFamily="18" charset="0"/>
+                            <a:latin typeface="Cambria Math"/>
                             <a:cs typeface="Arial" panose="020B0604020202020204" pitchFamily="34" charset="0"/>
                           </a:rPr>
                         </m:ctrlPr>
@@ -10310,7 +10071,7 @@
                             <a:solidFill>
                               <a:srgbClr val="000060"/>
                             </a:solidFill>
-                            <a:latin typeface="Cambria Math" panose="02040503050406030204" pitchFamily="18" charset="0"/>
+                            <a:latin typeface="Cambria Math"/>
                             <a:cs typeface="Arial" panose="020B0604020202020204" pitchFamily="34" charset="0"/>
                           </a:rPr>
                         </m:ctrlPr>
@@ -10380,17 +10141,7 @@
                     <a:latin typeface="Arial" panose="020B0604020202020204" pitchFamily="34" charset="0"/>
                     <a:cs typeface="Arial" panose="020B0604020202020204" pitchFamily="34" charset="0"/>
                   </a:rPr>
-                  <a:t>, the left </a:t>
-                </a:r>
-                <a:r>
-                  <a:rPr lang="en-US" sz="2990" b="0" dirty="0" smtClean="0">
-                    <a:solidFill>
-                      <a:srgbClr val="000060"/>
-                    </a:solidFill>
-                    <a:latin typeface="Arial" panose="020B0604020202020204" pitchFamily="34" charset="0"/>
-                    <a:cs typeface="Arial" panose="020B0604020202020204" pitchFamily="34" charset="0"/>
-                  </a:rPr>
-                  <a:t>singular vectors of </a:t>
+                  <a:t>, the left singular vectors of </a:t>
                 </a:r>
                 <a14:m>
                   <m:oMath xmlns:m="http://schemas.openxmlformats.org/officeDocument/2006/math">
@@ -10401,7 +10152,7 @@
                             <a:solidFill>
                               <a:srgbClr val="000060"/>
                             </a:solidFill>
-                            <a:latin typeface="Cambria Math" panose="02040503050406030204" pitchFamily="18" charset="0"/>
+                            <a:latin typeface="Cambria Math"/>
                             <a:cs typeface="Arial" panose="020B0604020202020204" pitchFamily="34" charset="0"/>
                           </a:rPr>
                         </m:ctrlPr>
@@ -10468,7 +10219,7 @@
                             <a:solidFill>
                               <a:srgbClr val="000060"/>
                             </a:solidFill>
-                            <a:latin typeface="Cambria Math" panose="02040503050406030204" pitchFamily="18" charset="0"/>
+                            <a:latin typeface="Cambria Math"/>
                             <a:cs typeface="Arial" panose="020B0604020202020204" pitchFamily="34" charset="0"/>
                           </a:rPr>
                         </m:ctrlPr>
@@ -10530,13 +10281,6 @@
                   </a:rPr>
                   <a:t>.</a:t>
                 </a:r>
-                <a:endParaRPr lang="en-US" sz="2990" b="0" dirty="0" smtClean="0">
-                  <a:solidFill>
-                    <a:srgbClr val="000060"/>
-                  </a:solidFill>
-                  <a:latin typeface="Arial" panose="020B0604020202020204" pitchFamily="34" charset="0"/>
-                  <a:cs typeface="Arial" panose="020B0604020202020204" pitchFamily="34" charset="0"/>
-                </a:endParaRPr>
               </a:p>
               <a:p>
                 <a:pPr marL="457200" indent="-457200" algn="just" rtl="0">
@@ -10634,7 +10378,7 @@
                             <a:solidFill>
                               <a:srgbClr val="000060"/>
                             </a:solidFill>
-                            <a:latin typeface="Cambria Math" panose="02040503050406030204" pitchFamily="18" charset="0"/>
+                            <a:latin typeface="Cambria Math"/>
                             <a:ea typeface="Cambria Math"/>
                             <a:cs typeface="Arial" panose="020B0604020202020204" pitchFamily="34" charset="0"/>
                           </a:rPr>
@@ -10674,7 +10418,7 @@
                                 <a:solidFill>
                                   <a:srgbClr val="000060"/>
                                 </a:solidFill>
-                                <a:latin typeface="Cambria Math" panose="02040503050406030204" pitchFamily="18" charset="0"/>
+                                <a:latin typeface="Cambria Math"/>
                                 <a:ea typeface="Cambria Math"/>
                                 <a:cs typeface="Arial" panose="020B0604020202020204" pitchFamily="34" charset="0"/>
                               </a:rPr>
@@ -10728,7 +10472,7 @@
                             <a:solidFill>
                               <a:srgbClr val="000060"/>
                             </a:solidFill>
-                            <a:latin typeface="Cambria Math" panose="02040503050406030204" pitchFamily="18" charset="0"/>
+                            <a:latin typeface="Cambria Math"/>
                             <a:ea typeface="Cambria Math"/>
                             <a:cs typeface="Arial" panose="020B0604020202020204" pitchFamily="34" charset="0"/>
                           </a:rPr>
@@ -10744,7 +10488,7 @@
                                 <a:solidFill>
                                   <a:srgbClr val="000060"/>
                                 </a:solidFill>
-                                <a:latin typeface="Cambria Math" panose="02040503050406030204" pitchFamily="18" charset="0"/>
+                                <a:latin typeface="Cambria Math"/>
                                 <a:ea typeface="Cambria Math"/>
                                 <a:cs typeface="Arial" panose="020B0604020202020204" pitchFamily="34" charset="0"/>
                               </a:rPr>
@@ -10758,7 +10502,7 @@
                                     <a:solidFill>
                                       <a:srgbClr val="000060"/>
                                     </a:solidFill>
-                                    <a:latin typeface="Cambria Math" panose="02040503050406030204" pitchFamily="18" charset="0"/>
+                                    <a:latin typeface="Cambria Math"/>
                                     <a:ea typeface="Cambria Math"/>
                                     <a:cs typeface="Arial" panose="020B0604020202020204" pitchFamily="34" charset="0"/>
                                   </a:rPr>
@@ -10798,7 +10542,7 @@
                                         <a:solidFill>
                                           <a:srgbClr val="000060"/>
                                         </a:solidFill>
-                                        <a:latin typeface="Cambria Math" panose="02040503050406030204" pitchFamily="18" charset="0"/>
+                                        <a:latin typeface="Cambria Math"/>
                                         <a:ea typeface="Cambria Math"/>
                                         <a:cs typeface="Arial" panose="020B0604020202020204" pitchFamily="34" charset="0"/>
                                       </a:rPr>
@@ -10838,7 +10582,7 @@
                                     <a:solidFill>
                                       <a:srgbClr val="000060"/>
                                     </a:solidFill>
-                                    <a:latin typeface="Cambria Math" panose="02040503050406030204" pitchFamily="18" charset="0"/>
+                                    <a:latin typeface="Cambria Math"/>
                                     <a:ea typeface="Cambria Math"/>
                                     <a:cs typeface="Arial" panose="020B0604020202020204" pitchFamily="34" charset="0"/>
                                   </a:rPr>
@@ -10878,7 +10622,7 @@
                                         <a:solidFill>
                                           <a:srgbClr val="000060"/>
                                         </a:solidFill>
-                                        <a:latin typeface="Cambria Math" panose="02040503050406030204" pitchFamily="18" charset="0"/>
+                                        <a:latin typeface="Cambria Math"/>
                                         <a:ea typeface="Cambria Math"/>
                                         <a:cs typeface="Arial" panose="020B0604020202020204" pitchFamily="34" charset="0"/>
                                       </a:rPr>
@@ -10911,7 +10655,7 @@
                             <a:solidFill>
                               <a:srgbClr val="000060"/>
                             </a:solidFill>
-                            <a:latin typeface="Cambria Math" panose="02040503050406030204" pitchFamily="18" charset="0"/>
+                            <a:latin typeface="Cambria Math"/>
                             <a:ea typeface="Cambria Math"/>
                             <a:cs typeface="Arial" panose="020B0604020202020204" pitchFamily="34" charset="0"/>
                           </a:rPr>
@@ -10951,7 +10695,7 @@
                                 <a:solidFill>
                                   <a:srgbClr val="000060"/>
                                 </a:solidFill>
-                                <a:latin typeface="Cambria Math" panose="02040503050406030204" pitchFamily="18" charset="0"/>
+                                <a:latin typeface="Cambria Math"/>
                                 <a:ea typeface="Cambria Math"/>
                                 <a:cs typeface="Arial" panose="020B0604020202020204" pitchFamily="34" charset="0"/>
                               </a:rPr>
@@ -11009,7 +10753,7 @@
                             <a:solidFill>
                               <a:srgbClr val="000060"/>
                             </a:solidFill>
-                            <a:latin typeface="Cambria Math" panose="02040503050406030204" pitchFamily="18" charset="0"/>
+                            <a:latin typeface="Cambria Math"/>
                             <a:ea typeface="Cambria Math"/>
                             <a:cs typeface="Arial" panose="020B0604020202020204" pitchFamily="34" charset="0"/>
                           </a:rPr>
@@ -11049,7 +10793,7 @@
                                 <a:solidFill>
                                   <a:srgbClr val="000060"/>
                                 </a:solidFill>
-                                <a:latin typeface="Cambria Math" panose="02040503050406030204" pitchFamily="18" charset="0"/>
+                                <a:latin typeface="Cambria Math"/>
                                 <a:ea typeface="Cambria Math"/>
                                 <a:cs typeface="Arial" panose="020B0604020202020204" pitchFamily="34" charset="0"/>
                               </a:rPr>
@@ -11136,7 +10880,7 @@
                             <a:solidFill>
                               <a:srgbClr val="000060"/>
                             </a:solidFill>
-                            <a:latin typeface="Cambria Math" panose="02040503050406030204" pitchFamily="18" charset="0"/>
+                            <a:latin typeface="Cambria Math"/>
                             <a:cs typeface="Arial" panose="020B0604020202020204" pitchFamily="34" charset="0"/>
                           </a:rPr>
                         </m:ctrlPr>
@@ -11161,7 +10905,7 @@
                                 <a:solidFill>
                                   <a:srgbClr val="000060"/>
                                 </a:solidFill>
-                                <a:latin typeface="Cambria Math" panose="02040503050406030204" pitchFamily="18" charset="0"/>
+                                <a:latin typeface="Cambria Math"/>
                                 <a:cs typeface="Arial" panose="020B0604020202020204" pitchFamily="34" charset="0"/>
                               </a:rPr>
                             </m:ctrlPr>
@@ -11237,13 +10981,6 @@
                   </a:rPr>
                   <a:t>Rotate the subsets by:</a:t>
                 </a:r>
-                <a:endParaRPr lang="en-US" sz="2990" b="0" dirty="0" smtClean="0">
-                  <a:solidFill>
-                    <a:srgbClr val="000060"/>
-                  </a:solidFill>
-                  <a:latin typeface="Arial" panose="020B0604020202020204" pitchFamily="34" charset="0"/>
-                  <a:cs typeface="Arial" panose="020B0604020202020204" pitchFamily="34" charset="0"/>
-                </a:endParaRPr>
               </a:p>
               <a:p>
                 <a:pPr algn="l" rtl="0">
@@ -11285,7 +11022,7 @@
                             <a:solidFill>
                               <a:srgbClr val="000060"/>
                             </a:solidFill>
-                            <a:latin typeface="Cambria Math" panose="02040503050406030204" pitchFamily="18" charset="0"/>
+                            <a:latin typeface="Cambria Math"/>
                             <a:cs typeface="Arial" panose="020B0604020202020204" pitchFamily="34" charset="0"/>
                           </a:rPr>
                         </m:ctrlPr>
@@ -11320,7 +11057,7 @@
                                 <a:solidFill>
                                   <a:srgbClr val="000060"/>
                                 </a:solidFill>
-                                <a:latin typeface="Cambria Math" panose="02040503050406030204" pitchFamily="18" charset="0"/>
+                                <a:latin typeface="Cambria Math"/>
                                 <a:cs typeface="Arial" panose="020B0604020202020204" pitchFamily="34" charset="0"/>
                               </a:rPr>
                             </m:ctrlPr>
@@ -11357,7 +11094,7 @@
                             <a:solidFill>
                               <a:srgbClr val="000060"/>
                             </a:solidFill>
-                            <a:latin typeface="Cambria Math" panose="02040503050406030204" pitchFamily="18" charset="0"/>
+                            <a:latin typeface="Cambria Math"/>
                             <a:cs typeface="Arial" panose="020B0604020202020204" pitchFamily="34" charset="0"/>
                           </a:rPr>
                         </m:ctrlPr>
@@ -11370,7 +11107,7 @@
                                 <a:solidFill>
                                   <a:srgbClr val="000060"/>
                                 </a:solidFill>
-                                <a:latin typeface="Cambria Math" panose="02040503050406030204" pitchFamily="18" charset="0"/>
+                                <a:latin typeface="Cambria Math"/>
                                 <a:cs typeface="Arial" panose="020B0604020202020204" pitchFamily="34" charset="0"/>
                               </a:rPr>
                             </m:ctrlPr>
@@ -11383,7 +11120,7 @@
                                     <a:solidFill>
                                       <a:srgbClr val="000060"/>
                                     </a:solidFill>
-                                    <a:latin typeface="Cambria Math" panose="02040503050406030204" pitchFamily="18" charset="0"/>
+                                    <a:latin typeface="Cambria Math"/>
                                     <a:cs typeface="Arial" panose="020B0604020202020204" pitchFamily="34" charset="0"/>
                                   </a:rPr>
                                 </m:ctrlPr>
@@ -11408,7 +11145,7 @@
                                         <a:solidFill>
                                           <a:srgbClr val="000060"/>
                                         </a:solidFill>
-                                        <a:latin typeface="Cambria Math" panose="02040503050406030204" pitchFamily="18" charset="0"/>
+                                        <a:latin typeface="Cambria Math"/>
                                         <a:cs typeface="Arial" panose="020B0604020202020204" pitchFamily="34" charset="0"/>
                                       </a:rPr>
                                     </m:ctrlPr>
@@ -11451,7 +11188,7 @@
                             <a:solidFill>
                               <a:srgbClr val="000060"/>
                             </a:solidFill>
-                            <a:latin typeface="Cambria Math" panose="02040503050406030204" pitchFamily="18" charset="0"/>
+                            <a:latin typeface="Cambria Math"/>
                             <a:cs typeface="Arial" panose="020B0604020202020204" pitchFamily="34" charset="0"/>
                           </a:rPr>
                         </m:ctrlPr>
@@ -11476,7 +11213,7 @@
                                 <a:solidFill>
                                   <a:srgbClr val="000060"/>
                                 </a:solidFill>
-                                <a:latin typeface="Cambria Math" panose="02040503050406030204" pitchFamily="18" charset="0"/>
+                                <a:latin typeface="Cambria Math"/>
                                 <a:cs typeface="Arial" panose="020B0604020202020204" pitchFamily="34" charset="0"/>
                               </a:rPr>
                             </m:ctrlPr>
@@ -11569,7 +11306,7 @@
             </p:txBody>
           </p:sp>
         </mc:Choice>
-        <mc:Fallback>
+        <mc:Fallback xmlns="">
           <p:sp>
             <p:nvSpPr>
               <p:cNvPr id="101" name="Rectangle 4"/>
@@ -11640,8 +11377,8 @@
             </p:nvSpPr>
             <p:spPr>
               <a:xfrm>
-                <a:off x="20612497" y="12556027"/>
-                <a:ext cx="8926372" cy="2368854"/>
+                <a:off x="20475223" y="15299227"/>
+                <a:ext cx="8987010" cy="2368854"/>
               </a:xfrm>
               <a:prstGeom prst="rect">
                 <a:avLst/>
@@ -11671,7 +11408,7 @@
                 </a:r>
               </a:p>
               <a:p>
-                <a:pPr algn="l" rtl="0">
+                <a:pPr algn="just" rtl="0">
                   <a:spcBef>
                     <a:spcPts val="1682"/>
                   </a:spcBef>
@@ -11685,7 +11422,27 @@
                     <a:latin typeface="Arial" panose="020B0604020202020204" pitchFamily="34" charset="0"/>
                     <a:cs typeface="Arial" panose="020B0604020202020204" pitchFamily="34" charset="0"/>
                   </a:rPr>
-                  <a:t>We present the first 2 principle components (PCA)</a:t>
+                  <a:t>For visualization purpose, we </a:t>
+                </a:r>
+                <a:r>
+                  <a:rPr lang="en-US" sz="2990" b="0" dirty="0" smtClean="0">
+                    <a:solidFill>
+                      <a:srgbClr val="000060"/>
+                    </a:solidFill>
+                    <a:latin typeface="Arial" panose="020B0604020202020204" pitchFamily="34" charset="0"/>
+                    <a:cs typeface="Arial" panose="020B0604020202020204" pitchFamily="34" charset="0"/>
+                  </a:rPr>
+                  <a:t>present the first 2 principle components (PCA</a:t>
+                </a:r>
+                <a:r>
+                  <a:rPr lang="en-US" sz="2990" b="0" dirty="0" smtClean="0">
+                    <a:solidFill>
+                      <a:srgbClr val="000060"/>
+                    </a:solidFill>
+                    <a:latin typeface="Arial" panose="020B0604020202020204" pitchFamily="34" charset="0"/>
+                    <a:cs typeface="Arial" panose="020B0604020202020204" pitchFamily="34" charset="0"/>
+                  </a:rPr>
+                  <a:t>).</a:t>
                 </a:r>
                 <a:endParaRPr lang="en-US" sz="2990" b="0" dirty="0">
                   <a:solidFill>
@@ -11780,15 +11537,6 @@
                   </a:rPr>
                   <a:t>stimuli </a:t>
                 </a:r>
-                <a:br>
-                  <a:rPr lang="en-US" sz="2990" b="0" dirty="0" smtClean="0">
-                    <a:solidFill>
-                      <a:srgbClr val="000060"/>
-                    </a:solidFill>
-                    <a:latin typeface="Arial" panose="020B0604020202020204" pitchFamily="34" charset="0"/>
-                    <a:cs typeface="Arial" panose="020B0604020202020204" pitchFamily="34" charset="0"/>
-                  </a:rPr>
-                </a:br>
                 <a:endParaRPr lang="en-US" sz="2990" b="0" dirty="0">
                   <a:solidFill>
                     <a:srgbClr val="000060"/>
@@ -11811,16 +11559,16 @@
             </p:nvSpPr>
             <p:spPr>
               <a:xfrm>
-                <a:off x="20612497" y="12556027"/>
-                <a:ext cx="8926372" cy="2368854"/>
+                <a:off x="20475223" y="15299227"/>
+                <a:ext cx="8987010" cy="2368854"/>
               </a:xfrm>
               <a:prstGeom prst="rect">
                 <a:avLst/>
               </a:prstGeom>
-              <a:blipFill>
+              <a:blipFill rotWithShape="1">
                 <a:blip r:embed="rId20"/>
                 <a:stretch>
-                  <a:fillRect l="-1502" t="-2835"/>
+                  <a:fillRect l="-1560" t="-2577" r="-1493" b="-6959"/>
                 </a:stretch>
               </a:blipFill>
             </p:spPr>
@@ -11829,7 +11577,7 @@
               <a:lstStyle/>
               <a:p>
                 <a:r>
-                  <a:rPr lang="en-US">
+                  <a:rPr lang="he-IL">
                     <a:noFill/>
                   </a:rPr>
                   <a:t> </a:t>
@@ -11911,8 +11659,8 @@
             </p:nvSpPr>
             <p:spPr bwMode="auto">
               <a:xfrm>
-                <a:off x="20615549" y="18940809"/>
-                <a:ext cx="8533090" cy="632272"/>
+                <a:off x="20475223" y="23459281"/>
+                <a:ext cx="8533090" cy="698833"/>
               </a:xfrm>
               <a:prstGeom prst="rect">
                 <a:avLst/>
@@ -11983,27 +11731,7 @@
                     <a:latin typeface="Arial" panose="020B0604020202020204" pitchFamily="34" charset="0"/>
                     <a:cs typeface="Arial" panose="020B0604020202020204" pitchFamily="34" charset="0"/>
                   </a:rPr>
-                  <a:t> </a:t>
-                </a:r>
-                <a:r>
-                  <a:rPr lang="en-US" sz="2990" b="0" dirty="0" smtClean="0">
-                    <a:solidFill>
-                      <a:srgbClr val="000060"/>
-                    </a:solidFill>
-                    <a:latin typeface="Arial" panose="020B0604020202020204" pitchFamily="34" charset="0"/>
-                    <a:cs typeface="Arial" panose="020B0604020202020204" pitchFamily="34" charset="0"/>
-                  </a:rPr>
-                  <a:t>subjects</a:t>
-                </a:r>
-                <a:r>
-                  <a:rPr lang="en-US" sz="2990" b="0" dirty="0" smtClean="0">
-                    <a:solidFill>
-                      <a:srgbClr val="000060"/>
-                    </a:solidFill>
-                    <a:latin typeface="Arial" panose="020B0604020202020204" pitchFamily="34" charset="0"/>
-                    <a:cs typeface="Arial" panose="020B0604020202020204" pitchFamily="34" charset="0"/>
-                  </a:rPr>
-                  <a:t>, </a:t>
+                  <a:t> subjects, </a:t>
                 </a:r>
                 <a14:m>
                   <m:oMath xmlns:m="http://schemas.openxmlformats.org/officeDocument/2006/math">
@@ -12027,132 +11755,8 @@
                     <a:latin typeface="Arial" panose="020B0604020202020204" pitchFamily="34" charset="0"/>
                     <a:cs typeface="Arial" panose="020B0604020202020204" pitchFamily="34" charset="0"/>
                   </a:rPr>
-                  <a:t> stimuli</a:t>
+                  <a:t> </a:t>
                 </a:r>
-                <a:r>
-                  <a:rPr lang="en-US" sz="2990" b="0" dirty="0">
-                    <a:solidFill>
-                      <a:srgbClr val="000060"/>
-                    </a:solidFill>
-                    <a:latin typeface="Arial" panose="020B0604020202020204" pitchFamily="34" charset="0"/>
-                    <a:cs typeface="Arial" panose="020B0604020202020204" pitchFamily="34" charset="0"/>
-                  </a:rPr>
-                  <a:t/>
-                </a:r>
-                <a:br>
-                  <a:rPr lang="en-US" sz="2990" b="0" dirty="0">
-                    <a:solidFill>
-                      <a:srgbClr val="000060"/>
-                    </a:solidFill>
-                    <a:latin typeface="Arial" panose="020B0604020202020204" pitchFamily="34" charset="0"/>
-                    <a:cs typeface="Arial" panose="020B0604020202020204" pitchFamily="34" charset="0"/>
-                  </a:rPr>
-                </a:br>
-                <a:endParaRPr lang="en-US" sz="2990" b="0" dirty="0" smtClean="0">
-                  <a:solidFill>
-                    <a:srgbClr val="000060"/>
-                  </a:solidFill>
-                  <a:latin typeface="Arial" panose="020B0604020202020204" pitchFamily="34" charset="0"/>
-                  <a:cs typeface="Arial" panose="020B0604020202020204" pitchFamily="34" charset="0"/>
-                </a:endParaRPr>
-              </a:p>
-              <a:p>
-                <a:pPr algn="l" rtl="0">
-                  <a:spcBef>
-                    <a:spcPts val="1682"/>
-                  </a:spcBef>
-                  <a:buSzPct val="125000"/>
-                </a:pPr>
-                <a:endParaRPr lang="en-US" sz="2990" b="0" dirty="0">
-                  <a:solidFill>
-                    <a:srgbClr val="000060"/>
-                  </a:solidFill>
-                  <a:latin typeface="Arial" panose="020B0604020202020204" pitchFamily="34" charset="0"/>
-                  <a:cs typeface="Arial" panose="020B0604020202020204" pitchFamily="34" charset="0"/>
-                </a:endParaRPr>
-              </a:p>
-              <a:p>
-                <a:pPr algn="l" rtl="0">
-                  <a:spcBef>
-                    <a:spcPts val="1682"/>
-                  </a:spcBef>
-                  <a:buSzPct val="125000"/>
-                </a:pPr>
-                <a:endParaRPr lang="en-US" sz="2990" b="0" dirty="0" smtClean="0">
-                  <a:solidFill>
-                    <a:srgbClr val="000060"/>
-                  </a:solidFill>
-                  <a:latin typeface="Arial" panose="020B0604020202020204" pitchFamily="34" charset="0"/>
-                  <a:cs typeface="Arial" panose="020B0604020202020204" pitchFamily="34" charset="0"/>
-                </a:endParaRPr>
-              </a:p>
-              <a:p>
-                <a:pPr algn="l" rtl="0">
-                  <a:spcBef>
-                    <a:spcPts val="1682"/>
-                  </a:spcBef>
-                  <a:buSzPct val="125000"/>
-                </a:pPr>
-                <a:endParaRPr lang="en-US" sz="2990" b="0" dirty="0">
-                  <a:solidFill>
-                    <a:srgbClr val="000060"/>
-                  </a:solidFill>
-                  <a:latin typeface="Arial" panose="020B0604020202020204" pitchFamily="34" charset="0"/>
-                  <a:cs typeface="Arial" panose="020B0604020202020204" pitchFamily="34" charset="0"/>
-                </a:endParaRPr>
-              </a:p>
-              <a:p>
-                <a:pPr algn="l" rtl="0">
-                  <a:spcBef>
-                    <a:spcPts val="1682"/>
-                  </a:spcBef>
-                  <a:buSzPct val="125000"/>
-                </a:pPr>
-                <a:endParaRPr lang="en-US" sz="2990" b="0" dirty="0" smtClean="0">
-                  <a:solidFill>
-                    <a:srgbClr val="000060"/>
-                  </a:solidFill>
-                  <a:latin typeface="Arial" panose="020B0604020202020204" pitchFamily="34" charset="0"/>
-                  <a:cs typeface="Arial" panose="020B0604020202020204" pitchFamily="34" charset="0"/>
-                </a:endParaRPr>
-              </a:p>
-              <a:p>
-                <a:pPr algn="l" rtl="0">
-                  <a:spcBef>
-                    <a:spcPts val="1682"/>
-                  </a:spcBef>
-                  <a:buSzPct val="125000"/>
-                </a:pPr>
-                <a:endParaRPr lang="en-US" sz="2990" b="0" dirty="0">
-                  <a:solidFill>
-                    <a:srgbClr val="000060"/>
-                  </a:solidFill>
-                  <a:latin typeface="Arial" panose="020B0604020202020204" pitchFamily="34" charset="0"/>
-                  <a:cs typeface="Arial" panose="020B0604020202020204" pitchFamily="34" charset="0"/>
-                </a:endParaRPr>
-              </a:p>
-              <a:p>
-                <a:pPr algn="l" rtl="0">
-                  <a:spcBef>
-                    <a:spcPts val="1682"/>
-                  </a:spcBef>
-                  <a:buSzPct val="125000"/>
-                </a:pPr>
-                <a:endParaRPr lang="en-US" sz="2990" b="0" dirty="0" smtClean="0">
-                  <a:solidFill>
-                    <a:srgbClr val="000060"/>
-                  </a:solidFill>
-                  <a:latin typeface="Arial" panose="020B0604020202020204" pitchFamily="34" charset="0"/>
-                  <a:cs typeface="Arial" panose="020B0604020202020204" pitchFamily="34" charset="0"/>
-                </a:endParaRPr>
-              </a:p>
-              <a:p>
-                <a:pPr algn="l" rtl="0">
-                  <a:spcBef>
-                    <a:spcPts val="1682"/>
-                  </a:spcBef>
-                  <a:buSzPct val="125000"/>
-                </a:pPr>
                 <a:r>
                   <a:rPr lang="en-US" sz="2990" b="0" dirty="0" smtClean="0">
                     <a:solidFill>
@@ -12161,17 +11765,7 @@
                     <a:latin typeface="Arial" panose="020B0604020202020204" pitchFamily="34" charset="0"/>
                     <a:cs typeface="Arial" panose="020B0604020202020204" pitchFamily="34" charset="0"/>
                   </a:rPr>
-                  <a:t>For </a:t>
-                </a:r>
-                <a:r>
-                  <a:rPr lang="en-US" sz="2990" b="0" dirty="0">
-                    <a:solidFill>
-                      <a:srgbClr val="000060"/>
-                    </a:solidFill>
-                    <a:latin typeface="Arial" panose="020B0604020202020204" pitchFamily="34" charset="0"/>
-                    <a:cs typeface="Arial" panose="020B0604020202020204" pitchFamily="34" charset="0"/>
-                  </a:rPr>
-                  <a:t>each approach, we trained and applied linear SVM classifier using “leave one subject out” method.</a:t>
+                  <a:t>stimuli</a:t>
                 </a:r>
                 <a:endParaRPr lang="en-US" sz="2990" b="0" dirty="0" smtClean="0">
                   <a:solidFill>
@@ -12203,26 +11797,13 @@
                   </a:spcBef>
                   <a:buSzPct val="125000"/>
                 </a:pPr>
-                <a:r>
-                  <a:rPr lang="en-US" sz="2990" b="0" dirty="0" smtClean="0">
-                    <a:solidFill>
-                      <a:srgbClr val="000060"/>
-                    </a:solidFill>
-                    <a:latin typeface="Arial" panose="020B0604020202020204" pitchFamily="34" charset="0"/>
-                    <a:cs typeface="Arial" panose="020B0604020202020204" pitchFamily="34" charset="0"/>
-                  </a:rPr>
-                  <a:t>Classification </a:t>
-                </a:r>
-                <a:r>
-                  <a:rPr lang="en-US" sz="2990" b="0" dirty="0">
-                    <a:solidFill>
-                      <a:srgbClr val="000060"/>
-                    </a:solidFill>
-                    <a:latin typeface="Arial" panose="020B0604020202020204" pitchFamily="34" charset="0"/>
-                    <a:cs typeface="Arial" panose="020B0604020202020204" pitchFamily="34" charset="0"/>
-                  </a:rPr>
-                  <a:t>results:</a:t>
-                </a:r>
+                <a:endParaRPr lang="en-US" sz="1050" b="0" dirty="0">
+                  <a:solidFill>
+                    <a:srgbClr val="000060"/>
+                  </a:solidFill>
+                  <a:latin typeface="Arial" panose="020B0604020202020204" pitchFamily="34" charset="0"/>
+                  <a:cs typeface="Arial" panose="020B0604020202020204" pitchFamily="34" charset="0"/>
+                </a:endParaRPr>
               </a:p>
               <a:p>
                 <a:pPr algn="just" rtl="0">
@@ -12231,7 +11812,142 @@
                   </a:spcBef>
                   <a:buSzPct val="125000"/>
                 </a:pPr>
-                <a:endParaRPr lang="en-US" sz="2990" b="0" dirty="0" smtClean="0">
+                <a:endParaRPr lang="en-US" sz="1050" b="0" dirty="0" smtClean="0">
+                  <a:solidFill>
+                    <a:srgbClr val="000060"/>
+                  </a:solidFill>
+                  <a:latin typeface="Arial" panose="020B0604020202020204" pitchFamily="34" charset="0"/>
+                  <a:cs typeface="Arial" panose="020B0604020202020204" pitchFamily="34" charset="0"/>
+                </a:endParaRPr>
+              </a:p>
+              <a:p>
+                <a:pPr algn="just" rtl="0">
+                  <a:spcBef>
+                    <a:spcPts val="1682"/>
+                  </a:spcBef>
+                  <a:buSzPct val="125000"/>
+                </a:pPr>
+                <a:endParaRPr lang="en-US" sz="1050" b="0" dirty="0">
+                  <a:solidFill>
+                    <a:srgbClr val="000060"/>
+                  </a:solidFill>
+                  <a:latin typeface="Arial" panose="020B0604020202020204" pitchFamily="34" charset="0"/>
+                  <a:cs typeface="Arial" panose="020B0604020202020204" pitchFamily="34" charset="0"/>
+                </a:endParaRPr>
+              </a:p>
+              <a:p>
+                <a:pPr algn="just" rtl="0">
+                  <a:spcBef>
+                    <a:spcPts val="1682"/>
+                  </a:spcBef>
+                  <a:buSzPct val="125000"/>
+                </a:pPr>
+                <a:endParaRPr lang="en-US" sz="1050" b="0" dirty="0" smtClean="0">
+                  <a:solidFill>
+                    <a:srgbClr val="000060"/>
+                  </a:solidFill>
+                  <a:latin typeface="Arial" panose="020B0604020202020204" pitchFamily="34" charset="0"/>
+                  <a:cs typeface="Arial" panose="020B0604020202020204" pitchFamily="34" charset="0"/>
+                </a:endParaRPr>
+              </a:p>
+              <a:p>
+                <a:pPr algn="just" rtl="0">
+                  <a:spcBef>
+                    <a:spcPts val="1682"/>
+                  </a:spcBef>
+                  <a:buSzPct val="125000"/>
+                </a:pPr>
+                <a:endParaRPr lang="en-US" sz="1050" b="0" dirty="0">
+                  <a:solidFill>
+                    <a:srgbClr val="000060"/>
+                  </a:solidFill>
+                  <a:latin typeface="Arial" panose="020B0604020202020204" pitchFamily="34" charset="0"/>
+                  <a:cs typeface="Arial" panose="020B0604020202020204" pitchFamily="34" charset="0"/>
+                </a:endParaRPr>
+              </a:p>
+              <a:p>
+                <a:pPr algn="just" rtl="0">
+                  <a:spcBef>
+                    <a:spcPts val="1682"/>
+                  </a:spcBef>
+                  <a:buSzPct val="125000"/>
+                </a:pPr>
+                <a:endParaRPr lang="en-US" sz="1050" b="0" dirty="0" smtClean="0">
+                  <a:solidFill>
+                    <a:srgbClr val="000060"/>
+                  </a:solidFill>
+                  <a:latin typeface="Arial" panose="020B0604020202020204" pitchFamily="34" charset="0"/>
+                  <a:cs typeface="Arial" panose="020B0604020202020204" pitchFamily="34" charset="0"/>
+                </a:endParaRPr>
+              </a:p>
+              <a:p>
+                <a:pPr algn="just" rtl="0">
+                  <a:spcBef>
+                    <a:spcPts val="1682"/>
+                  </a:spcBef>
+                  <a:buSzPct val="125000"/>
+                </a:pPr>
+                <a:endParaRPr lang="en-US" sz="1050" b="0" dirty="0">
+                  <a:solidFill>
+                    <a:srgbClr val="000060"/>
+                  </a:solidFill>
+                  <a:latin typeface="Arial" panose="020B0604020202020204" pitchFamily="34" charset="0"/>
+                  <a:cs typeface="Arial" panose="020B0604020202020204" pitchFamily="34" charset="0"/>
+                </a:endParaRPr>
+              </a:p>
+              <a:p>
+                <a:pPr algn="just" rtl="0">
+                  <a:spcBef>
+                    <a:spcPts val="1682"/>
+                  </a:spcBef>
+                  <a:buSzPct val="125000"/>
+                </a:pPr>
+                <a:endParaRPr lang="en-US" sz="1050" b="0" dirty="0" smtClean="0">
+                  <a:solidFill>
+                    <a:srgbClr val="000060"/>
+                  </a:solidFill>
+                  <a:latin typeface="Arial" panose="020B0604020202020204" pitchFamily="34" charset="0"/>
+                  <a:cs typeface="Arial" panose="020B0604020202020204" pitchFamily="34" charset="0"/>
+                </a:endParaRPr>
+              </a:p>
+              <a:p>
+                <a:pPr algn="just" rtl="0">
+                  <a:spcBef>
+                    <a:spcPts val="1682"/>
+                  </a:spcBef>
+                  <a:buSzPct val="125000"/>
+                </a:pPr>
+                <a:endParaRPr lang="en-US" sz="1050" b="0" dirty="0">
+                  <a:solidFill>
+                    <a:srgbClr val="000060"/>
+                  </a:solidFill>
+                  <a:latin typeface="Arial" panose="020B0604020202020204" pitchFamily="34" charset="0"/>
+                  <a:cs typeface="Arial" panose="020B0604020202020204" pitchFamily="34" charset="0"/>
+                </a:endParaRPr>
+              </a:p>
+              <a:p>
+                <a:pPr algn="just" rtl="0">
+                  <a:spcBef>
+                    <a:spcPts val="1682"/>
+                  </a:spcBef>
+                  <a:buSzPct val="125000"/>
+                </a:pPr>
+                <a:endParaRPr lang="en-US" sz="1050" b="0" dirty="0" smtClean="0">
+                  <a:solidFill>
+                    <a:srgbClr val="000060"/>
+                  </a:solidFill>
+                  <a:latin typeface="Arial" panose="020B0604020202020204" pitchFamily="34" charset="0"/>
+                  <a:cs typeface="Arial" panose="020B0604020202020204" pitchFamily="34" charset="0"/>
+                </a:endParaRPr>
+              </a:p>
+              <a:p>
+                <a:pPr algn="just" rtl="0">
+                  <a:spcBef>
+                    <a:spcPts val="1682"/>
+                  </a:spcBef>
+                  <a:buSzPct val="125000"/>
+                </a:pPr>
+                <a:endParaRPr lang="en-US" sz="1050" b="0" dirty="0" smtClean="0">
                   <a:solidFill>
                     <a:srgbClr val="000060"/>
                   </a:solidFill>
@@ -12268,16 +11984,16 @@
             </p:nvSpPr>
             <p:spPr bwMode="auto">
               <a:xfrm>
-                <a:off x="20615549" y="18940809"/>
-                <a:ext cx="8533090" cy="632272"/>
+                <a:off x="20475223" y="23459281"/>
+                <a:ext cx="8533090" cy="698833"/>
               </a:xfrm>
               <a:prstGeom prst="rect">
                 <a:avLst/>
               </a:prstGeom>
-              <a:blipFill>
+              <a:blipFill rotWithShape="1">
                 <a:blip r:embed="rId21"/>
                 <a:stretch>
-                  <a:fillRect l="-1643" t="-9615" r="-1571" b="-1137500"/>
+                  <a:fillRect l="-1643" t="-8696" b="-4348"/>
                 </a:stretch>
               </a:blipFill>
               <a:ln>
@@ -12308,7 +12024,7 @@
               <a:lstStyle/>
               <a:p>
                 <a:r>
-                  <a:rPr lang="en-US">
+                  <a:rPr lang="he-IL">
                     <a:noFill/>
                   </a:rPr>
                   <a:t> </a:t>
@@ -12391,8 +12107,8 @@
           </a:p>
         </p:txBody>
       </p:sp>
-      <mc:AlternateContent xmlns:mc="http://schemas.openxmlformats.org/markup-compatibility/2006">
-        <mc:Choice xmlns:a14="http://schemas.microsoft.com/office/drawing/2010/main" Requires="a14">
+      <mc:AlternateContent xmlns:mc="http://schemas.openxmlformats.org/markup-compatibility/2006" xmlns:a14="http://schemas.microsoft.com/office/drawing/2010/main">
+        <mc:Choice Requires="a14">
           <p:sp>
             <p:nvSpPr>
               <p:cNvPr id="11" name="TextBox 10"/>
@@ -12511,7 +12227,7 @@
                             <a:solidFill>
                               <a:srgbClr val="000060"/>
                             </a:solidFill>
-                            <a:latin typeface="Cambria Math" panose="02040503050406030204" pitchFamily="18" charset="0"/>
+                            <a:latin typeface="Cambria Math"/>
                             <a:cs typeface="Arial" panose="020B0604020202020204" pitchFamily="34" charset="0"/>
                           </a:rPr>
                         </m:ctrlPr>
@@ -12556,7 +12272,7 @@
             </p:txBody>
           </p:sp>
         </mc:Choice>
-        <mc:Fallback>
+        <mc:Fallback xmlns="">
           <p:sp>
             <p:nvSpPr>
               <p:cNvPr id="11" name="TextBox 10"/>
@@ -12647,7 +12363,7 @@
         <p:spPr>
           <a:xfrm>
             <a:off x="10489588" y="23306881"/>
-            <a:ext cx="9283195" cy="10781449"/>
+            <a:ext cx="9283195" cy="10866002"/>
           </a:xfrm>
           <a:prstGeom prst="roundRect">
             <a:avLst>
@@ -12805,7 +12521,7 @@
                             <a:solidFill>
                               <a:srgbClr val="000060"/>
                             </a:solidFill>
-                            <a:latin typeface="Cambria Math" panose="02040503050406030204" pitchFamily="18" charset="0"/>
+                            <a:latin typeface="Cambria Math"/>
                             <a:cs typeface="Arial" panose="020B0604020202020204" pitchFamily="34" charset="0"/>
                           </a:rPr>
                         </m:ctrlPr>
@@ -12819,7 +12535,7 @@
                                 <a:solidFill>
                                   <a:srgbClr val="000060"/>
                                 </a:solidFill>
-                                <a:latin typeface="Cambria Math" panose="02040503050406030204" pitchFamily="18" charset="0"/>
+                                <a:latin typeface="Cambria Math"/>
                                 <a:cs typeface="Arial" panose="020B0604020202020204" pitchFamily="34" charset="0"/>
                               </a:rPr>
                             </m:ctrlPr>
@@ -12846,7 +12562,7 @@
                                 <a:solidFill>
                                   <a:srgbClr val="000060"/>
                                 </a:solidFill>
-                                <a:latin typeface="Cambria Math" panose="02040503050406030204" pitchFamily="18" charset="0"/>
+                                <a:latin typeface="Cambria Math"/>
                                 <a:cs typeface="Arial" panose="020B0604020202020204" pitchFamily="34" charset="0"/>
                               </a:rPr>
                             </m:ctrlPr>
@@ -12897,7 +12613,7 @@
                             <a:solidFill>
                               <a:srgbClr val="000060"/>
                             </a:solidFill>
-                            <a:latin typeface="Cambria Math" panose="02040503050406030204" pitchFamily="18" charset="0"/>
+                            <a:latin typeface="Cambria Math"/>
                             <a:cs typeface="Arial" panose="020B0604020202020204" pitchFamily="34" charset="0"/>
                           </a:rPr>
                         </m:ctrlPr>
@@ -12911,7 +12627,7 @@
                                 <a:solidFill>
                                   <a:srgbClr val="000060"/>
                                 </a:solidFill>
-                                <a:latin typeface="Cambria Math" panose="02040503050406030204" pitchFamily="18" charset="0"/>
+                                <a:latin typeface="Cambria Math"/>
                                 <a:cs typeface="Arial" panose="020B0604020202020204" pitchFamily="34" charset="0"/>
                               </a:rPr>
                             </m:ctrlPr>
@@ -12938,7 +12654,7 @@
                                 <a:solidFill>
                                   <a:srgbClr val="000060"/>
                                 </a:solidFill>
-                                <a:latin typeface="Cambria Math" panose="02040503050406030204" pitchFamily="18" charset="0"/>
+                                <a:latin typeface="Cambria Math"/>
                                 <a:cs typeface="Arial" panose="020B0604020202020204" pitchFamily="34" charset="0"/>
                               </a:rPr>
                             </m:ctrlPr>
@@ -12979,7 +12695,7 @@
                             <a:solidFill>
                               <a:srgbClr val="000060"/>
                             </a:solidFill>
-                            <a:latin typeface="Cambria Math" panose="02040503050406030204" pitchFamily="18" charset="0"/>
+                            <a:latin typeface="Cambria Math"/>
                             <a:cs typeface="Arial" panose="020B0604020202020204" pitchFamily="34" charset="0"/>
                           </a:rPr>
                         </m:ctrlPr>
@@ -12994,7 +12710,7 @@
                                 <a:solidFill>
                                   <a:srgbClr val="000060"/>
                                 </a:solidFill>
-                                <a:latin typeface="Cambria Math" panose="02040503050406030204" pitchFamily="18" charset="0"/>
+                                <a:latin typeface="Cambria Math"/>
                                 <a:cs typeface="Arial" panose="020B0604020202020204" pitchFamily="34" charset="0"/>
                               </a:rPr>
                             </m:ctrlPr>
@@ -13007,7 +12723,7 @@
                                     <a:solidFill>
                                       <a:srgbClr val="000060"/>
                                     </a:solidFill>
-                                    <a:latin typeface="Cambria Math" panose="02040503050406030204" pitchFamily="18" charset="0"/>
+                                    <a:latin typeface="Cambria Math"/>
                                     <a:cs typeface="Arial" panose="020B0604020202020204" pitchFamily="34" charset="0"/>
                                   </a:rPr>
                                 </m:ctrlPr>
@@ -13044,7 +12760,7 @@
                                         <a:solidFill>
                                           <a:srgbClr val="000060"/>
                                         </a:solidFill>
-                                        <a:latin typeface="Cambria Math" panose="02040503050406030204" pitchFamily="18" charset="0"/>
+                                        <a:latin typeface="Cambria Math"/>
                                         <a:cs typeface="Arial" panose="020B0604020202020204" pitchFamily="34" charset="0"/>
                                       </a:rPr>
                                     </m:ctrlPr>
@@ -13101,7 +12817,7 @@
                             <a:solidFill>
                               <a:srgbClr val="000060"/>
                             </a:solidFill>
-                            <a:latin typeface="Cambria Math" panose="02040503050406030204" pitchFamily="18" charset="0"/>
+                            <a:latin typeface="Cambria Math"/>
                             <a:cs typeface="Arial" panose="020B0604020202020204" pitchFamily="34" charset="0"/>
                           </a:rPr>
                         </m:ctrlPr>
@@ -13116,7 +12832,7 @@
                                 <a:solidFill>
                                   <a:srgbClr val="000060"/>
                                 </a:solidFill>
-                                <a:latin typeface="Cambria Math" panose="02040503050406030204" pitchFamily="18" charset="0"/>
+                                <a:latin typeface="Cambria Math"/>
                                 <a:cs typeface="Arial" panose="020B0604020202020204" pitchFamily="34" charset="0"/>
                               </a:rPr>
                             </m:ctrlPr>
@@ -13129,7 +12845,7 @@
                                     <a:solidFill>
                                       <a:srgbClr val="000060"/>
                                     </a:solidFill>
-                                    <a:latin typeface="Cambria Math" panose="02040503050406030204" pitchFamily="18" charset="0"/>
+                                    <a:latin typeface="Cambria Math"/>
                                     <a:cs typeface="Arial" panose="020B0604020202020204" pitchFamily="34" charset="0"/>
                                   </a:rPr>
                                 </m:ctrlPr>
@@ -13166,7 +12882,7 @@
                                         <a:solidFill>
                                           <a:srgbClr val="000060"/>
                                         </a:solidFill>
-                                        <a:latin typeface="Cambria Math" panose="02040503050406030204" pitchFamily="18" charset="0"/>
+                                        <a:latin typeface="Cambria Math"/>
                                         <a:cs typeface="Arial" panose="020B0604020202020204" pitchFamily="34" charset="0"/>
                                       </a:rPr>
                                     </m:ctrlPr>
@@ -13243,7 +12959,7 @@
                             <a:solidFill>
                               <a:srgbClr val="000060"/>
                             </a:solidFill>
-                            <a:latin typeface="Cambria Math" panose="02040503050406030204" pitchFamily="18" charset="0"/>
+                            <a:latin typeface="Cambria Math"/>
                             <a:cs typeface="Arial" panose="020B0604020202020204" pitchFamily="34" charset="0"/>
                           </a:rPr>
                         </m:ctrlPr>
@@ -13258,7 +12974,7 @@
                                 <a:solidFill>
                                   <a:srgbClr val="000060"/>
                                 </a:solidFill>
-                                <a:latin typeface="Cambria Math" panose="02040503050406030204" pitchFamily="18" charset="0"/>
+                                <a:latin typeface="Cambria Math"/>
                                 <a:cs typeface="Arial" panose="020B0604020202020204" pitchFamily="34" charset="0"/>
                               </a:rPr>
                             </m:ctrlPr>
@@ -13271,7 +12987,7 @@
                                     <a:solidFill>
                                       <a:srgbClr val="000060"/>
                                     </a:solidFill>
-                                    <a:latin typeface="Cambria Math" panose="02040503050406030204" pitchFamily="18" charset="0"/>
+                                    <a:latin typeface="Cambria Math"/>
                                     <a:cs typeface="Arial" panose="020B0604020202020204" pitchFamily="34" charset="0"/>
                                   </a:rPr>
                                 </m:ctrlPr>
@@ -13308,7 +13024,7 @@
                                         <a:solidFill>
                                           <a:srgbClr val="000060"/>
                                         </a:solidFill>
-                                        <a:latin typeface="Cambria Math" panose="02040503050406030204" pitchFamily="18" charset="0"/>
+                                        <a:latin typeface="Cambria Math"/>
                                         <a:cs typeface="Arial" panose="020B0604020202020204" pitchFamily="34" charset="0"/>
                                       </a:rPr>
                                     </m:ctrlPr>
@@ -13365,7 +13081,7 @@
                             <a:solidFill>
                               <a:srgbClr val="000060"/>
                             </a:solidFill>
-                            <a:latin typeface="Cambria Math" panose="02040503050406030204" pitchFamily="18" charset="0"/>
+                            <a:latin typeface="Cambria Math"/>
                             <a:cs typeface="Arial" panose="020B0604020202020204" pitchFamily="34" charset="0"/>
                           </a:rPr>
                         </m:ctrlPr>
@@ -13402,7 +13118,7 @@
                                 <a:solidFill>
                                   <a:srgbClr val="000060"/>
                                 </a:solidFill>
-                                <a:latin typeface="Cambria Math" panose="02040503050406030204" pitchFamily="18" charset="0"/>
+                                <a:latin typeface="Cambria Math"/>
                                 <a:cs typeface="Arial" panose="020B0604020202020204" pitchFamily="34" charset="0"/>
                               </a:rPr>
                             </m:ctrlPr>
@@ -13435,11 +13151,11 @@
                     <m:sSub>
                       <m:sSubPr>
                         <m:ctrlPr>
-                          <a:rPr lang="en-US" sz="2990" b="0" i="0" smtClean="0">
+                          <a:rPr lang="en-US" sz="2990" b="0" i="1" smtClean="0">
                             <a:solidFill>
                               <a:srgbClr val="000060"/>
                             </a:solidFill>
-                            <a:latin typeface="Cambria Math" panose="02040503050406030204" pitchFamily="18" charset="0"/>
+                            <a:latin typeface="Cambria Math"/>
                             <a:cs typeface="Arial" panose="020B0604020202020204" pitchFamily="34" charset="0"/>
                           </a:rPr>
                         </m:ctrlPr>
@@ -13467,7 +13183,7 @@
                                 <a:solidFill>
                                   <a:srgbClr val="000060"/>
                                 </a:solidFill>
-                                <a:latin typeface="Cambria Math" panose="02040503050406030204" pitchFamily="18" charset="0"/>
+                                <a:latin typeface="Cambria Math"/>
                                 <a:cs typeface="Arial" panose="020B0604020202020204" pitchFamily="34" charset="0"/>
                               </a:rPr>
                             </m:ctrlPr>
@@ -13481,7 +13197,7 @@
                                     <a:solidFill>
                                       <a:srgbClr val="000060"/>
                                     </a:solidFill>
-                                    <a:latin typeface="Cambria Math" panose="02040503050406030204" pitchFamily="18" charset="0"/>
+                                    <a:latin typeface="Cambria Math"/>
                                     <a:cs typeface="Arial" panose="020B0604020202020204" pitchFamily="34" charset="0"/>
                                   </a:rPr>
                                 </m:ctrlPr>
@@ -13508,7 +13224,7 @@
                                     <a:solidFill>
                                       <a:srgbClr val="000060"/>
                                     </a:solidFill>
-                                    <a:latin typeface="Cambria Math" panose="02040503050406030204" pitchFamily="18" charset="0"/>
+                                    <a:latin typeface="Cambria Math"/>
                                     <a:cs typeface="Arial" panose="020B0604020202020204" pitchFamily="34" charset="0"/>
                                   </a:rPr>
                                 </m:ctrlPr>
@@ -13537,7 +13253,7 @@
                             <a:solidFill>
                               <a:srgbClr val="000060"/>
                             </a:solidFill>
-                            <a:latin typeface="Cambria Math" panose="02040503050406030204" pitchFamily="18" charset="0"/>
+                            <a:latin typeface="Cambria Math"/>
                             <a:cs typeface="Arial" panose="020B0604020202020204" pitchFamily="34" charset="0"/>
                           </a:rPr>
                         </m:ctrlPr>
@@ -13550,7 +13266,7 @@
                                 <a:solidFill>
                                   <a:srgbClr val="000060"/>
                                 </a:solidFill>
-                                <a:latin typeface="Cambria Math" panose="02040503050406030204" pitchFamily="18" charset="0"/>
+                                <a:latin typeface="Cambria Math"/>
                                 <a:cs typeface="Arial" panose="020B0604020202020204" pitchFamily="34" charset="0"/>
                               </a:rPr>
                             </m:ctrlPr>
@@ -13587,7 +13303,7 @@
                                     <a:solidFill>
                                       <a:srgbClr val="000060"/>
                                     </a:solidFill>
-                                    <a:latin typeface="Cambria Math" panose="02040503050406030204" pitchFamily="18" charset="0"/>
+                                    <a:latin typeface="Cambria Math"/>
                                     <a:cs typeface="Arial" panose="020B0604020202020204" pitchFamily="34" charset="0"/>
                                   </a:rPr>
                                 </m:ctrlPr>
@@ -13611,6 +13327,16 @@
                     </m:d>
                   </m:oMath>
                 </a14:m>
+                <a:r>
+                  <a:rPr lang="en-US" sz="2990" b="0" dirty="0" smtClean="0">
+                    <a:solidFill>
+                      <a:srgbClr val="000060"/>
+                    </a:solidFill>
+                    <a:latin typeface="Arial" panose="020B0604020202020204" pitchFamily="34" charset="0"/>
+                    <a:cs typeface="Arial" panose="020B0604020202020204" pitchFamily="34" charset="0"/>
+                  </a:rPr>
+                  <a:t>.</a:t>
+                </a:r>
                 <a:endParaRPr lang="en-US" sz="2990" b="0" dirty="0">
                   <a:solidFill>
                     <a:srgbClr val="000060"/>
@@ -13647,7 +13373,7 @@
                             <a:solidFill>
                               <a:srgbClr val="000060"/>
                             </a:solidFill>
-                            <a:latin typeface="Cambria Math" panose="02040503050406030204" pitchFamily="18" charset="0"/>
+                            <a:latin typeface="Cambria Math"/>
                             <a:cs typeface="Arial" panose="020B0604020202020204" pitchFamily="34" charset="0"/>
                           </a:rPr>
                         </m:ctrlPr>
@@ -13662,7 +13388,7 @@
                                 <a:solidFill>
                                   <a:srgbClr val="000060"/>
                                 </a:solidFill>
-                                <a:latin typeface="Cambria Math" panose="02040503050406030204" pitchFamily="18" charset="0"/>
+                                <a:latin typeface="Cambria Math"/>
                                 <a:cs typeface="Arial" panose="020B0604020202020204" pitchFamily="34" charset="0"/>
                               </a:rPr>
                             </m:ctrlPr>
@@ -13675,7 +13401,7 @@
                                     <a:solidFill>
                                       <a:srgbClr val="000060"/>
                                     </a:solidFill>
-                                    <a:latin typeface="Cambria Math" panose="02040503050406030204" pitchFamily="18" charset="0"/>
+                                    <a:latin typeface="Cambria Math"/>
                                     <a:cs typeface="Arial" panose="020B0604020202020204" pitchFamily="34" charset="0"/>
                                   </a:rPr>
                                 </m:ctrlPr>
@@ -13715,7 +13441,7 @@
                                         <a:solidFill>
                                           <a:srgbClr val="000060"/>
                                         </a:solidFill>
-                                        <a:latin typeface="Cambria Math" panose="02040503050406030204" pitchFamily="18" charset="0"/>
+                                        <a:latin typeface="Cambria Math"/>
                                         <a:cs typeface="Arial" panose="020B0604020202020204" pitchFamily="34" charset="0"/>
                                       </a:rPr>
                                     </m:ctrlPr>
@@ -13772,7 +13498,7 @@
                             <a:solidFill>
                               <a:srgbClr val="000060"/>
                             </a:solidFill>
-                            <a:latin typeface="Cambria Math" panose="02040503050406030204" pitchFamily="18" charset="0"/>
+                            <a:latin typeface="Cambria Math"/>
                             <a:cs typeface="Arial" panose="020B0604020202020204" pitchFamily="34" charset="0"/>
                           </a:rPr>
                         </m:ctrlPr>
@@ -13787,7 +13513,7 @@
                                 <a:solidFill>
                                   <a:srgbClr val="000060"/>
                                 </a:solidFill>
-                                <a:latin typeface="Cambria Math" panose="02040503050406030204" pitchFamily="18" charset="0"/>
+                                <a:latin typeface="Cambria Math"/>
                                 <a:cs typeface="Arial" panose="020B0604020202020204" pitchFamily="34" charset="0"/>
                               </a:rPr>
                             </m:ctrlPr>
@@ -13800,7 +13526,7 @@
                                     <a:solidFill>
                                       <a:srgbClr val="000060"/>
                                     </a:solidFill>
-                                    <a:latin typeface="Cambria Math" panose="02040503050406030204" pitchFamily="18" charset="0"/>
+                                    <a:latin typeface="Cambria Math"/>
                                     <a:cs typeface="Arial" panose="020B0604020202020204" pitchFamily="34" charset="0"/>
                                   </a:rPr>
                                 </m:ctrlPr>
@@ -13837,7 +13563,7 @@
                                         <a:solidFill>
                                           <a:srgbClr val="000060"/>
                                         </a:solidFill>
-                                        <a:latin typeface="Cambria Math" panose="02040503050406030204" pitchFamily="18" charset="0"/>
+                                        <a:latin typeface="Cambria Math"/>
                                         <a:cs typeface="Arial" panose="020B0604020202020204" pitchFamily="34" charset="0"/>
                                       </a:rPr>
                                     </m:ctrlPr>
@@ -13918,7 +13644,7 @@
                             <a:solidFill>
                               <a:srgbClr val="000060"/>
                             </a:solidFill>
-                            <a:latin typeface="Cambria Math" panose="02040503050406030204" pitchFamily="18" charset="0"/>
+                            <a:latin typeface="Cambria Math"/>
                             <a:cs typeface="Arial" panose="020B0604020202020204" pitchFamily="34" charset="0"/>
                           </a:rPr>
                         </m:ctrlPr>
@@ -13932,7 +13658,7 @@
                                 <a:solidFill>
                                   <a:srgbClr val="000060"/>
                                 </a:solidFill>
-                                <a:latin typeface="Cambria Math" panose="02040503050406030204" pitchFamily="18" charset="0"/>
+                                <a:latin typeface="Cambria Math"/>
                                 <a:cs typeface="Arial" panose="020B0604020202020204" pitchFamily="34" charset="0"/>
                               </a:rPr>
                             </m:ctrlPr>
@@ -13959,7 +13685,7 @@
                                 <a:solidFill>
                                   <a:srgbClr val="000060"/>
                                 </a:solidFill>
-                                <a:latin typeface="Cambria Math" panose="02040503050406030204" pitchFamily="18" charset="0"/>
+                                <a:latin typeface="Cambria Math"/>
                                 <a:cs typeface="Arial" panose="020B0604020202020204" pitchFamily="34" charset="0"/>
                               </a:rPr>
                             </m:ctrlPr>
@@ -14000,7 +13726,7 @@
                             <a:solidFill>
                               <a:srgbClr val="000060"/>
                             </a:solidFill>
-                            <a:latin typeface="Cambria Math" panose="02040503050406030204" pitchFamily="18" charset="0"/>
+                            <a:latin typeface="Cambria Math"/>
                             <a:cs typeface="Arial" panose="020B0604020202020204" pitchFamily="34" charset="0"/>
                           </a:rPr>
                         </m:ctrlPr>
@@ -14014,7 +13740,7 @@
                                 <a:solidFill>
                                   <a:srgbClr val="000060"/>
                                 </a:solidFill>
-                                <a:latin typeface="Cambria Math" panose="02040503050406030204" pitchFamily="18" charset="0"/>
+                                <a:latin typeface="Cambria Math"/>
                                 <a:cs typeface="Arial" panose="020B0604020202020204" pitchFamily="34" charset="0"/>
                               </a:rPr>
                             </m:ctrlPr>
@@ -14118,7 +13844,7 @@
               <a:prstGeom prst="rect">
                 <a:avLst/>
               </a:prstGeom>
-              <a:blipFill>
+              <a:blipFill rotWithShape="1">
                 <a:blip r:embed="rId23"/>
                 <a:stretch>
                   <a:fillRect l="-2059" t="-3215" r="-1510"/>
@@ -14130,7 +13856,7 @@
               <a:lstStyle/>
               <a:p>
                 <a:r>
-                  <a:rPr lang="en-US">
+                  <a:rPr lang="he-IL">
                     <a:noFill/>
                   </a:rPr>
                   <a:t> </a:t>
@@ -14198,7 +13924,7 @@
                               <a:solidFill>
                                 <a:srgbClr val="000060"/>
                               </a:solidFill>
-                              <a:latin typeface="Cambria Math" panose="02040503050406030204" pitchFamily="18" charset="0"/>
+                              <a:latin typeface="Cambria Math"/>
                               <a:cs typeface="Arial" panose="020B0604020202020204" pitchFamily="34" charset="0"/>
                             </a:rPr>
                           </m:ctrlPr>
@@ -14235,7 +13961,7 @@
                               <a:solidFill>
                                 <a:srgbClr val="000060"/>
                               </a:solidFill>
-                              <a:latin typeface="Cambria Math" panose="02040503050406030204" pitchFamily="18" charset="0"/>
+                              <a:latin typeface="Cambria Math"/>
                               <a:cs typeface="Arial" panose="020B0604020202020204" pitchFamily="34" charset="0"/>
                             </a:rPr>
                           </m:ctrlPr>
@@ -14248,7 +13974,7 @@
                                   <a:solidFill>
                                     <a:srgbClr val="000060"/>
                                   </a:solidFill>
-                                  <a:latin typeface="Cambria Math" panose="02040503050406030204" pitchFamily="18" charset="0"/>
+                                  <a:latin typeface="Cambria Math"/>
                                   <a:cs typeface="Arial" panose="020B0604020202020204" pitchFamily="34" charset="0"/>
                                 </a:rPr>
                               </m:ctrlPr>
@@ -14295,7 +14021,7 @@
                                   <a:solidFill>
                                     <a:srgbClr val="000060"/>
                                   </a:solidFill>
-                                  <a:latin typeface="Cambria Math" panose="02040503050406030204" pitchFamily="18" charset="0"/>
+                                  <a:latin typeface="Cambria Math"/>
                                   <a:cs typeface="Arial" panose="020B0604020202020204" pitchFamily="34" charset="0"/>
                                 </a:rPr>
                               </m:ctrlPr>
@@ -14344,7 +14070,7 @@
                               <a:solidFill>
                                 <a:srgbClr val="000060"/>
                               </a:solidFill>
-                              <a:latin typeface="Cambria Math" panose="02040503050406030204" pitchFamily="18" charset="0"/>
+                              <a:latin typeface="Cambria Math"/>
                               <a:cs typeface="Arial" panose="020B0604020202020204" pitchFamily="34" charset="0"/>
                             </a:rPr>
                           </m:ctrlPr>
@@ -14359,7 +14085,7 @@
                                   <a:solidFill>
                                     <a:srgbClr val="000060"/>
                                   </a:solidFill>
-                                  <a:latin typeface="Cambria Math" panose="02040503050406030204" pitchFamily="18" charset="0"/>
+                                  <a:latin typeface="Cambria Math"/>
                                   <a:cs typeface="Arial" panose="020B0604020202020204" pitchFamily="34" charset="0"/>
                                 </a:rPr>
                               </m:ctrlPr>
@@ -14372,7 +14098,7 @@
                                       <a:solidFill>
                                         <a:srgbClr val="000060"/>
                                       </a:solidFill>
-                                      <a:latin typeface="Cambria Math" panose="02040503050406030204" pitchFamily="18" charset="0"/>
+                                      <a:latin typeface="Cambria Math"/>
                                       <a:cs typeface="Arial" panose="020B0604020202020204" pitchFamily="34" charset="0"/>
                                     </a:rPr>
                                   </m:ctrlPr>
@@ -14400,7 +14126,7 @@
                                           <a:solidFill>
                                             <a:srgbClr val="000060"/>
                                           </a:solidFill>
-                                          <a:latin typeface="Cambria Math" panose="02040503050406030204" pitchFamily="18" charset="0"/>
+                                          <a:latin typeface="Cambria Math"/>
                                           <a:cs typeface="Arial" panose="020B0604020202020204" pitchFamily="34" charset="0"/>
                                         </a:rPr>
                                       </m:ctrlPr>
@@ -14413,7 +14139,7 @@
                                               <a:solidFill>
                                                 <a:srgbClr val="000060"/>
                                               </a:solidFill>
-                                              <a:latin typeface="Cambria Math" panose="02040503050406030204" pitchFamily="18" charset="0"/>
+                                              <a:latin typeface="Cambria Math"/>
                                               <a:cs typeface="Arial" panose="020B0604020202020204" pitchFamily="34" charset="0"/>
                                             </a:rPr>
                                           </m:ctrlPr>
@@ -14426,7 +14152,7 @@
                                                   <a:solidFill>
                                                     <a:srgbClr val="000060"/>
                                                   </a:solidFill>
-                                                  <a:latin typeface="Cambria Math" panose="02040503050406030204" pitchFamily="18" charset="0"/>
+                                                  <a:latin typeface="Cambria Math"/>
                                                   <a:cs typeface="Arial" panose="020B0604020202020204" pitchFamily="34" charset="0"/>
                                                 </a:rPr>
                                               </m:ctrlPr>
@@ -14487,7 +14213,7 @@
                                               <a:solidFill>
                                                 <a:srgbClr val="000060"/>
                                               </a:solidFill>
-                                              <a:latin typeface="Cambria Math" panose="02040503050406030204" pitchFamily="18" charset="0"/>
+                                              <a:latin typeface="Cambria Math"/>
                                               <a:cs typeface="Arial" panose="020B0604020202020204" pitchFamily="34" charset="0"/>
                                             </a:rPr>
                                           </m:ctrlPr>
@@ -14656,7 +14382,7 @@
                               <a:solidFill>
                                 <a:srgbClr val="000060"/>
                               </a:solidFill>
-                              <a:latin typeface="Cambria Math" panose="02040503050406030204" pitchFamily="18" charset="0"/>
+                              <a:latin typeface="Cambria Math"/>
                               <a:cs typeface="Arial" panose="020B0604020202020204" pitchFamily="34" charset="0"/>
                             </a:rPr>
                           </m:ctrlPr>
@@ -14704,7 +14430,7 @@
                               <a:solidFill>
                                 <a:srgbClr val="000060"/>
                               </a:solidFill>
-                              <a:latin typeface="Cambria Math" panose="02040503050406030204" pitchFamily="18" charset="0"/>
+                              <a:latin typeface="Cambria Math"/>
                               <a:cs typeface="Arial" panose="020B0604020202020204" pitchFamily="34" charset="0"/>
                             </a:rPr>
                           </m:ctrlPr>
@@ -14717,7 +14443,7 @@
                                   <a:solidFill>
                                     <a:srgbClr val="000060"/>
                                   </a:solidFill>
-                                  <a:latin typeface="Cambria Math" panose="02040503050406030204" pitchFamily="18" charset="0"/>
+                                  <a:latin typeface="Cambria Math"/>
                                   <a:cs typeface="Arial" panose="020B0604020202020204" pitchFamily="34" charset="0"/>
                                 </a:rPr>
                               </m:ctrlPr>
@@ -14762,7 +14488,7 @@
                                   <a:solidFill>
                                     <a:srgbClr val="000060"/>
                                   </a:solidFill>
-                                  <a:latin typeface="Cambria Math" panose="02040503050406030204" pitchFamily="18" charset="0"/>
+                                  <a:latin typeface="Cambria Math"/>
                                   <a:cs typeface="Arial" panose="020B0604020202020204" pitchFamily="34" charset="0"/>
                                 </a:rPr>
                               </m:ctrlPr>
@@ -14791,7 +14517,7 @@
                                       <a:solidFill>
                                         <a:srgbClr val="000060"/>
                                       </a:solidFill>
-                                      <a:latin typeface="Cambria Math" panose="02040503050406030204" pitchFamily="18" charset="0"/>
+                                      <a:latin typeface="Cambria Math"/>
                                       <a:cs typeface="Arial" panose="020B0604020202020204" pitchFamily="34" charset="0"/>
                                     </a:rPr>
                                   </m:ctrlPr>
@@ -14870,7 +14596,7 @@
                                       <a:solidFill>
                                         <a:srgbClr val="000060"/>
                                       </a:solidFill>
-                                      <a:latin typeface="Cambria Math" panose="02040503050406030204" pitchFamily="18" charset="0"/>
+                                      <a:latin typeface="Cambria Math"/>
                                       <a:cs typeface="Arial" panose="020B0604020202020204" pitchFamily="34" charset="0"/>
                                     </a:rPr>
                                   </m:ctrlPr>
@@ -15032,7 +14758,7 @@
                               <a:solidFill>
                                 <a:srgbClr val="000060"/>
                               </a:solidFill>
-                              <a:latin typeface="Cambria Math" panose="02040503050406030204" pitchFamily="18" charset="0"/>
+                              <a:latin typeface="Cambria Math"/>
                               <a:cs typeface="Arial" panose="020B0604020202020204" pitchFamily="34" charset="0"/>
                             </a:rPr>
                           </m:ctrlPr>
@@ -15079,7 +14805,7 @@
                               <a:solidFill>
                                 <a:srgbClr val="000060"/>
                               </a:solidFill>
-                              <a:latin typeface="Cambria Math" panose="02040503050406030204" pitchFamily="18" charset="0"/>
+                              <a:latin typeface="Cambria Math"/>
                               <a:cs typeface="Arial" panose="020B0604020202020204" pitchFamily="34" charset="0"/>
                             </a:rPr>
                           </m:ctrlPr>
@@ -15108,7 +14834,7 @@
                                   <a:solidFill>
                                     <a:srgbClr val="000060"/>
                                   </a:solidFill>
-                                  <a:latin typeface="Cambria Math" panose="02040503050406030204" pitchFamily="18" charset="0"/>
+                                  <a:latin typeface="Cambria Math"/>
                                   <a:cs typeface="Arial" panose="020B0604020202020204" pitchFamily="34" charset="0"/>
                                 </a:rPr>
                               </m:ctrlPr>
@@ -15135,7 +14861,7 @@
                               <a:solidFill>
                                 <a:srgbClr val="000060"/>
                               </a:solidFill>
-                              <a:latin typeface="Cambria Math" panose="02040503050406030204" pitchFamily="18" charset="0"/>
+                              <a:latin typeface="Cambria Math"/>
                               <a:cs typeface="Arial" panose="020B0604020202020204" pitchFamily="34" charset="0"/>
                             </a:rPr>
                           </m:ctrlPr>
@@ -15172,7 +14898,7 @@
                               <a:solidFill>
                                 <a:srgbClr val="000060"/>
                               </a:solidFill>
-                              <a:latin typeface="Cambria Math" panose="02040503050406030204" pitchFamily="18" charset="0"/>
+                              <a:latin typeface="Cambria Math"/>
                               <a:cs typeface="Arial" panose="020B0604020202020204" pitchFamily="34" charset="0"/>
                             </a:rPr>
                           </m:ctrlPr>
@@ -15196,7 +14922,7 @@
                                   <a:solidFill>
                                     <a:srgbClr val="000060"/>
                                   </a:solidFill>
-                                  <a:latin typeface="Cambria Math" panose="02040503050406030204" pitchFamily="18" charset="0"/>
+                                  <a:latin typeface="Cambria Math"/>
                                   <a:cs typeface="Arial" panose="020B0604020202020204" pitchFamily="34" charset="0"/>
                                 </a:rPr>
                               </m:ctrlPr>
@@ -15223,7 +14949,7 @@
                                   <a:solidFill>
                                     <a:srgbClr val="000060"/>
                                   </a:solidFill>
-                                  <a:latin typeface="Cambria Math" panose="02040503050406030204" pitchFamily="18" charset="0"/>
+                                  <a:latin typeface="Cambria Math"/>
                                   <a:cs typeface="Arial" panose="020B0604020202020204" pitchFamily="34" charset="0"/>
                                 </a:rPr>
                               </m:ctrlPr>
@@ -15262,7 +14988,7 @@
                               <a:solidFill>
                                 <a:srgbClr val="000060"/>
                               </a:solidFill>
-                              <a:latin typeface="Cambria Math" panose="02040503050406030204" pitchFamily="18" charset="0"/>
+                              <a:latin typeface="Cambria Math"/>
                               <a:cs typeface="Arial" panose="020B0604020202020204" pitchFamily="34" charset="0"/>
                             </a:rPr>
                           </m:ctrlPr>
@@ -15290,7 +15016,7 @@
                                   <a:solidFill>
                                     <a:srgbClr val="000060"/>
                                   </a:solidFill>
-                                  <a:latin typeface="Cambria Math" panose="02040503050406030204" pitchFamily="18" charset="0"/>
+                                  <a:latin typeface="Cambria Math"/>
                                   <a:cs typeface="Arial" panose="020B0604020202020204" pitchFamily="34" charset="0"/>
                                 </a:rPr>
                               </m:ctrlPr>
@@ -15303,7 +15029,7 @@
                                       <a:solidFill>
                                         <a:srgbClr val="000060"/>
                                       </a:solidFill>
-                                      <a:latin typeface="Cambria Math" panose="02040503050406030204" pitchFamily="18" charset="0"/>
+                                      <a:latin typeface="Cambria Math"/>
                                       <a:cs typeface="Arial" panose="020B0604020202020204" pitchFamily="34" charset="0"/>
                                     </a:rPr>
                                   </m:ctrlPr>
@@ -15317,7 +15043,7 @@
                                           <a:solidFill>
                                             <a:srgbClr val="000060"/>
                                           </a:solidFill>
-                                          <a:latin typeface="Cambria Math" panose="02040503050406030204" pitchFamily="18" charset="0"/>
+                                          <a:latin typeface="Cambria Math"/>
                                           <a:cs typeface="Arial" panose="020B0604020202020204" pitchFamily="34" charset="0"/>
                                         </a:rPr>
                                       </m:ctrlPr>
@@ -15354,7 +15080,7 @@
                                           <a:solidFill>
                                             <a:srgbClr val="000060"/>
                                           </a:solidFill>
-                                          <a:latin typeface="Cambria Math" panose="02040503050406030204" pitchFamily="18" charset="0"/>
+                                          <a:latin typeface="Cambria Math"/>
                                           <a:cs typeface="Arial" panose="020B0604020202020204" pitchFamily="34" charset="0"/>
                                         </a:rPr>
                                       </m:ctrlPr>
@@ -15393,7 +15119,7 @@
                                       <a:solidFill>
                                         <a:srgbClr val="000060"/>
                                       </a:solidFill>
-                                      <a:latin typeface="Cambria Math" panose="02040503050406030204" pitchFamily="18" charset="0"/>
+                                      <a:latin typeface="Cambria Math"/>
                                       <a:cs typeface="Arial" panose="020B0604020202020204" pitchFamily="34" charset="0"/>
                                     </a:rPr>
                                   </m:ctrlPr>
@@ -15430,7 +15156,7 @@
                                       <a:solidFill>
                                         <a:srgbClr val="000060"/>
                                       </a:solidFill>
-                                      <a:latin typeface="Cambria Math" panose="02040503050406030204" pitchFamily="18" charset="0"/>
+                                      <a:latin typeface="Cambria Math"/>
                                       <a:cs typeface="Arial" panose="020B0604020202020204" pitchFamily="34" charset="0"/>
                                     </a:rPr>
                                   </m:ctrlPr>
@@ -15444,7 +15170,7 @@
                                           <a:solidFill>
                                             <a:srgbClr val="000060"/>
                                           </a:solidFill>
-                                          <a:latin typeface="Cambria Math" panose="02040503050406030204" pitchFamily="18" charset="0"/>
+                                          <a:latin typeface="Cambria Math"/>
                                           <a:cs typeface="Arial" panose="020B0604020202020204" pitchFamily="34" charset="0"/>
                                         </a:rPr>
                                       </m:ctrlPr>
@@ -15481,7 +15207,7 @@
                                           <a:solidFill>
                                             <a:srgbClr val="000060"/>
                                           </a:solidFill>
-                                          <a:latin typeface="Cambria Math" panose="02040503050406030204" pitchFamily="18" charset="0"/>
+                                          <a:latin typeface="Cambria Math"/>
                                           <a:cs typeface="Arial" panose="020B0604020202020204" pitchFamily="34" charset="0"/>
                                         </a:rPr>
                                       </m:ctrlPr>
@@ -15524,7 +15250,7 @@
                               <a:solidFill>
                                 <a:srgbClr val="000060"/>
                               </a:solidFill>
-                              <a:latin typeface="Cambria Math" panose="02040503050406030204" pitchFamily="18" charset="0"/>
+                              <a:latin typeface="Cambria Math"/>
                               <a:cs typeface="Arial" panose="020B0604020202020204" pitchFamily="34" charset="0"/>
                             </a:rPr>
                           </m:ctrlPr>
@@ -15538,7 +15264,7 @@
                                   <a:solidFill>
                                     <a:srgbClr val="000060"/>
                                   </a:solidFill>
-                                  <a:latin typeface="Cambria Math" panose="02040503050406030204" pitchFamily="18" charset="0"/>
+                                  <a:latin typeface="Cambria Math"/>
                                   <a:cs typeface="Arial" panose="020B0604020202020204" pitchFamily="34" charset="0"/>
                                 </a:rPr>
                               </m:ctrlPr>
@@ -15565,7 +15291,7 @@
                                   <a:solidFill>
                                     <a:srgbClr val="000060"/>
                                   </a:solidFill>
-                                  <a:latin typeface="Cambria Math" panose="02040503050406030204" pitchFamily="18" charset="0"/>
+                                  <a:latin typeface="Cambria Math"/>
                                   <a:cs typeface="Arial" panose="020B0604020202020204" pitchFamily="34" charset="0"/>
                                 </a:rPr>
                               </m:ctrlPr>
@@ -15705,8 +15431,8 @@
           </a:p>
         </p:txBody>
       </p:sp>
-      <mc:AlternateContent xmlns:mc="http://schemas.openxmlformats.org/markup-compatibility/2006">
-        <mc:Choice xmlns:a14="http://schemas.microsoft.com/office/drawing/2010/main" Requires="a14">
+      <mc:AlternateContent xmlns:mc="http://schemas.openxmlformats.org/markup-compatibility/2006" xmlns:a14="http://schemas.microsoft.com/office/drawing/2010/main">
+        <mc:Choice Requires="a14">
           <p:sp>
             <p:nvSpPr>
               <p:cNvPr id="125" name="TextBox 124"/>
@@ -15763,7 +15489,7 @@
                               <a:solidFill>
                                 <a:srgbClr val="002060"/>
                               </a:solidFill>
-                              <a:latin typeface="Cambria Math" panose="02040503050406030204" pitchFamily="18" charset="0"/>
+                              <a:latin typeface="Cambria Math"/>
                             </a:rPr>
                           </m:ctrlPr>
                         </m:sSubSupPr>
@@ -15856,7 +15582,7 @@
                               <a:solidFill>
                                 <a:srgbClr val="002060"/>
                               </a:solidFill>
-                              <a:latin typeface="Cambria Math" panose="02040503050406030204" pitchFamily="18" charset="0"/>
+                              <a:latin typeface="Cambria Math"/>
                             </a:rPr>
                           </m:ctrlPr>
                         </m:sSubSupPr>
@@ -15919,7 +15645,7 @@
                               <a:solidFill>
                                 <a:srgbClr val="002060"/>
                               </a:solidFill>
-                              <a:latin typeface="Cambria Math" panose="02040503050406030204" pitchFamily="18" charset="0"/>
+                              <a:latin typeface="Cambria Math"/>
                             </a:rPr>
                           </m:ctrlPr>
                         </m:sSupPr>
@@ -15989,7 +15715,7 @@
                               <a:solidFill>
                                 <a:srgbClr val="002060"/>
                               </a:solidFill>
-                              <a:latin typeface="Cambria Math" panose="02040503050406030204" pitchFamily="18" charset="0"/>
+                              <a:latin typeface="Cambria Math"/>
                             </a:rPr>
                           </m:ctrlPr>
                         </m:sSupPr>
@@ -16001,7 +15727,7 @@
                                   <a:solidFill>
                                     <a:srgbClr val="002060"/>
                                   </a:solidFill>
-                                  <a:latin typeface="Cambria Math" panose="02040503050406030204" pitchFamily="18" charset="0"/>
+                                  <a:latin typeface="Cambria Math"/>
                                 </a:rPr>
                               </m:ctrlPr>
                             </m:dPr>
@@ -16013,7 +15739,7 @@
                                       <a:solidFill>
                                         <a:srgbClr val="002060"/>
                                       </a:solidFill>
-                                      <a:latin typeface="Cambria Math" panose="02040503050406030204" pitchFamily="18" charset="0"/>
+                                      <a:latin typeface="Cambria Math"/>
                                     </a:rPr>
                                   </m:ctrlPr>
                                 </m:sSupPr>
@@ -16026,7 +15752,7 @@
                                           <a:solidFill>
                                             <a:srgbClr val="002060"/>
                                           </a:solidFill>
-                                          <a:latin typeface="Cambria Math" panose="02040503050406030204" pitchFamily="18" charset="0"/>
+                                          <a:latin typeface="Cambria Math"/>
                                         </a:rPr>
                                       </m:ctrlPr>
                                     </m:accPr>
@@ -16051,7 +15777,7 @@
                                           <a:solidFill>
                                             <a:srgbClr val="002060"/>
                                           </a:solidFill>
-                                          <a:latin typeface="Cambria Math" panose="02040503050406030204" pitchFamily="18" charset="0"/>
+                                          <a:latin typeface="Cambria Math"/>
                                         </a:rPr>
                                       </m:ctrlPr>
                                     </m:dPr>
@@ -16085,7 +15811,7 @@
                                       <a:solidFill>
                                         <a:srgbClr val="002060"/>
                                       </a:solidFill>
-                                      <a:latin typeface="Cambria Math" panose="02040503050406030204" pitchFamily="18" charset="0"/>
+                                      <a:latin typeface="Cambria Math"/>
                                     </a:rPr>
                                   </m:ctrlPr>
                                 </m:sSupPr>
@@ -16097,7 +15823,7 @@
                                           <a:solidFill>
                                             <a:srgbClr val="002060"/>
                                           </a:solidFill>
-                                          <a:latin typeface="Cambria Math" panose="02040503050406030204" pitchFamily="18" charset="0"/>
+                                          <a:latin typeface="Cambria Math"/>
                                         </a:rPr>
                                       </m:ctrlPr>
                                     </m:dPr>
@@ -16109,7 +15835,7 @@
                                               <a:solidFill>
                                                 <a:srgbClr val="002060"/>
                                               </a:solidFill>
-                                              <a:latin typeface="Cambria Math" panose="02040503050406030204" pitchFamily="18" charset="0"/>
+                                              <a:latin typeface="Cambria Math"/>
                                             </a:rPr>
                                           </m:ctrlPr>
                                         </m:sSupPr>
@@ -16122,7 +15848,7 @@
                                                   <a:solidFill>
                                                     <a:srgbClr val="002060"/>
                                                   </a:solidFill>
-                                                  <a:latin typeface="Cambria Math" panose="02040503050406030204" pitchFamily="18" charset="0"/>
+                                                  <a:latin typeface="Cambria Math"/>
                                                 </a:rPr>
                                               </m:ctrlPr>
                                             </m:accPr>
@@ -16204,7 +15930,7 @@
                                   <a:solidFill>
                                     <a:srgbClr val="002060"/>
                                   </a:solidFill>
-                                  <a:latin typeface="Cambria Math" panose="02040503050406030204" pitchFamily="18" charset="0"/>
+                                  <a:latin typeface="Cambria Math"/>
                                 </a:rPr>
                               </m:ctrlPr>
                             </m:fPr>
@@ -16241,7 +15967,7 @@
             </p:txBody>
           </p:sp>
         </mc:Choice>
-        <mc:Fallback>
+        <mc:Fallback xmlns="">
           <p:sp>
             <p:nvSpPr>
               <p:cNvPr id="125" name="TextBox 124"/>
@@ -16646,7 +16372,7 @@
                             <a:solidFill>
                               <a:srgbClr val="000060"/>
                             </a:solidFill>
-                            <a:latin typeface="Cambria Math" panose="02040503050406030204" pitchFamily="18" charset="0"/>
+                            <a:latin typeface="Cambria Math"/>
                             <a:cs typeface="Arial" panose="020B0604020202020204" pitchFamily="34" charset="0"/>
                           </a:rPr>
                         </m:ctrlPr>
@@ -16661,7 +16387,7 @@
                                 <a:solidFill>
                                   <a:srgbClr val="000060"/>
                                 </a:solidFill>
-                                <a:latin typeface="Cambria Math" panose="02040503050406030204" pitchFamily="18" charset="0"/>
+                                <a:latin typeface="Cambria Math"/>
                                 <a:cs typeface="Arial" panose="020B0604020202020204" pitchFamily="34" charset="0"/>
                               </a:rPr>
                             </m:ctrlPr>
@@ -16674,7 +16400,7 @@
                                     <a:solidFill>
                                       <a:srgbClr val="000060"/>
                                     </a:solidFill>
-                                    <a:latin typeface="Cambria Math" panose="02040503050406030204" pitchFamily="18" charset="0"/>
+                                    <a:latin typeface="Cambria Math"/>
                                     <a:cs typeface="Arial" panose="020B0604020202020204" pitchFamily="34" charset="0"/>
                                   </a:rPr>
                                 </m:ctrlPr>
@@ -16711,7 +16437,7 @@
                                         <a:solidFill>
                                           <a:srgbClr val="000060"/>
                                         </a:solidFill>
-                                        <a:latin typeface="Cambria Math" panose="02040503050406030204" pitchFamily="18" charset="0"/>
+                                        <a:latin typeface="Cambria Math"/>
                                         <a:cs typeface="Arial" panose="020B0604020202020204" pitchFamily="34" charset="0"/>
                                       </a:rPr>
                                     </m:ctrlPr>
@@ -16764,7 +16490,7 @@
                             <a:solidFill>
                               <a:srgbClr val="000060"/>
                             </a:solidFill>
-                            <a:latin typeface="Cambria Math" panose="02040503050406030204" pitchFamily="18" charset="0"/>
+                            <a:latin typeface="Cambria Math"/>
                             <a:cs typeface="Arial" panose="020B0604020202020204" pitchFamily="34" charset="0"/>
                           </a:rPr>
                         </m:ctrlPr>
@@ -16779,7 +16505,7 @@
                                 <a:solidFill>
                                   <a:srgbClr val="000060"/>
                                 </a:solidFill>
-                                <a:latin typeface="Cambria Math" panose="02040503050406030204" pitchFamily="18" charset="0"/>
+                                <a:latin typeface="Cambria Math"/>
                                 <a:cs typeface="Arial" panose="020B0604020202020204" pitchFamily="34" charset="0"/>
                               </a:rPr>
                             </m:ctrlPr>
@@ -16792,7 +16518,7 @@
                                     <a:solidFill>
                                       <a:srgbClr val="000060"/>
                                     </a:solidFill>
-                                    <a:latin typeface="Cambria Math" panose="02040503050406030204" pitchFamily="18" charset="0"/>
+                                    <a:latin typeface="Cambria Math"/>
                                     <a:cs typeface="Arial" panose="020B0604020202020204" pitchFamily="34" charset="0"/>
                                   </a:rPr>
                                 </m:ctrlPr>
@@ -16829,7 +16555,7 @@
                                         <a:solidFill>
                                           <a:srgbClr val="000060"/>
                                         </a:solidFill>
-                                        <a:latin typeface="Cambria Math" panose="02040503050406030204" pitchFamily="18" charset="0"/>
+                                        <a:latin typeface="Cambria Math"/>
                                         <a:cs typeface="Arial" panose="020B0604020202020204" pitchFamily="34" charset="0"/>
                                       </a:rPr>
                                     </m:ctrlPr>
@@ -16886,7 +16612,7 @@
                             <a:solidFill>
                               <a:srgbClr val="000060"/>
                             </a:solidFill>
-                            <a:latin typeface="Cambria Math" panose="02040503050406030204" pitchFamily="18" charset="0"/>
+                            <a:latin typeface="Cambria Math"/>
                             <a:cs typeface="Arial" panose="020B0604020202020204" pitchFamily="34" charset="0"/>
                           </a:rPr>
                         </m:ctrlPr>
@@ -16901,7 +16627,7 @@
                                 <a:solidFill>
                                   <a:srgbClr val="000060"/>
                                 </a:solidFill>
-                                <a:latin typeface="Cambria Math" panose="02040503050406030204" pitchFamily="18" charset="0"/>
+                                <a:latin typeface="Cambria Math"/>
                                 <a:cs typeface="Arial" panose="020B0604020202020204" pitchFamily="34" charset="0"/>
                               </a:rPr>
                             </m:ctrlPr>
@@ -16914,7 +16640,7 @@
                                     <a:solidFill>
                                       <a:srgbClr val="000060"/>
                                     </a:solidFill>
-                                    <a:latin typeface="Cambria Math" panose="02040503050406030204" pitchFamily="18" charset="0"/>
+                                    <a:latin typeface="Cambria Math"/>
                                     <a:cs typeface="Arial" panose="020B0604020202020204" pitchFamily="34" charset="0"/>
                                   </a:rPr>
                                 </m:ctrlPr>
@@ -16954,7 +16680,7 @@
                                         <a:solidFill>
                                           <a:srgbClr val="000060"/>
                                         </a:solidFill>
-                                        <a:latin typeface="Cambria Math" panose="02040503050406030204" pitchFamily="18" charset="0"/>
+                                        <a:latin typeface="Cambria Math"/>
                                         <a:cs typeface="Arial" panose="020B0604020202020204" pitchFamily="34" charset="0"/>
                                       </a:rPr>
                                     </m:ctrlPr>
@@ -17007,7 +16733,7 @@
                             <a:solidFill>
                               <a:srgbClr val="000060"/>
                             </a:solidFill>
-                            <a:latin typeface="Cambria Math" panose="02040503050406030204" pitchFamily="18" charset="0"/>
+                            <a:latin typeface="Cambria Math"/>
                             <a:cs typeface="Arial" panose="020B0604020202020204" pitchFamily="34" charset="0"/>
                           </a:rPr>
                         </m:ctrlPr>
@@ -17022,7 +16748,7 @@
                                 <a:solidFill>
                                   <a:srgbClr val="000060"/>
                                 </a:solidFill>
-                                <a:latin typeface="Cambria Math" panose="02040503050406030204" pitchFamily="18" charset="0"/>
+                                <a:latin typeface="Cambria Math"/>
                                 <a:cs typeface="Arial" panose="020B0604020202020204" pitchFamily="34" charset="0"/>
                               </a:rPr>
                             </m:ctrlPr>
@@ -17035,7 +16761,7 @@
                                     <a:solidFill>
                                       <a:srgbClr val="000060"/>
                                     </a:solidFill>
-                                    <a:latin typeface="Cambria Math" panose="02040503050406030204" pitchFamily="18" charset="0"/>
+                                    <a:latin typeface="Cambria Math"/>
                                     <a:cs typeface="Arial" panose="020B0604020202020204" pitchFamily="34" charset="0"/>
                                   </a:rPr>
                                 </m:ctrlPr>
@@ -17075,7 +16801,7 @@
                                         <a:solidFill>
                                           <a:srgbClr val="000060"/>
                                         </a:solidFill>
-                                        <a:latin typeface="Cambria Math" panose="02040503050406030204" pitchFamily="18" charset="0"/>
+                                        <a:latin typeface="Cambria Math"/>
                                         <a:cs typeface="Arial" panose="020B0604020202020204" pitchFamily="34" charset="0"/>
                                       </a:rPr>
                                     </m:ctrlPr>
@@ -17121,17 +16847,7 @@
                     <a:latin typeface="Arial" panose="020B0604020202020204" pitchFamily="34" charset="0"/>
                     <a:cs typeface="Arial" panose="020B0604020202020204" pitchFamily="34" charset="0"/>
                   </a:rPr>
-                  <a:t>respectively</a:t>
-                </a:r>
-                <a:r>
-                  <a:rPr lang="en-US" sz="2990" b="0" dirty="0" smtClean="0">
-                    <a:solidFill>
-                      <a:srgbClr val="000060"/>
-                    </a:solidFill>
-                    <a:latin typeface="Arial" panose="020B0604020202020204" pitchFamily="34" charset="0"/>
-                    <a:cs typeface="Arial" panose="020B0604020202020204" pitchFamily="34" charset="0"/>
-                  </a:rPr>
-                  <a:t>.</a:t>
+                  <a:t>respectively.</a:t>
                 </a:r>
                 <a:br>
                   <a:rPr lang="en-US" sz="2990" b="0" dirty="0" smtClean="0">
@@ -17150,17 +16866,7 @@
                     <a:latin typeface="Arial" panose="020B0604020202020204" pitchFamily="34" charset="0"/>
                     <a:cs typeface="Arial" panose="020B0604020202020204" pitchFamily="34" charset="0"/>
                   </a:rPr>
-                  <a:t>L</a:t>
-                </a:r>
-                <a:r>
-                  <a:rPr lang="en-US" sz="2990" b="0" dirty="0" smtClean="0">
-                    <a:solidFill>
-                      <a:srgbClr val="000060"/>
-                    </a:solidFill>
-                    <a:latin typeface="Arial" panose="020B0604020202020204" pitchFamily="34" charset="0"/>
-                    <a:cs typeface="Arial" panose="020B0604020202020204" pitchFamily="34" charset="0"/>
-                  </a:rPr>
-                  <a:t>et </a:t>
+                  <a:t>Let </a:t>
                 </a:r>
                 <a14:m>
                   <m:oMath xmlns:m="http://schemas.openxmlformats.org/officeDocument/2006/math">
@@ -17171,7 +16877,7 @@
                             <a:solidFill>
                               <a:srgbClr val="000060"/>
                             </a:solidFill>
-                            <a:latin typeface="Cambria Math" panose="02040503050406030204" pitchFamily="18" charset="0"/>
+                            <a:latin typeface="Cambria Math"/>
                             <a:cs typeface="Arial" panose="020B0604020202020204" pitchFamily="34" charset="0"/>
                           </a:rPr>
                         </m:ctrlPr>
@@ -17196,7 +16902,7 @@
                                 <a:solidFill>
                                   <a:srgbClr val="000060"/>
                                 </a:solidFill>
-                                <a:latin typeface="Cambria Math" panose="02040503050406030204" pitchFamily="18" charset="0"/>
+                                <a:latin typeface="Cambria Math"/>
                                 <a:cs typeface="Arial" panose="020B0604020202020204" pitchFamily="34" charset="0"/>
                               </a:rPr>
                             </m:ctrlPr>
@@ -17233,7 +16939,7 @@
                             <a:solidFill>
                               <a:srgbClr val="000060"/>
                             </a:solidFill>
-                            <a:latin typeface="Cambria Math" panose="02040503050406030204" pitchFamily="18" charset="0"/>
+                            <a:latin typeface="Cambria Math"/>
                             <a:cs typeface="Arial" panose="020B0604020202020204" pitchFamily="34" charset="0"/>
                           </a:rPr>
                         </m:ctrlPr>
@@ -17258,7 +16964,7 @@
                                 <a:solidFill>
                                   <a:srgbClr val="000060"/>
                                 </a:solidFill>
-                                <a:latin typeface="Cambria Math" panose="02040503050406030204" pitchFamily="18" charset="0"/>
+                                <a:latin typeface="Cambria Math"/>
                                 <a:cs typeface="Arial" panose="020B0604020202020204" pitchFamily="34" charset="0"/>
                               </a:rPr>
                             </m:ctrlPr>
@@ -17311,7 +17017,7 @@
                             <a:solidFill>
                               <a:srgbClr val="000060"/>
                             </a:solidFill>
-                            <a:latin typeface="Cambria Math" panose="02040503050406030204" pitchFamily="18" charset="0"/>
+                            <a:latin typeface="Cambria Math"/>
                             <a:cs typeface="Arial" panose="020B0604020202020204" pitchFamily="34" charset="0"/>
                           </a:rPr>
                         </m:ctrlPr>
@@ -17324,7 +17030,7 @@
                                 <a:solidFill>
                                   <a:srgbClr val="000060"/>
                                 </a:solidFill>
-                                <a:latin typeface="Cambria Math" panose="02040503050406030204" pitchFamily="18" charset="0"/>
+                                <a:latin typeface="Cambria Math"/>
                                 <a:cs typeface="Arial" panose="020B0604020202020204" pitchFamily="34" charset="0"/>
                               </a:rPr>
                             </m:ctrlPr>
@@ -17361,7 +17067,7 @@
                                     <a:solidFill>
                                       <a:srgbClr val="000060"/>
                                     </a:solidFill>
-                                    <a:latin typeface="Cambria Math" panose="02040503050406030204" pitchFamily="18" charset="0"/>
+                                    <a:latin typeface="Cambria Math"/>
                                     <a:cs typeface="Arial" panose="020B0604020202020204" pitchFamily="34" charset="0"/>
                                   </a:rPr>
                                 </m:ctrlPr>
@@ -17402,7 +17108,7 @@
                             <a:solidFill>
                               <a:srgbClr val="000060"/>
                             </a:solidFill>
-                            <a:latin typeface="Cambria Math" panose="02040503050406030204" pitchFamily="18" charset="0"/>
+                            <a:latin typeface="Cambria Math"/>
                             <a:cs typeface="Arial" panose="020B0604020202020204" pitchFamily="34" charset="0"/>
                           </a:rPr>
                         </m:ctrlPr>
@@ -17415,7 +17121,7 @@
                                 <a:solidFill>
                                   <a:srgbClr val="000060"/>
                                 </a:solidFill>
-                                <a:latin typeface="Cambria Math" panose="02040503050406030204" pitchFamily="18" charset="0"/>
+                                <a:latin typeface="Cambria Math"/>
                                 <a:cs typeface="Arial" panose="020B0604020202020204" pitchFamily="34" charset="0"/>
                               </a:rPr>
                             </m:ctrlPr>
@@ -17452,7 +17158,7 @@
                                     <a:solidFill>
                                       <a:srgbClr val="000060"/>
                                     </a:solidFill>
-                                    <a:latin typeface="Cambria Math" panose="02040503050406030204" pitchFamily="18" charset="0"/>
+                                    <a:latin typeface="Cambria Math"/>
                                     <a:cs typeface="Arial" panose="020B0604020202020204" pitchFamily="34" charset="0"/>
                                   </a:rPr>
                                 </m:ctrlPr>
@@ -17484,7 +17190,27 @@
                     <a:latin typeface="Arial" panose="020B0604020202020204" pitchFamily="34" charset="0"/>
                     <a:cs typeface="Arial" panose="020B0604020202020204" pitchFamily="34" charset="0"/>
                   </a:rPr>
-                  <a:t> into a matrices.</a:t>
+                  <a:t> into </a:t>
+                </a:r>
+                <a:r>
+                  <a:rPr lang="en-US" sz="2990" b="0" dirty="0" smtClean="0">
+                    <a:solidFill>
+                      <a:srgbClr val="000060"/>
+                    </a:solidFill>
+                    <a:latin typeface="Arial" panose="020B0604020202020204" pitchFamily="34" charset="0"/>
+                    <a:cs typeface="Arial" panose="020B0604020202020204" pitchFamily="34" charset="0"/>
+                  </a:rPr>
+                  <a:t>matrices</a:t>
+                </a:r>
+                <a:r>
+                  <a:rPr lang="en-US" sz="2990" b="0" dirty="0" smtClean="0">
+                    <a:solidFill>
+                      <a:srgbClr val="000060"/>
+                    </a:solidFill>
+                    <a:latin typeface="Arial" panose="020B0604020202020204" pitchFamily="34" charset="0"/>
+                    <a:cs typeface="Arial" panose="020B0604020202020204" pitchFamily="34" charset="0"/>
+                  </a:rPr>
+                  <a:t>.</a:t>
                 </a:r>
                 <a:endParaRPr lang="he-IL" sz="2990" b="0" dirty="0">
                   <a:solidFill>
@@ -17514,7 +17240,7 @@
               <a:prstGeom prst="rect">
                 <a:avLst/>
               </a:prstGeom>
-              <a:blipFill>
+              <a:blipFill rotWithShape="1">
                 <a:blip r:embed="rId29"/>
                 <a:stretch>
                   <a:fillRect l="-2015" t="-1766" r="-1598" b="-1325"/>
@@ -17526,7 +17252,7 @@
               <a:lstStyle/>
               <a:p>
                 <a:r>
-                  <a:rPr lang="en-US">
+                  <a:rPr lang="he-IL">
                     <a:noFill/>
                   </a:rPr>
                   <a:t> </a:t>
@@ -17546,8 +17272,8 @@
             </p:nvSpPr>
             <p:spPr>
               <a:xfrm>
-                <a:off x="20567893" y="9667081"/>
-                <a:ext cx="8898976" cy="2930033"/>
+                <a:off x="20567893" y="9785048"/>
+                <a:ext cx="8898976" cy="3006977"/>
               </a:xfrm>
               <a:prstGeom prst="rect">
                 <a:avLst/>
@@ -17637,7 +17363,7 @@
                             <a:solidFill>
                               <a:srgbClr val="000060"/>
                             </a:solidFill>
-                            <a:latin typeface="Cambria Math" panose="02040503050406030204" pitchFamily="18" charset="0"/>
+                            <a:latin typeface="Cambria Math"/>
                             <a:cs typeface="Arial" panose="020B0604020202020204" pitchFamily="34" charset="0"/>
                           </a:rPr>
                         </m:ctrlPr>
@@ -17663,7 +17389,7 @@
                                 <a:solidFill>
                                   <a:srgbClr val="000060"/>
                                 </a:solidFill>
-                                <a:latin typeface="Cambria Math" panose="02040503050406030204" pitchFamily="18" charset="0"/>
+                                <a:latin typeface="Cambria Math"/>
                                 <a:cs typeface="Arial" panose="020B0604020202020204" pitchFamily="34" charset="0"/>
                               </a:rPr>
                             </m:ctrlPr>
@@ -17725,7 +17451,7 @@
                             <a:solidFill>
                               <a:srgbClr val="000060"/>
                             </a:solidFill>
-                            <a:latin typeface="Cambria Math" panose="02040503050406030204" pitchFamily="18" charset="0"/>
+                            <a:latin typeface="Cambria Math"/>
                             <a:cs typeface="Arial" panose="020B0604020202020204" pitchFamily="34" charset="0"/>
                           </a:rPr>
                         </m:ctrlPr>
@@ -17755,13 +17481,6 @@
                   </a:rPr>
                   <a:t> is the Riemannian mean of the entire dataset.</a:t>
                 </a:r>
-                <a:endParaRPr lang="en-US" sz="2990" b="0" dirty="0" smtClean="0">
-                  <a:solidFill>
-                    <a:srgbClr val="000060"/>
-                  </a:solidFill>
-                  <a:latin typeface="Arial" panose="020B0604020202020204" pitchFamily="34" charset="0"/>
-                  <a:cs typeface="Arial" panose="020B0604020202020204" pitchFamily="34" charset="0"/>
-                </a:endParaRPr>
               </a:p>
               <a:p>
                 <a:pPr marL="457200" indent="-457200" algn="just" rtl="0">
@@ -17780,7 +17499,65 @@
                     <a:latin typeface="Arial" panose="020B0604020202020204" pitchFamily="34" charset="0"/>
                     <a:cs typeface="Arial" panose="020B0604020202020204" pitchFamily="34" charset="0"/>
                   </a:rPr>
-                  <a:t>Our algorithm holds for any SPD matrix, in our implementation we used covariance matrices as features. </a:t>
+                  <a:t>We used </a:t>
+                </a:r>
+                <a:r>
+                  <a:rPr lang="en-US" sz="2990" b="0" dirty="0" smtClean="0">
+                    <a:solidFill>
+                      <a:srgbClr val="000060"/>
+                    </a:solidFill>
+                    <a:latin typeface="Arial" panose="020B0604020202020204" pitchFamily="34" charset="0"/>
+                    <a:cs typeface="Arial" panose="020B0604020202020204" pitchFamily="34" charset="0"/>
+                  </a:rPr>
+                  <a:t>covariance matrices as </a:t>
+                </a:r>
+                <a:r>
+                  <a:rPr lang="en-US" sz="2990" b="0" dirty="0" smtClean="0">
+                    <a:solidFill>
+                      <a:srgbClr val="000060"/>
+                    </a:solidFill>
+                    <a:latin typeface="Arial" panose="020B0604020202020204" pitchFamily="34" charset="0"/>
+                    <a:cs typeface="Arial" panose="020B0604020202020204" pitchFamily="34" charset="0"/>
+                  </a:rPr>
+                  <a:t>features for the presented results. </a:t>
+                </a:r>
+              </a:p>
+              <a:p>
+                <a:pPr algn="just" rtl="0">
+                  <a:spcBef>
+                    <a:spcPts val="600"/>
+                  </a:spcBef>
+                  <a:buSzPct val="125000"/>
+                </a:pPr>
+                <a:r>
+                  <a:rPr lang="en-US" sz="2990" b="0" dirty="0">
+                    <a:solidFill>
+                      <a:srgbClr val="000060"/>
+                    </a:solidFill>
+                    <a:latin typeface="Arial" panose="020B0604020202020204" pitchFamily="34" charset="0"/>
+                    <a:cs typeface="Arial" panose="020B0604020202020204" pitchFamily="34" charset="0"/>
+                  </a:rPr>
+                  <a:t> </a:t>
+                </a:r>
+                <a:r>
+                  <a:rPr lang="en-US" sz="2990" b="0" dirty="0" smtClean="0">
+                    <a:solidFill>
+                      <a:srgbClr val="000060"/>
+                    </a:solidFill>
+                    <a:latin typeface="Arial" panose="020B0604020202020204" pitchFamily="34" charset="0"/>
+                    <a:cs typeface="Arial" panose="020B0604020202020204" pitchFamily="34" charset="0"/>
+                  </a:rPr>
+                  <a:t>   </a:t>
+                </a:r>
+                <a:r>
+                  <a:rPr lang="en-US" sz="2990" b="0" dirty="0" smtClean="0">
+                    <a:solidFill>
+                      <a:srgbClr val="000060"/>
+                    </a:solidFill>
+                    <a:latin typeface="Arial" panose="020B0604020202020204" pitchFamily="34" charset="0"/>
+                    <a:cs typeface="Arial" panose="020B0604020202020204" pitchFamily="34" charset="0"/>
+                  </a:rPr>
+                  <a:t>The features extraction process: </a:t>
                 </a:r>
                 <a:endParaRPr lang="en-US" sz="2990" b="0" dirty="0">
                   <a:solidFill>
@@ -17804,16 +17581,16 @@
             </p:nvSpPr>
             <p:spPr>
               <a:xfrm>
-                <a:off x="20567893" y="9667081"/>
-                <a:ext cx="8898976" cy="2930033"/>
+                <a:off x="20567893" y="9785048"/>
+                <a:ext cx="8898976" cy="3006977"/>
               </a:xfrm>
               <a:prstGeom prst="rect">
                 <a:avLst/>
               </a:prstGeom>
-              <a:blipFill>
+              <a:blipFill rotWithShape="1">
                 <a:blip r:embed="rId30"/>
                 <a:stretch>
-                  <a:fillRect l="-2055" t="-5208" r="-1507" b="-5417"/>
+                  <a:fillRect l="-2055" t="-5071" r="-1507" b="-5071"/>
                 </a:stretch>
               </a:blipFill>
             </p:spPr>
@@ -17822,7 +17599,7 @@
               <a:lstStyle/>
               <a:p>
                 <a:r>
-                  <a:rPr lang="en-US">
+                  <a:rPr lang="he-IL">
                     <a:noFill/>
                   </a:rPr>
                   <a:t> </a:t>
@@ -17880,777 +17657,6 @@
           </a:p>
         </p:txBody>
       </p:sp>
-      <p:grpSp>
-        <p:nvGrpSpPr>
-          <p:cNvPr id="174" name="קבוצה 173"/>
-          <p:cNvGrpSpPr/>
-          <p:nvPr/>
-        </p:nvGrpSpPr>
-        <p:grpSpPr>
-          <a:xfrm>
-            <a:off x="20646401" y="14527382"/>
-            <a:ext cx="8664405" cy="4283699"/>
-            <a:chOff x="46405" y="548681"/>
-            <a:chExt cx="11369762" cy="5558718"/>
-          </a:xfrm>
-        </p:grpSpPr>
-        <p:pic>
-          <p:nvPicPr>
-            <p:cNvPr id="175" name="Picture 12"/>
-            <p:cNvPicPr>
-              <a:picLocks noChangeAspect="1" noChangeArrowheads="1"/>
-            </p:cNvPicPr>
-            <p:nvPr/>
-          </p:nvPicPr>
-          <p:blipFill rotWithShape="1">
-            <a:blip r:embed="rId31" cstate="print">
-              <a:extLst>
-                <a:ext uri="{28A0092B-C50C-407E-A947-70E740481C1C}">
-                  <a14:useLocalDpi xmlns:a14="http://schemas.microsoft.com/office/drawing/2010/main" val="0"/>
-                </a:ext>
-              </a:extLst>
-            </a:blip>
-            <a:srcRect l="3589" r="-1"/>
-            <a:stretch/>
-          </p:blipFill>
-          <p:spPr bwMode="auto">
-            <a:xfrm>
-              <a:off x="7640588" y="3335519"/>
-              <a:ext cx="3775579" cy="2767697"/>
-            </a:xfrm>
-            <a:prstGeom prst="rect">
-              <a:avLst/>
-            </a:prstGeom>
-            <a:noFill/>
-            <a:ln w="3175">
-              <a:solidFill>
-                <a:schemeClr val="tx1"/>
-              </a:solidFill>
-              <a:miter lim="800000"/>
-              <a:headEnd/>
-              <a:tailEnd/>
-            </a:ln>
-            <a:effectLst/>
-            <a:extLst>
-              <a:ext uri="{909E8E84-426E-40DD-AFC4-6F175D3DCCD1}">
-                <a14:hiddenFill xmlns:a14="http://schemas.microsoft.com/office/drawing/2010/main">
-                  <a:solidFill>
-                    <a:schemeClr val="accent1"/>
-                  </a:solidFill>
-                </a14:hiddenFill>
-              </a:ext>
-              <a:ext uri="{AF507438-7753-43E0-B8FC-AC1667EBCBE1}">
-                <a14:hiddenEffects xmlns:a14="http://schemas.microsoft.com/office/drawing/2010/main">
-                  <a:effectLst>
-                    <a:outerShdw dist="35921" dir="2700000" algn="ctr" rotWithShape="0">
-                      <a:schemeClr val="bg2"/>
-                    </a:outerShdw>
-                  </a:effectLst>
-                </a14:hiddenEffects>
-              </a:ext>
-            </a:extLst>
-          </p:spPr>
-        </p:pic>
-        <p:pic>
-          <p:nvPicPr>
-            <p:cNvPr id="176" name="Picture 13"/>
-            <p:cNvPicPr>
-              <a:picLocks noChangeAspect="1" noChangeArrowheads="1"/>
-            </p:cNvPicPr>
-            <p:nvPr/>
-          </p:nvPicPr>
-          <p:blipFill rotWithShape="1">
-            <a:blip r:embed="rId32" cstate="print">
-              <a:extLst>
-                <a:ext uri="{28A0092B-C50C-407E-A947-70E740481C1C}">
-                  <a14:useLocalDpi xmlns:a14="http://schemas.microsoft.com/office/drawing/2010/main" val="0"/>
-                </a:ext>
-              </a:extLst>
-            </a:blip>
-            <a:srcRect l="3887"/>
-            <a:stretch/>
-          </p:blipFill>
-          <p:spPr bwMode="auto">
-            <a:xfrm>
-              <a:off x="7638578" y="548681"/>
-              <a:ext cx="3777589" cy="2796612"/>
-            </a:xfrm>
-            <a:prstGeom prst="rect">
-              <a:avLst/>
-            </a:prstGeom>
-            <a:noFill/>
-            <a:ln w="3175">
-              <a:solidFill>
-                <a:schemeClr val="tx1"/>
-              </a:solidFill>
-              <a:miter lim="800000"/>
-              <a:headEnd/>
-              <a:tailEnd/>
-            </a:ln>
-            <a:effectLst/>
-            <a:extLst>
-              <a:ext uri="{909E8E84-426E-40DD-AFC4-6F175D3DCCD1}">
-                <a14:hiddenFill xmlns:a14="http://schemas.microsoft.com/office/drawing/2010/main">
-                  <a:solidFill>
-                    <a:schemeClr val="accent1"/>
-                  </a:solidFill>
-                </a14:hiddenFill>
-              </a:ext>
-              <a:ext uri="{AF507438-7753-43E0-B8FC-AC1667EBCBE1}">
-                <a14:hiddenEffects xmlns:a14="http://schemas.microsoft.com/office/drawing/2010/main">
-                  <a:effectLst>
-                    <a:outerShdw dist="35921" dir="2700000" algn="ctr" rotWithShape="0">
-                      <a:schemeClr val="bg2"/>
-                    </a:outerShdw>
-                  </a:effectLst>
-                </a14:hiddenEffects>
-              </a:ext>
-            </a:extLst>
-          </p:spPr>
-        </p:pic>
-        <p:pic>
-          <p:nvPicPr>
-            <p:cNvPr id="177" name="Picture 16"/>
-            <p:cNvPicPr>
-              <a:picLocks noChangeAspect="1" noChangeArrowheads="1"/>
-            </p:cNvPicPr>
-            <p:nvPr/>
-          </p:nvPicPr>
-          <p:blipFill rotWithShape="1">
-            <a:blip r:embed="rId33" cstate="print">
-              <a:extLst>
-                <a:ext uri="{28A0092B-C50C-407E-A947-70E740481C1C}">
-                  <a14:useLocalDpi xmlns:a14="http://schemas.microsoft.com/office/drawing/2010/main" val="0"/>
-                </a:ext>
-              </a:extLst>
-            </a:blip>
-            <a:srcRect l="3744"/>
-            <a:stretch/>
-          </p:blipFill>
-          <p:spPr bwMode="auto">
-            <a:xfrm>
-              <a:off x="46405" y="3345293"/>
-              <a:ext cx="4130456" cy="2759839"/>
-            </a:xfrm>
-            <a:prstGeom prst="rect">
-              <a:avLst/>
-            </a:prstGeom>
-            <a:noFill/>
-            <a:ln w="3175">
-              <a:solidFill>
-                <a:schemeClr val="tx1"/>
-              </a:solidFill>
-              <a:miter lim="800000"/>
-              <a:headEnd/>
-              <a:tailEnd/>
-            </a:ln>
-            <a:effectLst/>
-            <a:extLst>
-              <a:ext uri="{909E8E84-426E-40DD-AFC4-6F175D3DCCD1}">
-                <a14:hiddenFill xmlns:a14="http://schemas.microsoft.com/office/drawing/2010/main">
-                  <a:solidFill>
-                    <a:schemeClr val="accent1"/>
-                  </a:solidFill>
-                </a14:hiddenFill>
-              </a:ext>
-              <a:ext uri="{AF507438-7753-43E0-B8FC-AC1667EBCBE1}">
-                <a14:hiddenEffects xmlns:a14="http://schemas.microsoft.com/office/drawing/2010/main">
-                  <a:effectLst>
-                    <a:outerShdw dist="35921" dir="2700000" algn="ctr" rotWithShape="0">
-                      <a:schemeClr val="bg2"/>
-                    </a:outerShdw>
-                  </a:effectLst>
-                </a14:hiddenEffects>
-              </a:ext>
-            </a:extLst>
-          </p:spPr>
-        </p:pic>
-        <p:pic>
-          <p:nvPicPr>
-            <p:cNvPr id="179" name="Picture 17"/>
-            <p:cNvPicPr>
-              <a:picLocks noChangeAspect="1" noChangeArrowheads="1"/>
-            </p:cNvPicPr>
-            <p:nvPr/>
-          </p:nvPicPr>
-          <p:blipFill rotWithShape="1">
-            <a:blip r:embed="rId34" cstate="print">
-              <a:extLst>
-                <a:ext uri="{28A0092B-C50C-407E-A947-70E740481C1C}">
-                  <a14:useLocalDpi xmlns:a14="http://schemas.microsoft.com/office/drawing/2010/main" val="0"/>
-                </a:ext>
-              </a:extLst>
-            </a:blip>
-            <a:srcRect l="3128"/>
-            <a:stretch/>
-          </p:blipFill>
-          <p:spPr bwMode="auto">
-            <a:xfrm>
-              <a:off x="46405" y="548681"/>
-              <a:ext cx="4130456" cy="2796612"/>
-            </a:xfrm>
-            <a:prstGeom prst="rect">
-              <a:avLst/>
-            </a:prstGeom>
-            <a:noFill/>
-            <a:ln w="3175">
-              <a:solidFill>
-                <a:schemeClr val="tx1"/>
-              </a:solidFill>
-              <a:miter lim="800000"/>
-              <a:headEnd/>
-              <a:tailEnd/>
-            </a:ln>
-            <a:effectLst/>
-            <a:extLst>
-              <a:ext uri="{909E8E84-426E-40DD-AFC4-6F175D3DCCD1}">
-                <a14:hiddenFill xmlns:a14="http://schemas.microsoft.com/office/drawing/2010/main">
-                  <a:solidFill>
-                    <a:schemeClr val="accent1"/>
-                  </a:solidFill>
-                </a14:hiddenFill>
-              </a:ext>
-              <a:ext uri="{AF507438-7753-43E0-B8FC-AC1667EBCBE1}">
-                <a14:hiddenEffects xmlns:a14="http://schemas.microsoft.com/office/drawing/2010/main">
-                  <a:effectLst>
-                    <a:outerShdw dist="35921" dir="2700000" algn="ctr" rotWithShape="0">
-                      <a:schemeClr val="bg2"/>
-                    </a:outerShdw>
-                  </a:effectLst>
-                </a14:hiddenEffects>
-              </a:ext>
-            </a:extLst>
-          </p:spPr>
-        </p:pic>
-        <p:pic>
-          <p:nvPicPr>
-            <p:cNvPr id="180" name="Picture 18"/>
-            <p:cNvPicPr>
-              <a:picLocks noChangeAspect="1" noChangeArrowheads="1"/>
-            </p:cNvPicPr>
-            <p:nvPr/>
-          </p:nvPicPr>
-          <p:blipFill rotWithShape="1">
-            <a:blip r:embed="rId35" cstate="print">
-              <a:extLst>
-                <a:ext uri="{28A0092B-C50C-407E-A947-70E740481C1C}">
-                  <a14:useLocalDpi xmlns:a14="http://schemas.microsoft.com/office/drawing/2010/main" val="0"/>
-                </a:ext>
-              </a:extLst>
-            </a:blip>
-            <a:srcRect l="5838"/>
-            <a:stretch/>
-          </p:blipFill>
-          <p:spPr bwMode="auto">
-            <a:xfrm>
-              <a:off x="4176861" y="3349623"/>
-              <a:ext cx="3463727" cy="2757776"/>
-            </a:xfrm>
-            <a:prstGeom prst="rect">
-              <a:avLst/>
-            </a:prstGeom>
-            <a:noFill/>
-            <a:ln w="3175">
-              <a:solidFill>
-                <a:schemeClr val="tx1"/>
-              </a:solidFill>
-              <a:miter lim="800000"/>
-              <a:headEnd/>
-              <a:tailEnd/>
-            </a:ln>
-            <a:effectLst/>
-            <a:extLst>
-              <a:ext uri="{909E8E84-426E-40DD-AFC4-6F175D3DCCD1}">
-                <a14:hiddenFill xmlns:a14="http://schemas.microsoft.com/office/drawing/2010/main">
-                  <a:solidFill>
-                    <a:schemeClr val="accent1"/>
-                  </a:solidFill>
-                </a14:hiddenFill>
-              </a:ext>
-              <a:ext uri="{AF507438-7753-43E0-B8FC-AC1667EBCBE1}">
-                <a14:hiddenEffects xmlns:a14="http://schemas.microsoft.com/office/drawing/2010/main">
-                  <a:effectLst>
-                    <a:outerShdw dist="35921" dir="2700000" algn="ctr" rotWithShape="0">
-                      <a:schemeClr val="bg2"/>
-                    </a:outerShdw>
-                  </a:effectLst>
-                </a14:hiddenEffects>
-              </a:ext>
-            </a:extLst>
-          </p:spPr>
-        </p:pic>
-        <p:pic>
-          <p:nvPicPr>
-            <p:cNvPr id="183" name="Picture 19"/>
-            <p:cNvPicPr>
-              <a:picLocks noChangeAspect="1" noChangeArrowheads="1"/>
-            </p:cNvPicPr>
-            <p:nvPr/>
-          </p:nvPicPr>
-          <p:blipFill rotWithShape="1">
-            <a:blip r:embed="rId36" cstate="print">
-              <a:extLst>
-                <a:ext uri="{28A0092B-C50C-407E-A947-70E740481C1C}">
-                  <a14:useLocalDpi xmlns:a14="http://schemas.microsoft.com/office/drawing/2010/main" val="0"/>
-                </a:ext>
-              </a:extLst>
-            </a:blip>
-            <a:srcRect l="5765" r="1252"/>
-            <a:stretch/>
-          </p:blipFill>
-          <p:spPr bwMode="auto">
-            <a:xfrm>
-              <a:off x="4176860" y="548681"/>
-              <a:ext cx="3456386" cy="2786839"/>
-            </a:xfrm>
-            <a:prstGeom prst="rect">
-              <a:avLst/>
-            </a:prstGeom>
-            <a:noFill/>
-            <a:ln w="3175">
-              <a:solidFill>
-                <a:schemeClr val="tx1"/>
-              </a:solidFill>
-              <a:miter lim="800000"/>
-              <a:headEnd/>
-              <a:tailEnd/>
-            </a:ln>
-            <a:effectLst/>
-            <a:extLst>
-              <a:ext uri="{909E8E84-426E-40DD-AFC4-6F175D3DCCD1}">
-                <a14:hiddenFill xmlns:a14="http://schemas.microsoft.com/office/drawing/2010/main">
-                  <a:solidFill>
-                    <a:schemeClr val="accent1"/>
-                  </a:solidFill>
-                </a14:hiddenFill>
-              </a:ext>
-              <a:ext uri="{AF507438-7753-43E0-B8FC-AC1667EBCBE1}">
-                <a14:hiddenEffects xmlns:a14="http://schemas.microsoft.com/office/drawing/2010/main">
-                  <a:effectLst>
-                    <a:outerShdw dist="35921" dir="2700000" algn="ctr" rotWithShape="0">
-                      <a:schemeClr val="bg2"/>
-                    </a:outerShdw>
-                  </a:effectLst>
-                </a14:hiddenEffects>
-              </a:ext>
-            </a:extLst>
-          </p:spPr>
-        </p:pic>
-      </p:grpSp>
-      <p:grpSp>
-        <p:nvGrpSpPr>
-          <p:cNvPr id="184" name="קבוצה 183"/>
-          <p:cNvGrpSpPr/>
-          <p:nvPr/>
-        </p:nvGrpSpPr>
-        <p:grpSpPr>
-          <a:xfrm>
-            <a:off x="20567893" y="19649281"/>
-            <a:ext cx="9037029" cy="4114800"/>
-            <a:chOff x="122301" y="678434"/>
-            <a:chExt cx="10778357" cy="5271950"/>
-          </a:xfrm>
-        </p:grpSpPr>
-        <p:pic>
-          <p:nvPicPr>
-            <p:cNvPr id="186" name="Picture 2"/>
-            <p:cNvPicPr>
-              <a:picLocks noChangeAspect="1" noChangeArrowheads="1"/>
-            </p:cNvPicPr>
-            <p:nvPr/>
-          </p:nvPicPr>
-          <p:blipFill rotWithShape="1">
-            <a:blip r:embed="rId37" cstate="print">
-              <a:extLst>
-                <a:ext uri="{28A0092B-C50C-407E-A947-70E740481C1C}">
-                  <a14:useLocalDpi xmlns:a14="http://schemas.microsoft.com/office/drawing/2010/main" val="0"/>
-                </a:ext>
-              </a:extLst>
-            </a:blip>
-            <a:srcRect l="2754"/>
-            <a:stretch/>
-          </p:blipFill>
-          <p:spPr bwMode="auto">
-            <a:xfrm>
-              <a:off x="122301" y="3337376"/>
-              <a:ext cx="3910544" cy="2613008"/>
-            </a:xfrm>
-            <a:prstGeom prst="rect">
-              <a:avLst/>
-            </a:prstGeom>
-            <a:noFill/>
-            <a:ln w="3175">
-              <a:solidFill>
-                <a:schemeClr val="tx1"/>
-              </a:solidFill>
-              <a:miter lim="800000"/>
-              <a:headEnd/>
-              <a:tailEnd/>
-            </a:ln>
-            <a:effectLst/>
-            <a:extLst>
-              <a:ext uri="{909E8E84-426E-40DD-AFC4-6F175D3DCCD1}">
-                <a14:hiddenFill xmlns:a14="http://schemas.microsoft.com/office/drawing/2010/main">
-                  <a:solidFill>
-                    <a:schemeClr val="accent1"/>
-                  </a:solidFill>
-                </a14:hiddenFill>
-              </a:ext>
-              <a:ext uri="{AF507438-7753-43E0-B8FC-AC1667EBCBE1}">
-                <a14:hiddenEffects xmlns:a14="http://schemas.microsoft.com/office/drawing/2010/main">
-                  <a:effectLst>
-                    <a:outerShdw dist="35921" dir="2700000" algn="ctr" rotWithShape="0">
-                      <a:schemeClr val="bg2"/>
-                    </a:outerShdw>
-                  </a:effectLst>
-                </a14:hiddenEffects>
-              </a:ext>
-            </a:extLst>
-          </p:spPr>
-        </p:pic>
-        <p:pic>
-          <p:nvPicPr>
-            <p:cNvPr id="188" name="Picture 3"/>
-            <p:cNvPicPr>
-              <a:picLocks noChangeAspect="1" noChangeArrowheads="1"/>
-            </p:cNvPicPr>
-            <p:nvPr/>
-          </p:nvPicPr>
-          <p:blipFill rotWithShape="1">
-            <a:blip r:embed="rId38" cstate="print">
-              <a:extLst>
-                <a:ext uri="{28A0092B-C50C-407E-A947-70E740481C1C}">
-                  <a14:useLocalDpi xmlns:a14="http://schemas.microsoft.com/office/drawing/2010/main" val="0"/>
-                </a:ext>
-              </a:extLst>
-            </a:blip>
-            <a:srcRect l="2101"/>
-            <a:stretch/>
-          </p:blipFill>
-          <p:spPr bwMode="auto">
-            <a:xfrm>
-              <a:off x="122301" y="678604"/>
-              <a:ext cx="3910544" cy="2658772"/>
-            </a:xfrm>
-            <a:prstGeom prst="rect">
-              <a:avLst/>
-            </a:prstGeom>
-            <a:noFill/>
-            <a:ln w="3175">
-              <a:solidFill>
-                <a:schemeClr val="tx1"/>
-              </a:solidFill>
-              <a:miter lim="800000"/>
-              <a:headEnd/>
-              <a:tailEnd/>
-            </a:ln>
-            <a:effectLst/>
-            <a:extLst>
-              <a:ext uri="{909E8E84-426E-40DD-AFC4-6F175D3DCCD1}">
-                <a14:hiddenFill xmlns:a14="http://schemas.microsoft.com/office/drawing/2010/main">
-                  <a:solidFill>
-                    <a:schemeClr val="accent1"/>
-                  </a:solidFill>
-                </a14:hiddenFill>
-              </a:ext>
-              <a:ext uri="{AF507438-7753-43E0-B8FC-AC1667EBCBE1}">
-                <a14:hiddenEffects xmlns:a14="http://schemas.microsoft.com/office/drawing/2010/main">
-                  <a:effectLst>
-                    <a:outerShdw dist="35921" dir="2700000" algn="ctr" rotWithShape="0">
-                      <a:schemeClr val="bg2"/>
-                    </a:outerShdw>
-                  </a:effectLst>
-                </a14:hiddenEffects>
-              </a:ext>
-            </a:extLst>
-          </p:spPr>
-        </p:pic>
-        <p:pic>
-          <p:nvPicPr>
-            <p:cNvPr id="189" name="Picture 4"/>
-            <p:cNvPicPr>
-              <a:picLocks noChangeAspect="1" noChangeArrowheads="1"/>
-            </p:cNvPicPr>
-            <p:nvPr/>
-          </p:nvPicPr>
-          <p:blipFill rotWithShape="1">
-            <a:blip r:embed="rId39" cstate="print">
-              <a:extLst>
-                <a:ext uri="{28A0092B-C50C-407E-A947-70E740481C1C}">
-                  <a14:useLocalDpi xmlns:a14="http://schemas.microsoft.com/office/drawing/2010/main" val="0"/>
-                </a:ext>
-              </a:extLst>
-            </a:blip>
-            <a:srcRect l="5176" r="1324"/>
-            <a:stretch/>
-          </p:blipFill>
-          <p:spPr bwMode="auto">
-            <a:xfrm>
-              <a:off x="4032845" y="678604"/>
-              <a:ext cx="3309754" cy="2653787"/>
-            </a:xfrm>
-            <a:prstGeom prst="rect">
-              <a:avLst/>
-            </a:prstGeom>
-            <a:noFill/>
-            <a:ln w="3175">
-              <a:solidFill>
-                <a:schemeClr val="tx1"/>
-              </a:solidFill>
-              <a:miter lim="800000"/>
-              <a:headEnd/>
-              <a:tailEnd/>
-            </a:ln>
-            <a:effectLst/>
-            <a:extLst>
-              <a:ext uri="{909E8E84-426E-40DD-AFC4-6F175D3DCCD1}">
-                <a14:hiddenFill xmlns:a14="http://schemas.microsoft.com/office/drawing/2010/main">
-                  <a:solidFill>
-                    <a:schemeClr val="accent1"/>
-                  </a:solidFill>
-                </a14:hiddenFill>
-              </a:ext>
-              <a:ext uri="{AF507438-7753-43E0-B8FC-AC1667EBCBE1}">
-                <a14:hiddenEffects xmlns:a14="http://schemas.microsoft.com/office/drawing/2010/main">
-                  <a:effectLst>
-                    <a:outerShdw dist="35921" dir="2700000" algn="ctr" rotWithShape="0">
-                      <a:schemeClr val="bg2"/>
-                    </a:outerShdw>
-                  </a:effectLst>
-                </a14:hiddenEffects>
-              </a:ext>
-            </a:extLst>
-          </p:spPr>
-        </p:pic>
-        <p:pic>
-          <p:nvPicPr>
-            <p:cNvPr id="190" name="Picture 6"/>
-            <p:cNvPicPr>
-              <a:picLocks noChangeAspect="1" noChangeArrowheads="1"/>
-            </p:cNvPicPr>
-            <p:nvPr/>
-          </p:nvPicPr>
-          <p:blipFill rotWithShape="1">
-            <a:blip r:embed="rId40" cstate="print">
-              <a:extLst>
-                <a:ext uri="{28A0092B-C50C-407E-A947-70E740481C1C}">
-                  <a14:useLocalDpi xmlns:a14="http://schemas.microsoft.com/office/drawing/2010/main" val="0"/>
-                </a:ext>
-              </a:extLst>
-            </a:blip>
-            <a:srcRect l="4805" r="234"/>
-            <a:stretch/>
-          </p:blipFill>
-          <p:spPr bwMode="auto">
-            <a:xfrm>
-              <a:off x="4032845" y="3337376"/>
-              <a:ext cx="3309754" cy="2613008"/>
-            </a:xfrm>
-            <a:prstGeom prst="rect">
-              <a:avLst/>
-            </a:prstGeom>
-            <a:noFill/>
-            <a:ln w="3175">
-              <a:solidFill>
-                <a:schemeClr val="tx1"/>
-              </a:solidFill>
-              <a:miter lim="800000"/>
-              <a:headEnd/>
-              <a:tailEnd/>
-            </a:ln>
-            <a:effectLst/>
-            <a:extLst>
-              <a:ext uri="{909E8E84-426E-40DD-AFC4-6F175D3DCCD1}">
-                <a14:hiddenFill xmlns:a14="http://schemas.microsoft.com/office/drawing/2010/main">
-                  <a:solidFill>
-                    <a:schemeClr val="accent1"/>
-                  </a:solidFill>
-                </a14:hiddenFill>
-              </a:ext>
-              <a:ext uri="{AF507438-7753-43E0-B8FC-AC1667EBCBE1}">
-                <a14:hiddenEffects xmlns:a14="http://schemas.microsoft.com/office/drawing/2010/main">
-                  <a:effectLst>
-                    <a:outerShdw dist="35921" dir="2700000" algn="ctr" rotWithShape="0">
-                      <a:schemeClr val="bg2"/>
-                    </a:outerShdw>
-                  </a:effectLst>
-                </a14:hiddenEffects>
-              </a:ext>
-            </a:extLst>
-          </p:spPr>
-        </p:pic>
-        <p:pic>
-          <p:nvPicPr>
-            <p:cNvPr id="192" name="Picture 7"/>
-            <p:cNvPicPr>
-              <a:picLocks noChangeAspect="1" noChangeArrowheads="1"/>
-            </p:cNvPicPr>
-            <p:nvPr/>
-          </p:nvPicPr>
-          <p:blipFill rotWithShape="1">
-            <a:blip r:embed="rId41" cstate="print">
-              <a:extLst>
-                <a:ext uri="{28A0092B-C50C-407E-A947-70E740481C1C}">
-                  <a14:useLocalDpi xmlns:a14="http://schemas.microsoft.com/office/drawing/2010/main" val="0"/>
-                </a:ext>
-              </a:extLst>
-            </a:blip>
-            <a:srcRect l="3873"/>
-            <a:stretch/>
-          </p:blipFill>
-          <p:spPr bwMode="auto">
-            <a:xfrm>
-              <a:off x="7342599" y="3337376"/>
-              <a:ext cx="3558059" cy="2613008"/>
-            </a:xfrm>
-            <a:prstGeom prst="rect">
-              <a:avLst/>
-            </a:prstGeom>
-            <a:noFill/>
-            <a:ln w="3175">
-              <a:solidFill>
-                <a:schemeClr val="tx1"/>
-              </a:solidFill>
-              <a:miter lim="800000"/>
-              <a:headEnd/>
-              <a:tailEnd/>
-            </a:ln>
-            <a:effectLst/>
-            <a:extLst>
-              <a:ext uri="{909E8E84-426E-40DD-AFC4-6F175D3DCCD1}">
-                <a14:hiddenFill xmlns:a14="http://schemas.microsoft.com/office/drawing/2010/main">
-                  <a:solidFill>
-                    <a:schemeClr val="accent1"/>
-                  </a:solidFill>
-                </a14:hiddenFill>
-              </a:ext>
-              <a:ext uri="{AF507438-7753-43E0-B8FC-AC1667EBCBE1}">
-                <a14:hiddenEffects xmlns:a14="http://schemas.microsoft.com/office/drawing/2010/main">
-                  <a:effectLst>
-                    <a:outerShdw dist="35921" dir="2700000" algn="ctr" rotWithShape="0">
-                      <a:schemeClr val="bg2"/>
-                    </a:outerShdw>
-                  </a:effectLst>
-                </a14:hiddenEffects>
-              </a:ext>
-            </a:extLst>
-          </p:spPr>
-        </p:pic>
-        <p:pic>
-          <p:nvPicPr>
-            <p:cNvPr id="193" name="Picture 8"/>
-            <p:cNvPicPr>
-              <a:picLocks noChangeAspect="1" noChangeArrowheads="1"/>
-            </p:cNvPicPr>
-            <p:nvPr/>
-          </p:nvPicPr>
-          <p:blipFill rotWithShape="1">
-            <a:blip r:embed="rId42" cstate="print">
-              <a:extLst>
-                <a:ext uri="{28A0092B-C50C-407E-A947-70E740481C1C}">
-                  <a14:useLocalDpi xmlns:a14="http://schemas.microsoft.com/office/drawing/2010/main" val="0"/>
-                </a:ext>
-              </a:extLst>
-            </a:blip>
-            <a:srcRect l="2892"/>
-            <a:stretch/>
-          </p:blipFill>
-          <p:spPr bwMode="auto">
-            <a:xfrm>
-              <a:off x="7348329" y="678434"/>
-              <a:ext cx="3552329" cy="2653957"/>
-            </a:xfrm>
-            <a:prstGeom prst="rect">
-              <a:avLst/>
-            </a:prstGeom>
-            <a:noFill/>
-            <a:ln w="3175">
-              <a:solidFill>
-                <a:schemeClr val="tx1"/>
-              </a:solidFill>
-              <a:miter lim="800000"/>
-              <a:headEnd/>
-              <a:tailEnd/>
-            </a:ln>
-            <a:effectLst/>
-            <a:extLst>
-              <a:ext uri="{909E8E84-426E-40DD-AFC4-6F175D3DCCD1}">
-                <a14:hiddenFill xmlns:a14="http://schemas.microsoft.com/office/drawing/2010/main">
-                  <a:solidFill>
-                    <a:schemeClr val="accent1"/>
-                  </a:solidFill>
-                </a14:hiddenFill>
-              </a:ext>
-              <a:ext uri="{AF507438-7753-43E0-B8FC-AC1667EBCBE1}">
-                <a14:hiddenEffects xmlns:a14="http://schemas.microsoft.com/office/drawing/2010/main">
-                  <a:effectLst>
-                    <a:outerShdw dist="35921" dir="2700000" algn="ctr" rotWithShape="0">
-                      <a:schemeClr val="bg2"/>
-                    </a:outerShdw>
-                  </a:effectLst>
-                </a14:hiddenEffects>
-              </a:ext>
-            </a:extLst>
-          </p:spPr>
-        </p:pic>
-      </p:grpSp>
-      <p:pic>
-        <p:nvPicPr>
-          <p:cNvPr id="194" name="Picture 2"/>
-          <p:cNvPicPr>
-            <a:picLocks noChangeAspect="1" noChangeArrowheads="1"/>
-          </p:cNvPicPr>
-          <p:nvPr/>
-        </p:nvPicPr>
-        <p:blipFill rotWithShape="1">
-          <a:blip r:embed="rId43">
-            <a:extLst>
-              <a:ext uri="{28A0092B-C50C-407E-A947-70E740481C1C}">
-                <a14:useLocalDpi xmlns:a14="http://schemas.microsoft.com/office/drawing/2010/main" val="0"/>
-              </a:ext>
-            </a:extLst>
-          </a:blip>
-          <a:srcRect l="6334" t="4310" r="7934"/>
-          <a:stretch/>
-        </p:blipFill>
-        <p:spPr bwMode="auto">
-          <a:xfrm>
-            <a:off x="20615175" y="26670168"/>
-            <a:ext cx="8730950" cy="4641435"/>
-          </a:xfrm>
-          <a:prstGeom prst="rect">
-            <a:avLst/>
-          </a:prstGeom>
-          <a:noFill/>
-          <a:ln w="3175">
-            <a:solidFill>
-              <a:schemeClr val="tx1"/>
-            </a:solidFill>
-            <a:miter lim="800000"/>
-            <a:headEnd/>
-            <a:tailEnd/>
-          </a:ln>
-          <a:effectLst/>
-          <a:extLst>
-            <a:ext uri="{909E8E84-426E-40DD-AFC4-6F175D3DCCD1}">
-              <a14:hiddenFill xmlns:a14="http://schemas.microsoft.com/office/drawing/2010/main">
-                <a:solidFill>
-                  <a:schemeClr val="accent1"/>
-                </a:solidFill>
-              </a14:hiddenFill>
-            </a:ext>
-            <a:ext uri="{AF507438-7753-43E0-B8FC-AC1667EBCBE1}">
-              <a14:hiddenEffects xmlns:a14="http://schemas.microsoft.com/office/drawing/2010/main">
-                <a:effectLst>
-                  <a:outerShdw dist="35921" dir="2700000" algn="ctr" rotWithShape="0">
-                    <a:schemeClr val="bg2"/>
-                  </a:outerShdw>
-                </a:effectLst>
-              </a14:hiddenEffects>
-            </a:ext>
-          </a:extLst>
-        </p:spPr>
-      </p:pic>
       <p:pic>
         <p:nvPicPr>
           <p:cNvPr id="1027" name="Picture 3"/>
@@ -18660,7 +17666,7 @@
           <p:nvPr/>
         </p:nvPicPr>
         <p:blipFill>
-          <a:blip r:embed="rId44" cstate="print">
+          <a:blip r:embed="rId31" cstate="print">
             <a:extLst>
               <a:ext uri="{28A0092B-C50C-407E-A947-70E740481C1C}">
                 <a14:useLocalDpi xmlns:a14="http://schemas.microsoft.com/office/drawing/2010/main" val="0"/>
@@ -18724,7 +17730,7 @@
           <p:nvPr/>
         </p:nvPicPr>
         <p:blipFill>
-          <a:blip r:embed="rId45" cstate="print">
+          <a:blip r:embed="rId32" cstate="print">
             <a:extLst>
               <a:ext uri="{28A0092B-C50C-407E-A947-70E740481C1C}">
                 <a14:useLocalDpi xmlns:a14="http://schemas.microsoft.com/office/drawing/2010/main" val="0"/>
@@ -19547,6 +18553,1772 @@
           </p:txBody>
         </p:sp>
       </p:grpSp>
+      <p:grpSp>
+        <p:nvGrpSpPr>
+          <p:cNvPr id="170" name="קבוצה 169"/>
+          <p:cNvGrpSpPr/>
+          <p:nvPr/>
+        </p:nvGrpSpPr>
+        <p:grpSpPr>
+          <a:xfrm>
+            <a:off x="20420762" y="24373681"/>
+            <a:ext cx="9046107" cy="5486399"/>
+            <a:chOff x="77426" y="175317"/>
+            <a:chExt cx="11371395" cy="6086004"/>
+          </a:xfrm>
+        </p:grpSpPr>
+        <p:pic>
+          <p:nvPicPr>
+            <p:cNvPr id="171" name="Picture 2"/>
+            <p:cNvPicPr>
+              <a:picLocks noChangeAspect="1" noChangeArrowheads="1"/>
+            </p:cNvPicPr>
+            <p:nvPr/>
+          </p:nvPicPr>
+          <p:blipFill rotWithShape="1">
+            <a:blip r:embed="rId33" cstate="print">
+              <a:extLst>
+                <a:ext uri="{28A0092B-C50C-407E-A947-70E740481C1C}">
+                  <a14:useLocalDpi xmlns:a14="http://schemas.microsoft.com/office/drawing/2010/main" val="0"/>
+                </a:ext>
+              </a:extLst>
+            </a:blip>
+            <a:srcRect l="5224"/>
+            <a:stretch/>
+          </p:blipFill>
+          <p:spPr bwMode="auto">
+            <a:xfrm>
+              <a:off x="77426" y="175318"/>
+              <a:ext cx="3840167" cy="3037658"/>
+            </a:xfrm>
+            <a:prstGeom prst="rect">
+              <a:avLst/>
+            </a:prstGeom>
+            <a:noFill/>
+            <a:ln w="3175">
+              <a:solidFill>
+                <a:schemeClr val="tx1"/>
+              </a:solidFill>
+              <a:miter lim="800000"/>
+              <a:headEnd/>
+              <a:tailEnd/>
+            </a:ln>
+            <a:effectLst/>
+            <a:extLst>
+              <a:ext uri="{909E8E84-426E-40DD-AFC4-6F175D3DCCD1}">
+                <a14:hiddenFill xmlns:a14="http://schemas.microsoft.com/office/drawing/2010/main">
+                  <a:solidFill>
+                    <a:schemeClr val="accent1"/>
+                  </a:solidFill>
+                </a14:hiddenFill>
+              </a:ext>
+              <a:ext uri="{AF507438-7753-43E0-B8FC-AC1667EBCBE1}">
+                <a14:hiddenEffects xmlns:a14="http://schemas.microsoft.com/office/drawing/2010/main">
+                  <a:effectLst>
+                    <a:outerShdw dist="35921" dir="2700000" algn="ctr" rotWithShape="0">
+                      <a:schemeClr val="bg2"/>
+                    </a:outerShdw>
+                  </a:effectLst>
+                </a14:hiddenEffects>
+              </a:ext>
+            </a:extLst>
+          </p:spPr>
+        </p:pic>
+        <p:pic>
+          <p:nvPicPr>
+            <p:cNvPr id="172" name="Picture 3"/>
+            <p:cNvPicPr>
+              <a:picLocks noChangeAspect="1" noChangeArrowheads="1"/>
+            </p:cNvPicPr>
+            <p:nvPr/>
+          </p:nvPicPr>
+          <p:blipFill rotWithShape="1">
+            <a:blip r:embed="rId34" cstate="print">
+              <a:extLst>
+                <a:ext uri="{28A0092B-C50C-407E-A947-70E740481C1C}">
+                  <a14:useLocalDpi xmlns:a14="http://schemas.microsoft.com/office/drawing/2010/main" val="0"/>
+                </a:ext>
+              </a:extLst>
+            </a:blip>
+            <a:srcRect l="5416"/>
+            <a:stretch/>
+          </p:blipFill>
+          <p:spPr bwMode="auto">
+            <a:xfrm>
+              <a:off x="77426" y="3218159"/>
+              <a:ext cx="3839362" cy="3043162"/>
+            </a:xfrm>
+            <a:prstGeom prst="rect">
+              <a:avLst/>
+            </a:prstGeom>
+            <a:noFill/>
+            <a:ln w="3175">
+              <a:solidFill>
+                <a:schemeClr val="tx1"/>
+              </a:solidFill>
+              <a:miter lim="800000"/>
+              <a:headEnd/>
+              <a:tailEnd/>
+            </a:ln>
+            <a:effectLst/>
+            <a:extLst>
+              <a:ext uri="{909E8E84-426E-40DD-AFC4-6F175D3DCCD1}">
+                <a14:hiddenFill xmlns:a14="http://schemas.microsoft.com/office/drawing/2010/main">
+                  <a:solidFill>
+                    <a:schemeClr val="accent1"/>
+                  </a:solidFill>
+                </a14:hiddenFill>
+              </a:ext>
+              <a:ext uri="{AF507438-7753-43E0-B8FC-AC1667EBCBE1}">
+                <a14:hiddenEffects xmlns:a14="http://schemas.microsoft.com/office/drawing/2010/main">
+                  <a:effectLst>
+                    <a:outerShdw dist="35921" dir="2700000" algn="ctr" rotWithShape="0">
+                      <a:schemeClr val="bg2"/>
+                    </a:outerShdw>
+                  </a:effectLst>
+                </a14:hiddenEffects>
+              </a:ext>
+            </a:extLst>
+          </p:spPr>
+        </p:pic>
+        <p:pic>
+          <p:nvPicPr>
+            <p:cNvPr id="173" name="Picture 4"/>
+            <p:cNvPicPr>
+              <a:picLocks noChangeAspect="1" noChangeArrowheads="1"/>
+            </p:cNvPicPr>
+            <p:nvPr/>
+          </p:nvPicPr>
+          <p:blipFill rotWithShape="1">
+            <a:blip r:embed="rId35" cstate="print">
+              <a:extLst>
+                <a:ext uri="{28A0092B-C50C-407E-A947-70E740481C1C}">
+                  <a14:useLocalDpi xmlns:a14="http://schemas.microsoft.com/office/drawing/2010/main" val="0"/>
+                </a:ext>
+              </a:extLst>
+            </a:blip>
+            <a:srcRect l="5700" r="4010"/>
+            <a:stretch/>
+          </p:blipFill>
+          <p:spPr bwMode="auto">
+            <a:xfrm>
+              <a:off x="3923672" y="175318"/>
+              <a:ext cx="3658437" cy="3037658"/>
+            </a:xfrm>
+            <a:prstGeom prst="rect">
+              <a:avLst/>
+            </a:prstGeom>
+            <a:noFill/>
+            <a:ln w="3175">
+              <a:solidFill>
+                <a:schemeClr val="tx1"/>
+              </a:solidFill>
+              <a:miter lim="800000"/>
+              <a:headEnd/>
+              <a:tailEnd/>
+            </a:ln>
+            <a:effectLst/>
+            <a:extLst>
+              <a:ext uri="{909E8E84-426E-40DD-AFC4-6F175D3DCCD1}">
+                <a14:hiddenFill xmlns:a14="http://schemas.microsoft.com/office/drawing/2010/main">
+                  <a:solidFill>
+                    <a:schemeClr val="accent1"/>
+                  </a:solidFill>
+                </a14:hiddenFill>
+              </a:ext>
+              <a:ext uri="{AF507438-7753-43E0-B8FC-AC1667EBCBE1}">
+                <a14:hiddenEffects xmlns:a14="http://schemas.microsoft.com/office/drawing/2010/main">
+                  <a:effectLst>
+                    <a:outerShdw dist="35921" dir="2700000" algn="ctr" rotWithShape="0">
+                      <a:schemeClr val="bg2"/>
+                    </a:outerShdw>
+                  </a:effectLst>
+                </a14:hiddenEffects>
+              </a:ext>
+            </a:extLst>
+          </p:spPr>
+        </p:pic>
+        <p:pic>
+          <p:nvPicPr>
+            <p:cNvPr id="197" name="Picture 5"/>
+            <p:cNvPicPr>
+              <a:picLocks noChangeAspect="1" noChangeArrowheads="1"/>
+            </p:cNvPicPr>
+            <p:nvPr/>
+          </p:nvPicPr>
+          <p:blipFill rotWithShape="1">
+            <a:blip r:embed="rId36" cstate="print">
+              <a:extLst>
+                <a:ext uri="{28A0092B-C50C-407E-A947-70E740481C1C}">
+                  <a14:useLocalDpi xmlns:a14="http://schemas.microsoft.com/office/drawing/2010/main" val="0"/>
+                </a:ext>
+              </a:extLst>
+            </a:blip>
+            <a:srcRect l="5917" r="4412" b="327"/>
+            <a:stretch/>
+          </p:blipFill>
+          <p:spPr bwMode="auto">
+            <a:xfrm>
+              <a:off x="3923517" y="3218158"/>
+              <a:ext cx="3651863" cy="3043163"/>
+            </a:xfrm>
+            <a:prstGeom prst="rect">
+              <a:avLst/>
+            </a:prstGeom>
+            <a:noFill/>
+            <a:ln w="3175">
+              <a:solidFill>
+                <a:schemeClr val="tx1"/>
+              </a:solidFill>
+              <a:miter lim="800000"/>
+              <a:headEnd/>
+              <a:tailEnd/>
+            </a:ln>
+            <a:effectLst/>
+            <a:extLst>
+              <a:ext uri="{909E8E84-426E-40DD-AFC4-6F175D3DCCD1}">
+                <a14:hiddenFill xmlns:a14="http://schemas.microsoft.com/office/drawing/2010/main">
+                  <a:solidFill>
+                    <a:schemeClr val="accent1"/>
+                  </a:solidFill>
+                </a14:hiddenFill>
+              </a:ext>
+              <a:ext uri="{AF507438-7753-43E0-B8FC-AC1667EBCBE1}">
+                <a14:hiddenEffects xmlns:a14="http://schemas.microsoft.com/office/drawing/2010/main">
+                  <a:effectLst>
+                    <a:outerShdw dist="35921" dir="2700000" algn="ctr" rotWithShape="0">
+                      <a:schemeClr val="bg2"/>
+                    </a:outerShdw>
+                  </a:effectLst>
+                </a14:hiddenEffects>
+              </a:ext>
+            </a:extLst>
+          </p:spPr>
+        </p:pic>
+        <p:pic>
+          <p:nvPicPr>
+            <p:cNvPr id="198" name="Picture 6"/>
+            <p:cNvPicPr>
+              <a:picLocks noChangeAspect="1" noChangeArrowheads="1"/>
+            </p:cNvPicPr>
+            <p:nvPr/>
+          </p:nvPicPr>
+          <p:blipFill rotWithShape="1">
+            <a:blip r:embed="rId37" cstate="print">
+              <a:extLst>
+                <a:ext uri="{28A0092B-C50C-407E-A947-70E740481C1C}">
+                  <a14:useLocalDpi xmlns:a14="http://schemas.microsoft.com/office/drawing/2010/main" val="0"/>
+                </a:ext>
+              </a:extLst>
+            </a:blip>
+            <a:srcRect l="4245" t="-1" b="-509"/>
+            <a:stretch/>
+          </p:blipFill>
+          <p:spPr bwMode="auto">
+            <a:xfrm>
+              <a:off x="7588683" y="175317"/>
+              <a:ext cx="3860138" cy="3037659"/>
+            </a:xfrm>
+            <a:prstGeom prst="rect">
+              <a:avLst/>
+            </a:prstGeom>
+            <a:noFill/>
+            <a:ln w="3175">
+              <a:solidFill>
+                <a:schemeClr val="tx1"/>
+              </a:solidFill>
+              <a:miter lim="800000"/>
+              <a:headEnd/>
+              <a:tailEnd/>
+            </a:ln>
+            <a:effectLst/>
+            <a:extLst>
+              <a:ext uri="{909E8E84-426E-40DD-AFC4-6F175D3DCCD1}">
+                <a14:hiddenFill xmlns:a14="http://schemas.microsoft.com/office/drawing/2010/main">
+                  <a:solidFill>
+                    <a:schemeClr val="accent1"/>
+                  </a:solidFill>
+                </a14:hiddenFill>
+              </a:ext>
+              <a:ext uri="{AF507438-7753-43E0-B8FC-AC1667EBCBE1}">
+                <a14:hiddenEffects xmlns:a14="http://schemas.microsoft.com/office/drawing/2010/main">
+                  <a:effectLst>
+                    <a:outerShdw dist="35921" dir="2700000" algn="ctr" rotWithShape="0">
+                      <a:schemeClr val="bg2"/>
+                    </a:outerShdw>
+                  </a:effectLst>
+                </a14:hiddenEffects>
+              </a:ext>
+            </a:extLst>
+          </p:spPr>
+        </p:pic>
+        <p:pic>
+          <p:nvPicPr>
+            <p:cNvPr id="199" name="Picture 7"/>
+            <p:cNvPicPr>
+              <a:picLocks noChangeAspect="1" noChangeArrowheads="1"/>
+            </p:cNvPicPr>
+            <p:nvPr/>
+          </p:nvPicPr>
+          <p:blipFill rotWithShape="1">
+            <a:blip r:embed="rId38" cstate="print">
+              <a:extLst>
+                <a:ext uri="{28A0092B-C50C-407E-A947-70E740481C1C}">
+                  <a14:useLocalDpi xmlns:a14="http://schemas.microsoft.com/office/drawing/2010/main" val="0"/>
+                </a:ext>
+              </a:extLst>
+            </a:blip>
+            <a:srcRect l="4742"/>
+            <a:stretch/>
+          </p:blipFill>
+          <p:spPr bwMode="auto">
+            <a:xfrm>
+              <a:off x="7582109" y="3218159"/>
+              <a:ext cx="3866712" cy="3043162"/>
+            </a:xfrm>
+            <a:prstGeom prst="rect">
+              <a:avLst/>
+            </a:prstGeom>
+            <a:noFill/>
+            <a:ln w="3175">
+              <a:solidFill>
+                <a:schemeClr val="tx1"/>
+              </a:solidFill>
+              <a:miter lim="800000"/>
+              <a:headEnd/>
+              <a:tailEnd/>
+            </a:ln>
+            <a:effectLst/>
+            <a:extLst>
+              <a:ext uri="{909E8E84-426E-40DD-AFC4-6F175D3DCCD1}">
+                <a14:hiddenFill xmlns:a14="http://schemas.microsoft.com/office/drawing/2010/main">
+                  <a:solidFill>
+                    <a:schemeClr val="accent1"/>
+                  </a:solidFill>
+                </a14:hiddenFill>
+              </a:ext>
+              <a:ext uri="{AF507438-7753-43E0-B8FC-AC1667EBCBE1}">
+                <a14:hiddenEffects xmlns:a14="http://schemas.microsoft.com/office/drawing/2010/main">
+                  <a:effectLst>
+                    <a:outerShdw dist="35921" dir="2700000" algn="ctr" rotWithShape="0">
+                      <a:schemeClr val="bg2"/>
+                    </a:outerShdw>
+                  </a:effectLst>
+                </a14:hiddenEffects>
+              </a:ext>
+            </a:extLst>
+          </p:spPr>
+        </p:pic>
+      </p:grpSp>
+      <p:grpSp>
+        <p:nvGrpSpPr>
+          <p:cNvPr id="200" name="קבוצה 199"/>
+          <p:cNvGrpSpPr/>
+          <p:nvPr/>
+        </p:nvGrpSpPr>
+        <p:grpSpPr>
+          <a:xfrm>
+            <a:off x="20475223" y="18057483"/>
+            <a:ext cx="8991646" cy="4792198"/>
+            <a:chOff x="72406" y="260648"/>
+            <a:chExt cx="11226805" cy="5942398"/>
+          </a:xfrm>
+        </p:grpSpPr>
+        <p:pic>
+          <p:nvPicPr>
+            <p:cNvPr id="201" name="Picture 2"/>
+            <p:cNvPicPr>
+              <a:picLocks noChangeAspect="1" noChangeArrowheads="1"/>
+            </p:cNvPicPr>
+            <p:nvPr/>
+          </p:nvPicPr>
+          <p:blipFill rotWithShape="1">
+            <a:blip r:embed="rId39" cstate="print">
+              <a:extLst>
+                <a:ext uri="{28A0092B-C50C-407E-A947-70E740481C1C}">
+                  <a14:useLocalDpi xmlns:a14="http://schemas.microsoft.com/office/drawing/2010/main" val="0"/>
+                </a:ext>
+              </a:extLst>
+            </a:blip>
+            <a:srcRect l="5520"/>
+            <a:stretch/>
+          </p:blipFill>
+          <p:spPr bwMode="auto">
+            <a:xfrm>
+              <a:off x="72406" y="260648"/>
+              <a:ext cx="3744416" cy="2971199"/>
+            </a:xfrm>
+            <a:prstGeom prst="rect">
+              <a:avLst/>
+            </a:prstGeom>
+            <a:noFill/>
+            <a:ln w="3175">
+              <a:solidFill>
+                <a:schemeClr val="tx1"/>
+              </a:solidFill>
+              <a:miter lim="800000"/>
+              <a:headEnd/>
+              <a:tailEnd/>
+            </a:ln>
+            <a:effectLst/>
+            <a:extLst>
+              <a:ext uri="{909E8E84-426E-40DD-AFC4-6F175D3DCCD1}">
+                <a14:hiddenFill xmlns:a14="http://schemas.microsoft.com/office/drawing/2010/main">
+                  <a:solidFill>
+                    <a:schemeClr val="accent1"/>
+                  </a:solidFill>
+                </a14:hiddenFill>
+              </a:ext>
+              <a:ext uri="{AF507438-7753-43E0-B8FC-AC1667EBCBE1}">
+                <a14:hiddenEffects xmlns:a14="http://schemas.microsoft.com/office/drawing/2010/main">
+                  <a:effectLst>
+                    <a:outerShdw dist="35921" dir="2700000" algn="ctr" rotWithShape="0">
+                      <a:schemeClr val="bg2"/>
+                    </a:outerShdw>
+                  </a:effectLst>
+                </a14:hiddenEffects>
+              </a:ext>
+            </a:extLst>
+          </p:spPr>
+        </p:pic>
+        <p:pic>
+          <p:nvPicPr>
+            <p:cNvPr id="202" name="Picture 3"/>
+            <p:cNvPicPr>
+              <a:picLocks noChangeAspect="1" noChangeArrowheads="1"/>
+            </p:cNvPicPr>
+            <p:nvPr/>
+          </p:nvPicPr>
+          <p:blipFill rotWithShape="1">
+            <a:blip r:embed="rId40" cstate="print">
+              <a:extLst>
+                <a:ext uri="{28A0092B-C50C-407E-A947-70E740481C1C}">
+                  <a14:useLocalDpi xmlns:a14="http://schemas.microsoft.com/office/drawing/2010/main" val="0"/>
+                </a:ext>
+              </a:extLst>
+            </a:blip>
+            <a:srcRect l="5520"/>
+            <a:stretch/>
+          </p:blipFill>
+          <p:spPr bwMode="auto">
+            <a:xfrm>
+              <a:off x="72406" y="3231847"/>
+              <a:ext cx="3744416" cy="2971199"/>
+            </a:xfrm>
+            <a:prstGeom prst="rect">
+              <a:avLst/>
+            </a:prstGeom>
+            <a:noFill/>
+            <a:ln w="3175">
+              <a:solidFill>
+                <a:schemeClr val="tx1"/>
+              </a:solidFill>
+              <a:miter lim="800000"/>
+              <a:headEnd/>
+              <a:tailEnd/>
+            </a:ln>
+            <a:effectLst/>
+            <a:extLst>
+              <a:ext uri="{909E8E84-426E-40DD-AFC4-6F175D3DCCD1}">
+                <a14:hiddenFill xmlns:a14="http://schemas.microsoft.com/office/drawing/2010/main">
+                  <a:solidFill>
+                    <a:schemeClr val="accent1"/>
+                  </a:solidFill>
+                </a14:hiddenFill>
+              </a:ext>
+              <a:ext uri="{AF507438-7753-43E0-B8FC-AC1667EBCBE1}">
+                <a14:hiddenEffects xmlns:a14="http://schemas.microsoft.com/office/drawing/2010/main">
+                  <a:effectLst>
+                    <a:outerShdw dist="35921" dir="2700000" algn="ctr" rotWithShape="0">
+                      <a:schemeClr val="bg2"/>
+                    </a:outerShdw>
+                  </a:effectLst>
+                </a14:hiddenEffects>
+              </a:ext>
+            </a:extLst>
+          </p:spPr>
+        </p:pic>
+        <p:pic>
+          <p:nvPicPr>
+            <p:cNvPr id="203" name="Picture 4"/>
+            <p:cNvPicPr>
+              <a:picLocks noChangeAspect="1" noChangeArrowheads="1"/>
+            </p:cNvPicPr>
+            <p:nvPr/>
+          </p:nvPicPr>
+          <p:blipFill rotWithShape="1">
+            <a:blip r:embed="rId41" cstate="print">
+              <a:extLst>
+                <a:ext uri="{28A0092B-C50C-407E-A947-70E740481C1C}">
+                  <a14:useLocalDpi xmlns:a14="http://schemas.microsoft.com/office/drawing/2010/main" val="0"/>
+                </a:ext>
+              </a:extLst>
+            </a:blip>
+            <a:srcRect l="5813"/>
+            <a:stretch/>
+          </p:blipFill>
+          <p:spPr bwMode="auto">
+            <a:xfrm>
+              <a:off x="3818997" y="260648"/>
+              <a:ext cx="3732835" cy="2971199"/>
+            </a:xfrm>
+            <a:prstGeom prst="rect">
+              <a:avLst/>
+            </a:prstGeom>
+            <a:noFill/>
+            <a:ln w="3175">
+              <a:solidFill>
+                <a:schemeClr val="tx1"/>
+              </a:solidFill>
+              <a:miter lim="800000"/>
+              <a:headEnd/>
+              <a:tailEnd/>
+            </a:ln>
+            <a:effectLst/>
+            <a:extLst>
+              <a:ext uri="{909E8E84-426E-40DD-AFC4-6F175D3DCCD1}">
+                <a14:hiddenFill xmlns:a14="http://schemas.microsoft.com/office/drawing/2010/main">
+                  <a:solidFill>
+                    <a:schemeClr val="accent1"/>
+                  </a:solidFill>
+                </a14:hiddenFill>
+              </a:ext>
+              <a:ext uri="{AF507438-7753-43E0-B8FC-AC1667EBCBE1}">
+                <a14:hiddenEffects xmlns:a14="http://schemas.microsoft.com/office/drawing/2010/main">
+                  <a:effectLst>
+                    <a:outerShdw dist="35921" dir="2700000" algn="ctr" rotWithShape="0">
+                      <a:schemeClr val="bg2"/>
+                    </a:outerShdw>
+                  </a:effectLst>
+                </a14:hiddenEffects>
+              </a:ext>
+            </a:extLst>
+          </p:spPr>
+        </p:pic>
+        <p:pic>
+          <p:nvPicPr>
+            <p:cNvPr id="207" name="Picture 5"/>
+            <p:cNvPicPr>
+              <a:picLocks noChangeAspect="1" noChangeArrowheads="1"/>
+            </p:cNvPicPr>
+            <p:nvPr/>
+          </p:nvPicPr>
+          <p:blipFill rotWithShape="1">
+            <a:blip r:embed="rId42" cstate="print">
+              <a:extLst>
+                <a:ext uri="{28A0092B-C50C-407E-A947-70E740481C1C}">
+                  <a14:useLocalDpi xmlns:a14="http://schemas.microsoft.com/office/drawing/2010/main" val="0"/>
+                </a:ext>
+              </a:extLst>
+            </a:blip>
+            <a:srcRect l="5739"/>
+            <a:stretch/>
+          </p:blipFill>
+          <p:spPr bwMode="auto">
+            <a:xfrm>
+              <a:off x="3817556" y="3231847"/>
+              <a:ext cx="3735717" cy="2971199"/>
+            </a:xfrm>
+            <a:prstGeom prst="rect">
+              <a:avLst/>
+            </a:prstGeom>
+            <a:noFill/>
+            <a:ln w="3175">
+              <a:solidFill>
+                <a:schemeClr val="tx1"/>
+              </a:solidFill>
+              <a:miter lim="800000"/>
+              <a:headEnd/>
+              <a:tailEnd/>
+            </a:ln>
+            <a:effectLst/>
+            <a:extLst>
+              <a:ext uri="{909E8E84-426E-40DD-AFC4-6F175D3DCCD1}">
+                <a14:hiddenFill xmlns:a14="http://schemas.microsoft.com/office/drawing/2010/main">
+                  <a:solidFill>
+                    <a:schemeClr val="accent1"/>
+                  </a:solidFill>
+                </a14:hiddenFill>
+              </a:ext>
+              <a:ext uri="{AF507438-7753-43E0-B8FC-AC1667EBCBE1}">
+                <a14:hiddenEffects xmlns:a14="http://schemas.microsoft.com/office/drawing/2010/main">
+                  <a:effectLst>
+                    <a:outerShdw dist="35921" dir="2700000" algn="ctr" rotWithShape="0">
+                      <a:schemeClr val="bg2"/>
+                    </a:outerShdw>
+                  </a:effectLst>
+                </a14:hiddenEffects>
+              </a:ext>
+            </a:extLst>
+          </p:spPr>
+        </p:pic>
+        <p:pic>
+          <p:nvPicPr>
+            <p:cNvPr id="209" name="Picture 6"/>
+            <p:cNvPicPr>
+              <a:picLocks noChangeAspect="1" noChangeArrowheads="1"/>
+            </p:cNvPicPr>
+            <p:nvPr/>
+          </p:nvPicPr>
+          <p:blipFill rotWithShape="1">
+            <a:blip r:embed="rId43" cstate="print">
+              <a:extLst>
+                <a:ext uri="{28A0092B-C50C-407E-A947-70E740481C1C}">
+                  <a14:useLocalDpi xmlns:a14="http://schemas.microsoft.com/office/drawing/2010/main" val="0"/>
+                </a:ext>
+              </a:extLst>
+            </a:blip>
+            <a:srcRect l="5682"/>
+            <a:stretch/>
+          </p:blipFill>
+          <p:spPr bwMode="auto">
+            <a:xfrm>
+              <a:off x="7555447" y="260648"/>
+              <a:ext cx="3737975" cy="2971199"/>
+            </a:xfrm>
+            <a:prstGeom prst="rect">
+              <a:avLst/>
+            </a:prstGeom>
+            <a:noFill/>
+            <a:ln w="3175">
+              <a:solidFill>
+                <a:schemeClr val="tx1"/>
+              </a:solidFill>
+              <a:miter lim="800000"/>
+              <a:headEnd/>
+              <a:tailEnd/>
+            </a:ln>
+            <a:effectLst/>
+            <a:extLst>
+              <a:ext uri="{909E8E84-426E-40DD-AFC4-6F175D3DCCD1}">
+                <a14:hiddenFill xmlns:a14="http://schemas.microsoft.com/office/drawing/2010/main">
+                  <a:solidFill>
+                    <a:schemeClr val="accent1"/>
+                  </a:solidFill>
+                </a14:hiddenFill>
+              </a:ext>
+              <a:ext uri="{AF507438-7753-43E0-B8FC-AC1667EBCBE1}">
+                <a14:hiddenEffects xmlns:a14="http://schemas.microsoft.com/office/drawing/2010/main">
+                  <a:effectLst>
+                    <a:outerShdw dist="35921" dir="2700000" algn="ctr" rotWithShape="0">
+                      <a:schemeClr val="bg2"/>
+                    </a:outerShdw>
+                  </a:effectLst>
+                </a14:hiddenEffects>
+              </a:ext>
+            </a:extLst>
+          </p:spPr>
+        </p:pic>
+        <p:pic>
+          <p:nvPicPr>
+            <p:cNvPr id="211" name="Picture 7"/>
+            <p:cNvPicPr>
+              <a:picLocks noChangeAspect="1" noChangeArrowheads="1"/>
+            </p:cNvPicPr>
+            <p:nvPr/>
+          </p:nvPicPr>
+          <p:blipFill rotWithShape="1">
+            <a:blip r:embed="rId44" cstate="print">
+              <a:extLst>
+                <a:ext uri="{28A0092B-C50C-407E-A947-70E740481C1C}">
+                  <a14:useLocalDpi xmlns:a14="http://schemas.microsoft.com/office/drawing/2010/main" val="0"/>
+                </a:ext>
+              </a:extLst>
+            </a:blip>
+            <a:srcRect l="5390"/>
+            <a:stretch/>
+          </p:blipFill>
+          <p:spPr bwMode="auto">
+            <a:xfrm>
+              <a:off x="7549657" y="3231846"/>
+              <a:ext cx="3749554" cy="2971199"/>
+            </a:xfrm>
+            <a:prstGeom prst="rect">
+              <a:avLst/>
+            </a:prstGeom>
+            <a:noFill/>
+            <a:ln w="3175">
+              <a:solidFill>
+                <a:schemeClr val="tx1"/>
+              </a:solidFill>
+              <a:miter lim="800000"/>
+              <a:headEnd/>
+              <a:tailEnd/>
+            </a:ln>
+            <a:effectLst/>
+            <a:extLst>
+              <a:ext uri="{909E8E84-426E-40DD-AFC4-6F175D3DCCD1}">
+                <a14:hiddenFill xmlns:a14="http://schemas.microsoft.com/office/drawing/2010/main">
+                  <a:solidFill>
+                    <a:schemeClr val="accent1"/>
+                  </a:solidFill>
+                </a14:hiddenFill>
+              </a:ext>
+              <a:ext uri="{AF507438-7753-43E0-B8FC-AC1667EBCBE1}">
+                <a14:hiddenEffects xmlns:a14="http://schemas.microsoft.com/office/drawing/2010/main">
+                  <a:effectLst>
+                    <a:outerShdw dist="35921" dir="2700000" algn="ctr" rotWithShape="0">
+                      <a:schemeClr val="bg2"/>
+                    </a:outerShdw>
+                  </a:effectLst>
+                </a14:hiddenEffects>
+              </a:ext>
+            </a:extLst>
+          </p:spPr>
+        </p:pic>
+      </p:grpSp>
+      <p:sp>
+        <p:nvSpPr>
+          <p:cNvPr id="5" name="TextBox 4"/>
+          <p:cNvSpPr txBox="1"/>
+          <p:nvPr/>
+        </p:nvSpPr>
+        <p:spPr>
+          <a:xfrm>
+            <a:off x="20474429" y="29799397"/>
+            <a:ext cx="8992440" cy="3014671"/>
+          </a:xfrm>
+          <a:prstGeom prst="rect">
+            <a:avLst/>
+          </a:prstGeom>
+          <a:noFill/>
+        </p:spPr>
+        <p:txBody>
+          <a:bodyPr wrap="square" rtlCol="1">
+            <a:spAutoFit/>
+          </a:bodyPr>
+          <a:lstStyle/>
+          <a:p>
+            <a:pPr algn="l" rtl="0"/>
+            <a:endParaRPr lang="en-US" sz="2990" b="0" dirty="0" smtClean="0">
+              <a:solidFill>
+                <a:srgbClr val="000060"/>
+              </a:solidFill>
+              <a:latin typeface="Arial" panose="020B0604020202020204" pitchFamily="34" charset="0"/>
+              <a:cs typeface="Arial" panose="020B0604020202020204" pitchFamily="34" charset="0"/>
+            </a:endParaRPr>
+          </a:p>
+          <a:p>
+            <a:pPr algn="just" rtl="0"/>
+            <a:r>
+              <a:rPr lang="en-US" sz="2990" b="0" dirty="0">
+                <a:solidFill>
+                  <a:srgbClr val="000060"/>
+                </a:solidFill>
+                <a:latin typeface="Arial" panose="020B0604020202020204" pitchFamily="34" charset="0"/>
+                <a:cs typeface="Arial" panose="020B0604020202020204" pitchFamily="34" charset="0"/>
+              </a:rPr>
+              <a:t>For each approach, we trained and applied linear SVM classifier using “leave one subject out” method</a:t>
+            </a:r>
+            <a:r>
+              <a:rPr lang="en-US" sz="2990" b="0" dirty="0" smtClean="0">
+                <a:solidFill>
+                  <a:srgbClr val="000060"/>
+                </a:solidFill>
+                <a:latin typeface="Arial" panose="020B0604020202020204" pitchFamily="34" charset="0"/>
+                <a:cs typeface="Arial" panose="020B0604020202020204" pitchFamily="34" charset="0"/>
+              </a:rPr>
+              <a:t>.</a:t>
+            </a:r>
+          </a:p>
+          <a:p>
+            <a:pPr algn="just" rtl="0"/>
+            <a:endParaRPr lang="en-US" sz="2990" b="0" dirty="0" smtClean="0">
+              <a:solidFill>
+                <a:srgbClr val="000060"/>
+              </a:solidFill>
+              <a:latin typeface="Arial" panose="020B0604020202020204" pitchFamily="34" charset="0"/>
+              <a:cs typeface="Arial" panose="020B0604020202020204" pitchFamily="34" charset="0"/>
+            </a:endParaRPr>
+          </a:p>
+          <a:p>
+            <a:pPr algn="l" rtl="0"/>
+            <a:endParaRPr lang="en-US" sz="1050" b="0" dirty="0">
+              <a:solidFill>
+                <a:srgbClr val="000060"/>
+              </a:solidFill>
+              <a:latin typeface="Arial" panose="020B0604020202020204" pitchFamily="34" charset="0"/>
+              <a:cs typeface="Arial" panose="020B0604020202020204" pitchFamily="34" charset="0"/>
+            </a:endParaRPr>
+          </a:p>
+          <a:p>
+            <a:pPr algn="l" rtl="0"/>
+            <a:r>
+              <a:rPr lang="en-US" sz="2990" b="0" dirty="0" smtClean="0">
+                <a:solidFill>
+                  <a:srgbClr val="000060"/>
+                </a:solidFill>
+                <a:latin typeface="Arial" panose="020B0604020202020204" pitchFamily="34" charset="0"/>
+                <a:cs typeface="Arial" panose="020B0604020202020204" pitchFamily="34" charset="0"/>
+              </a:rPr>
+              <a:t>Classification </a:t>
+            </a:r>
+            <a:r>
+              <a:rPr lang="en-US" sz="2990" b="0" dirty="0">
+                <a:solidFill>
+                  <a:srgbClr val="000060"/>
+                </a:solidFill>
+                <a:latin typeface="Arial" panose="020B0604020202020204" pitchFamily="34" charset="0"/>
+                <a:cs typeface="Arial" panose="020B0604020202020204" pitchFamily="34" charset="0"/>
+              </a:rPr>
+              <a:t>results</a:t>
+            </a:r>
+            <a:r>
+              <a:rPr lang="en-US" sz="2990" b="0" dirty="0" smtClean="0">
+                <a:solidFill>
+                  <a:srgbClr val="000060"/>
+                </a:solidFill>
+                <a:latin typeface="Arial" panose="020B0604020202020204" pitchFamily="34" charset="0"/>
+                <a:cs typeface="Arial" panose="020B0604020202020204" pitchFamily="34" charset="0"/>
+              </a:rPr>
+              <a:t>:</a:t>
+            </a:r>
+            <a:endParaRPr lang="en-US" sz="2990" b="0" dirty="0">
+              <a:solidFill>
+                <a:srgbClr val="000060"/>
+              </a:solidFill>
+              <a:latin typeface="Arial" panose="020B0604020202020204" pitchFamily="34" charset="0"/>
+              <a:cs typeface="Arial" panose="020B0604020202020204" pitchFamily="34" charset="0"/>
+            </a:endParaRPr>
+          </a:p>
+        </p:txBody>
+      </p:sp>
+      <p:sp>
+        <p:nvSpPr>
+          <p:cNvPr id="241" name="TextBox 240"/>
+          <p:cNvSpPr txBox="1"/>
+          <p:nvPr/>
+        </p:nvSpPr>
+        <p:spPr>
+          <a:xfrm>
+            <a:off x="24146018" y="13352988"/>
+            <a:ext cx="1497011" cy="1015663"/>
+          </a:xfrm>
+          <a:prstGeom prst="rect">
+            <a:avLst/>
+          </a:prstGeom>
+          <a:noFill/>
+          <a:ln w="76200">
+            <a:solidFill>
+              <a:schemeClr val="tx1">
+                <a:lumMod val="75000"/>
+                <a:lumOff val="25000"/>
+              </a:schemeClr>
+            </a:solidFill>
+          </a:ln>
+        </p:spPr>
+        <p:txBody>
+          <a:bodyPr wrap="square" rtlCol="1">
+            <a:spAutoFit/>
+          </a:bodyPr>
+          <a:lstStyle/>
+          <a:p>
+            <a:pPr algn="ctr" defTabSz="914342" rtl="0">
+              <a:spcBef>
+                <a:spcPts val="600"/>
+              </a:spcBef>
+              <a:buSzPct val="125000"/>
+            </a:pPr>
+            <a:r>
+              <a:rPr lang="en-US" sz="2000" b="0" dirty="0">
+                <a:solidFill>
+                  <a:schemeClr val="tx1">
+                    <a:lumMod val="85000"/>
+                    <a:lumOff val="15000"/>
+                  </a:schemeClr>
+                </a:solidFill>
+                <a:latin typeface="Arial" panose="020B0604020202020204" pitchFamily="34" charset="0"/>
+                <a:cs typeface="Arial" panose="020B0604020202020204" pitchFamily="34" charset="0"/>
+              </a:rPr>
+              <a:t>Fast Fourier Transform</a:t>
+            </a:r>
+            <a:endParaRPr lang="he-IL" sz="2000" b="0" dirty="0">
+              <a:solidFill>
+                <a:schemeClr val="tx1">
+                  <a:lumMod val="85000"/>
+                  <a:lumOff val="15000"/>
+                </a:schemeClr>
+              </a:solidFill>
+              <a:latin typeface="Arial" panose="020B0604020202020204" pitchFamily="34" charset="0"/>
+              <a:cs typeface="Arial" panose="020B0604020202020204" pitchFamily="34" charset="0"/>
+            </a:endParaRPr>
+          </a:p>
+        </p:txBody>
+      </p:sp>
+      <p:grpSp>
+        <p:nvGrpSpPr>
+          <p:cNvPr id="255" name="Group 1"/>
+          <p:cNvGrpSpPr/>
+          <p:nvPr/>
+        </p:nvGrpSpPr>
+        <p:grpSpPr>
+          <a:xfrm>
+            <a:off x="20166806" y="12809756"/>
+            <a:ext cx="3901124" cy="1323438"/>
+            <a:chOff x="990600" y="5485744"/>
+            <a:chExt cx="2286000" cy="449989"/>
+          </a:xfrm>
+        </p:grpSpPr>
+        <mc:AlternateContent xmlns:mc="http://schemas.openxmlformats.org/markup-compatibility/2006">
+          <mc:Choice xmlns:a14="http://schemas.microsoft.com/office/drawing/2010/main" Requires="a14">
+            <p:sp>
+              <p:nvSpPr>
+                <p:cNvPr id="256" name="TextBox 255"/>
+                <p:cNvSpPr txBox="1"/>
+                <p:nvPr/>
+              </p:nvSpPr>
+              <p:spPr>
+                <a:xfrm>
+                  <a:off x="990600" y="5485744"/>
+                  <a:ext cx="2286000" cy="449989"/>
+                </a:xfrm>
+                <a:prstGeom prst="rect">
+                  <a:avLst/>
+                </a:prstGeom>
+                <a:noFill/>
+              </p:spPr>
+              <p:txBody>
+                <a:bodyPr wrap="square" rtlCol="1">
+                  <a:spAutoFit/>
+                </a:bodyPr>
+                <a:lstStyle/>
+                <a:p>
+                  <a:pPr algn="l" defTabSz="914342" rtl="0" fontAlgn="auto">
+                    <a:spcBef>
+                      <a:spcPts val="0"/>
+                    </a:spcBef>
+                    <a:spcAft>
+                      <a:spcPts val="0"/>
+                    </a:spcAft>
+                  </a:pPr>
+                  <a14:m>
+                    <m:oMathPara xmlns:m="http://schemas.openxmlformats.org/officeDocument/2006/math">
+                      <m:oMathParaPr>
+                        <m:jc m:val="centerGroup"/>
+                      </m:oMathParaPr>
+                      <m:oMath xmlns:m="http://schemas.openxmlformats.org/officeDocument/2006/math">
+                        <m:d>
+                          <m:dPr>
+                            <m:begChr m:val="["/>
+                            <m:endChr m:val="]"/>
+                            <m:ctrlPr>
+                              <a:rPr lang="he-IL" sz="8000" b="0" i="1">
+                                <a:solidFill>
+                                  <a:prstClr val="black"/>
+                                </a:solidFill>
+                                <a:latin typeface="Cambria Math"/>
+                              </a:rPr>
+                            </m:ctrlPr>
+                          </m:dPr>
+                          <m:e>
+                            <m:r>
+                              <a:rPr lang="he-IL" sz="8000" b="0" i="1">
+                                <a:solidFill>
+                                  <a:prstClr val="black"/>
+                                </a:solidFill>
+                                <a:latin typeface="Cambria Math"/>
+                              </a:rPr>
+                              <m:t>      </m:t>
+                            </m:r>
+                          </m:e>
+                        </m:d>
+                      </m:oMath>
+                    </m:oMathPara>
+                  </a14:m>
+                  <a:endParaRPr lang="he-IL" sz="1400" b="0" dirty="0">
+                    <a:solidFill>
+                      <a:prstClr val="black"/>
+                    </a:solidFill>
+                    <a:latin typeface="Calibri"/>
+                    <a:cs typeface="Arial"/>
+                  </a:endParaRPr>
+                </a:p>
+              </p:txBody>
+            </p:sp>
+          </mc:Choice>
+          <mc:Fallback>
+            <p:sp>
+              <p:nvSpPr>
+                <p:cNvPr id="256" name="TextBox 255"/>
+                <p:cNvSpPr txBox="1">
+                  <a:spLocks noRot="1" noChangeAspect="1" noMove="1" noResize="1" noEditPoints="1" noAdjustHandles="1" noChangeArrowheads="1" noChangeShapeType="1" noTextEdit="1"/>
+                </p:cNvSpPr>
+                <p:nvPr/>
+              </p:nvSpPr>
+              <p:spPr>
+                <a:xfrm>
+                  <a:off x="990600" y="5485744"/>
+                  <a:ext cx="2286000" cy="449989"/>
+                </a:xfrm>
+                <a:prstGeom prst="rect">
+                  <a:avLst/>
+                </a:prstGeom>
+                <a:blipFill rotWithShape="1">
+                  <a:blip r:embed="rId45"/>
+                  <a:stretch>
+                    <a:fillRect/>
+                  </a:stretch>
+                </a:blipFill>
+              </p:spPr>
+              <p:txBody>
+                <a:bodyPr/>
+                <a:lstStyle/>
+                <a:p>
+                  <a:r>
+                    <a:rPr lang="he-IL">
+                      <a:noFill/>
+                    </a:rPr>
+                    <a:t> </a:t>
+                  </a:r>
+                </a:p>
+              </p:txBody>
+            </p:sp>
+          </mc:Fallback>
+        </mc:AlternateContent>
+        <p:pic>
+          <p:nvPicPr>
+            <p:cNvPr id="257" name="Picture 2" descr="Image result for eeg signal"/>
+            <p:cNvPicPr>
+              <a:picLocks noChangeAspect="1" noChangeArrowheads="1"/>
+            </p:cNvPicPr>
+            <p:nvPr/>
+          </p:nvPicPr>
+          <p:blipFill rotWithShape="1">
+            <a:blip r:embed="rId46">
+              <a:extLst>
+                <a:ext uri="{28A0092B-C50C-407E-A947-70E740481C1C}">
+                  <a14:useLocalDpi xmlns:a14="http://schemas.microsoft.com/office/drawing/2010/main" val="0"/>
+                </a:ext>
+              </a:extLst>
+            </a:blip>
+            <a:srcRect l="10526" t="44815" r="7284" b="18541"/>
+            <a:stretch/>
+          </p:blipFill>
+          <p:spPr bwMode="auto">
+            <a:xfrm>
+              <a:off x="1670627" y="5573936"/>
+              <a:ext cx="925945" cy="301933"/>
+            </a:xfrm>
+            <a:prstGeom prst="rect">
+              <a:avLst/>
+            </a:prstGeom>
+            <a:noFill/>
+            <a:extLst>
+              <a:ext uri="{909E8E84-426E-40DD-AFC4-6F175D3DCCD1}">
+                <a14:hiddenFill xmlns:a14="http://schemas.microsoft.com/office/drawing/2010/main">
+                  <a:solidFill>
+                    <a:srgbClr val="FFFFFF"/>
+                  </a:solidFill>
+                </a14:hiddenFill>
+              </a:ext>
+            </a:extLst>
+          </p:spPr>
+        </p:pic>
+      </p:grpSp>
+      <p:pic>
+        <p:nvPicPr>
+          <p:cNvPr id="262" name="Picture 4" descr="Related image"/>
+          <p:cNvPicPr>
+            <a:picLocks noChangeAspect="1" noChangeArrowheads="1"/>
+          </p:cNvPicPr>
+          <p:nvPr/>
+        </p:nvPicPr>
+        <p:blipFill rotWithShape="1">
+          <a:blip r:embed="rId47">
+            <a:extLst>
+              <a:ext uri="{28A0092B-C50C-407E-A947-70E740481C1C}">
+                <a14:useLocalDpi xmlns:a14="http://schemas.microsoft.com/office/drawing/2010/main" val="0"/>
+              </a:ext>
+            </a:extLst>
+          </a:blip>
+          <a:srcRect l="25136" r="35358"/>
+          <a:stretch/>
+        </p:blipFill>
+        <p:spPr bwMode="auto">
+          <a:xfrm>
+            <a:off x="27915930" y="12879219"/>
+            <a:ext cx="1681858" cy="1239319"/>
+          </a:xfrm>
+          <a:prstGeom prst="rect">
+            <a:avLst/>
+          </a:prstGeom>
+          <a:noFill/>
+          <a:ln>
+            <a:noFill/>
+          </a:ln>
+          <a:extLst>
+            <a:ext uri="{909E8E84-426E-40DD-AFC4-6F175D3DCCD1}">
+              <a14:hiddenFill xmlns:a14="http://schemas.microsoft.com/office/drawing/2010/main">
+                <a:solidFill>
+                  <a:srgbClr val="FFFFFF"/>
+                </a:solidFill>
+              </a14:hiddenFill>
+            </a:ext>
+          </a:extLst>
+        </p:spPr>
+      </p:pic>
+      <p:sp>
+        <p:nvSpPr>
+          <p:cNvPr id="14" name="TextBox 13"/>
+          <p:cNvSpPr txBox="1"/>
+          <p:nvPr/>
+        </p:nvSpPr>
+        <p:spPr>
+          <a:xfrm>
+            <a:off x="25451342" y="13324681"/>
+            <a:ext cx="1746879" cy="369332"/>
+          </a:xfrm>
+          <a:prstGeom prst="rect">
+            <a:avLst/>
+          </a:prstGeom>
+          <a:noFill/>
+        </p:spPr>
+        <p:txBody>
+          <a:bodyPr wrap="square" rtlCol="1">
+            <a:spAutoFit/>
+          </a:bodyPr>
+          <a:lstStyle/>
+          <a:p>
+            <a:pPr algn="ctr" defTabSz="914342" rtl="0">
+              <a:spcBef>
+                <a:spcPts val="600"/>
+              </a:spcBef>
+              <a:buSzPct val="125000"/>
+            </a:pPr>
+            <a:r>
+              <a:rPr lang="en-US" sz="1800" b="0" dirty="0" smtClean="0">
+                <a:solidFill>
+                  <a:schemeClr val="tx1">
+                    <a:lumMod val="85000"/>
+                    <a:lumOff val="15000"/>
+                  </a:schemeClr>
+                </a:solidFill>
+                <a:latin typeface="Arial" panose="020B0604020202020204" pitchFamily="34" charset="0"/>
+                <a:cs typeface="Arial" panose="020B0604020202020204" pitchFamily="34" charset="0"/>
+              </a:rPr>
+              <a:t>Covariance</a:t>
+            </a:r>
+            <a:endParaRPr lang="he-IL" sz="1800" b="0" dirty="0">
+              <a:solidFill>
+                <a:schemeClr val="tx1">
+                  <a:lumMod val="85000"/>
+                  <a:lumOff val="15000"/>
+                </a:schemeClr>
+              </a:solidFill>
+              <a:latin typeface="Arial" panose="020B0604020202020204" pitchFamily="34" charset="0"/>
+              <a:cs typeface="Arial" panose="020B0604020202020204" pitchFamily="34" charset="0"/>
+            </a:endParaRPr>
+          </a:p>
+        </p:txBody>
+      </p:sp>
+      <p:pic>
+        <p:nvPicPr>
+          <p:cNvPr id="275" name="Picture 2"/>
+          <p:cNvPicPr>
+            <a:picLocks noChangeAspect="1" noChangeArrowheads="1"/>
+          </p:cNvPicPr>
+          <p:nvPr/>
+        </p:nvPicPr>
+        <p:blipFill rotWithShape="1">
+          <a:blip r:embed="rId48">
+            <a:extLst>
+              <a:ext uri="{28A0092B-C50C-407E-A947-70E740481C1C}">
+                <a14:useLocalDpi xmlns:a14="http://schemas.microsoft.com/office/drawing/2010/main" val="0"/>
+              </a:ext>
+            </a:extLst>
+          </a:blip>
+          <a:srcRect l="7179" t="3425" r="7792"/>
+          <a:stretch/>
+        </p:blipFill>
+        <p:spPr bwMode="auto">
+          <a:xfrm>
+            <a:off x="20508867" y="32943573"/>
+            <a:ext cx="8913377" cy="4821866"/>
+          </a:xfrm>
+          <a:prstGeom prst="rect">
+            <a:avLst/>
+          </a:prstGeom>
+          <a:noFill/>
+          <a:ln w="3175">
+            <a:solidFill>
+              <a:schemeClr val="tx1"/>
+            </a:solidFill>
+            <a:miter lim="800000"/>
+            <a:headEnd/>
+            <a:tailEnd/>
+          </a:ln>
+          <a:effectLst/>
+          <a:extLst>
+            <a:ext uri="{909E8E84-426E-40DD-AFC4-6F175D3DCCD1}">
+              <a14:hiddenFill xmlns:a14="http://schemas.microsoft.com/office/drawing/2010/main">
+                <a:solidFill>
+                  <a:schemeClr val="accent1"/>
+                </a:solidFill>
+              </a14:hiddenFill>
+            </a:ext>
+            <a:ext uri="{AF507438-7753-43E0-B8FC-AC1667EBCBE1}">
+              <a14:hiddenEffects xmlns:a14="http://schemas.microsoft.com/office/drawing/2010/main">
+                <a:effectLst>
+                  <a:outerShdw dist="35921" dir="2700000" algn="ctr" rotWithShape="0">
+                    <a:schemeClr val="bg2"/>
+                  </a:outerShdw>
+                </a:effectLst>
+              </a14:hiddenEffects>
+            </a:ext>
+          </a:extLst>
+        </p:spPr>
+      </p:pic>
+      <p:pic>
+        <p:nvPicPr>
+          <p:cNvPr id="276" name="Picture 2" descr="Related image"/>
+          <p:cNvPicPr>
+            <a:picLocks noChangeAspect="1" noChangeArrowheads="1"/>
+          </p:cNvPicPr>
+          <p:nvPr/>
+        </p:nvPicPr>
+        <p:blipFill>
+          <a:blip r:embed="rId49">
+            <a:extLst>
+              <a:ext uri="{28A0092B-C50C-407E-A947-70E740481C1C}">
+                <a14:useLocalDpi xmlns:a14="http://schemas.microsoft.com/office/drawing/2010/main" val="0"/>
+              </a:ext>
+            </a:extLst>
+          </a:blip>
+          <a:srcRect/>
+          <a:stretch>
+            <a:fillRect/>
+          </a:stretch>
+        </p:blipFill>
+        <p:spPr bwMode="auto">
+          <a:xfrm>
+            <a:off x="6442177" y="18575915"/>
+            <a:ext cx="3386035" cy="2542214"/>
+          </a:xfrm>
+          <a:prstGeom prst="rect">
+            <a:avLst/>
+          </a:prstGeom>
+          <a:noFill/>
+          <a:extLst>
+            <a:ext uri="{909E8E84-426E-40DD-AFC4-6F175D3DCCD1}">
+              <a14:hiddenFill xmlns:a14="http://schemas.microsoft.com/office/drawing/2010/main">
+                <a:solidFill>
+                  <a:srgbClr val="FFFFFF"/>
+                </a:solidFill>
+              </a14:hiddenFill>
+            </a:ext>
+          </a:extLst>
+        </p:spPr>
+      </p:pic>
+      <p:cxnSp>
+        <p:nvCxnSpPr>
+          <p:cNvPr id="277" name="מחבר חץ ישר 276"/>
+          <p:cNvCxnSpPr/>
+          <p:nvPr/>
+        </p:nvCxnSpPr>
+        <p:spPr bwMode="auto">
+          <a:xfrm>
+            <a:off x="25643029" y="13888507"/>
+            <a:ext cx="1442409" cy="0"/>
+          </a:xfrm>
+          <a:prstGeom prst="straightConnector1">
+            <a:avLst/>
+          </a:prstGeom>
+          <a:solidFill>
+            <a:srgbClr val="000066"/>
+          </a:solidFill>
+          <a:ln w="76200" cap="flat" cmpd="sng" algn="ctr">
+            <a:solidFill>
+              <a:schemeClr val="tx1">
+                <a:lumMod val="75000"/>
+                <a:lumOff val="25000"/>
+              </a:schemeClr>
+            </a:solidFill>
+            <a:prstDash val="solid"/>
+            <a:round/>
+            <a:headEnd type="none" w="med" len="med"/>
+            <a:tailEnd type="arrow" w="med" len="sm"/>
+          </a:ln>
+          <a:effectLst/>
+          <a:extLst>
+            <a:ext uri="{AF507438-7753-43E0-B8FC-AC1667EBCBE1}">
+              <a14:hiddenEffects xmlns:a14="http://schemas.microsoft.com/office/drawing/2010/main">
+                <a:effectLst>
+                  <a:outerShdw dist="35921" dir="2700000" algn="ctr" rotWithShape="0">
+                    <a:schemeClr val="bg2"/>
+                  </a:outerShdw>
+                </a:effectLst>
+              </a14:hiddenEffects>
+            </a:ext>
+          </a:extLst>
+        </p:spPr>
+      </p:cxnSp>
+      <p:grpSp>
+        <p:nvGrpSpPr>
+          <p:cNvPr id="278" name="Group 1"/>
+          <p:cNvGrpSpPr/>
+          <p:nvPr/>
+        </p:nvGrpSpPr>
+        <p:grpSpPr>
+          <a:xfrm>
+            <a:off x="19889219" y="13185130"/>
+            <a:ext cx="3901124" cy="1323438"/>
+            <a:chOff x="990600" y="5483533"/>
+            <a:chExt cx="2286000" cy="449989"/>
+          </a:xfrm>
+        </p:grpSpPr>
+        <mc:AlternateContent xmlns:mc="http://schemas.openxmlformats.org/markup-compatibility/2006">
+          <mc:Choice xmlns:a14="http://schemas.microsoft.com/office/drawing/2010/main" Requires="a14">
+            <p:sp>
+              <p:nvSpPr>
+                <p:cNvPr id="279" name="TextBox 278"/>
+                <p:cNvSpPr txBox="1"/>
+                <p:nvPr/>
+              </p:nvSpPr>
+              <p:spPr>
+                <a:xfrm>
+                  <a:off x="990600" y="5483533"/>
+                  <a:ext cx="2286000" cy="449989"/>
+                </a:xfrm>
+                <a:prstGeom prst="rect">
+                  <a:avLst/>
+                </a:prstGeom>
+                <a:noFill/>
+              </p:spPr>
+              <p:txBody>
+                <a:bodyPr wrap="square" rtlCol="1">
+                  <a:spAutoFit/>
+                </a:bodyPr>
+                <a:lstStyle/>
+                <a:p>
+                  <a:pPr algn="l" defTabSz="914342" rtl="0" fontAlgn="auto">
+                    <a:spcBef>
+                      <a:spcPts val="0"/>
+                    </a:spcBef>
+                    <a:spcAft>
+                      <a:spcPts val="0"/>
+                    </a:spcAft>
+                  </a:pPr>
+                  <a14:m>
+                    <m:oMathPara xmlns:m="http://schemas.openxmlformats.org/officeDocument/2006/math">
+                      <m:oMathParaPr>
+                        <m:jc m:val="centerGroup"/>
+                      </m:oMathParaPr>
+                      <m:oMath xmlns:m="http://schemas.openxmlformats.org/officeDocument/2006/math">
+                        <m:d>
+                          <m:dPr>
+                            <m:begChr m:val="["/>
+                            <m:endChr m:val="]"/>
+                            <m:ctrlPr>
+                              <a:rPr lang="he-IL" sz="8000" b="0" i="1">
+                                <a:solidFill>
+                                  <a:prstClr val="black"/>
+                                </a:solidFill>
+                                <a:latin typeface="Cambria Math"/>
+                              </a:rPr>
+                            </m:ctrlPr>
+                          </m:dPr>
+                          <m:e>
+                            <m:r>
+                              <a:rPr lang="he-IL" sz="8000" b="0" i="1">
+                                <a:solidFill>
+                                  <a:prstClr val="black"/>
+                                </a:solidFill>
+                                <a:latin typeface="Cambria Math"/>
+                              </a:rPr>
+                              <m:t>      </m:t>
+                            </m:r>
+                          </m:e>
+                        </m:d>
+                      </m:oMath>
+                    </m:oMathPara>
+                  </a14:m>
+                  <a:endParaRPr lang="he-IL" sz="1400" b="0" dirty="0">
+                    <a:solidFill>
+                      <a:prstClr val="black"/>
+                    </a:solidFill>
+                    <a:latin typeface="Calibri"/>
+                    <a:cs typeface="Arial"/>
+                  </a:endParaRPr>
+                </a:p>
+              </p:txBody>
+            </p:sp>
+          </mc:Choice>
+          <mc:Fallback>
+            <p:sp>
+              <p:nvSpPr>
+                <p:cNvPr id="279" name="TextBox 278"/>
+                <p:cNvSpPr txBox="1">
+                  <a:spLocks noRot="1" noChangeAspect="1" noMove="1" noResize="1" noEditPoints="1" noAdjustHandles="1" noChangeArrowheads="1" noChangeShapeType="1" noTextEdit="1"/>
+                </p:cNvSpPr>
+                <p:nvPr/>
+              </p:nvSpPr>
+              <p:spPr>
+                <a:xfrm>
+                  <a:off x="990600" y="5483533"/>
+                  <a:ext cx="2286000" cy="449989"/>
+                </a:xfrm>
+                <a:prstGeom prst="rect">
+                  <a:avLst/>
+                </a:prstGeom>
+                <a:blipFill rotWithShape="1">
+                  <a:blip r:embed="rId50"/>
+                  <a:stretch>
+                    <a:fillRect/>
+                  </a:stretch>
+                </a:blipFill>
+              </p:spPr>
+              <p:txBody>
+                <a:bodyPr/>
+                <a:lstStyle/>
+                <a:p>
+                  <a:r>
+                    <a:rPr lang="he-IL">
+                      <a:noFill/>
+                    </a:rPr>
+                    <a:t> </a:t>
+                  </a:r>
+                </a:p>
+              </p:txBody>
+            </p:sp>
+          </mc:Fallback>
+        </mc:AlternateContent>
+        <p:pic>
+          <p:nvPicPr>
+            <p:cNvPr id="280" name="Picture 2" descr="Image result for eeg signal"/>
+            <p:cNvPicPr>
+              <a:picLocks noChangeAspect="1" noChangeArrowheads="1"/>
+            </p:cNvPicPr>
+            <p:nvPr/>
+          </p:nvPicPr>
+          <p:blipFill rotWithShape="1">
+            <a:blip r:embed="rId46">
+              <a:extLst>
+                <a:ext uri="{28A0092B-C50C-407E-A947-70E740481C1C}">
+                  <a14:useLocalDpi xmlns:a14="http://schemas.microsoft.com/office/drawing/2010/main" val="0"/>
+                </a:ext>
+              </a:extLst>
+            </a:blip>
+            <a:srcRect l="10526" t="44815" r="7284" b="18541"/>
+            <a:stretch/>
+          </p:blipFill>
+          <p:spPr bwMode="auto">
+            <a:xfrm>
+              <a:off x="1670627" y="5573936"/>
+              <a:ext cx="925945" cy="301933"/>
+            </a:xfrm>
+            <a:prstGeom prst="rect">
+              <a:avLst/>
+            </a:prstGeom>
+            <a:noFill/>
+            <a:extLst>
+              <a:ext uri="{909E8E84-426E-40DD-AFC4-6F175D3DCCD1}">
+                <a14:hiddenFill xmlns:a14="http://schemas.microsoft.com/office/drawing/2010/main">
+                  <a:solidFill>
+                    <a:srgbClr val="FFFFFF"/>
+                  </a:solidFill>
+                </a14:hiddenFill>
+              </a:ext>
+            </a:extLst>
+          </p:spPr>
+        </p:pic>
+      </p:grpSp>
+      <p:grpSp>
+        <p:nvGrpSpPr>
+          <p:cNvPr id="281" name="Group 1"/>
+          <p:cNvGrpSpPr/>
+          <p:nvPr/>
+        </p:nvGrpSpPr>
+        <p:grpSpPr>
+          <a:xfrm>
+            <a:off x="19557206" y="13601443"/>
+            <a:ext cx="3901124" cy="1323438"/>
+            <a:chOff x="990600" y="5485744"/>
+            <a:chExt cx="2286000" cy="449989"/>
+          </a:xfrm>
+        </p:grpSpPr>
+        <mc:AlternateContent xmlns:mc="http://schemas.openxmlformats.org/markup-compatibility/2006">
+          <mc:Choice xmlns:a14="http://schemas.microsoft.com/office/drawing/2010/main" Requires="a14">
+            <p:sp>
+              <p:nvSpPr>
+                <p:cNvPr id="282" name="TextBox 281"/>
+                <p:cNvSpPr txBox="1"/>
+                <p:nvPr/>
+              </p:nvSpPr>
+              <p:spPr>
+                <a:xfrm>
+                  <a:off x="990600" y="5485744"/>
+                  <a:ext cx="2286000" cy="449989"/>
+                </a:xfrm>
+                <a:prstGeom prst="rect">
+                  <a:avLst/>
+                </a:prstGeom>
+                <a:noFill/>
+              </p:spPr>
+              <p:txBody>
+                <a:bodyPr wrap="square" rtlCol="1">
+                  <a:spAutoFit/>
+                </a:bodyPr>
+                <a:lstStyle/>
+                <a:p>
+                  <a:pPr algn="l" defTabSz="914342" rtl="0" fontAlgn="auto">
+                    <a:spcBef>
+                      <a:spcPts val="0"/>
+                    </a:spcBef>
+                    <a:spcAft>
+                      <a:spcPts val="0"/>
+                    </a:spcAft>
+                  </a:pPr>
+                  <a14:m>
+                    <m:oMathPara xmlns:m="http://schemas.openxmlformats.org/officeDocument/2006/math">
+                      <m:oMathParaPr>
+                        <m:jc m:val="centerGroup"/>
+                      </m:oMathParaPr>
+                      <m:oMath xmlns:m="http://schemas.openxmlformats.org/officeDocument/2006/math">
+                        <m:d>
+                          <m:dPr>
+                            <m:begChr m:val="["/>
+                            <m:endChr m:val="]"/>
+                            <m:ctrlPr>
+                              <a:rPr lang="he-IL" sz="8000" b="0" i="1">
+                                <a:solidFill>
+                                  <a:prstClr val="black"/>
+                                </a:solidFill>
+                                <a:latin typeface="Cambria Math"/>
+                              </a:rPr>
+                            </m:ctrlPr>
+                          </m:dPr>
+                          <m:e>
+                            <m:r>
+                              <a:rPr lang="he-IL" sz="8000" b="0" i="1">
+                                <a:solidFill>
+                                  <a:prstClr val="black"/>
+                                </a:solidFill>
+                                <a:latin typeface="Cambria Math"/>
+                              </a:rPr>
+                              <m:t>      </m:t>
+                            </m:r>
+                          </m:e>
+                        </m:d>
+                      </m:oMath>
+                    </m:oMathPara>
+                  </a14:m>
+                  <a:endParaRPr lang="he-IL" sz="1400" b="0" dirty="0">
+                    <a:solidFill>
+                      <a:prstClr val="black"/>
+                    </a:solidFill>
+                    <a:latin typeface="Calibri"/>
+                    <a:cs typeface="Arial"/>
+                  </a:endParaRPr>
+                </a:p>
+              </p:txBody>
+            </p:sp>
+          </mc:Choice>
+          <mc:Fallback>
+            <p:sp>
+              <p:nvSpPr>
+                <p:cNvPr id="282" name="TextBox 281"/>
+                <p:cNvSpPr txBox="1">
+                  <a:spLocks noRot="1" noChangeAspect="1" noMove="1" noResize="1" noEditPoints="1" noAdjustHandles="1" noChangeArrowheads="1" noChangeShapeType="1" noTextEdit="1"/>
+                </p:cNvSpPr>
+                <p:nvPr/>
+              </p:nvSpPr>
+              <p:spPr>
+                <a:xfrm>
+                  <a:off x="990600" y="5485744"/>
+                  <a:ext cx="2286000" cy="449989"/>
+                </a:xfrm>
+                <a:prstGeom prst="rect">
+                  <a:avLst/>
+                </a:prstGeom>
+                <a:blipFill rotWithShape="1">
+                  <a:blip r:embed="rId45"/>
+                  <a:stretch>
+                    <a:fillRect/>
+                  </a:stretch>
+                </a:blipFill>
+              </p:spPr>
+              <p:txBody>
+                <a:bodyPr/>
+                <a:lstStyle/>
+                <a:p>
+                  <a:r>
+                    <a:rPr lang="he-IL">
+                      <a:noFill/>
+                    </a:rPr>
+                    <a:t> </a:t>
+                  </a:r>
+                </a:p>
+              </p:txBody>
+            </p:sp>
+          </mc:Fallback>
+        </mc:AlternateContent>
+        <p:pic>
+          <p:nvPicPr>
+            <p:cNvPr id="283" name="Picture 2" descr="Image result for eeg signal"/>
+            <p:cNvPicPr>
+              <a:picLocks noChangeAspect="1" noChangeArrowheads="1"/>
+            </p:cNvPicPr>
+            <p:nvPr/>
+          </p:nvPicPr>
+          <p:blipFill rotWithShape="1">
+            <a:blip r:embed="rId46">
+              <a:extLst>
+                <a:ext uri="{28A0092B-C50C-407E-A947-70E740481C1C}">
+                  <a14:useLocalDpi xmlns:a14="http://schemas.microsoft.com/office/drawing/2010/main" val="0"/>
+                </a:ext>
+              </a:extLst>
+            </a:blip>
+            <a:srcRect l="10526" t="44815" r="7284" b="18541"/>
+            <a:stretch/>
+          </p:blipFill>
+          <p:spPr bwMode="auto">
+            <a:xfrm>
+              <a:off x="1670627" y="5573936"/>
+              <a:ext cx="925945" cy="301933"/>
+            </a:xfrm>
+            <a:prstGeom prst="rect">
+              <a:avLst/>
+            </a:prstGeom>
+            <a:noFill/>
+            <a:extLst>
+              <a:ext uri="{909E8E84-426E-40DD-AFC4-6F175D3DCCD1}">
+                <a14:hiddenFill xmlns:a14="http://schemas.microsoft.com/office/drawing/2010/main">
+                  <a:solidFill>
+                    <a:srgbClr val="FFFFFF"/>
+                  </a:solidFill>
+                </a14:hiddenFill>
+              </a:ext>
+            </a:extLst>
+          </p:spPr>
+        </p:pic>
+      </p:grpSp>
+      <p:pic>
+        <p:nvPicPr>
+          <p:cNvPr id="284" name="Picture 4" descr="Related image"/>
+          <p:cNvPicPr>
+            <a:picLocks noChangeAspect="1" noChangeArrowheads="1"/>
+          </p:cNvPicPr>
+          <p:nvPr/>
+        </p:nvPicPr>
+        <p:blipFill rotWithShape="1">
+          <a:blip r:embed="rId47">
+            <a:extLst>
+              <a:ext uri="{28A0092B-C50C-407E-A947-70E740481C1C}">
+                <a14:useLocalDpi xmlns:a14="http://schemas.microsoft.com/office/drawing/2010/main" val="0"/>
+              </a:ext>
+            </a:extLst>
+          </a:blip>
+          <a:srcRect l="25136" r="35358"/>
+          <a:stretch/>
+        </p:blipFill>
+        <p:spPr bwMode="auto">
+          <a:xfrm>
+            <a:off x="27623467" y="13169554"/>
+            <a:ext cx="1681858" cy="1239319"/>
+          </a:xfrm>
+          <a:prstGeom prst="rect">
+            <a:avLst/>
+          </a:prstGeom>
+          <a:noFill/>
+          <a:ln>
+            <a:noFill/>
+          </a:ln>
+          <a:extLst>
+            <a:ext uri="{909E8E84-426E-40DD-AFC4-6F175D3DCCD1}">
+              <a14:hiddenFill xmlns:a14="http://schemas.microsoft.com/office/drawing/2010/main">
+                <a:solidFill>
+                  <a:srgbClr val="FFFFFF"/>
+                </a:solidFill>
+              </a14:hiddenFill>
+            </a:ext>
+          </a:extLst>
+        </p:spPr>
+      </p:pic>
+      <p:pic>
+        <p:nvPicPr>
+          <p:cNvPr id="285" name="Picture 4" descr="Related image"/>
+          <p:cNvPicPr>
+            <a:picLocks noChangeAspect="1" noChangeArrowheads="1"/>
+          </p:cNvPicPr>
+          <p:nvPr/>
+        </p:nvPicPr>
+        <p:blipFill rotWithShape="1">
+          <a:blip r:embed="rId47">
+            <a:extLst>
+              <a:ext uri="{28A0092B-C50C-407E-A947-70E740481C1C}">
+                <a14:useLocalDpi xmlns:a14="http://schemas.microsoft.com/office/drawing/2010/main" val="0"/>
+              </a:ext>
+            </a:extLst>
+          </a:blip>
+          <a:srcRect l="25136" r="35358"/>
+          <a:stretch/>
+        </p:blipFill>
+        <p:spPr bwMode="auto">
+          <a:xfrm>
+            <a:off x="27253406" y="13498878"/>
+            <a:ext cx="1681858" cy="1239319"/>
+          </a:xfrm>
+          <a:prstGeom prst="rect">
+            <a:avLst/>
+          </a:prstGeom>
+          <a:noFill/>
+          <a:ln>
+            <a:noFill/>
+          </a:ln>
+          <a:extLst>
+            <a:ext uri="{909E8E84-426E-40DD-AFC4-6F175D3DCCD1}">
+              <a14:hiddenFill xmlns:a14="http://schemas.microsoft.com/office/drawing/2010/main">
+                <a:solidFill>
+                  <a:srgbClr val="FFFFFF"/>
+                </a:solidFill>
+              </a14:hiddenFill>
+            </a:ext>
+          </a:extLst>
+        </p:spPr>
+      </p:pic>
+      <p:cxnSp>
+        <p:nvCxnSpPr>
+          <p:cNvPr id="260" name="מחבר חץ ישר 259"/>
+          <p:cNvCxnSpPr/>
+          <p:nvPr/>
+        </p:nvCxnSpPr>
+        <p:spPr bwMode="auto">
+          <a:xfrm>
+            <a:off x="23214806" y="13895008"/>
+            <a:ext cx="898880" cy="0"/>
+          </a:xfrm>
+          <a:prstGeom prst="straightConnector1">
+            <a:avLst/>
+          </a:prstGeom>
+          <a:solidFill>
+            <a:srgbClr val="000066"/>
+          </a:solidFill>
+          <a:ln w="76200" cap="flat" cmpd="sng" algn="ctr">
+            <a:solidFill>
+              <a:schemeClr val="tx1">
+                <a:lumMod val="75000"/>
+                <a:lumOff val="25000"/>
+              </a:schemeClr>
+            </a:solidFill>
+            <a:prstDash val="solid"/>
+            <a:round/>
+            <a:headEnd type="none" w="med" len="med"/>
+            <a:tailEnd type="arrow" w="med" len="sm"/>
+          </a:ln>
+          <a:effectLst/>
+          <a:extLst>
+            <a:ext uri="{AF507438-7753-43E0-B8FC-AC1667EBCBE1}">
+              <a14:hiddenEffects xmlns:a14="http://schemas.microsoft.com/office/drawing/2010/main">
+                <a:effectLst>
+                  <a:outerShdw dist="35921" dir="2700000" algn="ctr" rotWithShape="0">
+                    <a:schemeClr val="bg2"/>
+                  </a:outerShdw>
+                </a:effectLst>
+              </a14:hiddenEffects>
+            </a:ext>
+          </a:extLst>
+        </p:spPr>
+      </p:cxnSp>
     </p:spTree>
   </p:cSld>
   <p:clrMapOvr>
@@ -19555,88 +20327,9 @@
   <p:timing>
     <p:tnLst>
       <p:par>
-        <p:cTn id="1" dur="indefinite" restart="never" nodeType="tmRoot">
-          <p:childTnLst>
-            <p:seq concurrent="1" nextAc="seek">
-              <p:cTn id="2" dur="indefinite" nodeType="mainSeq">
-                <p:childTnLst>
-                  <p:par>
-                    <p:cTn id="3" fill="hold">
-                      <p:stCondLst>
-                        <p:cond delay="indefinite"/>
-                      </p:stCondLst>
-                      <p:childTnLst>
-                        <p:par>
-                          <p:cTn id="4" fill="hold">
-                            <p:stCondLst>
-                              <p:cond delay="0"/>
-                            </p:stCondLst>
-                            <p:childTnLst>
-                              <p:par>
-                                <p:cTn id="5" presetID="10" presetClass="entr" presetSubtype="0" fill="hold" grpId="0" nodeType="clickEffect">
-                                  <p:stCondLst>
-                                    <p:cond delay="0"/>
-                                  </p:stCondLst>
-                                  <p:childTnLst>
-                                    <p:set>
-                                      <p:cBhvr>
-                                        <p:cTn id="6" dur="1" fill="hold">
-                                          <p:stCondLst>
-                                            <p:cond delay="0"/>
-                                          </p:stCondLst>
-                                        </p:cTn>
-                                        <p:tgtEl>
-                                          <p:spTgt spid="552"/>
-                                        </p:tgtEl>
-                                        <p:attrNameLst>
-                                          <p:attrName>style.visibility</p:attrName>
-                                        </p:attrNameLst>
-                                      </p:cBhvr>
-                                      <p:to>
-                                        <p:strVal val="visible"/>
-                                      </p:to>
-                                    </p:set>
-                                    <p:animEffect transition="in" filter="fade">
-                                      <p:cBhvr>
-                                        <p:cTn id="7" dur="500"/>
-                                        <p:tgtEl>
-                                          <p:spTgt spid="552"/>
-                                        </p:tgtEl>
-                                      </p:cBhvr>
-                                    </p:animEffect>
-                                  </p:childTnLst>
-                                </p:cTn>
-                              </p:par>
-                            </p:childTnLst>
-                          </p:cTn>
-                        </p:par>
-                      </p:childTnLst>
-                    </p:cTn>
-                  </p:par>
-                </p:childTnLst>
-              </p:cTn>
-              <p:prevCondLst>
-                <p:cond evt="onPrev" delay="0">
-                  <p:tgtEl>
-                    <p:sldTgt/>
-                  </p:tgtEl>
-                </p:cond>
-              </p:prevCondLst>
-              <p:nextCondLst>
-                <p:cond evt="onNext" delay="0">
-                  <p:tgtEl>
-                    <p:sldTgt/>
-                  </p:tgtEl>
-                </p:cond>
-              </p:nextCondLst>
-            </p:seq>
-          </p:childTnLst>
-        </p:cTn>
+        <p:cTn id="1" dur="indefinite" restart="never" nodeType="tmRoot"/>
       </p:par>
     </p:tnLst>
-    <p:bldLst>
-      <p:bldP spid="552" grpId="0"/>
-    </p:bldLst>
   </p:timing>
 </p:sld>
 </file>

--- a/ProjectPoster.pptx
+++ b/ProjectPoster.pptx
@@ -6047,7 +6047,7 @@
         </p:nvSpPr>
         <p:spPr bwMode="auto">
           <a:xfrm>
-            <a:off x="912099" y="18640233"/>
+            <a:off x="912099" y="18716433"/>
             <a:ext cx="5523461" cy="1009048"/>
           </a:xfrm>
           <a:prstGeom prst="rect">
@@ -7748,7 +7748,7 @@
         </p:nvSpPr>
         <p:spPr bwMode="auto">
           <a:xfrm>
-            <a:off x="899998" y="19649281"/>
+            <a:off x="899998" y="19873844"/>
             <a:ext cx="5405560" cy="1604237"/>
           </a:xfrm>
           <a:prstGeom prst="rect">
@@ -7808,7 +7808,7 @@
                 <a:latin typeface="Arial" panose="020B0604020202020204" pitchFamily="34" charset="0"/>
                 <a:cs typeface="Arial" panose="020B0604020202020204" pitchFamily="34" charset="0"/>
               </a:rPr>
-              <a:t>classification </a:t>
+              <a:t>based </a:t>
             </a:r>
             <a:r>
               <a:rPr lang="en-US" sz="2990" b="0" dirty="0" smtClean="0">
@@ -7818,47 +7818,7 @@
                 <a:latin typeface="Arial" panose="020B0604020202020204" pitchFamily="34" charset="0"/>
                 <a:cs typeface="Arial" panose="020B0604020202020204" pitchFamily="34" charset="0"/>
               </a:rPr>
-              <a:t>based</a:t>
-            </a:r>
-            <a:r>
-              <a:rPr lang="en-US" sz="2990" b="0" dirty="0">
-                <a:solidFill>
-                  <a:srgbClr val="000060"/>
-                </a:solidFill>
-                <a:latin typeface="Arial" panose="020B0604020202020204" pitchFamily="34" charset="0"/>
-                <a:cs typeface="Arial" panose="020B0604020202020204" pitchFamily="34" charset="0"/>
-              </a:rPr>
-              <a:t> </a:t>
-            </a:r>
-            <a:r>
-              <a:rPr lang="en-US" sz="2990" b="0" dirty="0" smtClean="0">
-                <a:solidFill>
-                  <a:srgbClr val="000060"/>
-                </a:solidFill>
-                <a:latin typeface="Arial" panose="020B0604020202020204" pitchFamily="34" charset="0"/>
-                <a:cs typeface="Arial" panose="020B0604020202020204" pitchFamily="34" charset="0"/>
-              </a:rPr>
-              <a:t>on </a:t>
-            </a:r>
-            <a:r>
-              <a:rPr lang="en-US" sz="2990" b="0" dirty="0" smtClean="0">
-                <a:solidFill>
-                  <a:srgbClr val="000060"/>
-                </a:solidFill>
-                <a:latin typeface="Arial" panose="020B0604020202020204" pitchFamily="34" charset="0"/>
-                <a:cs typeface="Arial" panose="020B0604020202020204" pitchFamily="34" charset="0"/>
-              </a:rPr>
-              <a:t>EEG </a:t>
-            </a:r>
-            <a:r>
-              <a:rPr lang="en-US" sz="2990" b="0" dirty="0" smtClean="0">
-                <a:solidFill>
-                  <a:srgbClr val="000060"/>
-                </a:solidFill>
-                <a:latin typeface="Arial" panose="020B0604020202020204" pitchFamily="34" charset="0"/>
-                <a:cs typeface="Arial" panose="020B0604020202020204" pitchFamily="34" charset="0"/>
-              </a:rPr>
-              <a:t>recordings.</a:t>
+              <a:t>on EEG recordings.</a:t>
             </a:r>
             <a:endParaRPr lang="en-US" sz="2990" b="0" dirty="0">
               <a:solidFill>
@@ -8831,7 +8791,7 @@
                   <a:latin typeface="Arial" panose="020B0604020202020204" pitchFamily="34" charset="0"/>
                   <a:cs typeface="Arial" panose="020B0604020202020204" pitchFamily="34" charset="0"/>
                 </a:rPr>
-                <a:t>BP filter</a:t>
+                <a:t>Down sampling</a:t>
               </a:r>
             </a:p>
             <a:p>
@@ -8840,11 +8800,18 @@
                 <a:buChar char="•"/>
               </a:pPr>
               <a:r>
+                <a:rPr lang="en-US" sz="1600" b="0" smtClean="0">
+                  <a:latin typeface="Arial" panose="020B0604020202020204" pitchFamily="34" charset="0"/>
+                  <a:cs typeface="Arial" panose="020B0604020202020204" pitchFamily="34" charset="0"/>
+                </a:rPr>
+                <a:t>DC notch </a:t>
+              </a:r>
+              <a:r>
                 <a:rPr lang="en-US" sz="1600" b="0" dirty="0" smtClean="0">
                   <a:latin typeface="Arial" panose="020B0604020202020204" pitchFamily="34" charset="0"/>
                   <a:cs typeface="Arial" panose="020B0604020202020204" pitchFamily="34" charset="0"/>
                 </a:rPr>
-                <a:t>Down sampling</a:t>
+                <a:t>filter</a:t>
               </a:r>
             </a:p>
             <a:p>
@@ -11367,8 +11334,8 @@
           </p:sp>
         </mc:Fallback>
       </mc:AlternateContent>
-      <mc:AlternateContent xmlns:mc="http://schemas.openxmlformats.org/markup-compatibility/2006">
-        <mc:Choice xmlns:a14="http://schemas.microsoft.com/office/drawing/2010/main" Requires="a14">
+      <mc:AlternateContent xmlns:mc="http://schemas.openxmlformats.org/markup-compatibility/2006" xmlns:a14="http://schemas.microsoft.com/office/drawing/2010/main">
+        <mc:Choice Requires="a14">
           <p:sp>
             <p:nvSpPr>
               <p:cNvPr id="2" name="מלבן 1"/>
@@ -11422,27 +11389,7 @@
                     <a:latin typeface="Arial" panose="020B0604020202020204" pitchFamily="34" charset="0"/>
                     <a:cs typeface="Arial" panose="020B0604020202020204" pitchFamily="34" charset="0"/>
                   </a:rPr>
-                  <a:t>For visualization purpose, we </a:t>
-                </a:r>
-                <a:r>
-                  <a:rPr lang="en-US" sz="2990" b="0" dirty="0" smtClean="0">
-                    <a:solidFill>
-                      <a:srgbClr val="000060"/>
-                    </a:solidFill>
-                    <a:latin typeface="Arial" panose="020B0604020202020204" pitchFamily="34" charset="0"/>
-                    <a:cs typeface="Arial" panose="020B0604020202020204" pitchFamily="34" charset="0"/>
-                  </a:rPr>
-                  <a:t>present the first 2 principle components (PCA</a:t>
-                </a:r>
-                <a:r>
-                  <a:rPr lang="en-US" sz="2990" b="0" dirty="0" smtClean="0">
-                    <a:solidFill>
-                      <a:srgbClr val="000060"/>
-                    </a:solidFill>
-                    <a:latin typeface="Arial" panose="020B0604020202020204" pitchFamily="34" charset="0"/>
-                    <a:cs typeface="Arial" panose="020B0604020202020204" pitchFamily="34" charset="0"/>
-                  </a:rPr>
-                  <a:t>).</a:t>
+                  <a:t>For visualization purpose, we present the first 2 principle components (PCA).</a:t>
                 </a:r>
                 <a:endParaRPr lang="en-US" sz="2990" b="0" dirty="0">
                   <a:solidFill>
@@ -11548,7 +11495,7 @@
             </p:txBody>
           </p:sp>
         </mc:Choice>
-        <mc:Fallback>
+        <mc:Fallback xmlns="">
           <p:sp>
             <p:nvSpPr>
               <p:cNvPr id="2" name="מלבן 1"/>
@@ -11647,8 +11594,8 @@
           </a:p>
         </p:txBody>
       </p:sp>
-      <mc:AlternateContent xmlns:mc="http://schemas.openxmlformats.org/markup-compatibility/2006">
-        <mc:Choice xmlns:a14="http://schemas.microsoft.com/office/drawing/2010/main" Requires="a14">
+      <mc:AlternateContent xmlns:mc="http://schemas.openxmlformats.org/markup-compatibility/2006" xmlns:a14="http://schemas.microsoft.com/office/drawing/2010/main">
+        <mc:Choice Requires="a14">
           <p:sp>
             <p:nvSpPr>
               <p:cNvPr id="111" name="Rectangle 4"/>
@@ -11755,25 +11702,8 @@
                     <a:latin typeface="Arial" panose="020B0604020202020204" pitchFamily="34" charset="0"/>
                     <a:cs typeface="Arial" panose="020B0604020202020204" pitchFamily="34" charset="0"/>
                   </a:rPr>
-                  <a:t> </a:t>
+                  <a:t> stimuli</a:t>
                 </a:r>
-                <a:r>
-                  <a:rPr lang="en-US" sz="2990" b="0" dirty="0" smtClean="0">
-                    <a:solidFill>
-                      <a:srgbClr val="000060"/>
-                    </a:solidFill>
-                    <a:latin typeface="Arial" panose="020B0604020202020204" pitchFamily="34" charset="0"/>
-                    <a:cs typeface="Arial" panose="020B0604020202020204" pitchFamily="34" charset="0"/>
-                  </a:rPr>
-                  <a:t>stimuli</a:t>
-                </a:r>
-                <a:endParaRPr lang="en-US" sz="2990" b="0" dirty="0" smtClean="0">
-                  <a:solidFill>
-                    <a:srgbClr val="000060"/>
-                  </a:solidFill>
-                  <a:latin typeface="Arial" panose="020B0604020202020204" pitchFamily="34" charset="0"/>
-                  <a:cs typeface="Arial" panose="020B0604020202020204" pitchFamily="34" charset="0"/>
-                </a:endParaRPr>
               </a:p>
               <a:p>
                 <a:pPr algn="just" rtl="0">
@@ -11973,7 +11903,7 @@
             </p:txBody>
           </p:sp>
         </mc:Choice>
-        <mc:Fallback>
+        <mc:Fallback xmlns="">
           <p:sp>
             <p:nvSpPr>
               <p:cNvPr id="111" name="Rectangle 4"/>
@@ -12471,8 +12401,8 @@
           </a:p>
         </p:txBody>
       </p:sp>
-      <mc:AlternateContent xmlns:mc="http://schemas.openxmlformats.org/markup-compatibility/2006">
-        <mc:Choice xmlns:a14="http://schemas.microsoft.com/office/drawing/2010/main" Requires="a14">
+      <mc:AlternateContent xmlns:mc="http://schemas.openxmlformats.org/markup-compatibility/2006" xmlns:a14="http://schemas.microsoft.com/office/drawing/2010/main">
+        <mc:Choice Requires="a14">
           <p:sp>
             <p:nvSpPr>
               <p:cNvPr id="15" name="מלבן 14"/>
@@ -13827,7 +13757,7 @@
             </p:txBody>
           </p:sp>
         </mc:Choice>
-        <mc:Fallback>
+        <mc:Fallback xmlns="">
           <p:sp>
             <p:nvSpPr>
               <p:cNvPr id="15" name="מלבן 14"/>
@@ -16321,8 +16251,8 @@
           </a:p>
         </p:txBody>
       </p:sp>
-      <mc:AlternateContent xmlns:mc="http://schemas.openxmlformats.org/markup-compatibility/2006">
-        <mc:Choice xmlns:a14="http://schemas.microsoft.com/office/drawing/2010/main" Requires="a14">
+      <mc:AlternateContent xmlns:mc="http://schemas.openxmlformats.org/markup-compatibility/2006" xmlns:a14="http://schemas.microsoft.com/office/drawing/2010/main">
+        <mc:Choice Requires="a14">
           <p:sp>
             <p:nvSpPr>
               <p:cNvPr id="4" name="TextBox 3"/>
@@ -17190,27 +17120,7 @@
                     <a:latin typeface="Arial" panose="020B0604020202020204" pitchFamily="34" charset="0"/>
                     <a:cs typeface="Arial" panose="020B0604020202020204" pitchFamily="34" charset="0"/>
                   </a:rPr>
-                  <a:t> into </a:t>
-                </a:r>
-                <a:r>
-                  <a:rPr lang="en-US" sz="2990" b="0" dirty="0" smtClean="0">
-                    <a:solidFill>
-                      <a:srgbClr val="000060"/>
-                    </a:solidFill>
-                    <a:latin typeface="Arial" panose="020B0604020202020204" pitchFamily="34" charset="0"/>
-                    <a:cs typeface="Arial" panose="020B0604020202020204" pitchFamily="34" charset="0"/>
-                  </a:rPr>
-                  <a:t>matrices</a:t>
-                </a:r>
-                <a:r>
-                  <a:rPr lang="en-US" sz="2990" b="0" dirty="0" smtClean="0">
-                    <a:solidFill>
-                      <a:srgbClr val="000060"/>
-                    </a:solidFill>
-                    <a:latin typeface="Arial" panose="020B0604020202020204" pitchFamily="34" charset="0"/>
-                    <a:cs typeface="Arial" panose="020B0604020202020204" pitchFamily="34" charset="0"/>
-                  </a:rPr>
-                  <a:t>.</a:t>
+                  <a:t> into matrices.</a:t>
                 </a:r>
                 <a:endParaRPr lang="he-IL" sz="2990" b="0" dirty="0">
                   <a:solidFill>
@@ -17223,7 +17133,7 @@
             </p:txBody>
           </p:sp>
         </mc:Choice>
-        <mc:Fallback>
+        <mc:Fallback xmlns="">
           <p:sp>
             <p:nvSpPr>
               <p:cNvPr id="4" name="TextBox 3"/>
@@ -17262,8 +17172,8 @@
           </p:sp>
         </mc:Fallback>
       </mc:AlternateContent>
-      <mc:AlternateContent xmlns:mc="http://schemas.openxmlformats.org/markup-compatibility/2006">
-        <mc:Choice xmlns:a14="http://schemas.microsoft.com/office/drawing/2010/main" Requires="a14">
+      <mc:AlternateContent xmlns:mc="http://schemas.openxmlformats.org/markup-compatibility/2006" xmlns:a14="http://schemas.microsoft.com/office/drawing/2010/main">
+        <mc:Choice Requires="a14">
           <p:sp>
             <p:nvSpPr>
               <p:cNvPr id="8" name="TextBox 7"/>
@@ -17499,27 +17409,7 @@
                     <a:latin typeface="Arial" panose="020B0604020202020204" pitchFamily="34" charset="0"/>
                     <a:cs typeface="Arial" panose="020B0604020202020204" pitchFamily="34" charset="0"/>
                   </a:rPr>
-                  <a:t>We used </a:t>
-                </a:r>
-                <a:r>
-                  <a:rPr lang="en-US" sz="2990" b="0" dirty="0" smtClean="0">
-                    <a:solidFill>
-                      <a:srgbClr val="000060"/>
-                    </a:solidFill>
-                    <a:latin typeface="Arial" panose="020B0604020202020204" pitchFamily="34" charset="0"/>
-                    <a:cs typeface="Arial" panose="020B0604020202020204" pitchFamily="34" charset="0"/>
-                  </a:rPr>
-                  <a:t>covariance matrices as </a:t>
-                </a:r>
-                <a:r>
-                  <a:rPr lang="en-US" sz="2990" b="0" dirty="0" smtClean="0">
-                    <a:solidFill>
-                      <a:srgbClr val="000060"/>
-                    </a:solidFill>
-                    <a:latin typeface="Arial" panose="020B0604020202020204" pitchFamily="34" charset="0"/>
-                    <a:cs typeface="Arial" panose="020B0604020202020204" pitchFamily="34" charset="0"/>
-                  </a:rPr>
-                  <a:t>features for the presented results. </a:t>
+                  <a:t>We used covariance matrices as features for the presented results. </a:t>
                 </a:r>
               </a:p>
               <a:p>
@@ -17547,17 +17437,7 @@
                     <a:latin typeface="Arial" panose="020B0604020202020204" pitchFamily="34" charset="0"/>
                     <a:cs typeface="Arial" panose="020B0604020202020204" pitchFamily="34" charset="0"/>
                   </a:rPr>
-                  <a:t>   </a:t>
-                </a:r>
-                <a:r>
-                  <a:rPr lang="en-US" sz="2990" b="0" dirty="0" smtClean="0">
-                    <a:solidFill>
-                      <a:srgbClr val="000060"/>
-                    </a:solidFill>
-                    <a:latin typeface="Arial" panose="020B0604020202020204" pitchFamily="34" charset="0"/>
-                    <a:cs typeface="Arial" panose="020B0604020202020204" pitchFamily="34" charset="0"/>
-                  </a:rPr>
-                  <a:t>The features extraction process: </a:t>
+                  <a:t>   The features extraction process: </a:t>
                 </a:r>
                 <a:endParaRPr lang="en-US" sz="2990" b="0" dirty="0">
                   <a:solidFill>
@@ -17570,7 +17450,7 @@
             </p:txBody>
           </p:sp>
         </mc:Choice>
-        <mc:Fallback>
+        <mc:Fallback xmlns="">
           <p:sp>
             <p:nvSpPr>
               <p:cNvPr id="8" name="TextBox 7"/>
@@ -19459,8 +19339,8 @@
             <a:chExt cx="2286000" cy="449989"/>
           </a:xfrm>
         </p:grpSpPr>
-        <mc:AlternateContent xmlns:mc="http://schemas.openxmlformats.org/markup-compatibility/2006">
-          <mc:Choice xmlns:a14="http://schemas.microsoft.com/office/drawing/2010/main" Requires="a14">
+        <mc:AlternateContent xmlns:mc="http://schemas.openxmlformats.org/markup-compatibility/2006" xmlns:a14="http://schemas.microsoft.com/office/drawing/2010/main">
+          <mc:Choice Requires="a14">
             <p:sp>
               <p:nvSpPr>
                 <p:cNvPr id="256" name="TextBox 255"/>
@@ -19536,7 +19416,7 @@
               </p:txBody>
             </p:sp>
           </mc:Choice>
-          <mc:Fallback>
+          <mc:Fallback xmlns="">
             <p:sp>
               <p:nvSpPr>
                 <p:cNvPr id="256" name="TextBox 255"/>
@@ -19866,8 +19746,8 @@
             <a:chExt cx="2286000" cy="449989"/>
           </a:xfrm>
         </p:grpSpPr>
-        <mc:AlternateContent xmlns:mc="http://schemas.openxmlformats.org/markup-compatibility/2006">
-          <mc:Choice xmlns:a14="http://schemas.microsoft.com/office/drawing/2010/main" Requires="a14">
+        <mc:AlternateContent xmlns:mc="http://schemas.openxmlformats.org/markup-compatibility/2006" xmlns:a14="http://schemas.microsoft.com/office/drawing/2010/main">
+          <mc:Choice Requires="a14">
             <p:sp>
               <p:nvSpPr>
                 <p:cNvPr id="279" name="TextBox 278"/>
@@ -19943,7 +19823,7 @@
               </p:txBody>
             </p:sp>
           </mc:Choice>
-          <mc:Fallback>
+          <mc:Fallback xmlns="">
             <p:sp>
               <p:nvSpPr>
                 <p:cNvPr id="279" name="TextBox 278"/>
@@ -20036,8 +19916,8 @@
             <a:chExt cx="2286000" cy="449989"/>
           </a:xfrm>
         </p:grpSpPr>
-        <mc:AlternateContent xmlns:mc="http://schemas.openxmlformats.org/markup-compatibility/2006">
-          <mc:Choice xmlns:a14="http://schemas.microsoft.com/office/drawing/2010/main" Requires="a14">
+        <mc:AlternateContent xmlns:mc="http://schemas.openxmlformats.org/markup-compatibility/2006" xmlns:a14="http://schemas.microsoft.com/office/drawing/2010/main">
+          <mc:Choice Requires="a14">
             <p:sp>
               <p:nvSpPr>
                 <p:cNvPr id="282" name="TextBox 281"/>
@@ -20113,7 +19993,7 @@
               </p:txBody>
             </p:sp>
           </mc:Choice>
-          <mc:Fallback>
+          <mc:Fallback xmlns="">
             <p:sp>
               <p:nvSpPr>
                 <p:cNvPr id="282" name="TextBox 281"/>
